--- a/Git.pptx
+++ b/Git.pptx
@@ -5,7 +5,7 @@
     <p:sldMasterId id="2147483672" r:id="rId1"/>
   </p:sldMasterIdLst>
   <p:notesMasterIdLst>
-    <p:notesMasterId r:id="rId20"/>
+    <p:notesMasterId r:id="rId21"/>
   </p:notesMasterIdLst>
   <p:sldIdLst>
     <p:sldId id="256" r:id="rId2"/>
@@ -26,6 +26,7 @@
     <p:sldId id="273" r:id="rId17"/>
     <p:sldId id="268" r:id="rId18"/>
     <p:sldId id="274" r:id="rId19"/>
+    <p:sldId id="275" r:id="rId20"/>
   </p:sldIdLst>
   <p:sldSz cx="9144000" cy="5143500" type="screen16x9"/>
   <p:notesSz cx="6858000" cy="9144000"/>
@@ -209,7 +210,7 @@
           <a:p>
             <a:fld id="{33381547-05E0-4487-994A-7D9BB6110CE3}" type="datetimeFigureOut">
               <a:rPr lang="en-US" smtClean="0"/>
-              <a:t>2/18/2018</a:t>
+              <a:t>2/19/2018</a:t>
             </a:fld>
             <a:endParaRPr lang="en-US"/>
           </a:p>
@@ -742,7 +743,7 @@
           <a:p>
             <a:fld id="{9BCAFB3A-A201-4A81-9A62-D67F100AA58A}" type="datetime1">
               <a:rPr lang="en-US" smtClean="0"/>
-              <a:t>2/18/2018</a:t>
+              <a:t>2/19/2018</a:t>
             </a:fld>
             <a:endParaRPr lang="en-US"/>
           </a:p>
@@ -943,7 +944,7 @@
           <a:p>
             <a:fld id="{7DE11374-A2B7-41AE-8033-2A16C9C315BE}" type="datetime1">
               <a:rPr lang="en-US" smtClean="0"/>
-              <a:t>2/18/2018</a:t>
+              <a:t>2/19/2018</a:t>
             </a:fld>
             <a:endParaRPr lang="en-US"/>
           </a:p>
@@ -1127,7 +1128,7 @@
           <a:p>
             <a:fld id="{003CE860-CDE9-47FD-8961-B87204FCAED0}" type="datetime1">
               <a:rPr lang="en-US" smtClean="0"/>
-              <a:t>2/18/2018</a:t>
+              <a:t>2/19/2018</a:t>
             </a:fld>
             <a:endParaRPr lang="en-US"/>
           </a:p>
@@ -1301,7 +1302,7 @@
           <a:p>
             <a:fld id="{D8B373B7-2714-496B-AC7F-949877B4F04A}" type="datetime1">
               <a:rPr lang="en-US" smtClean="0"/>
-              <a:t>2/18/2018</a:t>
+              <a:t>2/19/2018</a:t>
             </a:fld>
             <a:endParaRPr lang="en-US"/>
           </a:p>
@@ -1568,7 +1569,7 @@
           <a:p>
             <a:fld id="{CE745D14-7FA3-4662-9503-1B536274C00A}" type="datetime1">
               <a:rPr lang="en-US" smtClean="0"/>
-              <a:t>2/18/2018</a:t>
+              <a:t>2/19/2018</a:t>
             </a:fld>
             <a:endParaRPr lang="en-US"/>
           </a:p>
@@ -1860,7 +1861,7 @@
           <a:p>
             <a:fld id="{5478B0EB-2A72-4F43-8CAF-C7440ACC774F}" type="datetime1">
               <a:rPr lang="en-US" smtClean="0"/>
-              <a:t>2/18/2018</a:t>
+              <a:t>2/19/2018</a:t>
             </a:fld>
             <a:endParaRPr lang="en-US"/>
           </a:p>
@@ -2286,7 +2287,7 @@
           <a:p>
             <a:fld id="{BDCE1369-2FAE-4E88-8050-2E85AAD4F3EE}" type="datetime1">
               <a:rPr lang="en-US" smtClean="0"/>
-              <a:t>2/18/2018</a:t>
+              <a:t>2/19/2018</a:t>
             </a:fld>
             <a:endParaRPr lang="en-US"/>
           </a:p>
@@ -2408,7 +2409,7 @@
           <a:p>
             <a:fld id="{D69F136B-23D8-48FB-9D2C-09343557A784}" type="datetime1">
               <a:rPr lang="en-US" smtClean="0"/>
-              <a:t>2/18/2018</a:t>
+              <a:t>2/19/2018</a:t>
             </a:fld>
             <a:endParaRPr lang="en-US"/>
           </a:p>
@@ -2507,7 +2508,7 @@
           <a:p>
             <a:fld id="{B483751E-F4AA-4B81-94CB-B8B399EAF121}" type="datetime1">
               <a:rPr lang="en-US" smtClean="0"/>
-              <a:t>2/18/2018</a:t>
+              <a:t>2/19/2018</a:t>
             </a:fld>
             <a:endParaRPr lang="en-US"/>
           </a:p>
@@ -2788,7 +2789,7 @@
           <a:p>
             <a:fld id="{BBEC857F-B6C9-4254-A48F-750DB237DE80}" type="datetime1">
               <a:rPr lang="en-US" smtClean="0"/>
-              <a:t>2/18/2018</a:t>
+              <a:t>2/19/2018</a:t>
             </a:fld>
             <a:endParaRPr lang="en-US"/>
           </a:p>
@@ -3045,7 +3046,7 @@
           <a:p>
             <a:fld id="{E80361DC-3236-4346-B2E8-A2F97BA13056}" type="datetime1">
               <a:rPr lang="en-US" smtClean="0"/>
-              <a:t>2/18/2018</a:t>
+              <a:t>2/19/2018</a:t>
             </a:fld>
             <a:endParaRPr lang="en-US"/>
           </a:p>
@@ -3312,7 +3313,7 @@
           <a:p>
             <a:fld id="{7499E6B1-3F41-4666-B376-B8EF3143577A}" type="datetime1">
               <a:rPr lang="en-US" smtClean="0"/>
-              <a:t>2/18/2018</a:t>
+              <a:t>2/19/2018</a:t>
             </a:fld>
             <a:endParaRPr lang="en-US"/>
           </a:p>
@@ -6835,6 +6836,104 @@
 </p:sld>
 </file>
 
+<file path=ppt/slides/slide19.xml><?xml version="1.0" encoding="utf-8"?>
+<p:sld xmlns:a="http://schemas.openxmlformats.org/drawingml/2006/main" xmlns:r="http://schemas.openxmlformats.org/officeDocument/2006/relationships" xmlns:p="http://schemas.openxmlformats.org/presentationml/2006/main">
+  <p:cSld>
+    <p:spTree>
+      <p:nvGrpSpPr>
+        <p:cNvPr id="1" name=""/>
+        <p:cNvGrpSpPr/>
+        <p:nvPr/>
+      </p:nvGrpSpPr>
+      <p:grpSpPr>
+        <a:xfrm>
+          <a:off x="0" y="0"/>
+          <a:ext cx="0" cy="0"/>
+          <a:chOff x="0" y="0"/>
+          <a:chExt cx="0" cy="0"/>
+        </a:xfrm>
+      </p:grpSpPr>
+      <p:sp>
+        <p:nvSpPr>
+          <p:cNvPr id="2" name="Titel 1"/>
+          <p:cNvSpPr>
+            <a:spLocks noGrp="1"/>
+          </p:cNvSpPr>
+          <p:nvPr>
+            <p:ph type="title"/>
+          </p:nvPr>
+        </p:nvSpPr>
+        <p:spPr/>
+        <p:txBody>
+          <a:bodyPr/>
+          <a:lstStyle/>
+          <a:p>
+            <a:endParaRPr lang="de-DE"/>
+          </a:p>
+        </p:txBody>
+      </p:sp>
+      <p:sp>
+        <p:nvSpPr>
+          <p:cNvPr id="3" name="Inhaltsplatzhalter 2"/>
+          <p:cNvSpPr>
+            <a:spLocks noGrp="1"/>
+          </p:cNvSpPr>
+          <p:nvPr>
+            <p:ph idx="1"/>
+          </p:nvPr>
+        </p:nvSpPr>
+        <p:spPr/>
+        <p:txBody>
+          <a:bodyPr/>
+          <a:lstStyle/>
+          <a:p>
+            <a:endParaRPr lang="de-DE"/>
+          </a:p>
+        </p:txBody>
+      </p:sp>
+      <p:sp>
+        <p:nvSpPr>
+          <p:cNvPr id="4" name="Fußzeilenplatzhalter 3"/>
+          <p:cNvSpPr>
+            <a:spLocks noGrp="1"/>
+          </p:cNvSpPr>
+          <p:nvPr>
+            <p:ph type="ftr" sz="quarter" idx="11"/>
+          </p:nvPr>
+        </p:nvSpPr>
+        <p:spPr/>
+        <p:txBody>
+          <a:bodyPr/>
+          <a:lstStyle/>
+          <a:p>
+            <a:r>
+              <a:rPr lang="en-US" smtClean="0"/>
+              <a:t>TU Dresden – Robolab 2018</a:t>
+            </a:r>
+            <a:endParaRPr lang="en-US" dirty="0"/>
+          </a:p>
+        </p:txBody>
+      </p:sp>
+    </p:spTree>
+    <p:extLst>
+      <p:ext uri="{BB962C8B-B14F-4D97-AF65-F5344CB8AC3E}">
+        <p14:creationId xmlns:p14="http://schemas.microsoft.com/office/powerpoint/2010/main" val="915991720"/>
+      </p:ext>
+    </p:extLst>
+  </p:cSld>
+  <p:clrMapOvr>
+    <a:masterClrMapping/>
+  </p:clrMapOvr>
+  <p:timing>
+    <p:tnLst>
+      <p:par>
+        <p:cTn id="1" dur="indefinite" restart="never" nodeType="tmRoot"/>
+      </p:par>
+    </p:tnLst>
+  </p:timing>
+</p:sld>
+</file>
+
 <file path=ppt/slides/slide2.xml><?xml version="1.0" encoding="utf-8"?>
 <p:sld xmlns:a="http://schemas.openxmlformats.org/drawingml/2006/main" xmlns:r="http://schemas.openxmlformats.org/officeDocument/2006/relationships" xmlns:p="http://schemas.openxmlformats.org/presentationml/2006/main">
   <p:cSld>
@@ -6969,7 +7068,6 @@
               <a:rPr lang="de-DE" dirty="0" smtClean="0"/>
               <a:t> im Praktikum</a:t>
             </a:r>
-            <a:endParaRPr lang="de-DE" dirty="0" smtClean="0"/>
           </a:p>
         </p:txBody>
       </p:sp>
@@ -7144,11 +7242,7 @@
             </a:r>
             <a:r>
               <a:rPr lang="en-US" sz="2800" dirty="0" smtClean="0"/>
-              <a:t> </a:t>
-            </a:r>
-            <a:r>
-              <a:rPr lang="en-US" sz="2800" dirty="0" smtClean="0"/>
-              <a:t>SE </a:t>
+              <a:t> SE </a:t>
             </a:r>
             <a:r>
               <a:rPr lang="de-DE" sz="2800" dirty="0" smtClean="0"/>
@@ -7259,7 +7353,15 @@
                   <a:srgbClr val="FFFF00"/>
                 </a:solidFill>
               </a:rPr>
-              <a:t>man </a:t>
+              <a:t>man am </a:t>
+            </a:r>
+            <a:r>
+              <a:rPr lang="de-DE" sz="2800" dirty="0" smtClean="0">
+                <a:solidFill>
+                  <a:srgbClr val="FFFF00"/>
+                </a:solidFill>
+              </a:rPr>
+              <a:t>besten</a:t>
             </a:r>
             <a:r>
               <a:rPr lang="en-US" sz="2800" dirty="0" smtClean="0">
@@ -7267,31 +7369,7 @@
                   <a:srgbClr val="FFFF00"/>
                 </a:solidFill>
               </a:rPr>
-              <a:t>am </a:t>
-            </a:r>
-            <a:r>
-              <a:rPr lang="de-DE" sz="2800" dirty="0" smtClean="0">
-                <a:solidFill>
-                  <a:srgbClr val="FFFF00"/>
-                </a:solidFill>
-              </a:rPr>
-              <a:t>besten</a:t>
-            </a:r>
-            <a:r>
-              <a:rPr lang="en-US" sz="2800" dirty="0" smtClean="0">
-                <a:solidFill>
-                  <a:srgbClr val="FFFF00"/>
-                </a:solidFill>
-              </a:rPr>
-              <a:t> </a:t>
-            </a:r>
-            <a:r>
-              <a:rPr lang="en-US" sz="2800" dirty="0" smtClean="0">
-                <a:solidFill>
-                  <a:srgbClr val="FFFF00"/>
-                </a:solidFill>
-              </a:rPr>
-              <a:t>die Codebase?</a:t>
+              <a:t> die Codebase?</a:t>
             </a:r>
             <a:endParaRPr lang="en-US" sz="2800" dirty="0">
               <a:solidFill>
@@ -7598,11 +7676,7 @@
             </a:r>
             <a:r>
               <a:rPr lang="en-US" sz="4000" dirty="0" smtClean="0"/>
-              <a:t> der </a:t>
-            </a:r>
-            <a:r>
-              <a:rPr lang="en-US" sz="4000" dirty="0" smtClean="0"/>
-              <a:t>“</a:t>
+              <a:t> der “</a:t>
             </a:r>
             <a:r>
               <a:rPr lang="de-DE" sz="4000" dirty="0" smtClean="0"/>
@@ -7691,7 +7765,6 @@
               <a:rPr lang="en-US" sz="2800" dirty="0" smtClean="0"/>
               <a:t>?</a:t>
             </a:r>
-            <a:endParaRPr lang="en-US" sz="2800" dirty="0" smtClean="0"/>
           </a:p>
           <a:p>
             <a:pPr marL="457200" indent="-457200">

--- a/Git.pptx
+++ b/Git.pptx
@@ -5,7 +5,7 @@
     <p:sldMasterId id="2147483672" r:id="rId1"/>
   </p:sldMasterIdLst>
   <p:notesMasterIdLst>
-    <p:notesMasterId r:id="rId21"/>
+    <p:notesMasterId r:id="rId26"/>
   </p:notesMasterIdLst>
   <p:sldIdLst>
     <p:sldId id="256" r:id="rId2"/>
@@ -27,6 +27,11 @@
     <p:sldId id="268" r:id="rId18"/>
     <p:sldId id="274" r:id="rId19"/>
     <p:sldId id="275" r:id="rId20"/>
+    <p:sldId id="276" r:id="rId21"/>
+    <p:sldId id="280" r:id="rId22"/>
+    <p:sldId id="279" r:id="rId23"/>
+    <p:sldId id="278" r:id="rId24"/>
+    <p:sldId id="277" r:id="rId25"/>
   </p:sldIdLst>
   <p:sldSz cx="9144000" cy="5143500" type="screen16x9"/>
   <p:notesSz cx="6858000" cy="9144000"/>
@@ -3144,7 +3149,7 @@
         </p:nvSpPr>
         <p:spPr>
           <a:xfrm rot="16381612">
-            <a:off x="3346650" y="-239369"/>
+            <a:off x="3858428" y="-239369"/>
             <a:ext cx="8522554" cy="8163151"/>
           </a:xfrm>
           <a:prstGeom prst="rtTriangle">
@@ -3178,7 +3183,7 @@
           <a:lstStyle/>
           <a:p>
             <a:pPr algn="ctr"/>
-            <a:endParaRPr lang="en-US"/>
+            <a:endParaRPr lang="en-US" dirty="0"/>
           </a:p>
         </p:txBody>
       </p:sp>
@@ -3470,7 +3475,7 @@
         </p:blipFill>
         <p:spPr bwMode="auto">
           <a:xfrm>
-            <a:off x="7131324" y="4076347"/>
+            <a:off x="7657394" y="4076347"/>
             <a:ext cx="953206" cy="953206"/>
           </a:xfrm>
           <a:prstGeom prst="rect">
@@ -3811,114 +3816,45 @@
             <p:ph type="ctrTitle"/>
           </p:nvPr>
         </p:nvSpPr>
-        <p:spPr/>
+        <p:spPr>
+          <a:xfrm>
+            <a:off x="594799" y="783431"/>
+            <a:ext cx="7772400" cy="1102519"/>
+          </a:xfrm>
+        </p:spPr>
         <p:txBody>
           <a:bodyPr>
-            <a:normAutofit fontScale="90000"/>
+            <a:normAutofit/>
           </a:bodyPr>
           <a:lstStyle/>
           <a:p>
-            <a:r>
-              <a:rPr lang="en-US" sz="6700" dirty="0" err="1" smtClean="0">
-                <a:solidFill>
-                  <a:schemeClr val="bg1"/>
-                </a:solidFill>
+            <a:pPr algn="l"/>
+            <a:r>
+              <a:rPr lang="en-US" sz="5200" dirty="0" err="1" smtClean="0">
+                <a:latin typeface="Bahnschrift Light"/>
               </a:rPr>
               <a:t>Gettin</a:t>
             </a:r>
             <a:r>
-              <a:rPr lang="en-US" sz="6700" dirty="0" smtClean="0">
-                <a:solidFill>
-                  <a:schemeClr val="bg1"/>
-                </a:solidFill>
+              <a:rPr lang="en-US" sz="5200" dirty="0" smtClean="0">
+                <a:latin typeface="Bahnschrift Light"/>
               </a:rPr>
               <a:t>’ the hang of </a:t>
             </a:r>
             <a:r>
-              <a:rPr lang="en-US" sz="6700" dirty="0" err="1" smtClean="0">
+              <a:rPr lang="en-US" sz="5200" dirty="0" err="1" smtClean="0">
                 <a:solidFill>
                   <a:srgbClr val="81D4FA"/>
                 </a:solidFill>
+                <a:latin typeface="Bahnschrift Light"/>
               </a:rPr>
               <a:t>git</a:t>
             </a:r>
-            <a:r>
-              <a:rPr lang="en-US" dirty="0" smtClean="0">
-                <a:solidFill>
-                  <a:schemeClr val="bg1"/>
-                </a:solidFill>
-                <a:latin typeface="Chaparral Pro" pitchFamily="18" charset="0"/>
-              </a:rPr>
-              <a:t/>
-            </a:r>
-            <a:br>
-              <a:rPr lang="en-US" dirty="0" smtClean="0">
-                <a:solidFill>
-                  <a:schemeClr val="bg1"/>
-                </a:solidFill>
-                <a:latin typeface="Chaparral Pro" pitchFamily="18" charset="0"/>
-              </a:rPr>
-            </a:br>
-            <a:r>
-              <a:rPr lang="en-US" sz="3600" dirty="0" smtClean="0">
-                <a:solidFill>
-                  <a:srgbClr val="81D4FA"/>
-                </a:solidFill>
-                <a:latin typeface="Bahnschrift Light" panose="020B0502040204020203" pitchFamily="34" charset="0"/>
-              </a:rPr>
-              <a:t>Version control </a:t>
-            </a:r>
-            <a:r>
-              <a:rPr lang="en-US" sz="3600" dirty="0" smtClean="0">
-                <a:latin typeface="Bahnschrift Light" panose="020B0502040204020203" pitchFamily="34" charset="0"/>
-              </a:rPr>
-              <a:t>and why </a:t>
-            </a:r>
-            <a:r>
-              <a:rPr lang="en-US" sz="3600" dirty="0" err="1" smtClean="0">
-                <a:latin typeface="Bahnschrift Light" panose="020B0502040204020203" pitchFamily="34" charset="0"/>
-              </a:rPr>
-              <a:t>git</a:t>
-            </a:r>
-            <a:r>
-              <a:rPr lang="en-US" sz="3600" dirty="0" smtClean="0">
-                <a:latin typeface="Bahnschrift Light" panose="020B0502040204020203" pitchFamily="34" charset="0"/>
-              </a:rPr>
-              <a:t> matters</a:t>
-            </a:r>
-            <a:r>
-              <a:rPr lang="en-US" dirty="0" smtClean="0">
-                <a:latin typeface="Chaparral Pro" pitchFamily="18" charset="0"/>
-              </a:rPr>
-              <a:t/>
-            </a:r>
-            <a:br>
-              <a:rPr lang="en-US" dirty="0" smtClean="0">
-                <a:latin typeface="Chaparral Pro" pitchFamily="18" charset="0"/>
-              </a:rPr>
-            </a:br>
-            <a:r>
-              <a:rPr lang="en-US" dirty="0" smtClean="0">
-                <a:solidFill>
-                  <a:schemeClr val="bg1"/>
-                </a:solidFill>
-                <a:latin typeface="Chaparral Pro" pitchFamily="18" charset="0"/>
-              </a:rPr>
-              <a:t>  </a:t>
-            </a:r>
-            <a:br>
-              <a:rPr lang="en-US" dirty="0" smtClean="0">
-                <a:solidFill>
-                  <a:schemeClr val="bg1"/>
-                </a:solidFill>
-                <a:latin typeface="Chaparral Pro" pitchFamily="18" charset="0"/>
-              </a:rPr>
-            </a:br>
-            <a:endParaRPr lang="en-US" dirty="0">
+            <a:endParaRPr lang="en-US" sz="5200" dirty="0">
               <a:solidFill>
-                <a:schemeClr val="bg1"/>
+                <a:srgbClr val="81D4FA"/>
               </a:solidFill>
-              <a:latin typeface="Chaparral Pro" pitchFamily="18" charset="0"/>
+              <a:latin typeface="Bahnschrift Light"/>
             </a:endParaRPr>
           </a:p>
         </p:txBody>
@@ -3982,7 +3918,7 @@
         </p:nvSpPr>
         <p:spPr>
           <a:xfrm>
-            <a:off x="609600" y="971550"/>
+            <a:off x="457200" y="971550"/>
             <a:ext cx="76200" cy="1219200"/>
           </a:xfrm>
           <a:prstGeom prst="rect">
@@ -4061,6 +3997,90 @@
           </a:extLst>
         </p:spPr>
       </p:pic>
+      <p:sp>
+        <p:nvSpPr>
+          <p:cNvPr id="7" name="Titel 1"/>
+          <p:cNvSpPr txBox="1">
+            <a:spLocks/>
+          </p:cNvSpPr>
+          <p:nvPr/>
+        </p:nvSpPr>
+        <p:spPr>
+          <a:xfrm>
+            <a:off x="609600" y="1697831"/>
+            <a:ext cx="7772400" cy="1102519"/>
+          </a:xfrm>
+          <a:prstGeom prst="rect">
+            <a:avLst/>
+          </a:prstGeom>
+          <a:noFill/>
+        </p:spPr>
+        <p:txBody>
+          <a:bodyPr vert="horz" lIns="91440" tIns="45720" rIns="91440" bIns="45720" rtlCol="0" anchor="ctr">
+            <a:normAutofit fontScale="90000" lnSpcReduction="10000"/>
+          </a:bodyPr>
+          <a:lstStyle>
+            <a:lvl1pPr algn="ctr" defTabSz="914400" rtl="0" eaLnBrk="1" latinLnBrk="0" hangingPunct="1">
+              <a:spcBef>
+                <a:spcPct val="0"/>
+              </a:spcBef>
+              <a:buNone/>
+              <a:defRPr sz="4400" kern="1200">
+                <a:solidFill>
+                  <a:schemeClr val="bg1"/>
+                </a:solidFill>
+                <a:effectLst/>
+                <a:latin typeface="Bahnschrift Light" panose="020B0502040204020203" pitchFamily="34" charset="0"/>
+                <a:ea typeface="+mj-ea"/>
+                <a:cs typeface="+mj-cs"/>
+              </a:defRPr>
+            </a:lvl1pPr>
+          </a:lstStyle>
+          <a:p>
+            <a:pPr algn="l"/>
+            <a:r>
+              <a:rPr lang="en-US" sz="3600" dirty="0" smtClean="0">
+                <a:solidFill>
+                  <a:srgbClr val="81D4FA"/>
+                </a:solidFill>
+              </a:rPr>
+              <a:t>Version control </a:t>
+            </a:r>
+            <a:r>
+              <a:rPr lang="en-US" sz="3600" dirty="0" smtClean="0"/>
+              <a:t>and why </a:t>
+            </a:r>
+            <a:r>
+              <a:rPr lang="en-US" sz="3600" dirty="0" err="1" smtClean="0"/>
+              <a:t>git</a:t>
+            </a:r>
+            <a:r>
+              <a:rPr lang="en-US" sz="3600" dirty="0" smtClean="0"/>
+              <a:t> matters</a:t>
+            </a:r>
+            <a:r>
+              <a:rPr lang="en-US" dirty="0" smtClean="0">
+                <a:latin typeface="Chaparral Pro" pitchFamily="18" charset="0"/>
+              </a:rPr>
+              <a:t/>
+            </a:r>
+            <a:br>
+              <a:rPr lang="en-US" dirty="0" smtClean="0">
+                <a:latin typeface="Chaparral Pro" pitchFamily="18" charset="0"/>
+              </a:rPr>
+            </a:br>
+            <a:r>
+              <a:rPr lang="en-US" dirty="0" smtClean="0">
+                <a:latin typeface="Chaparral Pro" pitchFamily="18" charset="0"/>
+              </a:rPr>
+              <a:t>  </a:t>
+            </a:r>
+            <a:endParaRPr lang="en-US" dirty="0">
+              <a:latin typeface="Chaparral Pro" pitchFamily="18" charset="0"/>
+            </a:endParaRPr>
+          </a:p>
+        </p:txBody>
+      </p:sp>
     </p:spTree>
     <p:extLst>
       <p:ext uri="{BB962C8B-B14F-4D97-AF65-F5344CB8AC3E}">
@@ -4115,18 +4135,18 @@
           <a:p>
             <a:pPr algn="l"/>
             <a:r>
-              <a:rPr lang="en-US" dirty="0" err="1"/>
+              <a:rPr lang="en-US" sz="4000" dirty="0" err="1"/>
               <a:t>g</a:t>
             </a:r>
             <a:r>
-              <a:rPr lang="en-US" dirty="0" err="1" smtClean="0"/>
+              <a:rPr lang="en-US" sz="4000" dirty="0" err="1" smtClean="0"/>
               <a:t>it</a:t>
             </a:r>
             <a:r>
-              <a:rPr lang="en-US" dirty="0" smtClean="0"/>
+              <a:rPr lang="en-US" sz="4000" dirty="0" smtClean="0"/>
               <a:t> – Basic Workflow</a:t>
             </a:r>
-            <a:endParaRPr lang="de-DE" dirty="0"/>
+            <a:endParaRPr lang="de-DE" sz="4000" dirty="0"/>
           </a:p>
         </p:txBody>
       </p:sp>
@@ -4142,7 +4162,9 @@
         </p:nvSpPr>
         <p:spPr/>
         <p:txBody>
-          <a:bodyPr/>
+          <a:bodyPr>
+            <a:normAutofit/>
+          </a:bodyPr>
           <a:lstStyle/>
           <a:p>
             <a:r>
@@ -4199,7 +4221,11 @@
             </a:r>
             <a:r>
               <a:rPr lang="de-DE" sz="2400" dirty="0" smtClean="0"/>
-              <a:t> im Arbeitsverzeichnis</a:t>
+              <a:t> im </a:t>
+            </a:r>
+            <a:r>
+              <a:rPr lang="de-DE" sz="2400" dirty="0" smtClean="0"/>
+              <a:t>Arbeitsverzeichnis</a:t>
             </a:r>
           </a:p>
           <a:p>
@@ -4212,7 +4238,11 @@
             </a:pPr>
             <a:r>
               <a:rPr lang="de-DE" sz="2400" dirty="0" smtClean="0"/>
-              <a:t>jetzt können Dateien zum </a:t>
+              <a:t>jetzt </a:t>
+            </a:r>
+            <a:r>
+              <a:rPr lang="de-DE" sz="2400" dirty="0" smtClean="0"/>
+              <a:t>können Dateien zum </a:t>
             </a:r>
             <a:r>
               <a:rPr lang="de-DE" sz="2400" dirty="0" smtClean="0">
@@ -4435,22 +4465,22 @@
           <a:p>
             <a:pPr algn="l"/>
             <a:r>
-              <a:rPr lang="en-US" dirty="0" err="1" smtClean="0"/>
+              <a:rPr lang="en-US" sz="4000" dirty="0" err="1" smtClean="0"/>
               <a:t>git</a:t>
             </a:r>
             <a:r>
-              <a:rPr lang="en-US" dirty="0" smtClean="0"/>
+              <a:rPr lang="en-US" sz="4000" dirty="0" smtClean="0"/>
               <a:t> </a:t>
             </a:r>
             <a:r>
-              <a:rPr lang="en-US" dirty="0" err="1" smtClean="0"/>
+              <a:rPr lang="en-US" sz="4000" dirty="0" err="1" smtClean="0"/>
               <a:t>init</a:t>
             </a:r>
             <a:r>
-              <a:rPr lang="en-US" dirty="0" smtClean="0"/>
+              <a:rPr lang="en-US" sz="4000" dirty="0" smtClean="0"/>
               <a:t> - result</a:t>
             </a:r>
-            <a:endParaRPr lang="de-DE" dirty="0"/>
+            <a:endParaRPr lang="de-DE" sz="4000" dirty="0"/>
           </a:p>
         </p:txBody>
       </p:sp>
@@ -4786,14 +4816,14 @@
           <a:p>
             <a:pPr algn="l"/>
             <a:r>
-              <a:rPr lang="en-US" dirty="0" err="1" smtClean="0"/>
+              <a:rPr lang="en-US" sz="4000" dirty="0" err="1" smtClean="0"/>
               <a:t>git</a:t>
             </a:r>
             <a:r>
-              <a:rPr lang="en-US" dirty="0" smtClean="0"/>
+              <a:rPr lang="en-US" sz="4000" dirty="0" smtClean="0"/>
               <a:t> – Basic Workflow</a:t>
             </a:r>
-            <a:endParaRPr lang="de-DE" dirty="0"/>
+            <a:endParaRPr lang="de-DE" sz="4000" dirty="0"/>
           </a:p>
         </p:txBody>
       </p:sp>
@@ -4809,7 +4839,9 @@
         </p:nvSpPr>
         <p:spPr/>
         <p:txBody>
-          <a:bodyPr/>
+          <a:bodyPr>
+            <a:normAutofit/>
+          </a:bodyPr>
           <a:lstStyle/>
           <a:p>
             <a:pPr marL="457200" indent="-457200">
@@ -4820,11 +4852,11 @@
               <a:buChar char="•"/>
             </a:pPr>
             <a:r>
-              <a:rPr lang="de-DE" dirty="0" smtClean="0"/>
+              <a:rPr lang="de-DE" sz="2400" dirty="0" smtClean="0"/>
               <a:t>nach dem </a:t>
             </a:r>
             <a:r>
-              <a:rPr lang="de-DE" dirty="0" err="1" smtClean="0">
+              <a:rPr lang="de-DE" sz="2400" dirty="0" err="1" smtClean="0">
                 <a:solidFill>
                   <a:srgbClr val="81D4FA"/>
                 </a:solidFill>
@@ -4832,7 +4864,7 @@
               <a:t>init</a:t>
             </a:r>
             <a:r>
-              <a:rPr lang="de-DE" dirty="0" smtClean="0">
+              <a:rPr lang="de-DE" sz="2400" dirty="0" smtClean="0">
                 <a:solidFill>
                   <a:srgbClr val="81D4FA"/>
                 </a:solidFill>
@@ -4840,9 +4872,10 @@
               <a:t> </a:t>
             </a:r>
             <a:r>
-              <a:rPr lang="de-DE" dirty="0" smtClean="0"/>
+              <a:rPr lang="de-DE" sz="2400" dirty="0" smtClean="0"/>
               <a:t>kann am Projekt gearbeitet werden</a:t>
             </a:r>
+            <a:endParaRPr lang="de-DE" sz="2400" dirty="0" smtClean="0"/>
           </a:p>
           <a:p>
             <a:pPr marL="457200" indent="-457200">
@@ -4853,7 +4886,7 @@
               <a:buChar char="•"/>
             </a:pPr>
             <a:r>
-              <a:rPr lang="de-DE" dirty="0" smtClean="0"/>
+              <a:rPr lang="de-DE" sz="2400" dirty="0" smtClean="0"/>
               <a:t>Erstellen/Updaten/Löschen von Dateien</a:t>
             </a:r>
           </a:p>
@@ -4866,19 +4899,19 @@
               <a:buChar char="•"/>
             </a:pPr>
             <a:r>
-              <a:rPr lang="en-US" dirty="0" err="1" smtClean="0"/>
+              <a:rPr lang="en-US" sz="2400" dirty="0" err="1" smtClean="0"/>
               <a:t>git</a:t>
             </a:r>
             <a:r>
-              <a:rPr lang="en-US" dirty="0" smtClean="0"/>
+              <a:rPr lang="en-US" sz="2400" dirty="0" smtClean="0"/>
               <a:t> </a:t>
             </a:r>
             <a:r>
-              <a:rPr lang="de-DE" dirty="0" smtClean="0"/>
+              <a:rPr lang="de-DE" sz="2400" dirty="0" smtClean="0"/>
               <a:t>registriert </a:t>
             </a:r>
             <a:r>
-              <a:rPr lang="de-DE" dirty="0" smtClean="0">
+              <a:rPr lang="de-DE" sz="2400" dirty="0" smtClean="0">
                 <a:solidFill>
                   <a:srgbClr val="81D4FA"/>
                 </a:solidFill>
@@ -4886,10 +4919,44 @@
               <a:t>Änderungen</a:t>
             </a:r>
             <a:r>
-              <a:rPr lang="de-DE" dirty="0" smtClean="0"/>
-              <a:t> im Arbeitsverzeichnis</a:t>
-            </a:r>
-            <a:endParaRPr lang="de-DE" dirty="0"/>
+              <a:rPr lang="de-DE" sz="2400" dirty="0" smtClean="0"/>
+              <a:t> </a:t>
+            </a:r>
+            <a:r>
+              <a:rPr lang="de-DE" sz="2400" dirty="0" smtClean="0"/>
+              <a:t>im </a:t>
+            </a:r>
+            <a:r>
+              <a:rPr lang="de-DE" sz="2400" dirty="0" smtClean="0"/>
+              <a:t>Arbeitsverzeichnis</a:t>
+            </a:r>
+          </a:p>
+          <a:p>
+            <a:pPr marL="457200" indent="-457200">
+              <a:buClr>
+                <a:srgbClr val="FFFF00"/>
+              </a:buClr>
+              <a:buFont typeface="Arial" panose="020B0604020202020204" pitchFamily="34" charset="0"/>
+              <a:buChar char="•"/>
+            </a:pPr>
+            <a:r>
+              <a:rPr lang="de-DE" sz="2400" dirty="0" smtClean="0"/>
+              <a:t>Änderungen können dann veröffentlicht werden</a:t>
+            </a:r>
+          </a:p>
+          <a:p>
+            <a:pPr marL="457200" indent="-457200">
+              <a:buClr>
+                <a:srgbClr val="FFFF00"/>
+              </a:buClr>
+              <a:buFont typeface="Arial" panose="020B0604020202020204" pitchFamily="34" charset="0"/>
+              <a:buChar char="•"/>
+            </a:pPr>
+            <a:r>
+              <a:rPr lang="de-DE" sz="2400" dirty="0" smtClean="0"/>
+              <a:t>Änderungen anderer Entwickler können lokal eingepflegt werden</a:t>
+            </a:r>
+            <a:endParaRPr lang="de-DE" sz="2400" dirty="0"/>
           </a:p>
         </p:txBody>
       </p:sp>
@@ -4970,10 +5037,10 @@
           <a:p>
             <a:pPr algn="l"/>
             <a:r>
-              <a:rPr lang="en-US" dirty="0" smtClean="0"/>
+              <a:rPr lang="en-US" sz="4000" dirty="0" smtClean="0"/>
               <a:t>Status des Repository</a:t>
             </a:r>
-            <a:endParaRPr lang="de-DE" dirty="0"/>
+            <a:endParaRPr lang="de-DE" sz="4000" dirty="0"/>
           </a:p>
         </p:txBody>
       </p:sp>
@@ -4990,7 +5057,7 @@
         <p:spPr/>
         <p:txBody>
           <a:bodyPr>
-            <a:normAutofit fontScale="92500" lnSpcReduction="10000"/>
+            <a:normAutofit/>
           </a:bodyPr>
           <a:lstStyle/>
           <a:p>
@@ -5001,7 +5068,7 @@
               <a:buFont typeface="Arial" panose="020B0604020202020204" pitchFamily="34" charset="0"/>
               <a:buChar char="•"/>
             </a:pPr>
-            <a:endParaRPr lang="de-DE" dirty="0" smtClean="0"/>
+            <a:endParaRPr lang="de-DE" sz="2400" dirty="0" smtClean="0"/>
           </a:p>
           <a:p>
             <a:pPr marL="457200" indent="-457200">
@@ -5012,9 +5079,18 @@
               <a:buChar char="•"/>
             </a:pPr>
             <a:r>
-              <a:rPr lang="de-DE" dirty="0" smtClean="0"/>
-              <a:t>Zusammenfassung der Änderungen</a:t>
-            </a:r>
+              <a:rPr lang="de-DE" sz="2400" dirty="0" smtClean="0"/>
+              <a:t>Zusammenfassung der </a:t>
+            </a:r>
+            <a:r>
+              <a:rPr lang="de-DE" sz="2400" dirty="0" smtClean="0"/>
+              <a:t>Änderungen seit letztem </a:t>
+            </a:r>
+            <a:r>
+              <a:rPr lang="de-DE" sz="2400" dirty="0" err="1" smtClean="0"/>
+              <a:t>commit</a:t>
+            </a:r>
+            <a:endParaRPr lang="de-DE" sz="2400" dirty="0" smtClean="0"/>
           </a:p>
           <a:p>
             <a:pPr marL="457200" indent="-457200">
@@ -5025,8 +5101,12 @@
               <a:buChar char="•"/>
             </a:pPr>
             <a:r>
-              <a:rPr lang="de-DE" dirty="0" smtClean="0"/>
-              <a:t>listet neue, gelöschte und geänderte Dateien auf</a:t>
+              <a:rPr lang="de-DE" sz="2400" dirty="0" smtClean="0"/>
+              <a:t>Listet neue</a:t>
+            </a:r>
+            <a:r>
+              <a:rPr lang="de-DE" sz="2400" dirty="0" smtClean="0"/>
+              <a:t>, gelöschte und geänderte Dateien auf</a:t>
             </a:r>
           </a:p>
           <a:p>
@@ -5038,26 +5118,26 @@
               <a:buChar char="•"/>
             </a:pPr>
             <a:r>
-              <a:rPr lang="de-DE" dirty="0" smtClean="0"/>
+              <a:rPr lang="de-DE" sz="2400" dirty="0" smtClean="0"/>
               <a:t>unterstützt bei der Entscheidung</a:t>
             </a:r>
             <a:r>
-              <a:rPr lang="en-US" dirty="0" smtClean="0"/>
+              <a:rPr lang="en-US" sz="2400" dirty="0" smtClean="0"/>
               <a:t>,</a:t>
             </a:r>
             <a:r>
-              <a:rPr lang="de-DE" dirty="0" smtClean="0"/>
+              <a:rPr lang="de-DE" sz="2400" dirty="0" smtClean="0"/>
               <a:t/>
             </a:r>
             <a:br>
-              <a:rPr lang="de-DE" dirty="0" smtClean="0"/>
+              <a:rPr lang="de-DE" sz="2400" dirty="0" smtClean="0"/>
             </a:br>
             <a:r>
-              <a:rPr lang="de-DE" dirty="0" smtClean="0"/>
+              <a:rPr lang="de-DE" sz="2400" dirty="0" smtClean="0"/>
               <a:t>welche Änderungen in einem </a:t>
             </a:r>
             <a:r>
-              <a:rPr lang="de-DE" dirty="0" err="1" smtClean="0">
+              <a:rPr lang="de-DE" sz="2400" dirty="0" err="1" smtClean="0">
                 <a:solidFill>
                   <a:srgbClr val="81D4FA"/>
                 </a:solidFill>
@@ -5065,7 +5145,7 @@
               <a:t>commit</a:t>
             </a:r>
             <a:r>
-              <a:rPr lang="de-DE" dirty="0" smtClean="0">
+              <a:rPr lang="de-DE" sz="2400" dirty="0" smtClean="0">
                 <a:solidFill>
                   <a:srgbClr val="81D4FA"/>
                 </a:solidFill>
@@ -5073,7 +5153,7 @@
               <a:t> </a:t>
             </a:r>
             <a:r>
-              <a:rPr lang="de-DE" dirty="0" smtClean="0"/>
+              <a:rPr lang="de-DE" sz="2400" dirty="0" smtClean="0"/>
               <a:t>eingepflegt werden sollen</a:t>
             </a:r>
           </a:p>
@@ -5133,7 +5213,7 @@
         </p:blipFill>
         <p:spPr bwMode="auto">
           <a:xfrm>
-            <a:off x="545432" y="1104900"/>
+            <a:off x="457200" y="1162050"/>
             <a:ext cx="1452563" cy="495300"/>
           </a:xfrm>
           <a:prstGeom prst="rect">
@@ -5495,14 +5575,14 @@
           <a:p>
             <a:pPr algn="l"/>
             <a:r>
-              <a:rPr lang="en-US" dirty="0" err="1" smtClean="0"/>
+              <a:rPr lang="en-US" sz="4000" dirty="0" err="1" smtClean="0"/>
               <a:t>git</a:t>
             </a:r>
             <a:r>
-              <a:rPr lang="en-US" dirty="0" smtClean="0"/>
+              <a:rPr lang="en-US" sz="4000" dirty="0" smtClean="0"/>
               <a:t> – Basic Workflow</a:t>
             </a:r>
-            <a:endParaRPr lang="de-DE" dirty="0"/>
+            <a:endParaRPr lang="de-DE" sz="4000" dirty="0"/>
           </a:p>
         </p:txBody>
       </p:sp>
@@ -5819,16 +5899,34 @@
                 </a:solidFill>
                 <a:latin typeface="Bahnschrift Light" panose="020B0502040204020203" pitchFamily="34" charset="0"/>
               </a:rPr>
-              <a:t> &lt;filename</a:t>
+              <a:t> </a:t>
+            </a:r>
+            <a:r>
+              <a:rPr lang="en-US" dirty="0" smtClean="0">
+                <a:solidFill>
+                  <a:srgbClr val="81D4FA"/>
+                </a:solidFill>
+                <a:latin typeface="Bahnschrift Light" panose="020B0502040204020203" pitchFamily="34" charset="0"/>
+              </a:rPr>
+              <a:t>&lt;filename</a:t>
             </a:r>
             <a:r>
               <a:rPr lang="de-DE" dirty="0" smtClean="0">
                 <a:solidFill>
+                  <a:srgbClr val="81D4FA"/>
+                </a:solidFill>
+                <a:latin typeface="Bahnschrift Light" panose="020B0502040204020203" pitchFamily="34" charset="0"/>
+              </a:rPr>
+              <a:t>&gt; </a:t>
+            </a:r>
+            <a:r>
+              <a:rPr lang="de-DE" dirty="0" smtClean="0">
+                <a:solidFill>
                   <a:schemeClr val="bg1"/>
                 </a:solidFill>
                 <a:latin typeface="Bahnschrift Light" panose="020B0502040204020203" pitchFamily="34" charset="0"/>
               </a:rPr>
-              <a:t>&gt; hinzu</a:t>
+              <a:t>hinzu</a:t>
             </a:r>
             <a:endParaRPr lang="en-US" dirty="0" smtClean="0">
               <a:solidFill>
@@ -5868,25 +5966,43 @@
                 </a:solidFill>
                 <a:latin typeface="Bahnschrift Light" panose="020B0502040204020203" pitchFamily="34" charset="0"/>
               </a:rPr>
-              <a:t>fügt alle Dateien mit der Dateiendung &lt;</a:t>
+              <a:t>fügt alle Dateien mit der Dateiendung </a:t>
+            </a:r>
+            <a:r>
+              <a:rPr lang="de-DE" dirty="0" smtClean="0">
+                <a:solidFill>
+                  <a:srgbClr val="81D4FA"/>
+                </a:solidFill>
+                <a:latin typeface="Bahnschrift Light" panose="020B0502040204020203" pitchFamily="34" charset="0"/>
+              </a:rPr>
+              <a:t>&lt;</a:t>
             </a:r>
             <a:r>
               <a:rPr lang="de-DE" dirty="0" err="1" smtClean="0">
                 <a:solidFill>
+                  <a:srgbClr val="81D4FA"/>
+                </a:solidFill>
+                <a:latin typeface="Bahnschrift Light" panose="020B0502040204020203" pitchFamily="34" charset="0"/>
+              </a:rPr>
+              <a:t>extension</a:t>
+            </a:r>
+            <a:r>
+              <a:rPr lang="de-DE" dirty="0" smtClean="0">
+                <a:solidFill>
+                  <a:srgbClr val="81D4FA"/>
+                </a:solidFill>
+                <a:latin typeface="Bahnschrift Light" panose="020B0502040204020203" pitchFamily="34" charset="0"/>
+              </a:rPr>
+              <a:t>&gt; </a:t>
+            </a:r>
+            <a:r>
+              <a:rPr lang="de-DE" dirty="0" smtClean="0">
+                <a:solidFill>
                   <a:schemeClr val="bg1"/>
                 </a:solidFill>
                 <a:latin typeface="Bahnschrift Light" panose="020B0502040204020203" pitchFamily="34" charset="0"/>
               </a:rPr>
-              <a:t>extension</a:t>
-            </a:r>
-            <a:r>
-              <a:rPr lang="de-DE" dirty="0" smtClean="0">
-                <a:solidFill>
-                  <a:schemeClr val="bg1"/>
-                </a:solidFill>
-                <a:latin typeface="Bahnschrift Light" panose="020B0502040204020203" pitchFamily="34" charset="0"/>
-              </a:rPr>
-              <a:t>&gt; hinzu</a:t>
+              <a:t>hinzu</a:t>
             </a:r>
           </a:p>
         </p:txBody>
@@ -6435,14 +6551,14 @@
           <a:p>
             <a:pPr algn="l"/>
             <a:r>
-              <a:rPr lang="en-US" dirty="0" err="1" smtClean="0"/>
+              <a:rPr lang="en-US" sz="4000" dirty="0" err="1" smtClean="0"/>
               <a:t>git</a:t>
             </a:r>
             <a:r>
-              <a:rPr lang="en-US" dirty="0" smtClean="0"/>
+              <a:rPr lang="en-US" sz="4000" dirty="0" smtClean="0"/>
               <a:t> commit</a:t>
             </a:r>
-            <a:endParaRPr lang="de-DE" dirty="0"/>
+            <a:endParaRPr lang="de-DE" sz="4000" dirty="0"/>
           </a:p>
         </p:txBody>
       </p:sp>
@@ -6467,7 +6583,23 @@
                   <a:srgbClr val="FFFF00"/>
                 </a:solidFill>
               </a:rPr>
-              <a:t>Ein Commit beschreibt eine Menge von Änderungen an Ressourcen eines Repository.</a:t>
+              <a:t>„Ein </a:t>
+            </a:r>
+            <a:r>
+              <a:rPr lang="de-DE" dirty="0" smtClean="0">
+                <a:solidFill>
+                  <a:srgbClr val="FFFF00"/>
+                </a:solidFill>
+              </a:rPr>
+              <a:t>Commit beschreibt eine Menge von Änderungen an Ressourcen eines Repository</a:t>
+            </a:r>
+            <a:r>
+              <a:rPr lang="de-DE" dirty="0" smtClean="0">
+                <a:solidFill>
+                  <a:srgbClr val="FFFF00"/>
+                </a:solidFill>
+              </a:rPr>
+              <a:t>.“</a:t>
             </a:r>
             <a:endParaRPr lang="de-DE" dirty="0">
               <a:solidFill>
@@ -6554,14 +6686,14 @@
           <a:p>
             <a:pPr algn="l"/>
             <a:r>
-              <a:rPr lang="en-US" dirty="0" err="1" smtClean="0"/>
+              <a:rPr lang="en-US" sz="4000" dirty="0" err="1" smtClean="0"/>
               <a:t>git</a:t>
             </a:r>
             <a:r>
-              <a:rPr lang="en-US" dirty="0" smtClean="0"/>
+              <a:rPr lang="en-US" sz="4000" dirty="0" smtClean="0"/>
               <a:t> commit</a:t>
             </a:r>
-            <a:endParaRPr lang="de-DE" dirty="0"/>
+            <a:endParaRPr lang="de-DE" sz="4000" dirty="0"/>
           </a:p>
         </p:txBody>
       </p:sp>
@@ -6785,7 +6917,7 @@
         </p:blipFill>
         <p:spPr bwMode="auto">
           <a:xfrm>
-            <a:off x="533400" y="1276350"/>
+            <a:off x="457200" y="1200150"/>
             <a:ext cx="3962400" cy="481013"/>
           </a:xfrm>
           <a:prstGeom prst="rect">
@@ -6855,44 +6987,6 @@
       </p:grpSpPr>
       <p:sp>
         <p:nvSpPr>
-          <p:cNvPr id="2" name="Titel 1"/>
-          <p:cNvSpPr>
-            <a:spLocks noGrp="1"/>
-          </p:cNvSpPr>
-          <p:nvPr>
-            <p:ph type="title"/>
-          </p:nvPr>
-        </p:nvSpPr>
-        <p:spPr/>
-        <p:txBody>
-          <a:bodyPr/>
-          <a:lstStyle/>
-          <a:p>
-            <a:endParaRPr lang="de-DE"/>
-          </a:p>
-        </p:txBody>
-      </p:sp>
-      <p:sp>
-        <p:nvSpPr>
-          <p:cNvPr id="3" name="Inhaltsplatzhalter 2"/>
-          <p:cNvSpPr>
-            <a:spLocks noGrp="1"/>
-          </p:cNvSpPr>
-          <p:nvPr>
-            <p:ph idx="1"/>
-          </p:nvPr>
-        </p:nvSpPr>
-        <p:spPr/>
-        <p:txBody>
-          <a:bodyPr/>
-          <a:lstStyle/>
-          <a:p>
-            <a:endParaRPr lang="de-DE"/>
-          </a:p>
-        </p:txBody>
-      </p:sp>
-      <p:sp>
-        <p:nvSpPr>
           <p:cNvPr id="4" name="Fußzeilenplatzhalter 3"/>
           <p:cNvSpPr>
             <a:spLocks noGrp="1"/>
@@ -6914,6 +7008,60 @@
           </a:p>
         </p:txBody>
       </p:sp>
+      <p:pic>
+        <p:nvPicPr>
+          <p:cNvPr id="8" name="Picture 4"/>
+          <p:cNvPicPr>
+            <a:picLocks noChangeAspect="1" noChangeArrowheads="1"/>
+          </p:cNvPicPr>
+          <p:nvPr/>
+        </p:nvPicPr>
+        <p:blipFill>
+          <a:blip r:embed="rId2">
+            <a:extLst>
+              <a:ext uri="{28A0092B-C50C-407E-A947-70E740481C1C}">
+                <a14:useLocalDpi xmlns:a14="http://schemas.microsoft.com/office/drawing/2010/main" val="0"/>
+              </a:ext>
+            </a:extLst>
+          </a:blip>
+          <a:srcRect/>
+          <a:stretch>
+            <a:fillRect/>
+          </a:stretch>
+        </p:blipFill>
+        <p:spPr bwMode="auto">
+          <a:xfrm>
+            <a:off x="310282" y="381176"/>
+            <a:ext cx="6934200" cy="4242636"/>
+          </a:xfrm>
+          <a:prstGeom prst="rect">
+            <a:avLst/>
+          </a:prstGeom>
+          <a:noFill/>
+          <a:ln>
+            <a:noFill/>
+          </a:ln>
+          <a:extLst>
+            <a:ext uri="{909E8E84-426E-40DD-AFC4-6F175D3DCCD1}">
+              <a14:hiddenFill xmlns:a14="http://schemas.microsoft.com/office/drawing/2010/main">
+                <a:solidFill>
+                  <a:schemeClr val="accent1"/>
+                </a:solidFill>
+              </a14:hiddenFill>
+            </a:ext>
+            <a:ext uri="{91240B29-F687-4F45-9708-019B960494DF}">
+              <a14:hiddenLine xmlns:a14="http://schemas.microsoft.com/office/drawing/2010/main" w="9525">
+                <a:solidFill>
+                  <a:schemeClr val="tx1"/>
+                </a:solidFill>
+                <a:miter lim="800000"/>
+                <a:headEnd/>
+                <a:tailEnd/>
+              </a14:hiddenLine>
+            </a:ext>
+          </a:extLst>
+        </p:spPr>
+      </p:pic>
     </p:spTree>
     <p:extLst>
       <p:ext uri="{BB962C8B-B14F-4D97-AF65-F5344CB8AC3E}">
@@ -6987,7 +7135,9 @@
         </p:nvSpPr>
         <p:spPr/>
         <p:txBody>
-          <a:bodyPr/>
+          <a:bodyPr>
+            <a:normAutofit/>
+          </a:bodyPr>
           <a:lstStyle/>
           <a:p>
             <a:pPr marL="457200" indent="-457200">
@@ -6998,7 +7148,7 @@
               <a:buChar char="•"/>
             </a:pPr>
             <a:r>
-              <a:rPr lang="de-DE" dirty="0" err="1" smtClean="0">
+              <a:rPr lang="de-DE" sz="2400" dirty="0" err="1" smtClean="0">
                 <a:solidFill>
                   <a:srgbClr val="81D4FA"/>
                 </a:solidFill>
@@ -7006,7 +7156,7 @@
               <a:t>Kollaborative</a:t>
             </a:r>
             <a:r>
-              <a:rPr lang="de-DE" dirty="0" smtClean="0">
+              <a:rPr lang="de-DE" sz="2400" dirty="0" smtClean="0">
                 <a:solidFill>
                   <a:srgbClr val="81D4FA"/>
                 </a:solidFill>
@@ -7014,7 +7164,7 @@
               <a:t> </a:t>
             </a:r>
             <a:r>
-              <a:rPr lang="de-DE" dirty="0" smtClean="0"/>
+              <a:rPr lang="de-DE" sz="2400" dirty="0" smtClean="0"/>
               <a:t>Softwareentwicklung</a:t>
             </a:r>
           </a:p>
@@ -7027,7 +7177,7 @@
               <a:buChar char="•"/>
             </a:pPr>
             <a:r>
-              <a:rPr lang="de-DE" dirty="0" smtClean="0"/>
+              <a:rPr lang="de-DE" sz="2400" dirty="0" smtClean="0"/>
               <a:t>Probleme</a:t>
             </a:r>
           </a:p>
@@ -7040,12 +7190,24 @@
               <a:buChar char="•"/>
             </a:pPr>
             <a:r>
-              <a:rPr lang="de-DE" dirty="0" err="1" smtClean="0"/>
-              <a:t>Git</a:t>
-            </a:r>
-            <a:r>
-              <a:rPr lang="de-DE" dirty="0" smtClean="0"/>
-              <a:t> – Was und wieso?</a:t>
+              <a:rPr lang="de-DE" sz="2400" dirty="0" err="1"/>
+              <a:t>g</a:t>
+            </a:r>
+            <a:r>
+              <a:rPr lang="de-DE" sz="2400" dirty="0" err="1" smtClean="0"/>
+              <a:t>it</a:t>
+            </a:r>
+            <a:r>
+              <a:rPr lang="de-DE" sz="2400" dirty="0" smtClean="0"/>
+              <a:t> </a:t>
+            </a:r>
+            <a:r>
+              <a:rPr lang="de-DE" sz="2400" dirty="0" smtClean="0"/>
+              <a:t>– Was und wieso</a:t>
+            </a:r>
+            <a:r>
+              <a:rPr lang="de-DE" sz="2400" dirty="0" smtClean="0"/>
+              <a:t>?</a:t>
             </a:r>
           </a:p>
           <a:p>
@@ -7057,16 +7219,54 @@
               <a:buChar char="•"/>
             </a:pPr>
             <a:r>
-              <a:rPr lang="de-DE" dirty="0" smtClean="0"/>
+              <a:rPr lang="en-US" sz="2400" dirty="0" smtClean="0"/>
+              <a:t>Basic Workflow (to </a:t>
+            </a:r>
+            <a:r>
+              <a:rPr lang="en-US" sz="2400" dirty="0" err="1" smtClean="0"/>
+              <a:t>git</a:t>
+            </a:r>
+            <a:r>
+              <a:rPr lang="en-US" sz="2400" dirty="0" smtClean="0"/>
+              <a:t> </a:t>
+            </a:r>
+            <a:r>
+              <a:rPr lang="en-US" sz="2400" dirty="0" err="1" smtClean="0"/>
+              <a:t>gud</a:t>
+            </a:r>
+            <a:r>
+              <a:rPr lang="en-US" sz="2400" dirty="0" smtClean="0"/>
+              <a:t>)</a:t>
+            </a:r>
+            <a:endParaRPr lang="de-DE" sz="2400" dirty="0" smtClean="0"/>
+          </a:p>
+          <a:p>
+            <a:pPr marL="457200" indent="-457200">
+              <a:buClr>
+                <a:srgbClr val="FFFF00"/>
+              </a:buClr>
+              <a:buFont typeface="Arial" panose="020B0604020202020204" pitchFamily="34" charset="0"/>
+              <a:buChar char="•"/>
+            </a:pPr>
+            <a:r>
+              <a:rPr lang="de-DE" sz="2400" dirty="0" smtClean="0"/>
               <a:t>Hinweise zu </a:t>
             </a:r>
             <a:r>
-              <a:rPr lang="de-DE" dirty="0" err="1" smtClean="0"/>
-              <a:t>Git</a:t>
-            </a:r>
-            <a:r>
-              <a:rPr lang="de-DE" dirty="0" smtClean="0"/>
-              <a:t> im Praktikum</a:t>
+              <a:rPr lang="de-DE" sz="2400" dirty="0" err="1"/>
+              <a:t>g</a:t>
+            </a:r>
+            <a:r>
+              <a:rPr lang="de-DE" sz="2400" dirty="0" err="1" smtClean="0"/>
+              <a:t>it</a:t>
+            </a:r>
+            <a:r>
+              <a:rPr lang="de-DE" sz="2400" dirty="0" smtClean="0"/>
+              <a:t> </a:t>
+            </a:r>
+            <a:r>
+              <a:rPr lang="de-DE" sz="2400" dirty="0" smtClean="0"/>
+              <a:t>im Praktikum</a:t>
             </a:r>
           </a:p>
         </p:txBody>
@@ -7098,6 +7298,1020 @@
     <p:extLst>
       <p:ext uri="{BB962C8B-B14F-4D97-AF65-F5344CB8AC3E}">
         <p14:creationId xmlns:p14="http://schemas.microsoft.com/office/powerpoint/2010/main" val="2289883891"/>
+      </p:ext>
+    </p:extLst>
+  </p:cSld>
+  <p:clrMapOvr>
+    <a:masterClrMapping/>
+  </p:clrMapOvr>
+  <p:timing>
+    <p:tnLst>
+      <p:par>
+        <p:cTn id="1" dur="indefinite" restart="never" nodeType="tmRoot"/>
+      </p:par>
+    </p:tnLst>
+  </p:timing>
+</p:sld>
+</file>
+
+<file path=ppt/slides/slide20.xml><?xml version="1.0" encoding="utf-8"?>
+<p:sld xmlns:a="http://schemas.openxmlformats.org/drawingml/2006/main" xmlns:r="http://schemas.openxmlformats.org/officeDocument/2006/relationships" xmlns:p="http://schemas.openxmlformats.org/presentationml/2006/main">
+  <p:cSld>
+    <p:spTree>
+      <p:nvGrpSpPr>
+        <p:cNvPr id="1" name=""/>
+        <p:cNvGrpSpPr/>
+        <p:nvPr/>
+      </p:nvGrpSpPr>
+      <p:grpSpPr>
+        <a:xfrm>
+          <a:off x="0" y="0"/>
+          <a:ext cx="0" cy="0"/>
+          <a:chOff x="0" y="0"/>
+          <a:chExt cx="0" cy="0"/>
+        </a:xfrm>
+      </p:grpSpPr>
+      <p:sp>
+        <p:nvSpPr>
+          <p:cNvPr id="2" name="Titel 1"/>
+          <p:cNvSpPr>
+            <a:spLocks noGrp="1"/>
+          </p:cNvSpPr>
+          <p:nvPr>
+            <p:ph type="title"/>
+          </p:nvPr>
+        </p:nvSpPr>
+        <p:spPr/>
+        <p:txBody>
+          <a:bodyPr/>
+          <a:lstStyle/>
+          <a:p>
+            <a:pPr algn="l"/>
+            <a:r>
+              <a:rPr lang="en-US" sz="4000" dirty="0" err="1" smtClean="0"/>
+              <a:t>git</a:t>
+            </a:r>
+            <a:r>
+              <a:rPr lang="en-US" sz="4000" dirty="0" smtClean="0"/>
+              <a:t> commit</a:t>
+            </a:r>
+            <a:endParaRPr lang="de-DE" sz="4000" dirty="0"/>
+          </a:p>
+        </p:txBody>
+      </p:sp>
+      <p:sp>
+        <p:nvSpPr>
+          <p:cNvPr id="3" name="Inhaltsplatzhalter 2"/>
+          <p:cNvSpPr>
+            <a:spLocks noGrp="1"/>
+          </p:cNvSpPr>
+          <p:nvPr>
+            <p:ph idx="1"/>
+          </p:nvPr>
+        </p:nvSpPr>
+        <p:spPr/>
+        <p:txBody>
+          <a:bodyPr>
+            <a:normAutofit/>
+          </a:bodyPr>
+          <a:lstStyle/>
+          <a:p>
+            <a:pPr marL="457200" indent="-457200">
+              <a:buClr>
+                <a:srgbClr val="FFFF00"/>
+              </a:buClr>
+              <a:buFont typeface="Arial" panose="020B0604020202020204" pitchFamily="34" charset="0"/>
+              <a:buChar char="•"/>
+            </a:pPr>
+            <a:r>
+              <a:rPr lang="de-DE" sz="2400" dirty="0"/>
+              <a:t>J</a:t>
+            </a:r>
+            <a:r>
+              <a:rPr lang="de-DE" sz="2400" dirty="0" smtClean="0"/>
+              <a:t>eder </a:t>
+            </a:r>
+            <a:r>
+              <a:rPr lang="de-DE" sz="2400" dirty="0" err="1" smtClean="0"/>
+              <a:t>commit</a:t>
+            </a:r>
+            <a:r>
+              <a:rPr lang="de-DE" sz="2400" dirty="0" smtClean="0"/>
+              <a:t> wird durch einen </a:t>
+            </a:r>
+            <a:r>
+              <a:rPr lang="de-DE" sz="2400" dirty="0" smtClean="0">
+                <a:solidFill>
+                  <a:srgbClr val="81D4FA"/>
+                </a:solidFill>
+              </a:rPr>
+              <a:t>Hashwert</a:t>
+            </a:r>
+            <a:r>
+              <a:rPr lang="de-DE" sz="2400" dirty="0" smtClean="0"/>
+              <a:t> identifiziert</a:t>
+            </a:r>
+          </a:p>
+          <a:p>
+            <a:pPr marL="457200" indent="-457200">
+              <a:buClr>
+                <a:srgbClr val="FFFF00"/>
+              </a:buClr>
+              <a:buFont typeface="Arial" panose="020B0604020202020204" pitchFamily="34" charset="0"/>
+              <a:buChar char="•"/>
+            </a:pPr>
+            <a:r>
+              <a:rPr lang="de-DE" sz="2400" dirty="0" err="1" smtClean="0"/>
+              <a:t>Repositories</a:t>
+            </a:r>
+            <a:r>
+              <a:rPr lang="de-DE" sz="2400" dirty="0" smtClean="0"/>
+              <a:t> können mit Hilfe der </a:t>
+            </a:r>
+            <a:r>
+              <a:rPr lang="de-DE" sz="2400" dirty="0" err="1" smtClean="0"/>
+              <a:t>Hashes</a:t>
+            </a:r>
+            <a:r>
+              <a:rPr lang="de-DE" sz="2400" dirty="0" smtClean="0"/>
+              <a:t> auf frühere Zustände </a:t>
+            </a:r>
+            <a:r>
+              <a:rPr lang="de-DE" sz="2400" dirty="0" smtClean="0">
+                <a:solidFill>
+                  <a:srgbClr val="81D4FA"/>
+                </a:solidFill>
+              </a:rPr>
+              <a:t>zurückgesetzt</a:t>
+            </a:r>
+            <a:r>
+              <a:rPr lang="de-DE" sz="2400" dirty="0" smtClean="0"/>
+              <a:t> werden</a:t>
+            </a:r>
+          </a:p>
+          <a:p>
+            <a:pPr marL="457200" indent="-457200">
+              <a:buClr>
+                <a:srgbClr val="FFFF00"/>
+              </a:buClr>
+              <a:buFont typeface="Arial" panose="020B0604020202020204" pitchFamily="34" charset="0"/>
+              <a:buChar char="•"/>
+            </a:pPr>
+            <a:r>
+              <a:rPr lang="de-DE" sz="2400" dirty="0" err="1" smtClean="0"/>
+              <a:t>Commits</a:t>
+            </a:r>
+            <a:r>
+              <a:rPr lang="de-DE" sz="2400" dirty="0" smtClean="0"/>
+              <a:t> geschehen zunächst </a:t>
+            </a:r>
+            <a:r>
+              <a:rPr lang="de-DE" sz="2400" dirty="0" smtClean="0">
+                <a:solidFill>
+                  <a:srgbClr val="81D4FA"/>
+                </a:solidFill>
+              </a:rPr>
+              <a:t>lokal</a:t>
+            </a:r>
+            <a:r>
+              <a:rPr lang="de-DE" sz="2400" dirty="0" smtClean="0"/>
+              <a:t>, beeinflussen also nur das </a:t>
+            </a:r>
+            <a:r>
+              <a:rPr lang="de-DE" sz="2400" dirty="0" smtClean="0">
+                <a:solidFill>
+                  <a:srgbClr val="81D4FA"/>
+                </a:solidFill>
+              </a:rPr>
+              <a:t>eigene Arbeitsverzeichnis</a:t>
+            </a:r>
+          </a:p>
+          <a:p>
+            <a:pPr marL="457200" indent="-457200">
+              <a:buClr>
+                <a:srgbClr val="FFFF00"/>
+              </a:buClr>
+              <a:buFont typeface="Arial" panose="020B0604020202020204" pitchFamily="34" charset="0"/>
+              <a:buChar char="•"/>
+            </a:pPr>
+            <a:endParaRPr lang="de-DE" sz="2400" dirty="0"/>
+          </a:p>
+        </p:txBody>
+      </p:sp>
+      <p:sp>
+        <p:nvSpPr>
+          <p:cNvPr id="4" name="Fußzeilenplatzhalter 3"/>
+          <p:cNvSpPr>
+            <a:spLocks noGrp="1"/>
+          </p:cNvSpPr>
+          <p:nvPr>
+            <p:ph type="ftr" sz="quarter" idx="11"/>
+          </p:nvPr>
+        </p:nvSpPr>
+        <p:spPr/>
+        <p:txBody>
+          <a:bodyPr/>
+          <a:lstStyle/>
+          <a:p>
+            <a:r>
+              <a:rPr lang="en-US" smtClean="0"/>
+              <a:t>TU Dresden – Robolab 2018</a:t>
+            </a:r>
+            <a:endParaRPr lang="en-US" dirty="0"/>
+          </a:p>
+        </p:txBody>
+      </p:sp>
+    </p:spTree>
+    <p:extLst>
+      <p:ext uri="{BB962C8B-B14F-4D97-AF65-F5344CB8AC3E}">
+        <p14:creationId xmlns:p14="http://schemas.microsoft.com/office/powerpoint/2010/main" val="2002883903"/>
+      </p:ext>
+    </p:extLst>
+  </p:cSld>
+  <p:clrMapOvr>
+    <a:masterClrMapping/>
+  </p:clrMapOvr>
+  <p:timing>
+    <p:tnLst>
+      <p:par>
+        <p:cTn id="1" dur="indefinite" restart="never" nodeType="tmRoot"/>
+      </p:par>
+    </p:tnLst>
+  </p:timing>
+</p:sld>
+</file>
+
+<file path=ppt/slides/slide21.xml><?xml version="1.0" encoding="utf-8"?>
+<p:sld xmlns:a="http://schemas.openxmlformats.org/drawingml/2006/main" xmlns:r="http://schemas.openxmlformats.org/officeDocument/2006/relationships" xmlns:p="http://schemas.openxmlformats.org/presentationml/2006/main">
+  <p:cSld>
+    <p:spTree>
+      <p:nvGrpSpPr>
+        <p:cNvPr id="1" name=""/>
+        <p:cNvGrpSpPr/>
+        <p:nvPr/>
+      </p:nvGrpSpPr>
+      <p:grpSpPr>
+        <a:xfrm>
+          <a:off x="0" y="0"/>
+          <a:ext cx="0" cy="0"/>
+          <a:chOff x="0" y="0"/>
+          <a:chExt cx="0" cy="0"/>
+        </a:xfrm>
+      </p:grpSpPr>
+      <p:sp>
+        <p:nvSpPr>
+          <p:cNvPr id="2" name="Titel 1"/>
+          <p:cNvSpPr>
+            <a:spLocks noGrp="1"/>
+          </p:cNvSpPr>
+          <p:nvPr>
+            <p:ph type="title"/>
+          </p:nvPr>
+        </p:nvSpPr>
+        <p:spPr/>
+        <p:txBody>
+          <a:bodyPr/>
+          <a:lstStyle/>
+          <a:p>
+            <a:pPr algn="l"/>
+            <a:r>
+              <a:rPr lang="en-US" sz="4000" dirty="0" smtClean="0"/>
+              <a:t>Now, you might ask yourself…</a:t>
+            </a:r>
+            <a:endParaRPr lang="de-DE" sz="4000" dirty="0"/>
+          </a:p>
+        </p:txBody>
+      </p:sp>
+      <p:sp>
+        <p:nvSpPr>
+          <p:cNvPr id="3" name="Inhaltsplatzhalter 2"/>
+          <p:cNvSpPr>
+            <a:spLocks noGrp="1"/>
+          </p:cNvSpPr>
+          <p:nvPr>
+            <p:ph idx="1"/>
+          </p:nvPr>
+        </p:nvSpPr>
+        <p:spPr/>
+        <p:txBody>
+          <a:bodyPr>
+            <a:normAutofit/>
+          </a:bodyPr>
+          <a:lstStyle/>
+          <a:p>
+            <a:r>
+              <a:rPr lang="de-DE" sz="2400" dirty="0">
+                <a:solidFill>
+                  <a:srgbClr val="FFFF00"/>
+                </a:solidFill>
+              </a:rPr>
+              <a:t>Wie </a:t>
+            </a:r>
+            <a:r>
+              <a:rPr lang="de-DE" sz="2400" dirty="0" smtClean="0">
+                <a:solidFill>
+                  <a:srgbClr val="FFFF00"/>
+                </a:solidFill>
+              </a:rPr>
+              <a:t>wird das ganze nun </a:t>
+            </a:r>
+            <a:r>
+              <a:rPr lang="de-DE" sz="2400" dirty="0" err="1" smtClean="0">
+                <a:solidFill>
+                  <a:srgbClr val="FFFF00"/>
+                </a:solidFill>
+              </a:rPr>
+              <a:t>kollaborativ</a:t>
+            </a:r>
+            <a:r>
+              <a:rPr lang="de-DE" sz="2400" dirty="0" smtClean="0">
+                <a:solidFill>
+                  <a:srgbClr val="FFFF00"/>
+                </a:solidFill>
+              </a:rPr>
+              <a:t>?</a:t>
+            </a:r>
+          </a:p>
+          <a:p>
+            <a:r>
+              <a:rPr lang="de-DE" sz="2400" dirty="0" smtClean="0">
+                <a:solidFill>
+                  <a:srgbClr val="FFFF00"/>
+                </a:solidFill>
+              </a:rPr>
+              <a:t>Wie publiziert man </a:t>
+            </a:r>
+            <a:r>
+              <a:rPr lang="de-DE" sz="2400" dirty="0">
+                <a:solidFill>
+                  <a:srgbClr val="FFFF00"/>
+                </a:solidFill>
+              </a:rPr>
+              <a:t>nun seine Änderungen</a:t>
+            </a:r>
+            <a:r>
+              <a:rPr lang="en-US" sz="2400" dirty="0" smtClean="0">
+                <a:solidFill>
+                  <a:srgbClr val="FFFF00"/>
+                </a:solidFill>
+              </a:rPr>
+              <a:t>?</a:t>
+            </a:r>
+            <a:r>
+              <a:rPr lang="de-DE" sz="2400" dirty="0" smtClean="0">
+                <a:solidFill>
+                  <a:srgbClr val="FFFF00"/>
+                </a:solidFill>
+              </a:rPr>
+              <a:t> </a:t>
+            </a:r>
+          </a:p>
+          <a:p>
+            <a:r>
+              <a:rPr lang="de-DE" sz="2400" dirty="0" smtClean="0">
+                <a:solidFill>
+                  <a:srgbClr val="FFFF00"/>
+                </a:solidFill>
+              </a:rPr>
+              <a:t>Und vor allem: wohin?</a:t>
+            </a:r>
+            <a:endParaRPr lang="de-DE" sz="2400" dirty="0" smtClean="0"/>
+          </a:p>
+        </p:txBody>
+      </p:sp>
+      <p:sp>
+        <p:nvSpPr>
+          <p:cNvPr id="4" name="Fußzeilenplatzhalter 3"/>
+          <p:cNvSpPr>
+            <a:spLocks noGrp="1"/>
+          </p:cNvSpPr>
+          <p:nvPr>
+            <p:ph type="ftr" sz="quarter" idx="11"/>
+          </p:nvPr>
+        </p:nvSpPr>
+        <p:spPr/>
+        <p:txBody>
+          <a:bodyPr/>
+          <a:lstStyle/>
+          <a:p>
+            <a:r>
+              <a:rPr lang="en-US" smtClean="0"/>
+              <a:t>TU Dresden – Robolab 2018</a:t>
+            </a:r>
+            <a:endParaRPr lang="en-US" dirty="0"/>
+          </a:p>
+        </p:txBody>
+      </p:sp>
+      <p:pic>
+        <p:nvPicPr>
+          <p:cNvPr id="5" name="Picture 6" descr="Bildergebnis für question mark meme"/>
+          <p:cNvPicPr>
+            <a:picLocks noChangeAspect="1" noChangeArrowheads="1"/>
+          </p:cNvPicPr>
+          <p:nvPr/>
+        </p:nvPicPr>
+        <p:blipFill>
+          <a:blip r:embed="rId2" cstate="print">
+            <a:extLst>
+              <a:ext uri="{28A0092B-C50C-407E-A947-70E740481C1C}">
+                <a14:useLocalDpi xmlns:a14="http://schemas.microsoft.com/office/drawing/2010/main" val="0"/>
+              </a:ext>
+            </a:extLst>
+          </a:blip>
+          <a:srcRect/>
+          <a:stretch>
+            <a:fillRect/>
+          </a:stretch>
+        </p:blipFill>
+        <p:spPr bwMode="auto">
+          <a:xfrm>
+            <a:off x="3314700" y="2845019"/>
+            <a:ext cx="2239970" cy="1707931"/>
+          </a:xfrm>
+          <a:prstGeom prst="rect">
+            <a:avLst/>
+          </a:prstGeom>
+          <a:noFill/>
+          <a:extLst>
+            <a:ext uri="{909E8E84-426E-40DD-AFC4-6F175D3DCCD1}">
+              <a14:hiddenFill xmlns:a14="http://schemas.microsoft.com/office/drawing/2010/main">
+                <a:solidFill>
+                  <a:srgbClr val="FFFFFF"/>
+                </a:solidFill>
+              </a14:hiddenFill>
+            </a:ext>
+          </a:extLst>
+        </p:spPr>
+      </p:pic>
+    </p:spTree>
+    <p:extLst>
+      <p:ext uri="{BB962C8B-B14F-4D97-AF65-F5344CB8AC3E}">
+        <p14:creationId xmlns:p14="http://schemas.microsoft.com/office/powerpoint/2010/main" val="2007801640"/>
+      </p:ext>
+    </p:extLst>
+  </p:cSld>
+  <p:clrMapOvr>
+    <a:masterClrMapping/>
+  </p:clrMapOvr>
+</p:sld>
+</file>
+
+<file path=ppt/slides/slide22.xml><?xml version="1.0" encoding="utf-8"?>
+<p:sld xmlns:a="http://schemas.openxmlformats.org/drawingml/2006/main" xmlns:r="http://schemas.openxmlformats.org/officeDocument/2006/relationships" xmlns:p="http://schemas.openxmlformats.org/presentationml/2006/main">
+  <p:cSld>
+    <p:spTree>
+      <p:nvGrpSpPr>
+        <p:cNvPr id="1" name=""/>
+        <p:cNvGrpSpPr/>
+        <p:nvPr/>
+      </p:nvGrpSpPr>
+      <p:grpSpPr>
+        <a:xfrm>
+          <a:off x="0" y="0"/>
+          <a:ext cx="0" cy="0"/>
+          <a:chOff x="0" y="0"/>
+          <a:chExt cx="0" cy="0"/>
+        </a:xfrm>
+      </p:grpSpPr>
+      <p:sp>
+        <p:nvSpPr>
+          <p:cNvPr id="2" name="Titel 1"/>
+          <p:cNvSpPr>
+            <a:spLocks noGrp="1"/>
+          </p:cNvSpPr>
+          <p:nvPr>
+            <p:ph type="title"/>
+          </p:nvPr>
+        </p:nvSpPr>
+        <p:spPr/>
+        <p:txBody>
+          <a:bodyPr/>
+          <a:lstStyle/>
+          <a:p>
+            <a:pPr algn="l"/>
+            <a:r>
+              <a:rPr lang="en-US" sz="4000" dirty="0" err="1"/>
+              <a:t>g</a:t>
+            </a:r>
+            <a:r>
+              <a:rPr lang="en-US" sz="4000" dirty="0" err="1" smtClean="0"/>
+              <a:t>it</a:t>
+            </a:r>
+            <a:r>
+              <a:rPr lang="en-US" sz="4000" dirty="0" smtClean="0"/>
+              <a:t> remote got you covered</a:t>
+            </a:r>
+            <a:endParaRPr lang="de-DE" sz="4000" dirty="0"/>
+          </a:p>
+        </p:txBody>
+      </p:sp>
+      <p:sp>
+        <p:nvSpPr>
+          <p:cNvPr id="3" name="Inhaltsplatzhalter 2"/>
+          <p:cNvSpPr>
+            <a:spLocks noGrp="1"/>
+          </p:cNvSpPr>
+          <p:nvPr>
+            <p:ph idx="1"/>
+          </p:nvPr>
+        </p:nvSpPr>
+        <p:spPr/>
+        <p:txBody>
+          <a:bodyPr/>
+          <a:lstStyle/>
+          <a:p>
+            <a:endParaRPr lang="de-DE"/>
+          </a:p>
+        </p:txBody>
+      </p:sp>
+      <p:sp>
+        <p:nvSpPr>
+          <p:cNvPr id="4" name="Fußzeilenplatzhalter 3"/>
+          <p:cNvSpPr>
+            <a:spLocks noGrp="1"/>
+          </p:cNvSpPr>
+          <p:nvPr>
+            <p:ph type="ftr" sz="quarter" idx="11"/>
+          </p:nvPr>
+        </p:nvSpPr>
+        <p:spPr/>
+        <p:txBody>
+          <a:bodyPr/>
+          <a:lstStyle/>
+          <a:p>
+            <a:r>
+              <a:rPr lang="en-US" smtClean="0"/>
+              <a:t>TU Dresden – Robolab 2018</a:t>
+            </a:r>
+            <a:endParaRPr lang="en-US" dirty="0"/>
+          </a:p>
+        </p:txBody>
+      </p:sp>
+    </p:spTree>
+    <p:extLst>
+      <p:ext uri="{BB962C8B-B14F-4D97-AF65-F5344CB8AC3E}">
+        <p14:creationId xmlns:p14="http://schemas.microsoft.com/office/powerpoint/2010/main" val="333462266"/>
+      </p:ext>
+    </p:extLst>
+  </p:cSld>
+  <p:clrMapOvr>
+    <a:masterClrMapping/>
+  </p:clrMapOvr>
+</p:sld>
+</file>
+
+<file path=ppt/slides/slide23.xml><?xml version="1.0" encoding="utf-8"?>
+<p:sld xmlns:a="http://schemas.openxmlformats.org/drawingml/2006/main" xmlns:r="http://schemas.openxmlformats.org/officeDocument/2006/relationships" xmlns:p="http://schemas.openxmlformats.org/presentationml/2006/main">
+  <p:cSld>
+    <p:spTree>
+      <p:nvGrpSpPr>
+        <p:cNvPr id="1" name=""/>
+        <p:cNvGrpSpPr/>
+        <p:nvPr/>
+      </p:nvGrpSpPr>
+      <p:grpSpPr>
+        <a:xfrm>
+          <a:off x="0" y="0"/>
+          <a:ext cx="0" cy="0"/>
+          <a:chOff x="0" y="0"/>
+          <a:chExt cx="0" cy="0"/>
+        </a:xfrm>
+      </p:grpSpPr>
+      <p:sp>
+        <p:nvSpPr>
+          <p:cNvPr id="2" name="Titel 1"/>
+          <p:cNvSpPr>
+            <a:spLocks noGrp="1"/>
+          </p:cNvSpPr>
+          <p:nvPr>
+            <p:ph type="title"/>
+          </p:nvPr>
+        </p:nvSpPr>
+        <p:spPr/>
+        <p:txBody>
+          <a:bodyPr/>
+          <a:lstStyle/>
+          <a:p>
+            <a:pPr algn="l"/>
+            <a:r>
+              <a:rPr lang="en-US" sz="4000" dirty="0" smtClean="0"/>
+              <a:t>Share your bugs with the world!</a:t>
+            </a:r>
+            <a:endParaRPr lang="de-DE" sz="4000" dirty="0"/>
+          </a:p>
+        </p:txBody>
+      </p:sp>
+      <p:sp>
+        <p:nvSpPr>
+          <p:cNvPr id="4" name="Fußzeilenplatzhalter 3"/>
+          <p:cNvSpPr>
+            <a:spLocks noGrp="1"/>
+          </p:cNvSpPr>
+          <p:nvPr>
+            <p:ph type="ftr" sz="quarter" idx="11"/>
+          </p:nvPr>
+        </p:nvSpPr>
+        <p:spPr/>
+        <p:txBody>
+          <a:bodyPr/>
+          <a:lstStyle/>
+          <a:p>
+            <a:r>
+              <a:rPr lang="en-US" smtClean="0"/>
+              <a:t>TU Dresden – Robolab 2018</a:t>
+            </a:r>
+            <a:endParaRPr lang="en-US" dirty="0"/>
+          </a:p>
+        </p:txBody>
+      </p:sp>
+      <p:sp>
+        <p:nvSpPr>
+          <p:cNvPr id="9" name="Inhaltsplatzhalter 8"/>
+          <p:cNvSpPr>
+            <a:spLocks noGrp="1"/>
+          </p:cNvSpPr>
+          <p:nvPr>
+            <p:ph idx="1"/>
+          </p:nvPr>
+        </p:nvSpPr>
+        <p:spPr/>
+        <p:txBody>
+          <a:bodyPr>
+            <a:normAutofit/>
+          </a:bodyPr>
+          <a:lstStyle/>
+          <a:p>
+            <a:pPr marL="457200" indent="-457200">
+              <a:buClr>
+                <a:srgbClr val="FFFF00"/>
+              </a:buClr>
+              <a:buFont typeface="Arial" panose="020B0604020202020204" pitchFamily="34" charset="0"/>
+              <a:buChar char="•"/>
+            </a:pPr>
+            <a:endParaRPr lang="en-US" sz="2400" dirty="0" smtClean="0"/>
+          </a:p>
+          <a:p>
+            <a:pPr>
+              <a:buClr>
+                <a:srgbClr val="FFFF00"/>
+              </a:buClr>
+            </a:pPr>
+            <a:endParaRPr lang="en-US" sz="2400" dirty="0"/>
+          </a:p>
+          <a:p>
+            <a:pPr marL="457200" indent="-457200">
+              <a:buClr>
+                <a:srgbClr val="FFFF00"/>
+              </a:buClr>
+              <a:buFont typeface="Arial" panose="020B0604020202020204" pitchFamily="34" charset="0"/>
+              <a:buChar char="•"/>
+            </a:pPr>
+            <a:r>
+              <a:rPr lang="de-DE" sz="2400" dirty="0" smtClean="0"/>
+              <a:t>pusht alle nicht veröffentlichten </a:t>
+            </a:r>
+            <a:r>
+              <a:rPr lang="de-DE" sz="2400" dirty="0" err="1" smtClean="0"/>
+              <a:t>commits</a:t>
+            </a:r>
+            <a:r>
+              <a:rPr lang="de-DE" sz="2400" dirty="0" smtClean="0"/>
+              <a:t> auf den </a:t>
+            </a:r>
+            <a:r>
+              <a:rPr lang="de-DE" sz="2400" dirty="0" err="1" smtClean="0"/>
+              <a:t>Branch</a:t>
+            </a:r>
+            <a:r>
+              <a:rPr lang="de-DE" sz="2400" dirty="0" smtClean="0"/>
+              <a:t> </a:t>
+            </a:r>
+            <a:r>
+              <a:rPr lang="de-DE" sz="2400" dirty="0" smtClean="0">
+                <a:solidFill>
+                  <a:srgbClr val="81D4FA"/>
+                </a:solidFill>
+              </a:rPr>
+              <a:t>&lt;</a:t>
+            </a:r>
+            <a:r>
+              <a:rPr lang="de-DE" sz="2400" dirty="0" err="1" smtClean="0">
+                <a:solidFill>
+                  <a:srgbClr val="81D4FA"/>
+                </a:solidFill>
+              </a:rPr>
+              <a:t>branch</a:t>
+            </a:r>
+            <a:r>
+              <a:rPr lang="de-DE" sz="2400" dirty="0" smtClean="0">
+                <a:solidFill>
+                  <a:srgbClr val="81D4FA"/>
+                </a:solidFill>
+              </a:rPr>
+              <a:t>&gt; </a:t>
+            </a:r>
+            <a:r>
+              <a:rPr lang="de-DE" sz="2400" dirty="0" smtClean="0"/>
+              <a:t>des remote </a:t>
+            </a:r>
+            <a:r>
+              <a:rPr lang="de-DE" sz="2400" dirty="0" err="1" smtClean="0"/>
+              <a:t>repository</a:t>
+            </a:r>
+            <a:r>
+              <a:rPr lang="de-DE" sz="2400" dirty="0" smtClean="0"/>
+              <a:t> mit dem Alias </a:t>
+            </a:r>
+            <a:r>
+              <a:rPr lang="de-DE" sz="2400" dirty="0" smtClean="0">
+                <a:solidFill>
+                  <a:srgbClr val="81D4FA"/>
+                </a:solidFill>
+              </a:rPr>
+              <a:t>&lt;alias&gt;</a:t>
+            </a:r>
+          </a:p>
+          <a:p>
+            <a:pPr marL="457200" indent="-457200">
+              <a:buClr>
+                <a:srgbClr val="FFFF00"/>
+              </a:buClr>
+              <a:buFont typeface="Arial" panose="020B0604020202020204" pitchFamily="34" charset="0"/>
+              <a:buChar char="•"/>
+            </a:pPr>
+            <a:r>
+              <a:rPr lang="en-US" sz="2400" dirty="0" smtClean="0">
+                <a:solidFill>
+                  <a:srgbClr val="81D4FA"/>
+                </a:solidFill>
+              </a:rPr>
+              <a:t>origin</a:t>
+            </a:r>
+            <a:r>
+              <a:rPr lang="en-US" sz="2400" dirty="0" smtClean="0"/>
+              <a:t> </a:t>
+            </a:r>
+            <a:r>
+              <a:rPr lang="en-US" sz="2400" dirty="0" err="1" smtClean="0"/>
+              <a:t>ist</a:t>
+            </a:r>
+            <a:r>
+              <a:rPr lang="en-US" sz="2400" dirty="0" smtClean="0"/>
+              <a:t> </a:t>
+            </a:r>
+            <a:r>
+              <a:rPr lang="en-US" sz="2400" dirty="0" err="1" smtClean="0"/>
+              <a:t>lokaler</a:t>
+            </a:r>
+            <a:r>
+              <a:rPr lang="en-US" sz="2400" dirty="0" smtClean="0"/>
+              <a:t> Standard-Alias </a:t>
+            </a:r>
+            <a:r>
+              <a:rPr lang="en-US" sz="2400" dirty="0" err="1" smtClean="0"/>
+              <a:t>für</a:t>
+            </a:r>
+            <a:r>
+              <a:rPr lang="en-US" sz="2400" dirty="0" smtClean="0"/>
+              <a:t> remote </a:t>
+            </a:r>
+          </a:p>
+          <a:p>
+            <a:pPr marL="457200" indent="-457200">
+              <a:buClr>
+                <a:srgbClr val="FFFF00"/>
+              </a:buClr>
+              <a:buFont typeface="Arial" panose="020B0604020202020204" pitchFamily="34" charset="0"/>
+              <a:buChar char="•"/>
+            </a:pPr>
+            <a:r>
+              <a:rPr lang="en-US" sz="2400" dirty="0" smtClean="0"/>
+              <a:t>alias </a:t>
+            </a:r>
+            <a:r>
+              <a:rPr lang="en-US" sz="2400" dirty="0" err="1" smtClean="0"/>
+              <a:t>vereinfacht</a:t>
+            </a:r>
+            <a:r>
+              <a:rPr lang="en-US" sz="2400" dirty="0"/>
+              <a:t> </a:t>
+            </a:r>
+            <a:r>
+              <a:rPr lang="en-US" sz="2400" dirty="0" err="1" smtClean="0"/>
+              <a:t>pushen</a:t>
+            </a:r>
+            <a:r>
+              <a:rPr lang="en-US" sz="2400" dirty="0" smtClean="0"/>
+              <a:t>, da </a:t>
+            </a:r>
+            <a:r>
+              <a:rPr lang="en-US" sz="2400" dirty="0" err="1" smtClean="0"/>
+              <a:t>nicht</a:t>
+            </a:r>
+            <a:r>
+              <a:rPr lang="en-US" sz="2400" dirty="0" smtClean="0"/>
+              <a:t> die </a:t>
+            </a:r>
+            <a:r>
+              <a:rPr lang="en-US" sz="2400" dirty="0" err="1" smtClean="0"/>
+              <a:t>volle</a:t>
+            </a:r>
+            <a:r>
+              <a:rPr lang="en-US" sz="2400" dirty="0" smtClean="0"/>
+              <a:t> URL </a:t>
+            </a:r>
+            <a:r>
+              <a:rPr lang="en-US" sz="2400" dirty="0" err="1" smtClean="0"/>
+              <a:t>eines</a:t>
+            </a:r>
+            <a:r>
+              <a:rPr lang="en-US" sz="2400" dirty="0" smtClean="0"/>
+              <a:t> remote repository </a:t>
+            </a:r>
+            <a:r>
+              <a:rPr lang="en-US" sz="2400" dirty="0" err="1" smtClean="0"/>
+              <a:t>angegeben</a:t>
+            </a:r>
+            <a:r>
+              <a:rPr lang="en-US" sz="2400" dirty="0" smtClean="0"/>
+              <a:t> </a:t>
+            </a:r>
+            <a:r>
+              <a:rPr lang="en-US" sz="2400" dirty="0" err="1" smtClean="0"/>
+              <a:t>werden</a:t>
+            </a:r>
+            <a:r>
+              <a:rPr lang="en-US" sz="2400" dirty="0" smtClean="0"/>
+              <a:t> muss</a:t>
+            </a:r>
+          </a:p>
+        </p:txBody>
+      </p:sp>
+      <p:pic>
+        <p:nvPicPr>
+          <p:cNvPr id="5122" name="Picture 2"/>
+          <p:cNvPicPr>
+            <a:picLocks noChangeAspect="1" noChangeArrowheads="1"/>
+          </p:cNvPicPr>
+          <p:nvPr/>
+        </p:nvPicPr>
+        <p:blipFill>
+          <a:blip r:embed="rId2">
+            <a:extLst>
+              <a:ext uri="{28A0092B-C50C-407E-A947-70E740481C1C}">
+                <a14:useLocalDpi xmlns:a14="http://schemas.microsoft.com/office/drawing/2010/main" val="0"/>
+              </a:ext>
+            </a:extLst>
+          </a:blip>
+          <a:srcRect/>
+          <a:stretch>
+            <a:fillRect/>
+          </a:stretch>
+        </p:blipFill>
+        <p:spPr bwMode="auto">
+          <a:xfrm>
+            <a:off x="457200" y="1200150"/>
+            <a:ext cx="3505458" cy="481012"/>
+          </a:xfrm>
+          <a:prstGeom prst="rect">
+            <a:avLst/>
+          </a:prstGeom>
+          <a:noFill/>
+          <a:ln>
+            <a:noFill/>
+          </a:ln>
+          <a:extLst>
+            <a:ext uri="{909E8E84-426E-40DD-AFC4-6F175D3DCCD1}">
+              <a14:hiddenFill xmlns:a14="http://schemas.microsoft.com/office/drawing/2010/main">
+                <a:solidFill>
+                  <a:schemeClr val="accent1"/>
+                </a:solidFill>
+              </a14:hiddenFill>
+            </a:ext>
+            <a:ext uri="{91240B29-F687-4F45-9708-019B960494DF}">
+              <a14:hiddenLine xmlns:a14="http://schemas.microsoft.com/office/drawing/2010/main" w="9525">
+                <a:solidFill>
+                  <a:schemeClr val="tx1"/>
+                </a:solidFill>
+                <a:miter lim="800000"/>
+                <a:headEnd/>
+                <a:tailEnd/>
+              </a14:hiddenLine>
+            </a:ext>
+          </a:extLst>
+        </p:spPr>
+      </p:pic>
+    </p:spTree>
+    <p:extLst>
+      <p:ext uri="{BB962C8B-B14F-4D97-AF65-F5344CB8AC3E}">
+        <p14:creationId xmlns:p14="http://schemas.microsoft.com/office/powerpoint/2010/main" val="362007400"/>
+      </p:ext>
+    </p:extLst>
+  </p:cSld>
+  <p:clrMapOvr>
+    <a:masterClrMapping/>
+  </p:clrMapOvr>
+</p:sld>
+</file>
+
+<file path=ppt/slides/slide24.xml><?xml version="1.0" encoding="utf-8"?>
+<p:sld xmlns:a="http://schemas.openxmlformats.org/drawingml/2006/main" xmlns:r="http://schemas.openxmlformats.org/officeDocument/2006/relationships" xmlns:p="http://schemas.openxmlformats.org/presentationml/2006/main">
+  <p:cSld>
+    <p:spTree>
+      <p:nvGrpSpPr>
+        <p:cNvPr id="1" name=""/>
+        <p:cNvGrpSpPr/>
+        <p:nvPr/>
+      </p:nvGrpSpPr>
+      <p:grpSpPr>
+        <a:xfrm>
+          <a:off x="0" y="0"/>
+          <a:ext cx="0" cy="0"/>
+          <a:chOff x="0" y="0"/>
+          <a:chExt cx="0" cy="0"/>
+        </a:xfrm>
+      </p:grpSpPr>
+      <p:sp>
+        <p:nvSpPr>
+          <p:cNvPr id="4" name="Fußzeilenplatzhalter 3"/>
+          <p:cNvSpPr>
+            <a:spLocks noGrp="1"/>
+          </p:cNvSpPr>
+          <p:nvPr>
+            <p:ph type="ftr" sz="quarter" idx="11"/>
+          </p:nvPr>
+        </p:nvSpPr>
+        <p:spPr/>
+        <p:txBody>
+          <a:bodyPr/>
+          <a:lstStyle/>
+          <a:p>
+            <a:r>
+              <a:rPr lang="en-US" smtClean="0"/>
+              <a:t>TU Dresden – Robolab 2018</a:t>
+            </a:r>
+            <a:endParaRPr lang="en-US" dirty="0"/>
+          </a:p>
+        </p:txBody>
+      </p:sp>
+      <p:pic>
+        <p:nvPicPr>
+          <p:cNvPr id="3074" name="Picture 2"/>
+          <p:cNvPicPr>
+            <a:picLocks noChangeAspect="1" noChangeArrowheads="1"/>
+          </p:cNvPicPr>
+          <p:nvPr/>
+        </p:nvPicPr>
+        <p:blipFill>
+          <a:blip r:embed="rId2">
+            <a:extLst>
+              <a:ext uri="{28A0092B-C50C-407E-A947-70E740481C1C}">
+                <a14:useLocalDpi xmlns:a14="http://schemas.microsoft.com/office/drawing/2010/main" val="0"/>
+              </a:ext>
+            </a:extLst>
+          </a:blip>
+          <a:srcRect/>
+          <a:stretch>
+            <a:fillRect/>
+          </a:stretch>
+        </p:blipFill>
+        <p:spPr bwMode="auto">
+          <a:xfrm>
+            <a:off x="685800" y="-3151"/>
+            <a:ext cx="6172200" cy="4559426"/>
+          </a:xfrm>
+          <a:prstGeom prst="rect">
+            <a:avLst/>
+          </a:prstGeom>
+          <a:noFill/>
+          <a:ln>
+            <a:noFill/>
+          </a:ln>
+          <a:extLst>
+            <a:ext uri="{909E8E84-426E-40DD-AFC4-6F175D3DCCD1}">
+              <a14:hiddenFill xmlns:a14="http://schemas.microsoft.com/office/drawing/2010/main">
+                <a:solidFill>
+                  <a:schemeClr val="accent1"/>
+                </a:solidFill>
+              </a14:hiddenFill>
+            </a:ext>
+            <a:ext uri="{91240B29-F687-4F45-9708-019B960494DF}">
+              <a14:hiddenLine xmlns:a14="http://schemas.microsoft.com/office/drawing/2010/main" w="9525">
+                <a:solidFill>
+                  <a:schemeClr val="tx1"/>
+                </a:solidFill>
+                <a:miter lim="800000"/>
+                <a:headEnd/>
+                <a:tailEnd/>
+              </a14:hiddenLine>
+            </a:ext>
+          </a:extLst>
+        </p:spPr>
+      </p:pic>
+    </p:spTree>
+    <p:extLst>
+      <p:ext uri="{BB962C8B-B14F-4D97-AF65-F5344CB8AC3E}">
+        <p14:creationId xmlns:p14="http://schemas.microsoft.com/office/powerpoint/2010/main" val="3662849811"/>
       </p:ext>
     </p:extLst>
   </p:cSld>
@@ -7200,11 +8414,11 @@
               <a:buChar char="•"/>
             </a:pPr>
             <a:r>
-              <a:rPr lang="de-DE" sz="2800" dirty="0" smtClean="0"/>
+              <a:rPr lang="de-DE" sz="2400" dirty="0" smtClean="0"/>
               <a:t>komplexe </a:t>
             </a:r>
             <a:r>
-              <a:rPr lang="de-DE" sz="2800" dirty="0" smtClean="0">
+              <a:rPr lang="de-DE" sz="2400" dirty="0" smtClean="0">
                 <a:solidFill>
                   <a:srgbClr val="81D4FA"/>
                 </a:solidFill>
@@ -7212,11 +8426,11 @@
               <a:t>Projekte</a:t>
             </a:r>
             <a:r>
-              <a:rPr lang="de-DE" sz="2800" dirty="0" smtClean="0"/>
+              <a:rPr lang="de-DE" sz="2400" dirty="0" smtClean="0"/>
               <a:t> setzen große </a:t>
             </a:r>
             <a:r>
-              <a:rPr lang="de-DE" sz="2800" dirty="0" smtClean="0">
+              <a:rPr lang="de-DE" sz="2400" dirty="0" smtClean="0">
                 <a:solidFill>
                   <a:srgbClr val="81D4FA"/>
                 </a:solidFill>
@@ -7224,7 +8438,7 @@
               <a:t>Teams </a:t>
             </a:r>
             <a:r>
-              <a:rPr lang="de-DE" sz="2800" dirty="0" smtClean="0"/>
+              <a:rPr lang="de-DE" sz="2400" dirty="0" smtClean="0"/>
               <a:t>voraus</a:t>
             </a:r>
           </a:p>
@@ -7237,19 +8451,19 @@
               <a:buChar char="•"/>
             </a:pPr>
             <a:r>
-              <a:rPr lang="en-US" sz="2800" dirty="0" err="1" smtClean="0"/>
+              <a:rPr lang="en-US" sz="2400" dirty="0" err="1" smtClean="0"/>
               <a:t>moderne</a:t>
             </a:r>
             <a:r>
-              <a:rPr lang="en-US" sz="2800" dirty="0" smtClean="0"/>
+              <a:rPr lang="en-US" sz="2400" dirty="0" smtClean="0"/>
               <a:t> SE </a:t>
             </a:r>
             <a:r>
-              <a:rPr lang="de-DE" sz="2800" dirty="0" smtClean="0"/>
+              <a:rPr lang="de-DE" sz="2400" dirty="0" smtClean="0"/>
               <a:t>ist </a:t>
             </a:r>
             <a:r>
-              <a:rPr lang="de-DE" sz="2800" dirty="0" err="1" smtClean="0">
+              <a:rPr lang="de-DE" sz="2400" dirty="0" err="1" smtClean="0">
                 <a:solidFill>
                   <a:srgbClr val="81D4FA"/>
                 </a:solidFill>
@@ -7257,7 +8471,7 @@
               <a:t>kollaborativ</a:t>
             </a:r>
             <a:r>
-              <a:rPr lang="de-DE" sz="2800" dirty="0" smtClean="0">
+              <a:rPr lang="de-DE" sz="2400" dirty="0" smtClean="0">
                 <a:solidFill>
                   <a:srgbClr val="81D4FA"/>
                 </a:solidFill>
@@ -7265,11 +8479,11 @@
               <a:t> </a:t>
             </a:r>
             <a:r>
-              <a:rPr lang="en-US" sz="2800" dirty="0" smtClean="0"/>
+              <a:rPr lang="en-US" sz="2400" dirty="0" smtClean="0"/>
               <a:t>und </a:t>
             </a:r>
             <a:r>
-              <a:rPr lang="de-DE" sz="2800" dirty="0" smtClean="0">
+              <a:rPr lang="de-DE" sz="2400" dirty="0" smtClean="0">
                 <a:solidFill>
                   <a:srgbClr val="81D4FA"/>
                 </a:solidFill>
@@ -7286,14 +8500,14 @@
               <a:buChar char="•"/>
             </a:pPr>
             <a:r>
-              <a:rPr lang="de-DE" sz="2800" dirty="0" smtClean="0">
+              <a:rPr lang="de-DE" sz="2400" dirty="0" smtClean="0">
                 <a:solidFill>
                   <a:srgbClr val="81D4FA"/>
                 </a:solidFill>
               </a:rPr>
               <a:t>Arbeitsteilung</a:t>
             </a:r>
-            <a:endParaRPr lang="de-DE" sz="2800" dirty="0" smtClean="0"/>
+            <a:endParaRPr lang="de-DE" sz="2400" dirty="0" smtClean="0"/>
           </a:p>
           <a:p>
             <a:pPr marL="457200" indent="-457200">
@@ -7304,7 +8518,7 @@
               <a:buChar char="•"/>
             </a:pPr>
             <a:r>
-              <a:rPr lang="de-DE" sz="2800" dirty="0" smtClean="0">
+              <a:rPr lang="de-DE" sz="2400" dirty="0" smtClean="0">
                 <a:solidFill>
                   <a:srgbClr val="81D4FA"/>
                 </a:solidFill>
@@ -7312,11 +8526,11 @@
               <a:t>Integration</a:t>
             </a:r>
             <a:r>
-              <a:rPr lang="de-DE" sz="2800" dirty="0" smtClean="0"/>
+              <a:rPr lang="de-DE" sz="2400" dirty="0" smtClean="0"/>
               <a:t> aller Einzelteile zu einem </a:t>
             </a:r>
             <a:r>
-              <a:rPr lang="de-DE" sz="2800" dirty="0" smtClean="0">
+              <a:rPr lang="de-DE" sz="2400" dirty="0" smtClean="0">
                 <a:solidFill>
                   <a:srgbClr val="81D4FA"/>
                 </a:solidFill>
@@ -7331,7 +8545,7 @@
               </a:buClr>
             </a:pPr>
             <a:r>
-              <a:rPr lang="de-DE" sz="2800" dirty="0" smtClean="0">
+              <a:rPr lang="de-DE" sz="2400" dirty="0" smtClean="0">
                 <a:solidFill>
                   <a:srgbClr val="FFFF00"/>
                 </a:solidFill>
@@ -7340,7 +8554,7 @@
               <a:t> </a:t>
             </a:r>
             <a:r>
-              <a:rPr lang="de-DE" sz="2800" dirty="0" smtClean="0">
+              <a:rPr lang="de-DE" sz="2400" dirty="0" smtClean="0">
                 <a:solidFill>
                   <a:srgbClr val="FFFF00"/>
                 </a:solidFill>
@@ -7348,7 +8562,7 @@
               <a:t>Wie verwaltet </a:t>
             </a:r>
             <a:r>
-              <a:rPr lang="en-US" sz="2800" dirty="0" smtClean="0">
+              <a:rPr lang="en-US" sz="2400" dirty="0" smtClean="0">
                 <a:solidFill>
                   <a:srgbClr val="FFFF00"/>
                 </a:solidFill>
@@ -7356,7 +8570,7 @@
               <a:t>man am </a:t>
             </a:r>
             <a:r>
-              <a:rPr lang="de-DE" sz="2800" dirty="0" smtClean="0">
+              <a:rPr lang="de-DE" sz="2400" dirty="0" smtClean="0">
                 <a:solidFill>
                   <a:srgbClr val="FFFF00"/>
                 </a:solidFill>
@@ -7364,14 +8578,14 @@
               <a:t>besten</a:t>
             </a:r>
             <a:r>
-              <a:rPr lang="en-US" sz="2800" dirty="0" smtClean="0">
+              <a:rPr lang="en-US" sz="2400" dirty="0" smtClean="0">
                 <a:solidFill>
                   <a:srgbClr val="FFFF00"/>
                 </a:solidFill>
               </a:rPr>
               <a:t> die Codebase?</a:t>
             </a:r>
-            <a:endParaRPr lang="en-US" sz="2800" dirty="0">
+            <a:endParaRPr lang="en-US" sz="2400" dirty="0">
               <a:solidFill>
                 <a:srgbClr val="FFFF00"/>
               </a:solidFill>
@@ -7578,7 +8792,7 @@
       </p:sp>
       <p:pic>
         <p:nvPicPr>
-          <p:cNvPr id="2054" name="Picture 6" descr="Bildergebnis für question mark meme"/>
+          <p:cNvPr id="6146" name="Picture 2" descr="Bildergebnis für memes"/>
           <p:cNvPicPr>
             <a:picLocks noChangeAspect="1" noChangeArrowheads="1"/>
           </p:cNvPicPr>
@@ -7599,8 +8813,8 @@
         </p:blipFill>
         <p:spPr bwMode="auto">
           <a:xfrm>
-            <a:off x="3276600" y="2495549"/>
-            <a:ext cx="2239970" cy="1707931"/>
+            <a:off x="3124200" y="2469931"/>
+            <a:ext cx="3048000" cy="1714500"/>
           </a:xfrm>
           <a:prstGeom prst="rect">
             <a:avLst/>
@@ -7699,7 +8913,7 @@
         <p:spPr/>
         <p:txBody>
           <a:bodyPr>
-            <a:normAutofit lnSpcReduction="10000"/>
+            <a:normAutofit/>
           </a:bodyPr>
           <a:lstStyle/>
           <a:p>
@@ -7711,9 +8925,18 @@
               <a:buChar char="•"/>
             </a:pPr>
             <a:r>
-              <a:rPr lang="de-DE" sz="2800" dirty="0" smtClean="0"/>
-              <a:t>Inkonsistenzen?</a:t>
-            </a:r>
+              <a:rPr lang="de-DE" sz="2400" dirty="0" smtClean="0">
+                <a:solidFill>
+                  <a:srgbClr val="81D4FA"/>
+                </a:solidFill>
+              </a:rPr>
+              <a:t>Arbeitsteilung</a:t>
+            </a:r>
+            <a:r>
+              <a:rPr lang="de-DE" sz="2400" dirty="0" smtClean="0"/>
+              <a:t> im Team?</a:t>
+            </a:r>
+            <a:endParaRPr lang="de-DE" sz="2400" dirty="0" smtClean="0"/>
           </a:p>
           <a:p>
             <a:pPr marL="457200" indent="-457200">
@@ -7724,9 +8947,30 @@
               <a:buChar char="•"/>
             </a:pPr>
             <a:r>
-              <a:rPr lang="de-DE" sz="2800" dirty="0" smtClean="0"/>
-              <a:t>Datenträgerfehler?</a:t>
-            </a:r>
+              <a:rPr lang="de-DE" sz="2400" dirty="0" smtClean="0">
+                <a:solidFill>
+                  <a:srgbClr val="81D4FA"/>
+                </a:solidFill>
+              </a:rPr>
+              <a:t>Datenträgerfehler</a:t>
+            </a:r>
+            <a:r>
+              <a:rPr lang="de-DE" sz="2400" dirty="0" smtClean="0"/>
+              <a:t> und andere </a:t>
+            </a:r>
+            <a:r>
+              <a:rPr lang="de-DE" sz="2400" dirty="0" smtClean="0">
+                <a:solidFill>
+                  <a:srgbClr val="81D4FA"/>
+                </a:solidFill>
+              </a:rPr>
+              <a:t>Katastrophen</a:t>
+            </a:r>
+            <a:r>
+              <a:rPr lang="de-DE" sz="2400" dirty="0" smtClean="0"/>
+              <a:t>?</a:t>
+            </a:r>
+            <a:endParaRPr lang="de-DE" sz="2400" dirty="0" smtClean="0"/>
           </a:p>
           <a:p>
             <a:pPr marL="457200" indent="-457200">
@@ -7737,7 +8981,7 @@
               <a:buChar char="•"/>
             </a:pPr>
             <a:r>
-              <a:rPr lang="de-DE" sz="2800" dirty="0" smtClean="0">
+              <a:rPr lang="de-DE" sz="2400" dirty="0" smtClean="0">
                 <a:solidFill>
                   <a:srgbClr val="81D4FA"/>
                 </a:solidFill>
@@ -7745,7 +8989,7 @@
               <a:t>Rückgängigmachen</a:t>
             </a:r>
             <a:r>
-              <a:rPr lang="de-DE" sz="2800" dirty="0" smtClean="0"/>
+              <a:rPr lang="de-DE" sz="2400" dirty="0" smtClean="0"/>
               <a:t> von Änderungen?</a:t>
             </a:r>
           </a:p>
@@ -7758,11 +9002,11 @@
               <a:buChar char="•"/>
             </a:pPr>
             <a:r>
-              <a:rPr lang="de-DE" sz="2800" dirty="0" err="1" smtClean="0"/>
+              <a:rPr lang="de-DE" sz="2400" dirty="0" err="1" smtClean="0"/>
               <a:t>Versionierung</a:t>
             </a:r>
             <a:r>
-              <a:rPr lang="en-US" sz="2800" dirty="0" smtClean="0"/>
+              <a:rPr lang="en-US" sz="2400" dirty="0" smtClean="0"/>
               <a:t>?</a:t>
             </a:r>
           </a:p>
@@ -7775,11 +9019,11 @@
               <a:buChar char="•"/>
             </a:pPr>
             <a:r>
-              <a:rPr lang="de-DE" sz="2800" dirty="0" smtClean="0"/>
+              <a:rPr lang="de-DE" sz="2400" dirty="0" smtClean="0"/>
               <a:t>Rettung aus </a:t>
             </a:r>
             <a:r>
-              <a:rPr lang="de-DE" sz="2800" dirty="0" smtClean="0">
+              <a:rPr lang="de-DE" sz="2400" dirty="0" smtClean="0">
                 <a:solidFill>
                   <a:srgbClr val="81D4FA"/>
                 </a:solidFill>
@@ -7787,11 +9031,11 @@
               <a:t>Hass</a:t>
             </a:r>
             <a:r>
-              <a:rPr lang="de-DE" sz="2800" dirty="0" smtClean="0"/>
+              <a:rPr lang="de-DE" sz="2400" dirty="0" smtClean="0"/>
               <a:t> und </a:t>
             </a:r>
             <a:r>
-              <a:rPr lang="de-DE" sz="2800" dirty="0" smtClean="0">
+              <a:rPr lang="de-DE" sz="2400" dirty="0" smtClean="0">
                 <a:solidFill>
                   <a:srgbClr val="81D4FA"/>
                 </a:solidFill>
@@ -7799,7 +9043,7 @@
               <a:t>Verzweiflung</a:t>
             </a:r>
             <a:r>
-              <a:rPr lang="de-DE" sz="2800" dirty="0" smtClean="0"/>
+              <a:rPr lang="de-DE" sz="2400" dirty="0" smtClean="0"/>
               <a:t>?</a:t>
             </a:r>
           </a:p>
@@ -7812,15 +9056,11 @@
               <a:buChar char="•"/>
             </a:pPr>
             <a:r>
-              <a:rPr lang="de-DE" sz="2800" dirty="0" smtClean="0"/>
-              <a:t>Was ist gerade </a:t>
-            </a:r>
-            <a:r>
-              <a:rPr lang="de-DE" sz="2800" smtClean="0"/>
-              <a:t>die </a:t>
-            </a:r>
-            <a:r>
-              <a:rPr lang="de-DE" sz="2800" smtClean="0">
+              <a:rPr lang="de-DE" sz="2400" dirty="0" smtClean="0"/>
+              <a:t>Was ist gerade die </a:t>
+            </a:r>
+            <a:r>
+              <a:rPr lang="de-DE" sz="2400" dirty="0" smtClean="0">
                 <a:solidFill>
                   <a:srgbClr val="81D4FA"/>
                 </a:solidFill>
@@ -7828,14 +9068,14 @@
               <a:t>gemeinsame</a:t>
             </a:r>
             <a:br>
-              <a:rPr lang="de-DE" sz="2800" smtClean="0">
+              <a:rPr lang="de-DE" sz="2400" dirty="0" smtClean="0">
                 <a:solidFill>
                   <a:srgbClr val="81D4FA"/>
                 </a:solidFill>
               </a:rPr>
             </a:br>
             <a:r>
-              <a:rPr lang="de-DE" sz="2800" smtClean="0">
+              <a:rPr lang="de-DE" sz="2400" dirty="0" smtClean="0">
                 <a:solidFill>
                   <a:srgbClr val="81D4FA"/>
                 </a:solidFill>
@@ -7843,12 +9083,12 @@
               <a:t>Arbeitsbasis</a:t>
             </a:r>
             <a:r>
-              <a:rPr lang="de-DE" sz="2800" dirty="0" smtClean="0"/>
+              <a:rPr lang="de-DE" sz="2400" dirty="0" smtClean="0"/>
               <a:t>?</a:t>
             </a:r>
           </a:p>
           <a:p>
-            <a:endParaRPr lang="en-US" dirty="0"/>
+            <a:endParaRPr lang="en-US" sz="2400" dirty="0"/>
           </a:p>
         </p:txBody>
       </p:sp>
@@ -7929,10 +9169,10 @@
           <a:p>
             <a:pPr algn="l"/>
             <a:r>
-              <a:rPr lang="en-US" dirty="0" smtClean="0"/>
+              <a:rPr lang="en-US" sz="4000" dirty="0" smtClean="0"/>
               <a:t>Version Control System (VCS)</a:t>
             </a:r>
-            <a:endParaRPr lang="en-US" dirty="0"/>
+            <a:endParaRPr lang="en-US" sz="4000" dirty="0"/>
           </a:p>
         </p:txBody>
       </p:sp>
@@ -8167,14 +9407,14 @@
           <a:p>
             <a:pPr algn="l"/>
             <a:r>
-              <a:rPr lang="en-US" dirty="0" err="1" smtClean="0"/>
+              <a:rPr lang="en-US" sz="4000" dirty="0" err="1" smtClean="0"/>
               <a:t>git</a:t>
             </a:r>
             <a:r>
-              <a:rPr lang="en-US" dirty="0" smtClean="0"/>
+              <a:rPr lang="en-US" sz="4000" dirty="0" smtClean="0"/>
               <a:t> to the rescue</a:t>
             </a:r>
-            <a:endParaRPr lang="de-DE" dirty="0"/>
+            <a:endParaRPr lang="de-DE" sz="4000" dirty="0"/>
           </a:p>
         </p:txBody>
       </p:sp>
@@ -8191,7 +9431,7 @@
         <p:spPr/>
         <p:txBody>
           <a:bodyPr>
-            <a:normAutofit lnSpcReduction="10000"/>
+            <a:normAutofit/>
           </a:bodyPr>
           <a:lstStyle/>
           <a:p>
@@ -8203,7 +9443,7 @@
               <a:buChar char="•"/>
             </a:pPr>
             <a:r>
-              <a:rPr lang="de-DE" sz="2800" dirty="0" smtClean="0">
+              <a:rPr lang="de-DE" sz="2400" dirty="0" smtClean="0">
                 <a:solidFill>
                   <a:srgbClr val="81D4FA"/>
                 </a:solidFill>
@@ -8211,7 +9451,7 @@
               <a:t>verteiltes </a:t>
             </a:r>
             <a:r>
-              <a:rPr lang="de-DE" sz="2800" dirty="0" smtClean="0"/>
+              <a:rPr lang="de-DE" sz="2400" dirty="0" smtClean="0"/>
               <a:t>VCS</a:t>
             </a:r>
           </a:p>
@@ -8224,7 +9464,7 @@
               <a:buChar char="•"/>
             </a:pPr>
             <a:r>
-              <a:rPr lang="de-DE" sz="2800" dirty="0" smtClean="0">
+              <a:rPr lang="de-DE" sz="2400" dirty="0" smtClean="0">
                 <a:solidFill>
                   <a:srgbClr val="81D4FA"/>
                 </a:solidFill>
@@ -8232,7 +9472,7 @@
               <a:t>kooperatives </a:t>
             </a:r>
             <a:r>
-              <a:rPr lang="de-DE" sz="2800" dirty="0" smtClean="0"/>
+              <a:rPr lang="de-DE" sz="2400" dirty="0" smtClean="0"/>
               <a:t>Arbeiten an einem Projekt</a:t>
             </a:r>
           </a:p>
@@ -8245,18 +9485,18 @@
               <a:buChar char="•"/>
             </a:pPr>
             <a:r>
-              <a:rPr lang="de-DE" sz="2800" dirty="0" smtClean="0"/>
+              <a:rPr lang="de-DE" sz="2400" dirty="0" smtClean="0"/>
               <a:t>Verwaltung in Form von </a:t>
             </a:r>
             <a:r>
-              <a:rPr lang="de-DE" sz="2800" dirty="0" err="1" smtClean="0">
+              <a:rPr lang="de-DE" sz="2400" dirty="0" err="1" smtClean="0">
                 <a:solidFill>
                   <a:srgbClr val="81D4FA"/>
                 </a:solidFill>
               </a:rPr>
               <a:t>Repositories</a:t>
             </a:r>
-            <a:endParaRPr lang="de-DE" sz="2800" dirty="0" smtClean="0">
+            <a:endParaRPr lang="de-DE" sz="2400" dirty="0" smtClean="0">
               <a:solidFill>
                 <a:srgbClr val="81D4FA"/>
               </a:solidFill>
@@ -8271,11 +9511,11 @@
               <a:buChar char="•"/>
             </a:pPr>
             <a:r>
-              <a:rPr lang="de-DE" sz="2800" dirty="0"/>
+              <a:rPr lang="de-DE" sz="2400" dirty="0"/>
               <a:t>webbasierte Hosting Services wie </a:t>
             </a:r>
             <a:r>
-              <a:rPr lang="de-DE" sz="2800" dirty="0" err="1">
+              <a:rPr lang="de-DE" sz="2400" dirty="0" err="1">
                 <a:solidFill>
                   <a:srgbClr val="81D4FA"/>
                 </a:solidFill>
@@ -8283,7 +9523,7 @@
               <a:t>GitHub</a:t>
             </a:r>
             <a:r>
-              <a:rPr lang="de-DE" sz="2800" dirty="0">
+              <a:rPr lang="de-DE" sz="2400" dirty="0">
                 <a:solidFill>
                   <a:srgbClr val="81D4FA"/>
                 </a:solidFill>
@@ -8291,18 +9531,18 @@
               <a:t> </a:t>
             </a:r>
             <a:r>
-              <a:rPr lang="de-DE" sz="2800" dirty="0"/>
+              <a:rPr lang="de-DE" sz="2400" dirty="0"/>
               <a:t>oder </a:t>
             </a:r>
             <a:r>
-              <a:rPr lang="de-DE" sz="2800" dirty="0" err="1" smtClean="0">
+              <a:rPr lang="de-DE" sz="2400" dirty="0" err="1" smtClean="0">
                 <a:solidFill>
                   <a:srgbClr val="81D4FA"/>
                 </a:solidFill>
               </a:rPr>
               <a:t>Bitbucket</a:t>
             </a:r>
-            <a:endParaRPr lang="de-DE" sz="2800" dirty="0">
+            <a:endParaRPr lang="de-DE" sz="2400" dirty="0">
               <a:solidFill>
                 <a:srgbClr val="81D4FA"/>
               </a:solidFill>
@@ -8317,11 +9557,11 @@
               <a:buChar char="•"/>
             </a:pPr>
             <a:r>
-              <a:rPr lang="de-DE" sz="2800" dirty="0" smtClean="0"/>
+              <a:rPr lang="de-DE" sz="2400" dirty="0" smtClean="0"/>
               <a:t>für </a:t>
             </a:r>
             <a:r>
-              <a:rPr lang="de-DE" sz="2800" dirty="0" smtClean="0">
+              <a:rPr lang="de-DE" sz="2400" dirty="0" smtClean="0">
                 <a:solidFill>
                   <a:srgbClr val="81D4FA"/>
                 </a:solidFill>
@@ -8329,11 +9569,11 @@
               <a:t>Linux</a:t>
             </a:r>
             <a:r>
-              <a:rPr lang="de-DE" sz="2800" dirty="0" smtClean="0"/>
+              <a:rPr lang="de-DE" sz="2400" dirty="0" smtClean="0"/>
               <a:t>, </a:t>
             </a:r>
             <a:r>
-              <a:rPr lang="de-DE" sz="2800" dirty="0" smtClean="0">
+              <a:rPr lang="de-DE" sz="2400" dirty="0" smtClean="0">
                 <a:solidFill>
                   <a:srgbClr val="81D4FA"/>
                 </a:solidFill>
@@ -8341,11 +9581,11 @@
               <a:t>Windows </a:t>
             </a:r>
             <a:r>
-              <a:rPr lang="de-DE" sz="2800" dirty="0" smtClean="0"/>
+              <a:rPr lang="de-DE" sz="2400" dirty="0" smtClean="0"/>
               <a:t>und </a:t>
             </a:r>
             <a:r>
-              <a:rPr lang="de-DE" sz="2800" dirty="0" err="1" smtClean="0">
+              <a:rPr lang="de-DE" sz="2400" dirty="0" err="1" smtClean="0">
                 <a:solidFill>
                   <a:srgbClr val="81D4FA"/>
                 </a:solidFill>
@@ -8353,7 +9593,7 @@
               <a:t>macOS</a:t>
             </a:r>
             <a:r>
-              <a:rPr lang="de-DE" sz="2800" dirty="0" smtClean="0">
+              <a:rPr lang="de-DE" sz="2400" dirty="0" smtClean="0">
                 <a:solidFill>
                   <a:srgbClr val="81D4FA"/>
                 </a:solidFill>
@@ -8361,14 +9601,14 @@
               <a:t> </a:t>
             </a:r>
             <a:br>
-              <a:rPr lang="de-DE" sz="2800" dirty="0" smtClean="0">
+              <a:rPr lang="de-DE" sz="2400" dirty="0" smtClean="0">
                 <a:solidFill>
                   <a:srgbClr val="81D4FA"/>
                 </a:solidFill>
               </a:rPr>
             </a:br>
             <a:r>
-              <a:rPr lang="de-DE" sz="2800" dirty="0" smtClean="0"/>
+              <a:rPr lang="de-DE" sz="2400" dirty="0" smtClean="0"/>
               <a:t>verfügbar</a:t>
             </a:r>
           </a:p>
@@ -8451,14 +9691,14 @@
           <a:p>
             <a:pPr algn="l"/>
             <a:r>
-              <a:rPr lang="en-US" dirty="0" smtClean="0"/>
+              <a:rPr lang="en-US" sz="4000" dirty="0" smtClean="0"/>
               <a:t>The guts of </a:t>
             </a:r>
             <a:r>
-              <a:rPr lang="en-US" dirty="0" err="1" smtClean="0"/>
+              <a:rPr lang="en-US" sz="4000" dirty="0" err="1" smtClean="0"/>
               <a:t>git</a:t>
             </a:r>
-            <a:endParaRPr lang="de-DE" dirty="0"/>
+            <a:endParaRPr lang="de-DE" sz="4000" dirty="0"/>
           </a:p>
         </p:txBody>
       </p:sp>
@@ -8475,12 +9715,12 @@
         <p:spPr>
           <a:xfrm>
             <a:off x="457200" y="1188720"/>
-            <a:ext cx="7010400" cy="3394472"/>
+            <a:ext cx="8077200" cy="3394472"/>
           </a:xfrm>
         </p:spPr>
         <p:txBody>
           <a:bodyPr>
-            <a:normAutofit fontScale="92500" lnSpcReduction="10000"/>
+            <a:noAutofit/>
           </a:bodyPr>
           <a:lstStyle/>
           <a:p>
@@ -8492,11 +9732,19 @@
               <a:buChar char="•"/>
             </a:pPr>
             <a:r>
-              <a:rPr lang="de-DE" sz="2600" dirty="0" smtClean="0"/>
-              <a:t>jeder Teamkollege arbeitet an </a:t>
-            </a:r>
-            <a:r>
-              <a:rPr lang="de-DE" sz="2600" dirty="0" smtClean="0">
+              <a:rPr lang="de-DE" sz="2400" dirty="0" smtClean="0"/>
+              <a:t>jeder </a:t>
+            </a:r>
+            <a:r>
+              <a:rPr lang="de-DE" sz="2400" dirty="0" smtClean="0"/>
+              <a:t>Entwickler arbeitet </a:t>
+            </a:r>
+            <a:r>
+              <a:rPr lang="de-DE" sz="2400" dirty="0" smtClean="0"/>
+              <a:t>an </a:t>
+            </a:r>
+            <a:r>
+              <a:rPr lang="de-DE" sz="2400" dirty="0" smtClean="0">
                 <a:solidFill>
                   <a:srgbClr val="81D4FA"/>
                 </a:solidFill>
@@ -8504,19 +9752,39 @@
               <a:t>lokaler Kopie </a:t>
             </a:r>
             <a:r>
-              <a:rPr lang="de-DE" sz="2600" dirty="0" smtClean="0"/>
-              <a:t>des Projekts (</a:t>
-            </a:r>
-            <a:r>
-              <a:rPr lang="de-DE" sz="2600" dirty="0" err="1" smtClean="0">
+              <a:rPr lang="de-DE" sz="2400" dirty="0" smtClean="0"/>
+              <a:t>des Projekts </a:t>
+            </a:r>
+            <a:r>
+              <a:rPr lang="de-DE" sz="2400" dirty="0" smtClean="0"/>
+              <a:t>(</a:t>
+            </a:r>
+            <a:r>
+              <a:rPr lang="de-DE" sz="2400" dirty="0" err="1" smtClean="0">
                 <a:solidFill>
                   <a:srgbClr val="81D4FA"/>
                 </a:solidFill>
               </a:rPr>
+              <a:t>local</a:t>
+            </a:r>
+            <a:r>
+              <a:rPr lang="de-DE" sz="2400" dirty="0" smtClean="0">
+                <a:solidFill>
+                  <a:srgbClr val="81D4FA"/>
+                </a:solidFill>
+              </a:rPr>
+              <a:t> </a:t>
+            </a:r>
+            <a:r>
+              <a:rPr lang="de-DE" sz="2400" dirty="0" err="1" smtClean="0">
+                <a:solidFill>
+                  <a:srgbClr val="81D4FA"/>
+                </a:solidFill>
+              </a:rPr>
               <a:t>repository</a:t>
             </a:r>
             <a:r>
-              <a:rPr lang="de-DE" sz="2600" dirty="0" smtClean="0"/>
+              <a:rPr lang="de-DE" sz="2400" dirty="0" smtClean="0"/>
               <a:t>)</a:t>
             </a:r>
           </a:p>
@@ -8529,11 +9797,19 @@
               <a:buChar char="•"/>
             </a:pPr>
             <a:r>
-              <a:rPr lang="de-DE" sz="2600" dirty="0" smtClean="0"/>
-              <a:t>Änderungen werden zusammengefasst (</a:t>
-            </a:r>
-            <a:r>
-              <a:rPr lang="de-DE" sz="2600" dirty="0" err="1" smtClean="0">
+              <a:rPr lang="de-DE" sz="2400" dirty="0" smtClean="0"/>
+              <a:t>Änderungen werden </a:t>
+            </a:r>
+            <a:r>
+              <a:rPr lang="de-DE" sz="2400" dirty="0" smtClean="0"/>
+              <a:t>zusammengefasst und verwaltet </a:t>
+            </a:r>
+            <a:r>
+              <a:rPr lang="de-DE" sz="2400" dirty="0" smtClean="0"/>
+              <a:t>(</a:t>
+            </a:r>
+            <a:r>
+              <a:rPr lang="de-DE" sz="2400" dirty="0" err="1" smtClean="0">
                 <a:solidFill>
                   <a:srgbClr val="81D4FA"/>
                 </a:solidFill>
@@ -8541,7 +9817,7 @@
               <a:t>commit</a:t>
             </a:r>
             <a:r>
-              <a:rPr lang="de-DE" sz="2600" dirty="0" smtClean="0"/>
+              <a:rPr lang="de-DE" sz="2400" dirty="0" smtClean="0"/>
               <a:t>)</a:t>
             </a:r>
           </a:p>
@@ -8554,34 +9830,42 @@
               <a:buChar char="•"/>
             </a:pPr>
             <a:r>
-              <a:rPr lang="en-US" sz="2600" dirty="0"/>
+              <a:rPr lang="en-US" sz="2400" dirty="0"/>
               <a:t>c</a:t>
             </a:r>
             <a:r>
-              <a:rPr lang="en-US" sz="2600" dirty="0" smtClean="0"/>
+              <a:rPr lang="en-US" sz="2400" dirty="0" smtClean="0"/>
               <a:t>ommits </a:t>
             </a:r>
             <a:r>
-              <a:rPr lang="en-US" sz="2600" dirty="0" err="1" smtClean="0"/>
+              <a:rPr lang="en-US" sz="2400" dirty="0" err="1" smtClean="0"/>
               <a:t>werden</a:t>
             </a:r>
             <a:r>
-              <a:rPr lang="en-US" sz="2600" dirty="0" smtClean="0"/>
+              <a:rPr lang="en-US" sz="2400" dirty="0" smtClean="0"/>
               <a:t> auf </a:t>
             </a:r>
             <a:r>
-              <a:rPr lang="en-US" sz="2600" dirty="0" smtClean="0">
+              <a:rPr lang="en-US" sz="2400" dirty="0" smtClean="0">
                 <a:solidFill>
                   <a:srgbClr val="81D4FA"/>
                 </a:solidFill>
               </a:rPr>
-              <a:t>remote repositories </a:t>
-            </a:r>
-            <a:r>
-              <a:rPr lang="en-US" sz="2600" dirty="0" err="1" smtClean="0"/>
+              <a:t>remote </a:t>
+            </a:r>
+            <a:r>
+              <a:rPr lang="en-US" sz="2400" dirty="0" smtClean="0">
+                <a:solidFill>
+                  <a:srgbClr val="81D4FA"/>
+                </a:solidFill>
+              </a:rPr>
+              <a:t>repositories </a:t>
+            </a:r>
+            <a:r>
+              <a:rPr lang="en-US" sz="2400" dirty="0" err="1" smtClean="0"/>
               <a:t>publiziert</a:t>
             </a:r>
-            <a:endParaRPr lang="en-US" sz="2600" dirty="0" smtClean="0"/>
+            <a:endParaRPr lang="en-US" sz="2400" dirty="0" smtClean="0"/>
           </a:p>
           <a:p>
             <a:pPr marL="514350" indent="-514350">
@@ -8592,27 +9876,47 @@
               <a:buChar char="•"/>
             </a:pPr>
             <a:r>
-              <a:rPr lang="de-DE" sz="2600" dirty="0" smtClean="0"/>
-              <a:t>Teamkollegen können</a:t>
-            </a:r>
-            <a:r>
-              <a:rPr lang="de-DE" sz="2600" dirty="0" smtClean="0">
+              <a:rPr lang="de-DE" sz="2400" dirty="0" smtClean="0"/>
+              <a:t>Entwickler können</a:t>
+            </a:r>
+            <a:r>
+              <a:rPr lang="de-DE" sz="2400" dirty="0" smtClean="0">
                 <a:solidFill>
                   <a:srgbClr val="81D4FA"/>
                 </a:solidFill>
               </a:rPr>
-              <a:t> Änderungen anderer Kollegen</a:t>
-            </a:r>
-            <a:r>
-              <a:rPr lang="de-DE" sz="2600" dirty="0" smtClean="0"/>
-              <a:t> über das remote </a:t>
-            </a:r>
-            <a:r>
-              <a:rPr lang="de-DE" sz="2600" dirty="0" err="1" smtClean="0"/>
+              <a:t> </a:t>
+            </a:r>
+            <a:r>
+              <a:rPr lang="de-DE" sz="2400" dirty="0" smtClean="0">
+                <a:solidFill>
+                  <a:srgbClr val="81D4FA"/>
+                </a:solidFill>
+              </a:rPr>
+              <a:t>Änderungen anderer </a:t>
+            </a:r>
+            <a:r>
+              <a:rPr lang="de-DE" sz="2400" dirty="0" smtClean="0">
+                <a:solidFill>
+                  <a:srgbClr val="81D4FA"/>
+                </a:solidFill>
+              </a:rPr>
+              <a:t>Entwickler </a:t>
+            </a:r>
+            <a:r>
+              <a:rPr lang="de-DE" sz="2400" dirty="0" smtClean="0"/>
+              <a:t>über </a:t>
+            </a:r>
+            <a:r>
+              <a:rPr lang="de-DE" sz="2400" dirty="0" smtClean="0"/>
+              <a:t>das remote </a:t>
+            </a:r>
+            <a:r>
+              <a:rPr lang="de-DE" sz="2400" dirty="0" err="1" smtClean="0"/>
               <a:t>repository</a:t>
             </a:r>
             <a:r>
-              <a:rPr lang="de-DE" sz="2600" dirty="0" smtClean="0"/>
+              <a:rPr lang="de-DE" sz="2400" dirty="0" smtClean="0"/>
               <a:t> einpflegen</a:t>
             </a:r>
           </a:p>
@@ -8695,14 +9999,14 @@
           <a:p>
             <a:pPr algn="l"/>
             <a:r>
-              <a:rPr lang="en-US" dirty="0" smtClean="0"/>
+              <a:rPr lang="en-US" sz="4000" dirty="0" smtClean="0"/>
               <a:t>How to get </a:t>
             </a:r>
             <a:r>
-              <a:rPr lang="en-US" dirty="0" err="1" smtClean="0"/>
+              <a:rPr lang="en-US" sz="4000" dirty="0" err="1" smtClean="0"/>
               <a:t>git</a:t>
             </a:r>
-            <a:endParaRPr lang="de-DE" dirty="0"/>
+            <a:endParaRPr lang="de-DE" sz="4000" dirty="0"/>
           </a:p>
         </p:txBody>
       </p:sp>

--- a/Git.pptx
+++ b/Git.pptx
@@ -5,7 +5,7 @@
     <p:sldMasterId id="2147483672" r:id="rId1"/>
   </p:sldMasterIdLst>
   <p:notesMasterIdLst>
-    <p:notesMasterId r:id="rId26"/>
+    <p:notesMasterId r:id="rId28"/>
   </p:notesMasterIdLst>
   <p:sldIdLst>
     <p:sldId id="256" r:id="rId2"/>
@@ -30,8 +30,10 @@
     <p:sldId id="276" r:id="rId21"/>
     <p:sldId id="280" r:id="rId22"/>
     <p:sldId id="279" r:id="rId23"/>
-    <p:sldId id="278" r:id="rId24"/>
-    <p:sldId id="277" r:id="rId25"/>
+    <p:sldId id="281" r:id="rId24"/>
+    <p:sldId id="278" r:id="rId25"/>
+    <p:sldId id="282" r:id="rId26"/>
+    <p:sldId id="277" r:id="rId27"/>
   </p:sldIdLst>
   <p:sldSz cx="9144000" cy="5143500" type="screen16x9"/>
   <p:notesSz cx="6858000" cy="9144000"/>
@@ -4221,11 +4223,7 @@
             </a:r>
             <a:r>
               <a:rPr lang="de-DE" sz="2400" dirty="0" smtClean="0"/>
-              <a:t> im </a:t>
-            </a:r>
-            <a:r>
-              <a:rPr lang="de-DE" sz="2400" dirty="0" smtClean="0"/>
-              <a:t>Arbeitsverzeichnis</a:t>
+              <a:t> im Arbeitsverzeichnis</a:t>
             </a:r>
           </a:p>
           <a:p>
@@ -4238,11 +4236,7 @@
             </a:pPr>
             <a:r>
               <a:rPr lang="de-DE" sz="2400" dirty="0" smtClean="0"/>
-              <a:t>jetzt </a:t>
-            </a:r>
-            <a:r>
-              <a:rPr lang="de-DE" sz="2400" dirty="0" smtClean="0"/>
-              <a:t>können Dateien zum </a:t>
+              <a:t>jetzt können Dateien zum </a:t>
             </a:r>
             <a:r>
               <a:rPr lang="de-DE" sz="2400" dirty="0" smtClean="0">
@@ -4295,7 +4289,15 @@
             </a:r>
             <a:r>
               <a:rPr lang="en-US" sz="2400" dirty="0" err="1" smtClean="0"/>
-              <a:t>Dateien</a:t>
+              <a:t>im</a:t>
+            </a:r>
+            <a:r>
+              <a:rPr lang="en-US" sz="2400" dirty="0" smtClean="0"/>
+              <a:t> Index </a:t>
+            </a:r>
+            <a:r>
+              <a:rPr lang="en-US" sz="2400" dirty="0" err="1" smtClean="0"/>
+              <a:t>befindlichen</a:t>
             </a:r>
             <a:r>
               <a:rPr lang="en-US" sz="2400" dirty="0" smtClean="0"/>
@@ -4303,11 +4305,7 @@
             </a:r>
             <a:r>
               <a:rPr lang="en-US" sz="2400" dirty="0" err="1" smtClean="0"/>
-              <a:t>im</a:t>
-            </a:r>
-            <a:r>
-              <a:rPr lang="en-US" sz="2400" dirty="0" smtClean="0"/>
-              <a:t> Index</a:t>
+              <a:t>Dateien</a:t>
             </a:r>
             <a:endParaRPr lang="de-DE" sz="2400" dirty="0" smtClean="0"/>
           </a:p>
@@ -4577,8 +4575,8 @@
         </p:nvSpPr>
         <p:spPr>
           <a:xfrm>
-            <a:off x="6908584" y="2145982"/>
-            <a:ext cx="1672389" cy="646331"/>
+            <a:off x="6908584" y="2140445"/>
+            <a:ext cx="2159216" cy="646331"/>
           </a:xfrm>
           <a:prstGeom prst="rect">
             <a:avLst/>
@@ -4610,22 +4608,23 @@
               </a:rPr>
               <a:t> </a:t>
             </a:r>
-            <a:br>
+            <a:r>
+              <a:rPr lang="de-DE" dirty="0" err="1" smtClean="0">
+                <a:solidFill>
+                  <a:schemeClr val="bg1"/>
+                </a:solidFill>
+                <a:latin typeface="Bahnschrift Light" panose="020B0502040204020203" pitchFamily="34" charset="0"/>
+              </a:rPr>
+              <a:t>branch</a:t>
+            </a:r>
+            <a:r>
               <a:rPr lang="de-DE" dirty="0" smtClean="0">
                 <a:solidFill>
                   <a:schemeClr val="bg1"/>
                 </a:solidFill>
                 <a:latin typeface="Bahnschrift Light" panose="020B0502040204020203" pitchFamily="34" charset="0"/>
               </a:rPr>
-            </a:br>
-            <a:r>
-              <a:rPr lang="de-DE" dirty="0" err="1" smtClean="0">
-                <a:solidFill>
-                  <a:schemeClr val="bg1"/>
-                </a:solidFill>
-                <a:latin typeface="Bahnschrift Light" panose="020B0502040204020203" pitchFamily="34" charset="0"/>
-              </a:rPr>
-              <a:t>branch</a:t>
+              <a:t> (dazu gleich mehr)</a:t>
             </a:r>
             <a:endParaRPr lang="de-DE" dirty="0" smtClean="0">
               <a:solidFill>
@@ -4639,13 +4638,15 @@
       <p:cxnSp>
         <p:nvCxnSpPr>
           <p:cNvPr id="7" name="Gekrümmte Verbindung 6"/>
-          <p:cNvCxnSpPr/>
+          <p:cNvCxnSpPr>
+            <a:endCxn id="6" idx="2"/>
+          </p:cNvCxnSpPr>
           <p:nvPr/>
         </p:nvCxnSpPr>
         <p:spPr>
           <a:xfrm flipV="1">
-            <a:off x="6084194" y="2792313"/>
-            <a:ext cx="1648779" cy="693839"/>
+            <a:off x="6084194" y="2786776"/>
+            <a:ext cx="1903998" cy="699377"/>
           </a:xfrm>
           <a:prstGeom prst="curvedConnector2">
             <a:avLst/>
@@ -4875,7 +4876,6 @@
               <a:rPr lang="de-DE" sz="2400" dirty="0" smtClean="0"/>
               <a:t>kann am Projekt gearbeitet werden</a:t>
             </a:r>
-            <a:endParaRPr lang="de-DE" sz="2400" dirty="0" smtClean="0"/>
           </a:p>
           <a:p>
             <a:pPr marL="457200" indent="-457200">
@@ -4920,15 +4920,7 @@
             </a:r>
             <a:r>
               <a:rPr lang="de-DE" sz="2400" dirty="0" smtClean="0"/>
-              <a:t> </a:t>
-            </a:r>
-            <a:r>
-              <a:rPr lang="de-DE" sz="2400" dirty="0" smtClean="0"/>
-              <a:t>im </a:t>
-            </a:r>
-            <a:r>
-              <a:rPr lang="de-DE" sz="2400" dirty="0" smtClean="0"/>
-              <a:t>Arbeitsverzeichnis</a:t>
+              <a:t> im Arbeitsverzeichnis</a:t>
             </a:r>
           </a:p>
           <a:p>
@@ -4941,7 +4933,31 @@
             </a:pPr>
             <a:r>
               <a:rPr lang="de-DE" sz="2400" dirty="0" smtClean="0"/>
-              <a:t>Änderungen können dann veröffentlicht werden</a:t>
+              <a:t>Änderungen </a:t>
+            </a:r>
+            <a:r>
+              <a:rPr lang="de-DE" sz="2400" dirty="0" smtClean="0"/>
+              <a:t>können </a:t>
+            </a:r>
+            <a:r>
+              <a:rPr lang="de-DE" sz="2400" dirty="0" smtClean="0"/>
+              <a:t>dann </a:t>
+            </a:r>
+            <a:r>
+              <a:rPr lang="de-DE" sz="2400" dirty="0" smtClean="0">
+                <a:solidFill>
+                  <a:srgbClr val="81D4FA"/>
+                </a:solidFill>
+              </a:rPr>
+              <a:t>veröffentlicht</a:t>
+            </a:r>
+            <a:r>
+              <a:rPr lang="de-DE" sz="2400" dirty="0" smtClean="0"/>
+              <a:t> </a:t>
+            </a:r>
+            <a:r>
+              <a:rPr lang="de-DE" sz="2400" dirty="0" smtClean="0"/>
+              <a:t>werden</a:t>
             </a:r>
           </a:p>
           <a:p>
@@ -4953,10 +4969,86 @@
               <a:buChar char="•"/>
             </a:pPr>
             <a:r>
-              <a:rPr lang="de-DE" sz="2400" dirty="0" smtClean="0"/>
-              <a:t>Änderungen anderer Entwickler können lokal eingepflegt werden</a:t>
-            </a:r>
-            <a:endParaRPr lang="de-DE" sz="2400" dirty="0"/>
+              <a:rPr lang="en-US" sz="2400" dirty="0" smtClean="0">
+                <a:solidFill>
+                  <a:srgbClr val="81D4FA"/>
+                </a:solidFill>
+              </a:rPr>
+              <a:t>add</a:t>
+            </a:r>
+            <a:r>
+              <a:rPr lang="en-US" sz="2400" dirty="0" smtClean="0"/>
+              <a:t>, </a:t>
+            </a:r>
+            <a:r>
+              <a:rPr lang="en-US" sz="2400" dirty="0" smtClean="0">
+                <a:solidFill>
+                  <a:srgbClr val="81D4FA"/>
+                </a:solidFill>
+              </a:rPr>
+              <a:t>commit</a:t>
+            </a:r>
+            <a:r>
+              <a:rPr lang="en-US" sz="2400" dirty="0" smtClean="0"/>
+              <a:t>, </a:t>
+            </a:r>
+            <a:r>
+              <a:rPr lang="en-US" sz="2400" dirty="0" smtClean="0">
+                <a:solidFill>
+                  <a:srgbClr val="81D4FA"/>
+                </a:solidFill>
+              </a:rPr>
+              <a:t>branch</a:t>
+            </a:r>
+            <a:r>
+              <a:rPr lang="en-US" sz="2400" dirty="0" smtClean="0"/>
+              <a:t>, </a:t>
+            </a:r>
+            <a:r>
+              <a:rPr lang="en-US" sz="2400" dirty="0" smtClean="0">
+                <a:solidFill>
+                  <a:srgbClr val="81D4FA"/>
+                </a:solidFill>
+              </a:rPr>
+              <a:t>push</a:t>
+            </a:r>
+            <a:r>
+              <a:rPr lang="en-US" sz="2400" dirty="0" smtClean="0"/>
+              <a:t> und </a:t>
+            </a:r>
+            <a:r>
+              <a:rPr lang="en-US" sz="2400" dirty="0" smtClean="0">
+                <a:solidFill>
+                  <a:srgbClr val="81D4FA"/>
+                </a:solidFill>
+              </a:rPr>
+              <a:t>pull</a:t>
+            </a:r>
+            <a:r>
+              <a:rPr lang="en-US" sz="2400" dirty="0" smtClean="0"/>
+              <a:t> </a:t>
+            </a:r>
+            <a:r>
+              <a:rPr lang="en-US" sz="2400" dirty="0" err="1" smtClean="0"/>
+              <a:t>sind</a:t>
+            </a:r>
+            <a:r>
+              <a:rPr lang="en-US" sz="2400" dirty="0" smtClean="0"/>
+              <a:t> </a:t>
+            </a:r>
+            <a:r>
+              <a:rPr lang="en-US" sz="2400" dirty="0" err="1" smtClean="0"/>
+              <a:t>elementare</a:t>
+            </a:r>
+            <a:r>
+              <a:rPr lang="en-US" sz="2400" dirty="0" smtClean="0"/>
+              <a:t> </a:t>
+            </a:r>
+            <a:r>
+              <a:rPr lang="en-US" sz="2400" dirty="0" err="1" smtClean="0"/>
+              <a:t>Befehle</a:t>
+            </a:r>
+            <a:endParaRPr lang="de-DE" sz="2400" dirty="0" smtClean="0"/>
           </a:p>
         </p:txBody>
       </p:sp>
@@ -5079,12 +5171,16 @@
               <a:buChar char="•"/>
             </a:pPr>
             <a:r>
+              <a:rPr lang="de-DE" sz="2400" dirty="0" smtClean="0">
+                <a:solidFill>
+                  <a:srgbClr val="81D4FA"/>
+                </a:solidFill>
+              </a:rPr>
+              <a:t>Zusammenfassung</a:t>
+            </a:r>
+            <a:r>
               <a:rPr lang="de-DE" sz="2400" dirty="0" smtClean="0"/>
-              <a:t>Zusammenfassung der </a:t>
-            </a:r>
-            <a:r>
-              <a:rPr lang="de-DE" sz="2400" dirty="0" smtClean="0"/>
-              <a:t>Änderungen seit letztem </a:t>
+              <a:t> der Änderungen seit letztem </a:t>
             </a:r>
             <a:r>
               <a:rPr lang="de-DE" sz="2400" dirty="0" err="1" smtClean="0"/>
@@ -5102,11 +5198,43 @@
             </a:pPr>
             <a:r>
               <a:rPr lang="de-DE" sz="2400" dirty="0" smtClean="0"/>
-              <a:t>Listet neue</a:t>
+              <a:t>Listet </a:t>
+            </a:r>
+            <a:r>
+              <a:rPr lang="de-DE" sz="2400" dirty="0" smtClean="0">
+                <a:solidFill>
+                  <a:srgbClr val="81D4FA"/>
+                </a:solidFill>
+              </a:rPr>
+              <a:t>neue</a:t>
             </a:r>
             <a:r>
               <a:rPr lang="de-DE" sz="2400" dirty="0" smtClean="0"/>
-              <a:t>, gelöschte und geänderte Dateien auf</a:t>
+              <a:t>, </a:t>
+            </a:r>
+            <a:r>
+              <a:rPr lang="de-DE" sz="2400" dirty="0" smtClean="0">
+                <a:solidFill>
+                  <a:srgbClr val="81D4FA"/>
+                </a:solidFill>
+              </a:rPr>
+              <a:t>gelöschte</a:t>
+            </a:r>
+            <a:r>
+              <a:rPr lang="de-DE" sz="2400" dirty="0" smtClean="0"/>
+              <a:t> und </a:t>
+            </a:r>
+            <a:r>
+              <a:rPr lang="de-DE" sz="2400" dirty="0" smtClean="0">
+                <a:solidFill>
+                  <a:srgbClr val="81D4FA"/>
+                </a:solidFill>
+              </a:rPr>
+              <a:t>geänderte</a:t>
+            </a:r>
+            <a:r>
+              <a:rPr lang="de-DE" sz="2400" dirty="0" smtClean="0"/>
+              <a:t> Dateien auf</a:t>
             </a:r>
           </a:p>
           <a:p>
@@ -5119,7 +5247,15 @@
             </a:pPr>
             <a:r>
               <a:rPr lang="de-DE" sz="2400" dirty="0" smtClean="0"/>
-              <a:t>unterstützt bei der Entscheidung</a:t>
+              <a:t>unterstützt </a:t>
+            </a:r>
+            <a:r>
+              <a:rPr lang="de-DE" sz="2400" dirty="0" smtClean="0"/>
+              <a:t>bei </a:t>
+            </a:r>
+            <a:r>
+              <a:rPr lang="de-DE" sz="2400" dirty="0" smtClean="0"/>
+              <a:t>Entscheidung</a:t>
             </a:r>
             <a:r>
               <a:rPr lang="en-US" sz="2400" dirty="0" smtClean="0"/>
@@ -6583,23 +6719,7 @@
                   <a:srgbClr val="FFFF00"/>
                 </a:solidFill>
               </a:rPr>
-              <a:t>„Ein </a:t>
-            </a:r>
-            <a:r>
-              <a:rPr lang="de-DE" dirty="0" smtClean="0">
-                <a:solidFill>
-                  <a:srgbClr val="FFFF00"/>
-                </a:solidFill>
-              </a:rPr>
-              <a:t>Commit beschreibt eine Menge von Änderungen an Ressourcen eines Repository</a:t>
-            </a:r>
-            <a:r>
-              <a:rPr lang="de-DE" dirty="0" smtClean="0">
-                <a:solidFill>
-                  <a:srgbClr val="FFFF00"/>
-                </a:solidFill>
-              </a:rPr>
-              <a:t>.“</a:t>
+              <a:t>„Ein Commit beschreibt eine Menge von Änderungen an Ressourcen eines Repository.“</a:t>
             </a:r>
             <a:endParaRPr lang="de-DE" dirty="0">
               <a:solidFill>
@@ -6780,7 +6900,15 @@
             </a:pPr>
             <a:r>
               <a:rPr lang="de-DE" sz="2400" dirty="0" smtClean="0"/>
-              <a:t>Änderungen werden ins VCS eingepflegt</a:t>
+              <a:t>Änderungen werden </a:t>
+            </a:r>
+            <a:r>
+              <a:rPr lang="de-DE" sz="2400" dirty="0" smtClean="0"/>
+              <a:t>lokal ins </a:t>
+            </a:r>
+            <a:r>
+              <a:rPr lang="de-DE" sz="2400" dirty="0" smtClean="0"/>
+              <a:t>VCS eingepflegt</a:t>
             </a:r>
           </a:p>
           <a:p>
@@ -6888,7 +7016,86 @@
             </a:r>
             <a:r>
               <a:rPr lang="de-DE" sz="2000" dirty="0" smtClean="0"/>
-              <a:t>” ist keine gute Message</a:t>
+              <a:t>”, “</a:t>
+            </a:r>
+            <a:r>
+              <a:rPr lang="de-DE" sz="2000" dirty="0" err="1" smtClean="0"/>
+              <a:t>bug</a:t>
+            </a:r>
+            <a:r>
+              <a:rPr lang="de-DE" sz="2000" dirty="0" smtClean="0"/>
+              <a:t> fix“, “</a:t>
+            </a:r>
+            <a:r>
+              <a:rPr lang="de-DE" sz="2000" dirty="0" err="1" smtClean="0"/>
+              <a:t>more</a:t>
+            </a:r>
+            <a:r>
+              <a:rPr lang="de-DE" sz="2000" dirty="0" smtClean="0"/>
+              <a:t> </a:t>
+            </a:r>
+            <a:r>
+              <a:rPr lang="de-DE" sz="2000" dirty="0" err="1" smtClean="0"/>
+              <a:t>work</a:t>
+            </a:r>
+            <a:r>
+              <a:rPr lang="de-DE" sz="2000" dirty="0" smtClean="0"/>
+              <a:t>“, “minor </a:t>
+            </a:r>
+            <a:r>
+              <a:rPr lang="de-DE" sz="2000" dirty="0" err="1" smtClean="0"/>
+              <a:t>changes</a:t>
+            </a:r>
+            <a:r>
+              <a:rPr lang="de-DE" sz="2000" dirty="0" smtClean="0"/>
+              <a:t>“ oder</a:t>
+            </a:r>
+            <a:br>
+              <a:rPr lang="de-DE" sz="2000" dirty="0" smtClean="0"/>
+            </a:br>
+            <a:r>
+              <a:rPr lang="de-DE" sz="2000" dirty="0" smtClean="0"/>
+              <a:t>“</a:t>
+            </a:r>
+            <a:r>
+              <a:rPr lang="de-DE" sz="2000" dirty="0" err="1" smtClean="0"/>
+              <a:t>pls</a:t>
+            </a:r>
+            <a:r>
+              <a:rPr lang="de-DE" sz="2000" dirty="0" smtClean="0"/>
+              <a:t> kill </a:t>
+            </a:r>
+            <a:r>
+              <a:rPr lang="de-DE" sz="2000" dirty="0" err="1" smtClean="0"/>
+              <a:t>me</a:t>
+            </a:r>
+            <a:r>
+              <a:rPr lang="de-DE" sz="2000" dirty="0" smtClean="0"/>
+              <a:t>“ sind </a:t>
+            </a:r>
+            <a:r>
+              <a:rPr lang="de-DE" sz="2000" u="sng" dirty="0" smtClean="0">
+                <a:solidFill>
+                  <a:srgbClr val="FFC000"/>
+                </a:solidFill>
+              </a:rPr>
+              <a:t>keine</a:t>
+            </a:r>
+            <a:r>
+              <a:rPr lang="de-DE" sz="2000" dirty="0" smtClean="0"/>
+              <a:t> </a:t>
+            </a:r>
+            <a:r>
+              <a:rPr lang="de-DE" sz="2000" dirty="0" smtClean="0"/>
+              <a:t>guten </a:t>
+            </a:r>
+            <a:r>
+              <a:rPr lang="de-DE" sz="2000" dirty="0" err="1" smtClean="0"/>
+              <a:t>messages</a:t>
+            </a:r>
+            <a:r>
+              <a:rPr lang="de-DE" sz="2000" dirty="0" smtClean="0"/>
+              <a:t>…</a:t>
             </a:r>
             <a:endParaRPr lang="de-DE" sz="2000" dirty="0"/>
           </a:p>
@@ -7199,15 +7406,7 @@
             </a:r>
             <a:r>
               <a:rPr lang="de-DE" sz="2400" dirty="0" smtClean="0"/>
-              <a:t> </a:t>
-            </a:r>
-            <a:r>
-              <a:rPr lang="de-DE" sz="2400" dirty="0" smtClean="0"/>
-              <a:t>– Was und wieso</a:t>
-            </a:r>
-            <a:r>
-              <a:rPr lang="de-DE" sz="2400" dirty="0" smtClean="0"/>
-              <a:t>?</a:t>
+              <a:t> – Was und wieso?</a:t>
             </a:r>
           </a:p>
           <a:p>
@@ -7262,11 +7461,7 @@
             </a:r>
             <a:r>
               <a:rPr lang="de-DE" sz="2400" dirty="0" smtClean="0"/>
-              <a:t> </a:t>
-            </a:r>
-            <a:r>
-              <a:rPr lang="de-DE" sz="2400" dirty="0" smtClean="0"/>
-              <a:t>im Praktikum</a:t>
+              <a:t> im Praktikum</a:t>
             </a:r>
           </a:p>
         </p:txBody>
@@ -7613,7 +7808,15 @@
                   <a:srgbClr val="FFFF00"/>
                 </a:solidFill>
               </a:rPr>
-              <a:t>wird das ganze nun </a:t>
+              <a:t>wird das </a:t>
+            </a:r>
+            <a:r>
+              <a:rPr lang="de-DE" sz="2400" dirty="0" smtClean="0">
+                <a:solidFill>
+                  <a:srgbClr val="FFFF00"/>
+                </a:solidFill>
+              </a:rPr>
+              <a:t>Ganze </a:t>
             </a:r>
             <a:r>
               <a:rPr lang="de-DE" sz="2400" dirty="0" err="1" smtClean="0">
@@ -7642,12 +7845,20 @@
               <a:t>Wie publiziert man </a:t>
             </a:r>
             <a:r>
+              <a:rPr lang="de-DE" sz="2400" dirty="0" smtClean="0">
+                <a:solidFill>
+                  <a:srgbClr val="FFFF00"/>
+                </a:solidFill>
+              </a:rPr>
+              <a:t>seine </a:t>
+            </a:r>
+            <a:r>
               <a:rPr lang="de-DE" sz="2400" dirty="0">
                 <a:solidFill>
                   <a:srgbClr val="FFFF00"/>
                 </a:solidFill>
               </a:rPr>
-              <a:t>nun seine Änderungen</a:t>
+              <a:t>Änderungen</a:t>
             </a:r>
             <a:r>
               <a:rPr lang="en-US" sz="2400" dirty="0" smtClean="0">
@@ -7753,6 +7964,13 @@
   <p:clrMapOvr>
     <a:masterClrMapping/>
   </p:clrMapOvr>
+  <p:timing>
+    <p:tnLst>
+      <p:par>
+        <p:cTn id="1" dur="indefinite" restart="never" nodeType="tmRoot"/>
+      </p:par>
+    </p:tnLst>
+  </p:timing>
 </p:sld>
 </file>
 
@@ -7807,25 +8025,6 @@
       </p:sp>
       <p:sp>
         <p:nvSpPr>
-          <p:cNvPr id="3" name="Inhaltsplatzhalter 2"/>
-          <p:cNvSpPr>
-            <a:spLocks noGrp="1"/>
-          </p:cNvSpPr>
-          <p:nvPr>
-            <p:ph idx="1"/>
-          </p:nvPr>
-        </p:nvSpPr>
-        <p:spPr/>
-        <p:txBody>
-          <a:bodyPr/>
-          <a:lstStyle/>
-          <a:p>
-            <a:endParaRPr lang="de-DE"/>
-          </a:p>
-        </p:txBody>
-      </p:sp>
-      <p:sp>
-        <p:nvSpPr>
           <p:cNvPr id="4" name="Fußzeilenplatzhalter 3"/>
           <p:cNvSpPr>
             <a:spLocks noGrp="1"/>
@@ -7847,6 +8046,285 @@
           </a:p>
         </p:txBody>
       </p:sp>
+      <p:sp>
+        <p:nvSpPr>
+          <p:cNvPr id="7" name="Inhaltsplatzhalter 6"/>
+          <p:cNvSpPr>
+            <a:spLocks noGrp="1"/>
+          </p:cNvSpPr>
+          <p:nvPr>
+            <p:ph idx="1"/>
+          </p:nvPr>
+        </p:nvSpPr>
+        <p:spPr>
+          <a:xfrm>
+            <a:off x="457200" y="1194141"/>
+            <a:ext cx="8229600" cy="3394472"/>
+          </a:xfrm>
+        </p:spPr>
+        <p:txBody>
+          <a:bodyPr/>
+          <a:lstStyle/>
+          <a:p>
+            <a:endParaRPr lang="en-US" dirty="0" smtClean="0"/>
+          </a:p>
+          <a:p>
+            <a:pPr marL="342900" indent="-342900">
+              <a:buClr>
+                <a:srgbClr val="FFFF00"/>
+              </a:buClr>
+              <a:buFont typeface="Arial" panose="020B0604020202020204" pitchFamily="34" charset="0"/>
+              <a:buChar char="•"/>
+            </a:pPr>
+            <a:r>
+              <a:rPr lang="de-DE" sz="2400" dirty="0" smtClean="0"/>
+              <a:t>verknüpft </a:t>
+            </a:r>
+            <a:r>
+              <a:rPr lang="de-DE" sz="2400" dirty="0" err="1" smtClean="0"/>
+              <a:t>local</a:t>
+            </a:r>
+            <a:r>
+              <a:rPr lang="de-DE" sz="2400" dirty="0" smtClean="0"/>
+              <a:t> </a:t>
+            </a:r>
+            <a:r>
+              <a:rPr lang="de-DE" sz="2400" dirty="0" err="1" smtClean="0"/>
+              <a:t>repository</a:t>
+            </a:r>
+            <a:r>
+              <a:rPr lang="de-DE" sz="2400" dirty="0" smtClean="0"/>
+              <a:t> mit einem remote </a:t>
+            </a:r>
+            <a:r>
+              <a:rPr lang="de-DE" sz="2400" dirty="0" err="1" smtClean="0"/>
+              <a:t>repository</a:t>
+            </a:r>
+            <a:endParaRPr lang="de-DE" sz="2400" dirty="0" smtClean="0"/>
+          </a:p>
+          <a:p>
+            <a:pPr marL="342900" indent="-342900">
+              <a:buClr>
+                <a:srgbClr val="FFFF00"/>
+              </a:buClr>
+              <a:buFont typeface="Arial" panose="020B0604020202020204" pitchFamily="34" charset="0"/>
+              <a:buChar char="•"/>
+            </a:pPr>
+            <a:r>
+              <a:rPr lang="de-DE" sz="2400" dirty="0" smtClean="0">
+                <a:solidFill>
+                  <a:srgbClr val="81D4FA"/>
+                </a:solidFill>
+              </a:rPr>
+              <a:t>&lt;alias&gt;</a:t>
+            </a:r>
+            <a:r>
+              <a:rPr lang="de-DE" sz="2400" dirty="0" smtClean="0"/>
+              <a:t>: Alias, unter dem der remote </a:t>
+            </a:r>
+            <a:r>
+              <a:rPr lang="de-DE" sz="2400" dirty="0" smtClean="0">
+                <a:solidFill>
+                  <a:srgbClr val="81D4FA"/>
+                </a:solidFill>
+              </a:rPr>
+              <a:t>lokal bekannt ist</a:t>
+            </a:r>
+          </a:p>
+          <a:p>
+            <a:pPr marL="342900" indent="-342900">
+              <a:buClr>
+                <a:srgbClr val="FFFF00"/>
+              </a:buClr>
+              <a:buFont typeface="Arial" panose="020B0604020202020204" pitchFamily="34" charset="0"/>
+              <a:buChar char="•"/>
+            </a:pPr>
+            <a:r>
+              <a:rPr lang="de-DE" sz="2400" dirty="0" smtClean="0">
+                <a:solidFill>
+                  <a:srgbClr val="81D4FA"/>
+                </a:solidFill>
+              </a:rPr>
+              <a:t>&lt;</a:t>
+            </a:r>
+            <a:r>
+              <a:rPr lang="de-DE" sz="2400" dirty="0" err="1" smtClean="0">
+                <a:solidFill>
+                  <a:srgbClr val="81D4FA"/>
+                </a:solidFill>
+              </a:rPr>
+              <a:t>url</a:t>
+            </a:r>
+            <a:r>
+              <a:rPr lang="de-DE" sz="2400" dirty="0" smtClean="0">
+                <a:solidFill>
+                  <a:srgbClr val="81D4FA"/>
+                </a:solidFill>
+              </a:rPr>
+              <a:t>&gt;</a:t>
+            </a:r>
+            <a:r>
+              <a:rPr lang="de-DE" sz="2400" dirty="0" smtClean="0"/>
+              <a:t>: URL des remote </a:t>
+            </a:r>
+            <a:r>
+              <a:rPr lang="de-DE" sz="2400" dirty="0" err="1" smtClean="0"/>
+              <a:t>repository</a:t>
+            </a:r>
+            <a:endParaRPr lang="de-DE" sz="2400" dirty="0" smtClean="0"/>
+          </a:p>
+          <a:p>
+            <a:pPr marL="342900" indent="-342900">
+              <a:buClr>
+                <a:srgbClr val="FFFF00"/>
+              </a:buClr>
+              <a:buFont typeface="Arial" panose="020B0604020202020204" pitchFamily="34" charset="0"/>
+              <a:buChar char="•"/>
+            </a:pPr>
+            <a:endParaRPr lang="en-US" sz="2400" dirty="0"/>
+          </a:p>
+          <a:p>
+            <a:pPr marL="342900" indent="-342900">
+              <a:buClr>
+                <a:srgbClr val="FFFF00"/>
+              </a:buClr>
+              <a:buFont typeface="Arial" panose="020B0604020202020204" pitchFamily="34" charset="0"/>
+              <a:buChar char="•"/>
+            </a:pPr>
+            <a:endParaRPr lang="en-US" sz="2400" dirty="0" smtClean="0"/>
+          </a:p>
+          <a:p>
+            <a:pPr marL="342900" indent="-342900">
+              <a:buClr>
+                <a:srgbClr val="FFFF00"/>
+              </a:buClr>
+              <a:buFont typeface="Arial" panose="020B0604020202020204" pitchFamily="34" charset="0"/>
+              <a:buChar char="•"/>
+            </a:pPr>
+            <a:r>
+              <a:rPr lang="de-DE" sz="2400" dirty="0" smtClean="0"/>
+              <a:t>zeigt alle verfügbaren remote </a:t>
+            </a:r>
+            <a:r>
+              <a:rPr lang="de-DE" sz="2400" dirty="0" err="1" smtClean="0"/>
+              <a:t>repositories</a:t>
+            </a:r>
+            <a:r>
+              <a:rPr lang="de-DE" sz="2400" dirty="0" smtClean="0"/>
+              <a:t> an</a:t>
+            </a:r>
+            <a:endParaRPr lang="de-DE" sz="2400" dirty="0"/>
+          </a:p>
+        </p:txBody>
+      </p:sp>
+      <p:pic>
+        <p:nvPicPr>
+          <p:cNvPr id="10" name="Picture 2"/>
+          <p:cNvPicPr>
+            <a:picLocks noChangeAspect="1" noChangeArrowheads="1"/>
+          </p:cNvPicPr>
+          <p:nvPr/>
+        </p:nvPicPr>
+        <p:blipFill>
+          <a:blip r:embed="rId2">
+            <a:extLst>
+              <a:ext uri="{28A0092B-C50C-407E-A947-70E740481C1C}">
+                <a14:useLocalDpi xmlns:a14="http://schemas.microsoft.com/office/drawing/2010/main" val="0"/>
+              </a:ext>
+            </a:extLst>
+          </a:blip>
+          <a:srcRect/>
+          <a:stretch>
+            <a:fillRect/>
+          </a:stretch>
+        </p:blipFill>
+        <p:spPr bwMode="auto">
+          <a:xfrm>
+            <a:off x="457200" y="1194141"/>
+            <a:ext cx="3657341" cy="487021"/>
+          </a:xfrm>
+          <a:prstGeom prst="rect">
+            <a:avLst/>
+          </a:prstGeom>
+          <a:noFill/>
+          <a:ln>
+            <a:noFill/>
+          </a:ln>
+          <a:extLst>
+            <a:ext uri="{909E8E84-426E-40DD-AFC4-6F175D3DCCD1}">
+              <a14:hiddenFill xmlns:a14="http://schemas.microsoft.com/office/drawing/2010/main">
+                <a:solidFill>
+                  <a:schemeClr val="accent1"/>
+                </a:solidFill>
+              </a14:hiddenFill>
+            </a:ext>
+            <a:ext uri="{91240B29-F687-4F45-9708-019B960494DF}">
+              <a14:hiddenLine xmlns:a14="http://schemas.microsoft.com/office/drawing/2010/main" w="9525">
+                <a:solidFill>
+                  <a:schemeClr val="tx1"/>
+                </a:solidFill>
+                <a:miter lim="800000"/>
+                <a:headEnd/>
+                <a:tailEnd/>
+              </a14:hiddenLine>
+            </a:ext>
+          </a:extLst>
+        </p:spPr>
+      </p:pic>
+      <p:pic>
+        <p:nvPicPr>
+          <p:cNvPr id="2050" name="Picture 2"/>
+          <p:cNvPicPr>
+            <a:picLocks noChangeAspect="1" noChangeArrowheads="1"/>
+          </p:cNvPicPr>
+          <p:nvPr/>
+        </p:nvPicPr>
+        <p:blipFill>
+          <a:blip r:embed="rId3">
+            <a:extLst>
+              <a:ext uri="{28A0092B-C50C-407E-A947-70E740481C1C}">
+                <a14:useLocalDpi xmlns:a14="http://schemas.microsoft.com/office/drawing/2010/main" val="0"/>
+              </a:ext>
+            </a:extLst>
+          </a:blip>
+          <a:srcRect/>
+          <a:stretch>
+            <a:fillRect/>
+          </a:stretch>
+        </p:blipFill>
+        <p:spPr bwMode="auto">
+          <a:xfrm>
+            <a:off x="457200" y="3486150"/>
+            <a:ext cx="1857374" cy="485775"/>
+          </a:xfrm>
+          <a:prstGeom prst="rect">
+            <a:avLst/>
+          </a:prstGeom>
+          <a:noFill/>
+          <a:ln>
+            <a:noFill/>
+          </a:ln>
+          <a:extLst>
+            <a:ext uri="{909E8E84-426E-40DD-AFC4-6F175D3DCCD1}">
+              <a14:hiddenFill xmlns:a14="http://schemas.microsoft.com/office/drawing/2010/main">
+                <a:solidFill>
+                  <a:schemeClr val="accent1"/>
+                </a:solidFill>
+              </a14:hiddenFill>
+            </a:ext>
+            <a:ext uri="{91240B29-F687-4F45-9708-019B960494DF}">
+              <a14:hiddenLine xmlns:a14="http://schemas.microsoft.com/office/drawing/2010/main" w="9525">
+                <a:solidFill>
+                  <a:schemeClr val="tx1"/>
+                </a:solidFill>
+                <a:miter lim="800000"/>
+                <a:headEnd/>
+                <a:tailEnd/>
+              </a14:hiddenLine>
+            </a:ext>
+          </a:extLst>
+        </p:spPr>
+      </p:pic>
     </p:spTree>
     <p:extLst>
       <p:ext uri="{BB962C8B-B14F-4D97-AF65-F5344CB8AC3E}">
@@ -7857,6 +8335,13 @@
   <p:clrMapOvr>
     <a:masterClrMapping/>
   </p:clrMapOvr>
+  <p:timing>
+    <p:tnLst>
+      <p:par>
+        <p:cTn id="1" dur="indefinite" restart="never" nodeType="tmRoot"/>
+      </p:par>
+    </p:tnLst>
+  </p:timing>
 </p:sld>
 </file>
 
@@ -7879,6 +8364,356 @@
       </p:grpSpPr>
       <p:sp>
         <p:nvSpPr>
+          <p:cNvPr id="4" name="Fußzeilenplatzhalter 3"/>
+          <p:cNvSpPr>
+            <a:spLocks noGrp="1"/>
+          </p:cNvSpPr>
+          <p:nvPr>
+            <p:ph type="ftr" sz="quarter" idx="11"/>
+          </p:nvPr>
+        </p:nvSpPr>
+        <p:spPr/>
+        <p:txBody>
+          <a:bodyPr/>
+          <a:lstStyle/>
+          <a:p>
+            <a:r>
+              <a:rPr lang="en-US" smtClean="0"/>
+              <a:t>TU Dresden – Robolab 2018</a:t>
+            </a:r>
+            <a:endParaRPr lang="en-US" dirty="0"/>
+          </a:p>
+        </p:txBody>
+      </p:sp>
+      <p:pic>
+        <p:nvPicPr>
+          <p:cNvPr id="6" name="Picture 2"/>
+          <p:cNvPicPr>
+            <a:picLocks noChangeAspect="1" noChangeArrowheads="1"/>
+          </p:cNvPicPr>
+          <p:nvPr/>
+        </p:nvPicPr>
+        <p:blipFill>
+          <a:blip r:embed="rId2">
+            <a:extLst>
+              <a:ext uri="{28A0092B-C50C-407E-A947-70E740481C1C}">
+                <a14:useLocalDpi xmlns:a14="http://schemas.microsoft.com/office/drawing/2010/main" val="0"/>
+              </a:ext>
+            </a:extLst>
+          </a:blip>
+          <a:srcRect/>
+          <a:stretch>
+            <a:fillRect/>
+          </a:stretch>
+        </p:blipFill>
+        <p:spPr bwMode="auto">
+          <a:xfrm>
+            <a:off x="304800" y="612359"/>
+            <a:ext cx="6781800" cy="1980758"/>
+          </a:xfrm>
+          <a:prstGeom prst="rect">
+            <a:avLst/>
+          </a:prstGeom>
+          <a:noFill/>
+          <a:ln>
+            <a:noFill/>
+          </a:ln>
+          <a:extLst>
+            <a:ext uri="{909E8E84-426E-40DD-AFC4-6F175D3DCCD1}">
+              <a14:hiddenFill xmlns:a14="http://schemas.microsoft.com/office/drawing/2010/main">
+                <a:solidFill>
+                  <a:schemeClr val="accent1"/>
+                </a:solidFill>
+              </a14:hiddenFill>
+            </a:ext>
+            <a:ext uri="{91240B29-F687-4F45-9708-019B960494DF}">
+              <a14:hiddenLine xmlns:a14="http://schemas.microsoft.com/office/drawing/2010/main" w="9525">
+                <a:solidFill>
+                  <a:schemeClr val="tx1"/>
+                </a:solidFill>
+                <a:miter lim="800000"/>
+                <a:headEnd/>
+                <a:tailEnd/>
+              </a14:hiddenLine>
+            </a:ext>
+          </a:extLst>
+        </p:spPr>
+      </p:pic>
+      <p:cxnSp>
+        <p:nvCxnSpPr>
+          <p:cNvPr id="7" name="Gekrümmte Verbindung 6"/>
+          <p:cNvCxnSpPr/>
+          <p:nvPr/>
+        </p:nvCxnSpPr>
+        <p:spPr>
+          <a:xfrm rot="16200000" flipH="1">
+            <a:off x="569268" y="2535882"/>
+            <a:ext cx="1223664" cy="1143000"/>
+          </a:xfrm>
+          <a:prstGeom prst="curvedConnector3">
+            <a:avLst>
+              <a:gd name="adj1" fmla="val 50000"/>
+            </a:avLst>
+          </a:prstGeom>
+          <a:ln w="38100">
+            <a:solidFill>
+              <a:schemeClr val="bg1"/>
+            </a:solidFill>
+            <a:prstDash val="dash"/>
+            <a:tailEnd type="triangle" w="lg" len="med"/>
+          </a:ln>
+        </p:spPr>
+        <p:style>
+          <a:lnRef idx="1">
+            <a:schemeClr val="accent1"/>
+          </a:lnRef>
+          <a:fillRef idx="0">
+            <a:schemeClr val="accent1"/>
+          </a:fillRef>
+          <a:effectRef idx="0">
+            <a:schemeClr val="accent1"/>
+          </a:effectRef>
+          <a:fontRef idx="minor">
+            <a:schemeClr val="tx1"/>
+          </a:fontRef>
+        </p:style>
+      </p:cxnSp>
+      <p:sp>
+        <p:nvSpPr>
+          <p:cNvPr id="8" name="Textfeld 7"/>
+          <p:cNvSpPr txBox="1"/>
+          <p:nvPr/>
+        </p:nvSpPr>
+        <p:spPr>
+          <a:xfrm>
+            <a:off x="914400" y="3719214"/>
+            <a:ext cx="2036344" cy="646331"/>
+          </a:xfrm>
+          <a:prstGeom prst="rect">
+            <a:avLst/>
+          </a:prstGeom>
+          <a:noFill/>
+        </p:spPr>
+        <p:txBody>
+          <a:bodyPr wrap="square" rtlCol="0">
+            <a:spAutoFit/>
+          </a:bodyPr>
+          <a:lstStyle/>
+          <a:p>
+            <a:pPr algn="ctr"/>
+            <a:r>
+              <a:rPr lang="de-DE" dirty="0" smtClean="0">
+                <a:solidFill>
+                  <a:schemeClr val="bg1"/>
+                </a:solidFill>
+                <a:latin typeface="Bahnschrift Light" panose="020B0502040204020203" pitchFamily="34" charset="0"/>
+              </a:rPr>
+              <a:t>alias </a:t>
+            </a:r>
+            <a:r>
+              <a:rPr lang="de-DE" dirty="0" err="1" smtClean="0">
+                <a:solidFill>
+                  <a:srgbClr val="81D4FA"/>
+                </a:solidFill>
+                <a:latin typeface="Bahnschrift Light" panose="020B0502040204020203" pitchFamily="34" charset="0"/>
+              </a:rPr>
+              <a:t>origin</a:t>
+            </a:r>
+            <a:r>
+              <a:rPr lang="de-DE" dirty="0" smtClean="0">
+                <a:solidFill>
+                  <a:schemeClr val="bg1"/>
+                </a:solidFill>
+                <a:latin typeface="Bahnschrift Light" panose="020B0502040204020203" pitchFamily="34" charset="0"/>
+              </a:rPr>
+              <a:t> für die lange URL</a:t>
+            </a:r>
+            <a:endParaRPr lang="de-DE" dirty="0" smtClean="0">
+              <a:solidFill>
+                <a:schemeClr val="bg1"/>
+              </a:solidFill>
+              <a:latin typeface="Bahnschrift Light" panose="020B0502040204020203" pitchFamily="34" charset="0"/>
+            </a:endParaRPr>
+          </a:p>
+        </p:txBody>
+      </p:sp>
+      <p:cxnSp>
+        <p:nvCxnSpPr>
+          <p:cNvPr id="10" name="Gekrümmte Verbindung 9"/>
+          <p:cNvCxnSpPr>
+            <a:endCxn id="11" idx="0"/>
+          </p:cNvCxnSpPr>
+          <p:nvPr/>
+        </p:nvCxnSpPr>
+        <p:spPr>
+          <a:xfrm rot="16200000" flipH="1">
+            <a:off x="5780399" y="2602068"/>
+            <a:ext cx="811174" cy="789572"/>
+          </a:xfrm>
+          <a:prstGeom prst="curvedConnector3">
+            <a:avLst>
+              <a:gd name="adj1" fmla="val 50000"/>
+            </a:avLst>
+          </a:prstGeom>
+          <a:ln w="38100">
+            <a:solidFill>
+              <a:schemeClr val="bg1"/>
+            </a:solidFill>
+            <a:prstDash val="dash"/>
+            <a:tailEnd type="triangle" w="lg" len="med"/>
+          </a:ln>
+        </p:spPr>
+        <p:style>
+          <a:lnRef idx="1">
+            <a:schemeClr val="accent1"/>
+          </a:lnRef>
+          <a:fillRef idx="0">
+            <a:schemeClr val="accent1"/>
+          </a:fillRef>
+          <a:effectRef idx="0">
+            <a:schemeClr val="accent1"/>
+          </a:effectRef>
+          <a:fontRef idx="minor">
+            <a:schemeClr val="tx1"/>
+          </a:fontRef>
+        </p:style>
+      </p:cxnSp>
+      <p:sp>
+        <p:nvSpPr>
+          <p:cNvPr id="11" name="Textfeld 10"/>
+          <p:cNvSpPr txBox="1"/>
+          <p:nvPr/>
+        </p:nvSpPr>
+        <p:spPr>
+          <a:xfrm>
+            <a:off x="5562600" y="3402441"/>
+            <a:ext cx="2036344" cy="923330"/>
+          </a:xfrm>
+          <a:prstGeom prst="rect">
+            <a:avLst/>
+          </a:prstGeom>
+          <a:noFill/>
+        </p:spPr>
+        <p:txBody>
+          <a:bodyPr wrap="square" rtlCol="0">
+            <a:spAutoFit/>
+          </a:bodyPr>
+          <a:lstStyle/>
+          <a:p>
+            <a:pPr algn="ctr"/>
+            <a:r>
+              <a:rPr lang="en-US" dirty="0" smtClean="0">
+                <a:solidFill>
+                  <a:srgbClr val="81D4FA"/>
+                </a:solidFill>
+                <a:latin typeface="Bahnschrift Light" panose="020B0502040204020203" pitchFamily="34" charset="0"/>
+              </a:rPr>
+              <a:t>fetch</a:t>
+            </a:r>
+            <a:r>
+              <a:rPr lang="en-US" dirty="0" smtClean="0">
+                <a:solidFill>
+                  <a:schemeClr val="bg1"/>
+                </a:solidFill>
+                <a:latin typeface="Bahnschrift Light" panose="020B0502040204020203" pitchFamily="34" charset="0"/>
+              </a:rPr>
+              <a:t> und </a:t>
+            </a:r>
+            <a:r>
+              <a:rPr lang="en-US" dirty="0" smtClean="0">
+                <a:solidFill>
+                  <a:srgbClr val="81D4FA"/>
+                </a:solidFill>
+                <a:latin typeface="Bahnschrift Light" panose="020B0502040204020203" pitchFamily="34" charset="0"/>
+              </a:rPr>
+              <a:t>push</a:t>
+            </a:r>
+            <a:r>
+              <a:rPr lang="en-US" dirty="0" smtClean="0">
+                <a:solidFill>
+                  <a:schemeClr val="bg1"/>
+                </a:solidFill>
+                <a:latin typeface="Bahnschrift Light" panose="020B0502040204020203" pitchFamily="34" charset="0"/>
+              </a:rPr>
+              <a:t> </a:t>
+            </a:r>
+            <a:r>
+              <a:rPr lang="en-US" dirty="0" err="1" smtClean="0">
+                <a:solidFill>
+                  <a:schemeClr val="bg1"/>
+                </a:solidFill>
+                <a:latin typeface="Bahnschrift Light" panose="020B0502040204020203" pitchFamily="34" charset="0"/>
+              </a:rPr>
+              <a:t>für</a:t>
+            </a:r>
+            <a:r>
+              <a:rPr lang="en-US" dirty="0" smtClean="0">
+                <a:solidFill>
+                  <a:schemeClr val="bg1"/>
+                </a:solidFill>
+                <a:latin typeface="Bahnschrift Light" panose="020B0502040204020203" pitchFamily="34" charset="0"/>
+              </a:rPr>
+              <a:t> read und write </a:t>
+            </a:r>
+            <a:r>
+              <a:rPr lang="en-US" dirty="0" err="1" smtClean="0">
+                <a:solidFill>
+                  <a:schemeClr val="bg1"/>
+                </a:solidFill>
+                <a:latin typeface="Bahnschrift Light" panose="020B0502040204020203" pitchFamily="34" charset="0"/>
+              </a:rPr>
+              <a:t>vom</a:t>
+            </a:r>
+            <a:r>
+              <a:rPr lang="en-US" dirty="0" smtClean="0">
+                <a:solidFill>
+                  <a:schemeClr val="bg1"/>
+                </a:solidFill>
+                <a:latin typeface="Bahnschrift Light" panose="020B0502040204020203" pitchFamily="34" charset="0"/>
+              </a:rPr>
+              <a:t>/auf remote</a:t>
+            </a:r>
+            <a:endParaRPr lang="de-DE" dirty="0" smtClean="0">
+              <a:solidFill>
+                <a:schemeClr val="bg1"/>
+              </a:solidFill>
+              <a:latin typeface="Bahnschrift Light" panose="020B0502040204020203" pitchFamily="34" charset="0"/>
+            </a:endParaRPr>
+          </a:p>
+        </p:txBody>
+      </p:sp>
+    </p:spTree>
+    <p:extLst>
+      <p:ext uri="{BB962C8B-B14F-4D97-AF65-F5344CB8AC3E}">
+        <p14:creationId xmlns:p14="http://schemas.microsoft.com/office/powerpoint/2010/main" val="2541238121"/>
+      </p:ext>
+    </p:extLst>
+  </p:cSld>
+  <p:clrMapOvr>
+    <a:masterClrMapping/>
+  </p:clrMapOvr>
+</p:sld>
+</file>
+
+<file path=ppt/slides/slide24.xml><?xml version="1.0" encoding="utf-8"?>
+<p:sld xmlns:a="http://schemas.openxmlformats.org/drawingml/2006/main" xmlns:r="http://schemas.openxmlformats.org/officeDocument/2006/relationships" xmlns:p="http://schemas.openxmlformats.org/presentationml/2006/main">
+  <p:cSld>
+    <p:spTree>
+      <p:nvGrpSpPr>
+        <p:cNvPr id="1" name=""/>
+        <p:cNvGrpSpPr/>
+        <p:nvPr/>
+      </p:nvGrpSpPr>
+      <p:grpSpPr>
+        <a:xfrm>
+          <a:off x="0" y="0"/>
+          <a:ext cx="0" cy="0"/>
+          <a:chOff x="0" y="0"/>
+          <a:chExt cx="0" cy="0"/>
+        </a:xfrm>
+      </p:grpSpPr>
+      <p:sp>
+        <p:nvSpPr>
           <p:cNvPr id="2" name="Titel 1"/>
           <p:cNvSpPr>
             <a:spLocks noGrp="1"/>
@@ -8073,8 +8908,13 @@
             </a:r>
             <a:r>
               <a:rPr lang="en-US" sz="2400" dirty="0" smtClean="0"/>
-              <a:t> remote </a:t>
-            </a:r>
+              <a:t> </a:t>
+            </a:r>
+            <a:r>
+              <a:rPr lang="en-US" sz="2400" dirty="0" smtClean="0"/>
+              <a:t>remote repository </a:t>
+            </a:r>
+            <a:endParaRPr lang="en-US" sz="2400" dirty="0" smtClean="0"/>
           </a:p>
           <a:p>
             <a:pPr marL="457200" indent="-457200">
@@ -8106,19 +8946,15 @@
             </a:r>
             <a:r>
               <a:rPr lang="en-US" sz="2400" dirty="0" err="1" smtClean="0"/>
-              <a:t>nicht</a:t>
+              <a:t>volle</a:t>
             </a:r>
             <a:r>
               <a:rPr lang="en-US" sz="2400" dirty="0" smtClean="0"/>
-              <a:t> die </a:t>
-            </a:r>
-            <a:r>
-              <a:rPr lang="en-US" sz="2400" dirty="0" err="1" smtClean="0"/>
-              <a:t>volle</a:t>
+              <a:t> </a:t>
             </a:r>
             <a:r>
               <a:rPr lang="en-US" sz="2400" dirty="0" smtClean="0"/>
-              <a:t> URL </a:t>
+              <a:t>URL </a:t>
             </a:r>
             <a:r>
               <a:rPr lang="en-US" sz="2400" dirty="0" err="1" smtClean="0"/>
@@ -8130,7 +8966,7 @@
             </a:r>
             <a:r>
               <a:rPr lang="en-US" sz="2400" dirty="0" err="1" smtClean="0"/>
-              <a:t>angegeben</a:t>
+              <a:t>nicht</a:t>
             </a:r>
             <a:r>
               <a:rPr lang="en-US" sz="2400" dirty="0" smtClean="0"/>
@@ -8138,11 +8974,23 @@
             </a:r>
             <a:r>
               <a:rPr lang="en-US" sz="2400" dirty="0" err="1" smtClean="0"/>
+              <a:t>angegeben</a:t>
+            </a:r>
+            <a:r>
+              <a:rPr lang="en-US" sz="2400" dirty="0" smtClean="0"/>
+              <a:t> </a:t>
+            </a:r>
+            <a:r>
+              <a:rPr lang="en-US" sz="2400" dirty="0" err="1" smtClean="0"/>
               <a:t>werden</a:t>
             </a:r>
             <a:r>
               <a:rPr lang="en-US" sz="2400" dirty="0" smtClean="0"/>
-              <a:t> muss</a:t>
+              <a:t> </a:t>
+            </a:r>
+            <a:r>
+              <a:rPr lang="en-US" sz="2400" dirty="0" smtClean="0"/>
+              <a:t>muss</a:t>
             </a:r>
           </a:p>
         </p:txBody>
@@ -8211,10 +9059,108 @@
   <p:clrMapOvr>
     <a:masterClrMapping/>
   </p:clrMapOvr>
+  <p:timing>
+    <p:tnLst>
+      <p:par>
+        <p:cTn id="1" dur="indefinite" restart="never" nodeType="tmRoot"/>
+      </p:par>
+    </p:tnLst>
+  </p:timing>
 </p:sld>
 </file>
 
-<file path=ppt/slides/slide24.xml><?xml version="1.0" encoding="utf-8"?>
+<file path=ppt/slides/slide25.xml><?xml version="1.0" encoding="utf-8"?>
+<p:sld xmlns:a="http://schemas.openxmlformats.org/drawingml/2006/main" xmlns:r="http://schemas.openxmlformats.org/officeDocument/2006/relationships" xmlns:p="http://schemas.openxmlformats.org/presentationml/2006/main">
+  <p:cSld>
+    <p:spTree>
+      <p:nvGrpSpPr>
+        <p:cNvPr id="1" name=""/>
+        <p:cNvGrpSpPr/>
+        <p:nvPr/>
+      </p:nvGrpSpPr>
+      <p:grpSpPr>
+        <a:xfrm>
+          <a:off x="0" y="0"/>
+          <a:ext cx="0" cy="0"/>
+          <a:chOff x="0" y="0"/>
+          <a:chExt cx="0" cy="0"/>
+        </a:xfrm>
+      </p:grpSpPr>
+      <p:sp>
+        <p:nvSpPr>
+          <p:cNvPr id="2" name="Titel 1"/>
+          <p:cNvSpPr>
+            <a:spLocks noGrp="1"/>
+          </p:cNvSpPr>
+          <p:nvPr>
+            <p:ph type="title"/>
+          </p:nvPr>
+        </p:nvSpPr>
+        <p:spPr/>
+        <p:txBody>
+          <a:bodyPr/>
+          <a:lstStyle/>
+          <a:p>
+            <a:endParaRPr lang="de-DE"/>
+          </a:p>
+        </p:txBody>
+      </p:sp>
+      <p:sp>
+        <p:nvSpPr>
+          <p:cNvPr id="3" name="Inhaltsplatzhalter 2"/>
+          <p:cNvSpPr>
+            <a:spLocks noGrp="1"/>
+          </p:cNvSpPr>
+          <p:nvPr>
+            <p:ph idx="1"/>
+          </p:nvPr>
+        </p:nvSpPr>
+        <p:spPr/>
+        <p:txBody>
+          <a:bodyPr/>
+          <a:lstStyle/>
+          <a:p>
+            <a:endParaRPr lang="de-DE"/>
+          </a:p>
+        </p:txBody>
+      </p:sp>
+      <p:sp>
+        <p:nvSpPr>
+          <p:cNvPr id="4" name="Fußzeilenplatzhalter 3"/>
+          <p:cNvSpPr>
+            <a:spLocks noGrp="1"/>
+          </p:cNvSpPr>
+          <p:nvPr>
+            <p:ph type="ftr" sz="quarter" idx="11"/>
+          </p:nvPr>
+        </p:nvSpPr>
+        <p:spPr/>
+        <p:txBody>
+          <a:bodyPr/>
+          <a:lstStyle/>
+          <a:p>
+            <a:r>
+              <a:rPr lang="en-US" smtClean="0"/>
+              <a:t>TU Dresden – Robolab 2018</a:t>
+            </a:r>
+            <a:endParaRPr lang="en-US" dirty="0"/>
+          </a:p>
+        </p:txBody>
+      </p:sp>
+    </p:spTree>
+    <p:extLst>
+      <p:ext uri="{BB962C8B-B14F-4D97-AF65-F5344CB8AC3E}">
+        <p14:creationId xmlns:p14="http://schemas.microsoft.com/office/powerpoint/2010/main" val="2919100349"/>
+      </p:ext>
+    </p:extLst>
+  </p:cSld>
+  <p:clrMapOvr>
+    <a:masterClrMapping/>
+  </p:clrMapOvr>
+</p:sld>
+</file>
+
+<file path=ppt/slides/slide26.xml><?xml version="1.0" encoding="utf-8"?>
 <p:sld xmlns:a="http://schemas.openxmlformats.org/drawingml/2006/main" xmlns:r="http://schemas.openxmlformats.org/officeDocument/2006/relationships" xmlns:p="http://schemas.openxmlformats.org/presentationml/2006/main">
   <p:cSld>
     <p:spTree>
@@ -8936,7 +9882,6 @@
               <a:rPr lang="de-DE" sz="2400" dirty="0" smtClean="0"/>
               <a:t> im Team?</a:t>
             </a:r>
-            <a:endParaRPr lang="de-DE" sz="2400" dirty="0" smtClean="0"/>
           </a:p>
           <a:p>
             <a:pPr marL="457200" indent="-457200">
@@ -8970,7 +9915,6 @@
               <a:rPr lang="de-DE" sz="2400" dirty="0" smtClean="0"/>
               <a:t>?</a:t>
             </a:r>
-            <a:endParaRPr lang="de-DE" sz="2400" dirty="0" smtClean="0"/>
           </a:p>
           <a:p>
             <a:pPr marL="457200" indent="-457200">
@@ -9733,31 +10677,19 @@
             </a:pPr>
             <a:r>
               <a:rPr lang="de-DE" sz="2400" dirty="0" smtClean="0"/>
-              <a:t>jeder </a:t>
+              <a:t>jeder Entwickler arbeitet an </a:t>
+            </a:r>
+            <a:r>
+              <a:rPr lang="de-DE" sz="2400" dirty="0" smtClean="0">
+                <a:solidFill>
+                  <a:srgbClr val="81D4FA"/>
+                </a:solidFill>
+              </a:rPr>
+              <a:t>lokaler Kopie </a:t>
             </a:r>
             <a:r>
               <a:rPr lang="de-DE" sz="2400" dirty="0" smtClean="0"/>
-              <a:t>Entwickler arbeitet </a:t>
-            </a:r>
-            <a:r>
-              <a:rPr lang="de-DE" sz="2400" dirty="0" smtClean="0"/>
-              <a:t>an </a:t>
-            </a:r>
-            <a:r>
-              <a:rPr lang="de-DE" sz="2400" dirty="0" smtClean="0">
-                <a:solidFill>
-                  <a:srgbClr val="81D4FA"/>
-                </a:solidFill>
-              </a:rPr>
-              <a:t>lokaler Kopie </a:t>
-            </a:r>
-            <a:r>
-              <a:rPr lang="de-DE" sz="2400" dirty="0" smtClean="0"/>
-              <a:t>des Projekts </a:t>
-            </a:r>
-            <a:r>
-              <a:rPr lang="de-DE" sz="2400" dirty="0" smtClean="0"/>
-              <a:t>(</a:t>
+              <a:t>des Projekts (</a:t>
             </a:r>
             <a:r>
               <a:rPr lang="de-DE" sz="2400" dirty="0" err="1" smtClean="0">
@@ -9798,15 +10730,7 @@
             </a:pPr>
             <a:r>
               <a:rPr lang="de-DE" sz="2400" dirty="0" smtClean="0"/>
-              <a:t>Änderungen werden </a:t>
-            </a:r>
-            <a:r>
-              <a:rPr lang="de-DE" sz="2400" dirty="0" smtClean="0"/>
-              <a:t>zusammengefasst und verwaltet </a:t>
-            </a:r>
-            <a:r>
-              <a:rPr lang="de-DE" sz="2400" dirty="0" smtClean="0"/>
-              <a:t>(</a:t>
+              <a:t>Änderungen werden zusammengefasst und verwaltet (</a:t>
             </a:r>
             <a:r>
               <a:rPr lang="de-DE" sz="2400" dirty="0" err="1" smtClean="0">
@@ -9851,15 +10775,7 @@
                   <a:srgbClr val="81D4FA"/>
                 </a:solidFill>
               </a:rPr>
-              <a:t>remote </a:t>
-            </a:r>
-            <a:r>
-              <a:rPr lang="en-US" sz="2400" dirty="0" smtClean="0">
-                <a:solidFill>
-                  <a:srgbClr val="81D4FA"/>
-                </a:solidFill>
-              </a:rPr>
-              <a:t>repositories </a:t>
+              <a:t>remote repositories </a:t>
             </a:r>
             <a:r>
               <a:rPr lang="en-US" sz="2400" dirty="0" err="1" smtClean="0"/>
@@ -9885,31 +10801,11 @@
                   <a:srgbClr val="81D4FA"/>
                 </a:solidFill>
               </a:rPr>
-              <a:t> </a:t>
-            </a:r>
-            <a:r>
-              <a:rPr lang="de-DE" sz="2400" dirty="0" smtClean="0">
-                <a:solidFill>
-                  <a:srgbClr val="81D4FA"/>
-                </a:solidFill>
-              </a:rPr>
-              <a:t>Änderungen anderer </a:t>
-            </a:r>
-            <a:r>
-              <a:rPr lang="de-DE" sz="2400" dirty="0" smtClean="0">
-                <a:solidFill>
-                  <a:srgbClr val="81D4FA"/>
-                </a:solidFill>
-              </a:rPr>
-              <a:t>Entwickler </a:t>
+              <a:t> Änderungen anderer Entwickler </a:t>
             </a:r>
             <a:r>
               <a:rPr lang="de-DE" sz="2400" dirty="0" smtClean="0"/>
-              <a:t>über </a:t>
-            </a:r>
-            <a:r>
-              <a:rPr lang="de-DE" sz="2400" dirty="0" smtClean="0"/>
-              <a:t>das remote </a:t>
+              <a:t>über das remote </a:t>
             </a:r>
             <a:r>
               <a:rPr lang="de-DE" sz="2400" dirty="0" err="1" smtClean="0"/>
@@ -10023,7 +10919,7 @@
         <p:spPr/>
         <p:txBody>
           <a:bodyPr>
-            <a:normAutofit/>
+            <a:normAutofit fontScale="92500" lnSpcReduction="10000"/>
           </a:bodyPr>
           <a:lstStyle/>
           <a:p>
@@ -10033,8 +10929,9 @@
             </a:r>
             <a:r>
               <a:rPr lang="en-US" dirty="0" smtClean="0"/>
-              <a:t>/Ubuntu</a:t>
-            </a:r>
+              <a:t>/Ubuntu und WSL</a:t>
+            </a:r>
+            <a:endParaRPr lang="en-US" dirty="0" smtClean="0"/>
           </a:p>
           <a:p>
             <a:endParaRPr lang="en-US" dirty="0"/>
@@ -10046,14 +10943,80 @@
             </a:r>
           </a:p>
           <a:p>
+            <a:pPr marL="342900" indent="-342900">
+              <a:buClr>
+                <a:srgbClr val="FFFF00"/>
+              </a:buClr>
+              <a:buFont typeface="Arial" panose="020B0604020202020204" pitchFamily="34" charset="0"/>
+              <a:buChar char="•"/>
+            </a:pPr>
+            <a:r>
+              <a:rPr lang="en-US" sz="2400" dirty="0" err="1" smtClean="0">
+                <a:solidFill>
+                  <a:srgbClr val="FFFF00"/>
+                </a:solidFill>
+              </a:rPr>
+              <a:t>git</a:t>
+            </a:r>
+            <a:r>
+              <a:rPr lang="en-US" sz="2400" dirty="0" smtClean="0">
+                <a:solidFill>
+                  <a:srgbClr val="FFFF00"/>
+                </a:solidFill>
+              </a:rPr>
+              <a:t> bash: https</a:t>
+            </a:r>
             <a:r>
               <a:rPr lang="en-US" sz="2400" dirty="0">
                 <a:solidFill>
                   <a:srgbClr val="FFFF00"/>
                 </a:solidFill>
               </a:rPr>
-              <a:t>https://git-scm.com/download/windows</a:t>
-            </a:r>
+              <a:t>://</a:t>
+            </a:r>
+            <a:r>
+              <a:rPr lang="en-US" sz="2400" dirty="0" smtClean="0">
+                <a:solidFill>
+                  <a:srgbClr val="FFFF00"/>
+                </a:solidFill>
+              </a:rPr>
+              <a:t>git-scm.com/download/windows  </a:t>
+            </a:r>
+            <a:endParaRPr lang="en-US" sz="2400" dirty="0">
+              <a:solidFill>
+                <a:srgbClr val="FFFF00"/>
+              </a:solidFill>
+            </a:endParaRPr>
+          </a:p>
+          <a:p>
+            <a:pPr marL="342900" indent="-342900">
+              <a:buClr>
+                <a:srgbClr val="FFFF00"/>
+              </a:buClr>
+              <a:buFont typeface="Arial" panose="020B0604020202020204" pitchFamily="34" charset="0"/>
+              <a:buChar char="•"/>
+            </a:pPr>
+            <a:r>
+              <a:rPr lang="en-US" sz="2400" dirty="0" smtClean="0">
+                <a:solidFill>
+                  <a:srgbClr val="FFFF00"/>
+                </a:solidFill>
+              </a:rPr>
+              <a:t>WSL (Windows Subsyste</a:t>
+            </a:r>
+            <a:r>
+              <a:rPr lang="en-US" sz="2400" dirty="0" smtClean="0">
+                <a:solidFill>
+                  <a:srgbClr val="FFFF00"/>
+                </a:solidFill>
+              </a:rPr>
+              <a:t>m for Linux)</a:t>
+            </a:r>
+            <a:endParaRPr lang="en-US" sz="2400" dirty="0">
+              <a:solidFill>
+                <a:srgbClr val="FFFF00"/>
+              </a:solidFill>
+            </a:endParaRPr>
           </a:p>
           <a:p>
             <a:r>
@@ -10120,7 +11083,7 @@
         </p:blipFill>
         <p:spPr bwMode="auto">
           <a:xfrm>
-            <a:off x="595312" y="1857375"/>
+            <a:off x="457200" y="1733550"/>
             <a:ext cx="3748088" cy="485775"/>
           </a:xfrm>
           <a:prstGeom prst="rect">

--- a/Git.pptx
+++ b/Git.pptx
@@ -5,7 +5,7 @@
     <p:sldMasterId id="2147483672" r:id="rId1"/>
   </p:sldMasterIdLst>
   <p:notesMasterIdLst>
-    <p:notesMasterId r:id="rId28"/>
+    <p:notesMasterId r:id="rId33"/>
   </p:notesMasterIdLst>
   <p:sldIdLst>
     <p:sldId id="256" r:id="rId2"/>
@@ -34,6 +34,11 @@
     <p:sldId id="278" r:id="rId25"/>
     <p:sldId id="282" r:id="rId26"/>
     <p:sldId id="277" r:id="rId27"/>
+    <p:sldId id="287" r:id="rId28"/>
+    <p:sldId id="283" r:id="rId29"/>
+    <p:sldId id="286" r:id="rId30"/>
+    <p:sldId id="285" r:id="rId31"/>
+    <p:sldId id="284" r:id="rId32"/>
   </p:sldIdLst>
   <p:sldSz cx="9144000" cy="5143500" type="screen16x9"/>
   <p:notesSz cx="6858000" cy="9144000"/>
@@ -217,7 +222,7 @@
           <a:p>
             <a:fld id="{33381547-05E0-4487-994A-7D9BB6110CE3}" type="datetimeFigureOut">
               <a:rPr lang="en-US" smtClean="0"/>
-              <a:t>2/19/2018</a:t>
+              <a:t>2/20/2018</a:t>
             </a:fld>
             <a:endParaRPr lang="en-US"/>
           </a:p>
@@ -569,6 +574,90 @@
 </p:notes>
 </file>
 
+<file path=ppt/notesSlides/notesSlide2.xml><?xml version="1.0" encoding="utf-8"?>
+<p:notes xmlns:a="http://schemas.openxmlformats.org/drawingml/2006/main" xmlns:r="http://schemas.openxmlformats.org/officeDocument/2006/relationships" xmlns:p="http://schemas.openxmlformats.org/presentationml/2006/main">
+  <p:cSld>
+    <p:spTree>
+      <p:nvGrpSpPr>
+        <p:cNvPr id="1" name=""/>
+        <p:cNvGrpSpPr/>
+        <p:nvPr/>
+      </p:nvGrpSpPr>
+      <p:grpSpPr>
+        <a:xfrm>
+          <a:off x="0" y="0"/>
+          <a:ext cx="0" cy="0"/>
+          <a:chOff x="0" y="0"/>
+          <a:chExt cx="0" cy="0"/>
+        </a:xfrm>
+      </p:grpSpPr>
+      <p:sp>
+        <p:nvSpPr>
+          <p:cNvPr id="2" name="Folienbildplatzhalter 1"/>
+          <p:cNvSpPr>
+            <a:spLocks noGrp="1" noRot="1" noChangeAspect="1"/>
+          </p:cNvSpPr>
+          <p:nvPr>
+            <p:ph type="sldImg"/>
+          </p:nvPr>
+        </p:nvSpPr>
+        <p:spPr/>
+      </p:sp>
+      <p:sp>
+        <p:nvSpPr>
+          <p:cNvPr id="3" name="Notizenplatzhalter 2"/>
+          <p:cNvSpPr>
+            <a:spLocks noGrp="1"/>
+          </p:cNvSpPr>
+          <p:nvPr>
+            <p:ph type="body" idx="1"/>
+          </p:nvPr>
+        </p:nvSpPr>
+        <p:spPr/>
+        <p:txBody>
+          <a:bodyPr/>
+          <a:lstStyle/>
+          <a:p>
+            <a:endParaRPr lang="de-DE" dirty="0"/>
+          </a:p>
+        </p:txBody>
+      </p:sp>
+      <p:sp>
+        <p:nvSpPr>
+          <p:cNvPr id="4" name="Foliennummernplatzhalter 3"/>
+          <p:cNvSpPr>
+            <a:spLocks noGrp="1"/>
+          </p:cNvSpPr>
+          <p:nvPr>
+            <p:ph type="sldNum" sz="quarter" idx="10"/>
+          </p:nvPr>
+        </p:nvSpPr>
+        <p:spPr/>
+        <p:txBody>
+          <a:bodyPr/>
+          <a:lstStyle/>
+          <a:p>
+            <a:fld id="{FFE9E70A-4E5D-4AE9-99C5-4A23DD360F1C}" type="slidenum">
+              <a:rPr lang="en-US" smtClean="0"/>
+              <a:t>13</a:t>
+            </a:fld>
+            <a:endParaRPr lang="en-US"/>
+          </a:p>
+        </p:txBody>
+      </p:sp>
+    </p:spTree>
+    <p:extLst>
+      <p:ext uri="{BB962C8B-B14F-4D97-AF65-F5344CB8AC3E}">
+        <p14:creationId xmlns:p14="http://schemas.microsoft.com/office/powerpoint/2010/main" val="3980508137"/>
+      </p:ext>
+    </p:extLst>
+  </p:cSld>
+  <p:clrMapOvr>
+    <a:masterClrMapping/>
+  </p:clrMapOvr>
+</p:notes>
+</file>
+
 <file path=ppt/slideLayouts/slideLayout1.xml><?xml version="1.0" encoding="utf-8"?>
 <p:sldLayout xmlns:a="http://schemas.openxmlformats.org/drawingml/2006/main" xmlns:r="http://schemas.openxmlformats.org/officeDocument/2006/relationships" xmlns:p="http://schemas.openxmlformats.org/presentationml/2006/main" type="title" preserve="1">
   <p:cSld name="Titelfolie">
@@ -750,7 +839,7 @@
           <a:p>
             <a:fld id="{9BCAFB3A-A201-4A81-9A62-D67F100AA58A}" type="datetime1">
               <a:rPr lang="en-US" smtClean="0"/>
-              <a:t>2/19/2018</a:t>
+              <a:t>2/20/2018</a:t>
             </a:fld>
             <a:endParaRPr lang="en-US"/>
           </a:p>
@@ -951,7 +1040,7 @@
           <a:p>
             <a:fld id="{7DE11374-A2B7-41AE-8033-2A16C9C315BE}" type="datetime1">
               <a:rPr lang="en-US" smtClean="0"/>
-              <a:t>2/19/2018</a:t>
+              <a:t>2/20/2018</a:t>
             </a:fld>
             <a:endParaRPr lang="en-US"/>
           </a:p>
@@ -1135,7 +1224,7 @@
           <a:p>
             <a:fld id="{003CE860-CDE9-47FD-8961-B87204FCAED0}" type="datetime1">
               <a:rPr lang="en-US" smtClean="0"/>
-              <a:t>2/19/2018</a:t>
+              <a:t>2/20/2018</a:t>
             </a:fld>
             <a:endParaRPr lang="en-US"/>
           </a:p>
@@ -1309,7 +1398,7 @@
           <a:p>
             <a:fld id="{D8B373B7-2714-496B-AC7F-949877B4F04A}" type="datetime1">
               <a:rPr lang="en-US" smtClean="0"/>
-              <a:t>2/19/2018</a:t>
+              <a:t>2/20/2018</a:t>
             </a:fld>
             <a:endParaRPr lang="en-US"/>
           </a:p>
@@ -1576,7 +1665,7 @@
           <a:p>
             <a:fld id="{CE745D14-7FA3-4662-9503-1B536274C00A}" type="datetime1">
               <a:rPr lang="en-US" smtClean="0"/>
-              <a:t>2/19/2018</a:t>
+              <a:t>2/20/2018</a:t>
             </a:fld>
             <a:endParaRPr lang="en-US"/>
           </a:p>
@@ -1868,7 +1957,7 @@
           <a:p>
             <a:fld id="{5478B0EB-2A72-4F43-8CAF-C7440ACC774F}" type="datetime1">
               <a:rPr lang="en-US" smtClean="0"/>
-              <a:t>2/19/2018</a:t>
+              <a:t>2/20/2018</a:t>
             </a:fld>
             <a:endParaRPr lang="en-US"/>
           </a:p>
@@ -2294,7 +2383,7 @@
           <a:p>
             <a:fld id="{BDCE1369-2FAE-4E88-8050-2E85AAD4F3EE}" type="datetime1">
               <a:rPr lang="en-US" smtClean="0"/>
-              <a:t>2/19/2018</a:t>
+              <a:t>2/20/2018</a:t>
             </a:fld>
             <a:endParaRPr lang="en-US"/>
           </a:p>
@@ -2416,7 +2505,7 @@
           <a:p>
             <a:fld id="{D69F136B-23D8-48FB-9D2C-09343557A784}" type="datetime1">
               <a:rPr lang="en-US" smtClean="0"/>
-              <a:t>2/19/2018</a:t>
+              <a:t>2/20/2018</a:t>
             </a:fld>
             <a:endParaRPr lang="en-US"/>
           </a:p>
@@ -2515,7 +2604,7 @@
           <a:p>
             <a:fld id="{B483751E-F4AA-4B81-94CB-B8B399EAF121}" type="datetime1">
               <a:rPr lang="en-US" smtClean="0"/>
-              <a:t>2/19/2018</a:t>
+              <a:t>2/20/2018</a:t>
             </a:fld>
             <a:endParaRPr lang="en-US"/>
           </a:p>
@@ -2796,7 +2885,7 @@
           <a:p>
             <a:fld id="{BBEC857F-B6C9-4254-A48F-750DB237DE80}" type="datetime1">
               <a:rPr lang="en-US" smtClean="0"/>
-              <a:t>2/19/2018</a:t>
+              <a:t>2/20/2018</a:t>
             </a:fld>
             <a:endParaRPr lang="en-US"/>
           </a:p>
@@ -3053,7 +3142,7 @@
           <a:p>
             <a:fld id="{E80361DC-3236-4346-B2E8-A2F97BA13056}" type="datetime1">
               <a:rPr lang="en-US" smtClean="0"/>
-              <a:t>2/19/2018</a:t>
+              <a:t>2/20/2018</a:t>
             </a:fld>
             <a:endParaRPr lang="en-US"/>
           </a:p>
@@ -3320,7 +3409,7 @@
           <a:p>
             <a:fld id="{7499E6B1-3F41-4666-B376-B8EF3143577A}" type="datetime1">
               <a:rPr lang="en-US" smtClean="0"/>
-              <a:t>2/19/2018</a:t>
+              <a:t>2/20/2018</a:t>
             </a:fld>
             <a:endParaRPr lang="en-US"/>
           </a:p>
@@ -4120,6 +4209,41 @@
           <a:chExt cx="0" cy="0"/>
         </a:xfrm>
       </p:grpSpPr>
+      <p:cxnSp>
+        <p:nvCxnSpPr>
+          <p:cNvPr id="6" name="Gerade Verbindung 5"/>
+          <p:cNvCxnSpPr/>
+          <p:nvPr/>
+        </p:nvCxnSpPr>
+        <p:spPr>
+          <a:xfrm>
+            <a:off x="603504" y="2419350"/>
+            <a:ext cx="0" cy="914400"/>
+          </a:xfrm>
+          <a:prstGeom prst="line">
+            <a:avLst/>
+          </a:prstGeom>
+          <a:ln w="12700">
+            <a:solidFill>
+              <a:srgbClr val="0277BD"/>
+            </a:solidFill>
+          </a:ln>
+        </p:spPr>
+        <p:style>
+          <a:lnRef idx="1">
+            <a:schemeClr val="accent1"/>
+          </a:lnRef>
+          <a:fillRef idx="0">
+            <a:schemeClr val="accent1"/>
+          </a:fillRef>
+          <a:effectRef idx="0">
+            <a:schemeClr val="accent1"/>
+          </a:effectRef>
+          <a:fontRef idx="minor">
+            <a:schemeClr val="tx1"/>
+          </a:fontRef>
+        </p:style>
+      </p:cxnSp>
       <p:sp>
         <p:nvSpPr>
           <p:cNvPr id="2" name="Titel 1"/>
@@ -4146,7 +4270,19 @@
             </a:r>
             <a:r>
               <a:rPr lang="en-US" sz="4000" dirty="0" smtClean="0"/>
-              <a:t> – Basic Workflow</a:t>
+              <a:t> – </a:t>
+            </a:r>
+            <a:r>
+              <a:rPr lang="en-US" sz="4000" dirty="0" smtClean="0"/>
+              <a:t>basic </a:t>
+            </a:r>
+            <a:r>
+              <a:rPr lang="en-US" sz="4000" dirty="0"/>
+              <a:t>w</a:t>
+            </a:r>
+            <a:r>
+              <a:rPr lang="en-US" sz="4000" dirty="0" smtClean="0"/>
+              <a:t>orkflow</a:t>
             </a:r>
             <a:endParaRPr lang="de-DE" sz="4000" dirty="0"/>
           </a:p>
@@ -4175,31 +4311,40 @@
                   <a:srgbClr val="FFFF00"/>
                 </a:solidFill>
               </a:rPr>
-              <a:t>Jedes Verzeichnis kann mit Hilfe von </a:t>
-            </a:r>
-            <a:r>
-              <a:rPr lang="de-DE" dirty="0" err="1" smtClean="0">
+              <a:t>Every </a:t>
+            </a:r>
+            <a:r>
+              <a:rPr lang="en-US" dirty="0" smtClean="0">
                 <a:solidFill>
                   <a:srgbClr val="FFFF00"/>
                 </a:solidFill>
               </a:rPr>
+              <a:t>directory can be managed by </a:t>
+            </a:r>
+            <a:r>
+              <a:rPr lang="en-US" dirty="0" err="1" smtClean="0">
+                <a:solidFill>
+                  <a:srgbClr val="FFFF00"/>
+                </a:solidFill>
+              </a:rPr>
               <a:t>git</a:t>
             </a:r>
             <a:r>
-              <a:rPr lang="de-DE" dirty="0" smtClean="0">
+              <a:rPr lang="en-US" dirty="0" smtClean="0">
                 <a:solidFill>
                   <a:srgbClr val="FFFF00"/>
                 </a:solidFill>
               </a:rPr>
-              <a:t> verwaltet werden.</a:t>
-            </a:r>
-          </a:p>
-          <a:p>
-            <a:endParaRPr lang="en-US" dirty="0">
-              <a:solidFill>
+              <a:t>.</a:t>
+            </a:r>
+          </a:p>
+          <a:p>
+            <a:pPr>
+              <a:buClr>
                 <a:srgbClr val="FFFF00"/>
-              </a:solidFill>
-            </a:endParaRPr>
+              </a:buClr>
+            </a:pPr>
+            <a:endParaRPr lang="en-US" sz="2400" dirty="0" smtClean="0"/>
           </a:p>
           <a:p>
             <a:pPr marL="457200" indent="-457200">
@@ -4210,20 +4355,28 @@
               <a:buChar char="•"/>
             </a:pPr>
             <a:r>
-              <a:rPr lang="de-DE" sz="2400" dirty="0" smtClean="0"/>
-              <a:t>initialisiert ein </a:t>
-            </a:r>
-            <a:r>
-              <a:rPr lang="de-DE" sz="2400" dirty="0" smtClean="0">
+              <a:rPr lang="en-US" sz="2400" dirty="0" smtClean="0"/>
+              <a:t>initializes a </a:t>
+            </a:r>
+            <a:r>
+              <a:rPr lang="en-US" sz="2400" dirty="0" smtClean="0">
                 <a:solidFill>
                   <a:srgbClr val="81D4FA"/>
                 </a:solidFill>
               </a:rPr>
-              <a:t>Repository</a:t>
-            </a:r>
-            <a:r>
-              <a:rPr lang="de-DE" sz="2400" dirty="0" smtClean="0"/>
-              <a:t> im Arbeitsverzeichnis</a:t>
+              <a:t>r</a:t>
+            </a:r>
+            <a:r>
+              <a:rPr lang="en-US" sz="2400" dirty="0" smtClean="0">
+                <a:solidFill>
+                  <a:srgbClr val="81D4FA"/>
+                </a:solidFill>
+              </a:rPr>
+              <a:t>epository</a:t>
+            </a:r>
+            <a:r>
+              <a:rPr lang="en-US" sz="2400" dirty="0" smtClean="0"/>
+              <a:t> in the current working directory</a:t>
             </a:r>
           </a:p>
           <a:p>
@@ -4235,20 +4388,28 @@
               <a:buChar char="•"/>
             </a:pPr>
             <a:r>
-              <a:rPr lang="de-DE" sz="2400" dirty="0" smtClean="0"/>
-              <a:t>jetzt können Dateien zum </a:t>
-            </a:r>
-            <a:r>
-              <a:rPr lang="de-DE" sz="2400" dirty="0" smtClean="0">
+              <a:rPr lang="en-US" sz="2400" dirty="0" smtClean="0"/>
+              <a:t>now files can be added to the </a:t>
+            </a:r>
+            <a:r>
+              <a:rPr lang="en-US" sz="2400" dirty="0" smtClean="0">
                 <a:solidFill>
                   <a:srgbClr val="81D4FA"/>
                 </a:solidFill>
               </a:rPr>
-              <a:t>Index</a:t>
-            </a:r>
-            <a:r>
-              <a:rPr lang="de-DE" sz="2400" dirty="0" smtClean="0"/>
-              <a:t> hinzugefügt werden</a:t>
+              <a:t>i</a:t>
+            </a:r>
+            <a:r>
+              <a:rPr lang="en-US" sz="2400" dirty="0" smtClean="0">
+                <a:solidFill>
+                  <a:srgbClr val="81D4FA"/>
+                </a:solidFill>
+              </a:rPr>
+              <a:t>ndex</a:t>
+            </a:r>
+            <a:r>
+              <a:rPr lang="en-US" sz="2400" dirty="0" smtClean="0"/>
+              <a:t> </a:t>
             </a:r>
           </a:p>
           <a:p>
@@ -4269,62 +4430,12 @@
             </a:r>
             <a:r>
               <a:rPr lang="en-US" sz="2400" dirty="0" smtClean="0"/>
-              <a:t> </a:t>
-            </a:r>
-            <a:r>
-              <a:rPr lang="en-US" sz="2400" dirty="0" err="1" smtClean="0"/>
-              <a:t>verwaltet</a:t>
-            </a:r>
-            <a:r>
-              <a:rPr lang="en-US" sz="2400" dirty="0" smtClean="0"/>
-              <a:t> </a:t>
-            </a:r>
-            <a:r>
-              <a:rPr lang="en-US" sz="2400" dirty="0" err="1" smtClean="0"/>
-              <a:t>alle</a:t>
-            </a:r>
-            <a:r>
-              <a:rPr lang="en-US" sz="2400" dirty="0" smtClean="0"/>
-              <a:t> </a:t>
-            </a:r>
-            <a:r>
-              <a:rPr lang="en-US" sz="2400" dirty="0" err="1" smtClean="0"/>
-              <a:t>im</a:t>
-            </a:r>
-            <a:r>
-              <a:rPr lang="en-US" sz="2400" dirty="0" smtClean="0"/>
-              <a:t> Index </a:t>
-            </a:r>
-            <a:r>
-              <a:rPr lang="en-US" sz="2400" dirty="0" err="1" smtClean="0"/>
-              <a:t>befindlichen</a:t>
-            </a:r>
-            <a:r>
-              <a:rPr lang="en-US" sz="2400" dirty="0" smtClean="0"/>
-              <a:t> </a:t>
-            </a:r>
-            <a:r>
-              <a:rPr lang="en-US" sz="2400" dirty="0" err="1" smtClean="0"/>
-              <a:t>Dateien</a:t>
+              <a:t> manages all files that were added to the index</a:t>
             </a:r>
             <a:endParaRPr lang="de-DE" sz="2400" dirty="0" smtClean="0"/>
           </a:p>
           <a:p>
             <a:endParaRPr lang="de-DE" dirty="0" smtClean="0">
-              <a:solidFill>
-                <a:srgbClr val="FFFF00"/>
-              </a:solidFill>
-            </a:endParaRPr>
-          </a:p>
-          <a:p>
-            <a:endParaRPr lang="en-US" dirty="0">
-              <a:solidFill>
-                <a:srgbClr val="FFFF00"/>
-              </a:solidFill>
-            </a:endParaRPr>
-          </a:p>
-          <a:p>
-            <a:endParaRPr lang="de-DE" dirty="0">
               <a:solidFill>
                 <a:srgbClr val="FFFF00"/>
               </a:solidFill>
@@ -4378,7 +4489,7 @@
         </p:blipFill>
         <p:spPr bwMode="auto">
           <a:xfrm>
-            <a:off x="608846" y="2343150"/>
+            <a:off x="990600" y="1779586"/>
             <a:ext cx="1209675" cy="485775"/>
           </a:xfrm>
           <a:prstGeom prst="rect">
@@ -4624,7 +4735,52 @@
                 </a:solidFill>
                 <a:latin typeface="Bahnschrift Light" panose="020B0502040204020203" pitchFamily="34" charset="0"/>
               </a:rPr>
-              <a:t> (dazu gleich mehr)</a:t>
+              <a:t> </a:t>
+            </a:r>
+            <a:r>
+              <a:rPr lang="de-DE" dirty="0" smtClean="0">
+                <a:solidFill>
+                  <a:schemeClr val="bg1"/>
+                </a:solidFill>
+                <a:latin typeface="Bahnschrift Light" panose="020B0502040204020203" pitchFamily="34" charset="0"/>
+              </a:rPr>
+              <a:t>(</a:t>
+            </a:r>
+            <a:r>
+              <a:rPr lang="de-DE" dirty="0" err="1" smtClean="0">
+                <a:solidFill>
+                  <a:schemeClr val="bg1"/>
+                </a:solidFill>
+                <a:latin typeface="Bahnschrift Light" panose="020B0502040204020203" pitchFamily="34" charset="0"/>
+              </a:rPr>
+              <a:t>explained</a:t>
+            </a:r>
+            <a:r>
+              <a:rPr lang="de-DE" dirty="0" smtClean="0">
+                <a:solidFill>
+                  <a:schemeClr val="bg1"/>
+                </a:solidFill>
+                <a:latin typeface="Bahnschrift Light" panose="020B0502040204020203" pitchFamily="34" charset="0"/>
+              </a:rPr>
+              <a:t> </a:t>
+            </a:r>
+            <a:r>
+              <a:rPr lang="de-DE" dirty="0" err="1" smtClean="0">
+                <a:solidFill>
+                  <a:schemeClr val="bg1"/>
+                </a:solidFill>
+                <a:latin typeface="Bahnschrift Light" panose="020B0502040204020203" pitchFamily="34" charset="0"/>
+              </a:rPr>
+              <a:t>later</a:t>
+            </a:r>
+            <a:r>
+              <a:rPr lang="de-DE" dirty="0" smtClean="0">
+                <a:solidFill>
+                  <a:schemeClr val="bg1"/>
+                </a:solidFill>
+                <a:latin typeface="Bahnschrift Light" panose="020B0502040204020203" pitchFamily="34" charset="0"/>
+              </a:rPr>
+              <a:t>)</a:t>
             </a:r>
             <a:endParaRPr lang="de-DE" dirty="0" smtClean="0">
               <a:solidFill>
@@ -4646,7 +4802,7 @@
         <p:spPr>
           <a:xfrm flipV="1">
             <a:off x="6084194" y="2786776"/>
-            <a:ext cx="1903998" cy="699377"/>
+            <a:ext cx="1903998" cy="699379"/>
           </a:xfrm>
           <a:prstGeom prst="curvedConnector2">
             <a:avLst/>
@@ -4698,13 +4854,58 @@
           <a:p>
             <a:pPr algn="ctr"/>
             <a:r>
+              <a:rPr lang="de-DE" dirty="0" err="1" smtClean="0">
+                <a:solidFill>
+                  <a:schemeClr val="bg1"/>
+                </a:solidFill>
+                <a:latin typeface="Bahnschrift Light" panose="020B0502040204020203" pitchFamily="34" charset="0"/>
+              </a:rPr>
+              <a:t>hidden</a:t>
+            </a:r>
+            <a:r>
               <a:rPr lang="de-DE" dirty="0" smtClean="0">
                 <a:solidFill>
                   <a:schemeClr val="bg1"/>
                 </a:solidFill>
                 <a:latin typeface="Bahnschrift Light" panose="020B0502040204020203" pitchFamily="34" charset="0"/>
               </a:rPr>
-              <a:t>versteckter Ordner für </a:t>
+              <a:t> </a:t>
+            </a:r>
+            <a:r>
+              <a:rPr lang="de-DE" dirty="0" err="1" smtClean="0">
+                <a:solidFill>
+                  <a:schemeClr val="bg1"/>
+                </a:solidFill>
+                <a:latin typeface="Bahnschrift Light" panose="020B0502040204020203" pitchFamily="34" charset="0"/>
+              </a:rPr>
+              <a:t>folder</a:t>
+            </a:r>
+            <a:r>
+              <a:rPr lang="de-DE" dirty="0" smtClean="0">
+                <a:solidFill>
+                  <a:schemeClr val="bg1"/>
+                </a:solidFill>
+                <a:latin typeface="Bahnschrift Light" panose="020B0502040204020203" pitchFamily="34" charset="0"/>
+              </a:rPr>
+              <a:t> </a:t>
+            </a:r>
+            <a:r>
+              <a:rPr lang="de-DE" dirty="0" err="1" smtClean="0">
+                <a:solidFill>
+                  <a:schemeClr val="bg1"/>
+                </a:solidFill>
+                <a:latin typeface="Bahnschrift Light" panose="020B0502040204020203" pitchFamily="34" charset="0"/>
+              </a:rPr>
+              <a:t>for</a:t>
+            </a:r>
+            <a:r>
+              <a:rPr lang="de-DE" dirty="0" smtClean="0">
+                <a:solidFill>
+                  <a:schemeClr val="bg1"/>
+                </a:solidFill>
+                <a:latin typeface="Bahnschrift Light" panose="020B0502040204020203" pitchFamily="34" charset="0"/>
+              </a:rPr>
+              <a:t> </a:t>
             </a:r>
             <a:r>
               <a:rPr lang="de-DE" dirty="0" err="1" smtClean="0">
@@ -4735,7 +4936,7 @@
         <p:spPr>
           <a:xfrm flipV="1">
             <a:off x="4800600" y="1160681"/>
-            <a:ext cx="2616092" cy="1978551"/>
+            <a:ext cx="2616092" cy="1978553"/>
           </a:xfrm>
           <a:prstGeom prst="curvedConnector2">
             <a:avLst/>
@@ -4822,12 +5023,59 @@
             </a:r>
             <a:r>
               <a:rPr lang="en-US" sz="4000" dirty="0" smtClean="0"/>
-              <a:t> – Basic Workflow</a:t>
+              <a:t> – </a:t>
+            </a:r>
+            <a:r>
+              <a:rPr lang="en-US" sz="4000" dirty="0" smtClean="0"/>
+              <a:t>basic </a:t>
+            </a:r>
+            <a:r>
+              <a:rPr lang="en-US" sz="4000" dirty="0"/>
+              <a:t>w</a:t>
+            </a:r>
+            <a:r>
+              <a:rPr lang="en-US" sz="4000" dirty="0" smtClean="0"/>
+              <a:t>orkflow</a:t>
             </a:r>
             <a:endParaRPr lang="de-DE" sz="4000" dirty="0"/>
           </a:p>
         </p:txBody>
       </p:sp>
+      <p:cxnSp>
+        <p:nvCxnSpPr>
+          <p:cNvPr id="5" name="Gerade Verbindung 4"/>
+          <p:cNvCxnSpPr/>
+          <p:nvPr/>
+        </p:nvCxnSpPr>
+        <p:spPr>
+          <a:xfrm>
+            <a:off x="603504" y="1463040"/>
+            <a:ext cx="0" cy="1718310"/>
+          </a:xfrm>
+          <a:prstGeom prst="line">
+            <a:avLst/>
+          </a:prstGeom>
+          <a:ln w="12700">
+            <a:solidFill>
+              <a:srgbClr val="0277BD"/>
+            </a:solidFill>
+          </a:ln>
+        </p:spPr>
+        <p:style>
+          <a:lnRef idx="1">
+            <a:schemeClr val="accent1"/>
+          </a:lnRef>
+          <a:fillRef idx="0">
+            <a:schemeClr val="accent1"/>
+          </a:fillRef>
+          <a:effectRef idx="0">
+            <a:schemeClr val="accent1"/>
+          </a:effectRef>
+          <a:fontRef idx="minor">
+            <a:schemeClr val="tx1"/>
+          </a:fontRef>
+        </p:style>
+      </p:cxnSp>
       <p:sp>
         <p:nvSpPr>
           <p:cNvPr id="3" name="Inhaltsplatzhalter 2"/>
@@ -4853,28 +5101,20 @@
               <a:buChar char="•"/>
             </a:pPr>
             <a:r>
-              <a:rPr lang="de-DE" sz="2400" dirty="0" smtClean="0"/>
-              <a:t>nach dem </a:t>
-            </a:r>
-            <a:r>
-              <a:rPr lang="de-DE" sz="2400" dirty="0" err="1" smtClean="0">
+              <a:rPr lang="en-US" sz="2400" dirty="0" smtClean="0"/>
+              <a:t>after </a:t>
+            </a:r>
+            <a:r>
+              <a:rPr lang="en-US" sz="2400" dirty="0" smtClean="0">
                 <a:solidFill>
                   <a:srgbClr val="81D4FA"/>
                 </a:solidFill>
               </a:rPr>
-              <a:t>init</a:t>
-            </a:r>
-            <a:r>
-              <a:rPr lang="de-DE" sz="2400" dirty="0" smtClean="0">
-                <a:solidFill>
-                  <a:srgbClr val="81D4FA"/>
-                </a:solidFill>
-              </a:rPr>
-              <a:t> </a:t>
-            </a:r>
-            <a:r>
-              <a:rPr lang="de-DE" sz="2400" dirty="0" smtClean="0"/>
-              <a:t>kann am Projekt gearbeitet werden</a:t>
+              <a:t>initialization</a:t>
+            </a:r>
+            <a:r>
+              <a:rPr lang="en-US" sz="2400" dirty="0" smtClean="0"/>
+              <a:t>, work can be done on the</a:t>
             </a:r>
           </a:p>
           <a:p>
@@ -4886,8 +5126,8 @@
               <a:buChar char="•"/>
             </a:pPr>
             <a:r>
-              <a:rPr lang="de-DE" sz="2400" dirty="0" smtClean="0"/>
-              <a:t>Erstellen/Updaten/Löschen von Dateien</a:t>
+              <a:rPr lang="en-US" sz="2400" dirty="0" smtClean="0"/>
+              <a:t>creating/updating/deleting files</a:t>
             </a:r>
           </a:p>
           <a:p>
@@ -4904,11 +5144,19 @@
             </a:r>
             <a:r>
               <a:rPr lang="en-US" sz="2400" dirty="0" smtClean="0"/>
+              <a:t> registers</a:t>
+            </a:r>
+            <a:r>
+              <a:rPr lang="de-DE" sz="2400" dirty="0" smtClean="0"/>
               <a:t> </a:t>
             </a:r>
             <a:r>
-              <a:rPr lang="de-DE" sz="2400" dirty="0" smtClean="0"/>
-              <a:t>registriert </a:t>
+              <a:rPr lang="en-US" sz="2400" dirty="0" smtClean="0">
+                <a:solidFill>
+                  <a:srgbClr val="81D4FA"/>
+                </a:solidFill>
+              </a:rPr>
+              <a:t>changes</a:t>
             </a:r>
             <a:r>
               <a:rPr lang="de-DE" sz="2400" dirty="0" smtClean="0">
@@ -4916,11 +5164,11 @@
                   <a:srgbClr val="81D4FA"/>
                 </a:solidFill>
               </a:rPr>
-              <a:t>Änderungen</a:t>
-            </a:r>
-            <a:r>
-              <a:rPr lang="de-DE" sz="2400" dirty="0" smtClean="0"/>
-              <a:t> im Arbeitsverzeichnis</a:t>
+              <a:t> </a:t>
+            </a:r>
+            <a:r>
+              <a:rPr lang="en-US" sz="2400" dirty="0" smtClean="0"/>
+              <a:t>in the current working directory </a:t>
             </a:r>
           </a:p>
           <a:p>
@@ -4932,33 +5180,26 @@
               <a:buChar char="•"/>
             </a:pPr>
             <a:r>
-              <a:rPr lang="de-DE" sz="2400" dirty="0" smtClean="0"/>
-              <a:t>Änderungen </a:t>
-            </a:r>
-            <a:r>
-              <a:rPr lang="de-DE" sz="2400" dirty="0" smtClean="0"/>
-              <a:t>können </a:t>
-            </a:r>
-            <a:r>
-              <a:rPr lang="de-DE" sz="2400" dirty="0" smtClean="0"/>
-              <a:t>dann </a:t>
-            </a:r>
-            <a:r>
-              <a:rPr lang="de-DE" sz="2400" dirty="0" smtClean="0">
+              <a:rPr lang="en-US" sz="2400" dirty="0" smtClean="0"/>
+              <a:t>changes can the</a:t>
+            </a:r>
+            <a:r>
+              <a:rPr lang="en-US" sz="2400" dirty="0" smtClean="0"/>
+              <a:t>n be </a:t>
+            </a:r>
+            <a:r>
+              <a:rPr lang="en-US" sz="2400" dirty="0" smtClean="0"/>
+              <a:t> </a:t>
+            </a:r>
+            <a:r>
+              <a:rPr lang="en-US" sz="2400" dirty="0" smtClean="0">
                 <a:solidFill>
                   <a:srgbClr val="81D4FA"/>
                 </a:solidFill>
               </a:rPr>
-              <a:t>veröffentlicht</a:t>
-            </a:r>
-            <a:r>
-              <a:rPr lang="de-DE" sz="2400" dirty="0" smtClean="0"/>
-              <a:t> </a:t>
-            </a:r>
-            <a:r>
-              <a:rPr lang="de-DE" sz="2400" dirty="0" smtClean="0"/>
-              <a:t>werden</a:t>
-            </a:r>
+              <a:t>published</a:t>
+            </a:r>
+            <a:endParaRPr lang="en-US" sz="2400" dirty="0" smtClean="0"/>
           </a:p>
           <a:p>
             <a:pPr marL="457200" indent="-457200">
@@ -5014,7 +5255,11 @@
             </a:r>
             <a:r>
               <a:rPr lang="en-US" sz="2400" dirty="0" smtClean="0"/>
-              <a:t> und </a:t>
+              <a:t> </a:t>
+            </a:r>
+            <a:r>
+              <a:rPr lang="en-US" sz="2400" dirty="0" smtClean="0"/>
+              <a:t>and </a:t>
             </a:r>
             <a:r>
               <a:rPr lang="en-US" sz="2400" dirty="0" smtClean="0">
@@ -5029,24 +5274,8 @@
               <a:t> </a:t>
             </a:r>
             <a:r>
-              <a:rPr lang="en-US" sz="2400" dirty="0" err="1" smtClean="0"/>
-              <a:t>sind</a:t>
-            </a:r>
-            <a:r>
-              <a:rPr lang="en-US" sz="2400" dirty="0" smtClean="0"/>
-              <a:t> </a:t>
-            </a:r>
-            <a:r>
-              <a:rPr lang="en-US" sz="2400" dirty="0" err="1" smtClean="0"/>
-              <a:t>elementare</a:t>
-            </a:r>
-            <a:r>
-              <a:rPr lang="en-US" sz="2400" dirty="0" smtClean="0"/>
-              <a:t> </a:t>
-            </a:r>
-            <a:r>
-              <a:rPr lang="en-US" sz="2400" dirty="0" err="1" smtClean="0"/>
-              <a:t>Befehle</a:t>
+              <a:rPr lang="en-US" sz="2400" dirty="0" smtClean="0"/>
+              <a:t>are elementary commands</a:t>
             </a:r>
             <a:endParaRPr lang="de-DE" sz="2400" dirty="0" smtClean="0"/>
           </a:p>
@@ -5112,6 +5341,41 @@
           <a:chExt cx="0" cy="0"/>
         </a:xfrm>
       </p:grpSpPr>
+      <p:cxnSp>
+        <p:nvCxnSpPr>
+          <p:cNvPr id="6" name="Gerade Verbindung 5"/>
+          <p:cNvCxnSpPr/>
+          <p:nvPr/>
+        </p:nvCxnSpPr>
+        <p:spPr>
+          <a:xfrm>
+            <a:off x="603504" y="1885950"/>
+            <a:ext cx="0" cy="838200"/>
+          </a:xfrm>
+          <a:prstGeom prst="line">
+            <a:avLst/>
+          </a:prstGeom>
+          <a:ln w="12700">
+            <a:solidFill>
+              <a:srgbClr val="0277BD"/>
+            </a:solidFill>
+          </a:ln>
+        </p:spPr>
+        <p:style>
+          <a:lnRef idx="1">
+            <a:schemeClr val="accent1"/>
+          </a:lnRef>
+          <a:fillRef idx="0">
+            <a:schemeClr val="accent1"/>
+          </a:fillRef>
+          <a:effectRef idx="0">
+            <a:schemeClr val="accent1"/>
+          </a:effectRef>
+          <a:fontRef idx="minor">
+            <a:schemeClr val="tx1"/>
+          </a:fontRef>
+        </p:style>
+      </p:cxnSp>
       <p:sp>
         <p:nvSpPr>
           <p:cNvPr id="2" name="Titel 1"/>
@@ -5129,8 +5393,24 @@
           <a:p>
             <a:pPr algn="l"/>
             <a:r>
+              <a:rPr lang="en-US" sz="4000" dirty="0"/>
+              <a:t>s</a:t>
+            </a:r>
+            <a:r>
               <a:rPr lang="en-US" sz="4000" dirty="0" smtClean="0"/>
-              <a:t>Status des Repository</a:t>
+              <a:t>tatus </a:t>
+            </a:r>
+            <a:r>
+              <a:rPr lang="en-US" sz="4000" dirty="0" smtClean="0"/>
+              <a:t>of the </a:t>
+            </a:r>
+            <a:r>
+              <a:rPr lang="en-US" sz="4000" dirty="0"/>
+              <a:t>r</a:t>
+            </a:r>
+            <a:r>
+              <a:rPr lang="en-US" sz="4000" dirty="0" smtClean="0"/>
+              <a:t>epository</a:t>
             </a:r>
             <a:endParaRPr lang="de-DE" sz="4000" dirty="0"/>
           </a:p>
@@ -5171,22 +5451,22 @@
               <a:buChar char="•"/>
             </a:pPr>
             <a:r>
-              <a:rPr lang="de-DE" sz="2400" dirty="0" smtClean="0">
+              <a:rPr lang="en-US" sz="2400" dirty="0" smtClean="0">
                 <a:solidFill>
                   <a:srgbClr val="81D4FA"/>
                 </a:solidFill>
               </a:rPr>
-              <a:t>Zusammenfassung</a:t>
-            </a:r>
-            <a:r>
-              <a:rPr lang="de-DE" sz="2400" dirty="0" smtClean="0"/>
-              <a:t> der Änderungen seit letztem </a:t>
-            </a:r>
-            <a:r>
-              <a:rPr lang="de-DE" sz="2400" dirty="0" err="1" smtClean="0"/>
-              <a:t>commit</a:t>
-            </a:r>
-            <a:endParaRPr lang="de-DE" sz="2400" dirty="0" smtClean="0"/>
+              <a:t>resume </a:t>
+            </a:r>
+            <a:r>
+              <a:rPr lang="en-US" sz="2400" dirty="0" smtClean="0"/>
+              <a:t>of changes since the </a:t>
+            </a:r>
+            <a:r>
+              <a:rPr lang="en-US" sz="2400" dirty="0" smtClean="0"/>
+              <a:t>last commit</a:t>
+            </a:r>
+            <a:endParaRPr lang="en-US" sz="2400" dirty="0" smtClean="0"/>
           </a:p>
           <a:p>
             <a:pPr marL="457200" indent="-457200">
@@ -5197,44 +5477,52 @@
               <a:buChar char="•"/>
             </a:pPr>
             <a:r>
-              <a:rPr lang="de-DE" sz="2400" dirty="0" smtClean="0"/>
-              <a:t>Listet </a:t>
-            </a:r>
-            <a:r>
-              <a:rPr lang="de-DE" sz="2400" dirty="0" smtClean="0">
+              <a:rPr lang="en-US" sz="2400" dirty="0" smtClean="0"/>
+              <a:t>lists </a:t>
+            </a:r>
+            <a:r>
+              <a:rPr lang="en-US" sz="2400" dirty="0" smtClean="0">
                 <a:solidFill>
                   <a:srgbClr val="81D4FA"/>
                 </a:solidFill>
               </a:rPr>
-              <a:t>neue</a:t>
-            </a:r>
-            <a:r>
-              <a:rPr lang="de-DE" sz="2400" dirty="0" smtClean="0"/>
+              <a:t>new</a:t>
+            </a:r>
+            <a:r>
+              <a:rPr lang="en-US" sz="2400" dirty="0" smtClean="0"/>
               <a:t>, </a:t>
             </a:r>
             <a:r>
-              <a:rPr lang="de-DE" sz="2400" dirty="0" smtClean="0">
+              <a:rPr lang="en-US" sz="2400" dirty="0" smtClean="0">
                 <a:solidFill>
                   <a:srgbClr val="81D4FA"/>
                 </a:solidFill>
               </a:rPr>
-              <a:t>gelöschte</a:t>
-            </a:r>
-            <a:r>
-              <a:rPr lang="de-DE" sz="2400" dirty="0" smtClean="0"/>
-              <a:t> und </a:t>
-            </a:r>
-            <a:r>
-              <a:rPr lang="de-DE" sz="2400" dirty="0" smtClean="0">
+              <a:t>deleted</a:t>
+            </a:r>
+            <a:r>
+              <a:rPr lang="en-US" sz="2400" dirty="0" smtClean="0"/>
+              <a:t> </a:t>
+            </a:r>
+            <a:r>
+              <a:rPr lang="en-US" sz="2400" dirty="0" smtClean="0"/>
+              <a:t>a</a:t>
+            </a:r>
+            <a:r>
+              <a:rPr lang="en-US" sz="2400" dirty="0" smtClean="0"/>
+              <a:t>nd </a:t>
+            </a:r>
+            <a:r>
+              <a:rPr lang="en-US" sz="2400" dirty="0" smtClean="0">
                 <a:solidFill>
                   <a:srgbClr val="81D4FA"/>
                 </a:solidFill>
               </a:rPr>
-              <a:t>geänderte</a:t>
-            </a:r>
-            <a:r>
-              <a:rPr lang="de-DE" sz="2400" dirty="0" smtClean="0"/>
-              <a:t> Dateien auf</a:t>
+              <a:t>changed</a:t>
+            </a:r>
+            <a:r>
+              <a:rPr lang="en-US" sz="2400" dirty="0" smtClean="0"/>
+              <a:t> files</a:t>
             </a:r>
           </a:p>
           <a:p>
@@ -5246,52 +5534,22 @@
               <a:buChar char="•"/>
             </a:pPr>
             <a:r>
+              <a:rPr lang="en-US" sz="2400" dirty="0" smtClean="0"/>
+              <a:t>tool to decide which changes should be included in the next</a:t>
+            </a:r>
+            <a:r>
               <a:rPr lang="de-DE" sz="2400" dirty="0" smtClean="0"/>
-              <a:t>unterstützt </a:t>
-            </a:r>
-            <a:r>
-              <a:rPr lang="de-DE" sz="2400" dirty="0" smtClean="0"/>
-              <a:t>bei </a:t>
-            </a:r>
-            <a:r>
-              <a:rPr lang="de-DE" sz="2400" dirty="0" smtClean="0"/>
-              <a:t>Entscheidung</a:t>
-            </a:r>
-            <a:r>
-              <a:rPr lang="en-US" sz="2400" dirty="0" smtClean="0"/>
-              <a:t>,</a:t>
-            </a:r>
-            <a:r>
-              <a:rPr lang="de-DE" sz="2400" dirty="0" smtClean="0"/>
-              <a:t/>
-            </a:r>
-            <a:br>
-              <a:rPr lang="de-DE" sz="2400" dirty="0" smtClean="0"/>
-            </a:br>
-            <a:r>
-              <a:rPr lang="de-DE" sz="2400" dirty="0" smtClean="0"/>
-              <a:t>welche Änderungen in einem </a:t>
-            </a:r>
-            <a:r>
-              <a:rPr lang="de-DE" sz="2400" dirty="0" err="1" smtClean="0">
+              <a:t> </a:t>
+            </a:r>
+            <a:r>
+              <a:rPr lang="en-US" sz="2400" dirty="0" smtClean="0">
                 <a:solidFill>
                   <a:srgbClr val="81D4FA"/>
                 </a:solidFill>
               </a:rPr>
               <a:t>commit</a:t>
             </a:r>
-            <a:r>
-              <a:rPr lang="de-DE" sz="2400" dirty="0" smtClean="0">
-                <a:solidFill>
-                  <a:srgbClr val="81D4FA"/>
-                </a:solidFill>
-              </a:rPr>
-              <a:t> </a:t>
-            </a:r>
-            <a:r>
-              <a:rPr lang="de-DE" sz="2400" dirty="0" smtClean="0"/>
-              <a:t>eingepflegt werden sollen</a:t>
-            </a:r>
+            <a:endParaRPr lang="en-US" sz="2400" dirty="0" smtClean="0"/>
           </a:p>
         </p:txBody>
       </p:sp>
@@ -5335,7 +5593,7 @@
           <p:nvPr/>
         </p:nvPicPr>
         <p:blipFill>
-          <a:blip r:embed="rId2">
+          <a:blip r:embed="rId3">
             <a:extLst>
               <a:ext uri="{28A0092B-C50C-407E-A947-70E740481C1C}">
                 <a14:useLocalDpi xmlns:a14="http://schemas.microsoft.com/office/drawing/2010/main" val="0"/>
@@ -5349,7 +5607,7 @@
         </p:blipFill>
         <p:spPr bwMode="auto">
           <a:xfrm>
-            <a:off x="457200" y="1162050"/>
+            <a:off x="952500" y="1162050"/>
             <a:ext cx="1452563" cy="495300"/>
           </a:xfrm>
           <a:prstGeom prst="rect">
@@ -5464,14 +5722,17 @@
           <a:p>
             <a:pPr algn="ctr"/>
             <a:r>
-              <a:rPr lang="de-DE" dirty="0" smtClean="0">
+              <a:rPr lang="en-US" dirty="0" smtClean="0">
                 <a:solidFill>
                   <a:schemeClr val="bg1"/>
                 </a:solidFill>
                 <a:latin typeface="Bahnschrift Light" panose="020B0502040204020203" pitchFamily="34" charset="0"/>
               </a:rPr>
-              <a:t>Änderungen</a:t>
-            </a:r>
+              <a:t>sourcecode.py</a:t>
+            </a:r>
+          </a:p>
+          <a:p>
+            <a:pPr algn="ctr"/>
             <a:r>
               <a:rPr lang="en-US" dirty="0" smtClean="0">
                 <a:solidFill>
@@ -5479,7 +5740,7 @@
                 </a:solidFill>
                 <a:latin typeface="Bahnschrift Light" panose="020B0502040204020203" pitchFamily="34" charset="0"/>
               </a:rPr>
-              <a:t> an  sourcecode.py</a:t>
+              <a:t>was modified</a:t>
             </a:r>
             <a:endParaRPr lang="de-DE" dirty="0" smtClean="0">
               <a:solidFill>
@@ -5568,13 +5829,49 @@
           <a:p>
             <a:pPr algn="ctr"/>
             <a:r>
+              <a:rPr lang="de-DE" dirty="0" err="1" smtClean="0">
+                <a:solidFill>
+                  <a:schemeClr val="bg1"/>
+                </a:solidFill>
+                <a:latin typeface="Bahnschrift Light" panose="020B0502040204020203" pitchFamily="34" charset="0"/>
+              </a:rPr>
+              <a:t>new</a:t>
+            </a:r>
+            <a:r>
               <a:rPr lang="de-DE" dirty="0" smtClean="0">
                 <a:solidFill>
                   <a:schemeClr val="bg1"/>
                 </a:solidFill>
                 <a:latin typeface="Bahnschrift Light" panose="020B0502040204020203" pitchFamily="34" charset="0"/>
               </a:rPr>
-              <a:t>neue Datei newfile.py</a:t>
+              <a:t> </a:t>
+            </a:r>
+            <a:r>
+              <a:rPr lang="de-DE" dirty="0" err="1" smtClean="0">
+                <a:solidFill>
+                  <a:schemeClr val="bg1"/>
+                </a:solidFill>
+                <a:latin typeface="Bahnschrift Light" panose="020B0502040204020203" pitchFamily="34" charset="0"/>
+              </a:rPr>
+              <a:t>file</a:t>
+            </a:r>
+            <a:r>
+              <a:rPr lang="de-DE" dirty="0" smtClean="0">
+                <a:solidFill>
+                  <a:schemeClr val="bg1"/>
+                </a:solidFill>
+                <a:latin typeface="Bahnschrift Light" panose="020B0502040204020203" pitchFamily="34" charset="0"/>
+              </a:rPr>
+              <a:t> </a:t>
+            </a:r>
+            <a:r>
+              <a:rPr lang="de-DE" dirty="0" smtClean="0">
+                <a:solidFill>
+                  <a:schemeClr val="bg1"/>
+                </a:solidFill>
+                <a:latin typeface="Bahnschrift Light" panose="020B0502040204020203" pitchFamily="34" charset="0"/>
+              </a:rPr>
+              <a:t>newfile.py</a:t>
             </a:r>
           </a:p>
         </p:txBody>
@@ -5716,7 +6013,19 @@
             </a:r>
             <a:r>
               <a:rPr lang="en-US" sz="4000" dirty="0" smtClean="0"/>
-              <a:t> – Basic Workflow</a:t>
+              <a:t> – </a:t>
+            </a:r>
+            <a:r>
+              <a:rPr lang="en-US" sz="4000" dirty="0" smtClean="0"/>
+              <a:t>basic </a:t>
+            </a:r>
+            <a:r>
+              <a:rPr lang="en-US" sz="4000" dirty="0"/>
+              <a:t>w</a:t>
+            </a:r>
+            <a:r>
+              <a:rPr lang="en-US" sz="4000" dirty="0" smtClean="0"/>
+              <a:t>orkflow</a:t>
             </a:r>
             <a:endParaRPr lang="de-DE" sz="4000" dirty="0"/>
           </a:p>
@@ -5740,35 +6049,35 @@
         </p:spPr>
         <p:txBody>
           <a:bodyPr>
-            <a:normAutofit fontScale="85000" lnSpcReduction="20000"/>
+            <a:normAutofit/>
           </a:bodyPr>
           <a:lstStyle/>
           <a:p>
             <a:r>
-              <a:rPr lang="de-DE" sz="2400" dirty="0" smtClean="0">
+              <a:rPr lang="en-US" sz="2400" dirty="0" smtClean="0">
                 <a:solidFill>
                   <a:srgbClr val="FFFF00"/>
                 </a:solidFill>
               </a:rPr>
-              <a:t>Das Hinzufügen von Dateien zum Index wird „</a:t>
-            </a:r>
-            <a:r>
-              <a:rPr lang="de-DE" sz="2400" dirty="0" err="1" smtClean="0">
+              <a:t>Adding files to the </a:t>
+            </a:r>
+            <a:r>
+              <a:rPr lang="en-US" sz="2400" dirty="0" err="1" smtClean="0">
                 <a:solidFill>
                   <a:srgbClr val="FFFF00"/>
                 </a:solidFill>
               </a:rPr>
-              <a:t>staging</a:t>
-            </a:r>
-            <a:r>
-              <a:rPr lang="de-DE" sz="2400" dirty="0" smtClean="0">
+              <a:t>git</a:t>
+            </a:r>
+            <a:r>
+              <a:rPr lang="en-US" sz="2400" dirty="0" smtClean="0">
                 <a:solidFill>
                   <a:srgbClr val="FFFF00"/>
                 </a:solidFill>
               </a:rPr>
-              <a:t>“ genannt.</a:t>
-            </a:r>
-            <a:endParaRPr lang="de-DE" sz="2400" dirty="0">
+              <a:t> index is called staging.</a:t>
+            </a:r>
+            <a:endParaRPr lang="en-US" sz="2400" dirty="0">
               <a:solidFill>
                 <a:srgbClr val="FFFF00"/>
               </a:solidFill>
@@ -5984,85 +6293,40 @@
           <a:lstStyle/>
           <a:p>
             <a:r>
-              <a:rPr lang="en-US" dirty="0" err="1" smtClean="0">
+              <a:rPr lang="en-US" dirty="0" smtClean="0">
                 <a:solidFill>
                   <a:schemeClr val="bg1"/>
                 </a:solidFill>
                 <a:latin typeface="Bahnschrift Light" panose="020B0502040204020203" pitchFamily="34" charset="0"/>
               </a:rPr>
-              <a:t>fügt</a:t>
+              <a:t>adds file </a:t>
             </a:r>
             <a:r>
               <a:rPr lang="en-US" dirty="0" smtClean="0">
                 <a:solidFill>
+                  <a:srgbClr val="81D4FA"/>
+                </a:solidFill>
+                <a:latin typeface="Bahnschrift Light" panose="020B0502040204020203" pitchFamily="34" charset="0"/>
+              </a:rPr>
+              <a:t>&lt;filename</a:t>
+            </a:r>
+            <a:r>
+              <a:rPr lang="de-DE" dirty="0" smtClean="0">
+                <a:solidFill>
+                  <a:srgbClr val="81D4FA"/>
+                </a:solidFill>
+                <a:latin typeface="Bahnschrift Light" panose="020B0502040204020203" pitchFamily="34" charset="0"/>
+              </a:rPr>
+              <a:t>&gt; </a:t>
+            </a:r>
+            <a:r>
+              <a:rPr lang="en-US" dirty="0" smtClean="0">
+                <a:solidFill>
                   <a:schemeClr val="bg1"/>
                 </a:solidFill>
                 <a:latin typeface="Bahnschrift Light" panose="020B0502040204020203" pitchFamily="34" charset="0"/>
               </a:rPr>
-              <a:t> </a:t>
-            </a:r>
-            <a:r>
-              <a:rPr lang="en-US" dirty="0" err="1" smtClean="0">
-                <a:solidFill>
-                  <a:schemeClr val="bg1"/>
-                </a:solidFill>
-                <a:latin typeface="Bahnschrift Light" panose="020B0502040204020203" pitchFamily="34" charset="0"/>
-              </a:rPr>
-              <a:t>Datei</a:t>
-            </a:r>
-            <a:r>
-              <a:rPr lang="en-US" dirty="0" smtClean="0">
-                <a:solidFill>
-                  <a:schemeClr val="bg1"/>
-                </a:solidFill>
-                <a:latin typeface="Bahnschrift Light" panose="020B0502040204020203" pitchFamily="34" charset="0"/>
-              </a:rPr>
-              <a:t> </a:t>
-            </a:r>
-            <a:r>
-              <a:rPr lang="en-US" dirty="0" err="1" smtClean="0">
-                <a:solidFill>
-                  <a:schemeClr val="bg1"/>
-                </a:solidFill>
-                <a:latin typeface="Bahnschrift Light" panose="020B0502040204020203" pitchFamily="34" charset="0"/>
-              </a:rPr>
-              <a:t>namens</a:t>
-            </a:r>
-            <a:r>
-              <a:rPr lang="en-US" dirty="0" smtClean="0">
-                <a:solidFill>
-                  <a:schemeClr val="bg1"/>
-                </a:solidFill>
-                <a:latin typeface="Bahnschrift Light" panose="020B0502040204020203" pitchFamily="34" charset="0"/>
-              </a:rPr>
-              <a:t> </a:t>
-            </a:r>
-            <a:r>
-              <a:rPr lang="en-US" dirty="0" smtClean="0">
-                <a:solidFill>
-                  <a:srgbClr val="81D4FA"/>
-                </a:solidFill>
-                <a:latin typeface="Bahnschrift Light" panose="020B0502040204020203" pitchFamily="34" charset="0"/>
-              </a:rPr>
-              <a:t>&lt;filename</a:t>
-            </a:r>
-            <a:r>
-              <a:rPr lang="de-DE" dirty="0" smtClean="0">
-                <a:solidFill>
-                  <a:srgbClr val="81D4FA"/>
-                </a:solidFill>
-                <a:latin typeface="Bahnschrift Light" panose="020B0502040204020203" pitchFamily="34" charset="0"/>
-              </a:rPr>
-              <a:t>&gt; </a:t>
-            </a:r>
-            <a:r>
-              <a:rPr lang="de-DE" dirty="0" smtClean="0">
-                <a:solidFill>
-                  <a:schemeClr val="bg1"/>
-                </a:solidFill>
-                <a:latin typeface="Bahnschrift Light" panose="020B0502040204020203" pitchFamily="34" charset="0"/>
-              </a:rPr>
-              <a:t>hinzu</a:t>
+              <a:t>to the index</a:t>
             </a:r>
             <a:endParaRPr lang="en-US" dirty="0" smtClean="0">
               <a:solidFill>
@@ -6082,7 +6346,7 @@
         <p:spPr>
           <a:xfrm>
             <a:off x="4404946" y="3363279"/>
-            <a:ext cx="2786281" cy="923330"/>
+            <a:ext cx="2786281" cy="646331"/>
           </a:xfrm>
           <a:prstGeom prst="rect">
             <a:avLst/>
@@ -6096,50 +6360,38 @@
           <a:lstStyle/>
           <a:p>
             <a:r>
-              <a:rPr lang="de-DE" dirty="0" smtClean="0">
+              <a:rPr lang="en-US" dirty="0" smtClean="0">
                 <a:solidFill>
                   <a:schemeClr val="bg1"/>
                 </a:solidFill>
                 <a:latin typeface="Bahnschrift Light" panose="020B0502040204020203" pitchFamily="34" charset="0"/>
               </a:rPr>
-              <a:t>fügt alle Dateien mit der Dateiendung </a:t>
-            </a:r>
-            <a:r>
-              <a:rPr lang="de-DE" dirty="0" smtClean="0">
+              <a:t>adds all files of extension </a:t>
+            </a:r>
+            <a:r>
+              <a:rPr lang="en-US" dirty="0" smtClean="0">
                 <a:solidFill>
                   <a:srgbClr val="81D4FA"/>
                 </a:solidFill>
                 <a:latin typeface="Bahnschrift Light" panose="020B0502040204020203" pitchFamily="34" charset="0"/>
               </a:rPr>
-              <a:t>&lt;</a:t>
-            </a:r>
-            <a:r>
-              <a:rPr lang="de-DE" dirty="0" err="1" smtClean="0">
-                <a:solidFill>
-                  <a:srgbClr val="81D4FA"/>
+              <a:t>&lt;extension&gt; </a:t>
+            </a:r>
+            <a:r>
+              <a:rPr lang="en-US" dirty="0" smtClean="0">
+                <a:solidFill>
+                  <a:schemeClr val="bg1"/>
                 </a:solidFill>
                 <a:latin typeface="Bahnschrift Light" panose="020B0502040204020203" pitchFamily="34" charset="0"/>
               </a:rPr>
-              <a:t>extension</a:t>
-            </a:r>
-            <a:r>
-              <a:rPr lang="de-DE" dirty="0" smtClean="0">
-                <a:solidFill>
-                  <a:srgbClr val="81D4FA"/>
-                </a:solidFill>
-                <a:latin typeface="Bahnschrift Light" panose="020B0502040204020203" pitchFamily="34" charset="0"/>
-              </a:rPr>
-              <a:t>&gt; </a:t>
-            </a:r>
-            <a:r>
-              <a:rPr lang="de-DE" dirty="0" smtClean="0">
-                <a:solidFill>
-                  <a:schemeClr val="bg1"/>
-                </a:solidFill>
-                <a:latin typeface="Bahnschrift Light" panose="020B0502040204020203" pitchFamily="34" charset="0"/>
-              </a:rPr>
-              <a:t>hinzu</a:t>
-            </a:r>
+              <a:t>to the index</a:t>
+            </a:r>
+            <a:endParaRPr lang="en-US" dirty="0" smtClean="0">
+              <a:solidFill>
+                <a:schemeClr val="bg1"/>
+              </a:solidFill>
+              <a:latin typeface="Bahnschrift Light" panose="020B0502040204020203" pitchFamily="34" charset="0"/>
+            </a:endParaRPr>
           </a:p>
         </p:txBody>
       </p:sp>
@@ -6152,7 +6404,7 @@
         <p:spPr>
           <a:xfrm>
             <a:off x="1971266" y="4184109"/>
-            <a:ext cx="2433680" cy="369332"/>
+            <a:ext cx="2642070" cy="369332"/>
           </a:xfrm>
           <a:prstGeom prst="rect">
             <a:avLst/>
@@ -6166,14 +6418,20 @@
           <a:lstStyle/>
           <a:p>
             <a:r>
-              <a:rPr lang="de-DE" dirty="0" smtClean="0">
+              <a:rPr lang="en-US" dirty="0" smtClean="0">
                 <a:solidFill>
                   <a:schemeClr val="bg1"/>
                 </a:solidFill>
                 <a:latin typeface="Bahnschrift Light" panose="020B0502040204020203" pitchFamily="34" charset="0"/>
               </a:rPr>
-              <a:t>fügt alle Dateien hinzu</a:t>
-            </a:r>
+              <a:t>adds all files to the index</a:t>
+            </a:r>
+            <a:endParaRPr lang="en-US" dirty="0" smtClean="0">
+              <a:solidFill>
+                <a:schemeClr val="bg1"/>
+              </a:solidFill>
+              <a:latin typeface="Bahnschrift Light" panose="020B0502040204020203" pitchFamily="34" charset="0"/>
+            </a:endParaRPr>
           </a:p>
         </p:txBody>
       </p:sp>
@@ -6418,7 +6676,7 @@
         <p:spPr>
           <a:xfrm>
             <a:off x="7524750" y="381176"/>
-            <a:ext cx="1426744" cy="1200329"/>
+            <a:ext cx="1426744" cy="646331"/>
           </a:xfrm>
           <a:prstGeom prst="rect">
             <a:avLst/>
@@ -6433,14 +6691,29 @@
           <a:p>
             <a:pPr algn="ctr"/>
             <a:r>
+              <a:rPr lang="de-DE" dirty="0" err="1" smtClean="0">
+                <a:solidFill>
+                  <a:schemeClr val="bg1"/>
+                </a:solidFill>
+                <a:latin typeface="Bahnschrift Light" panose="020B0502040204020203" pitchFamily="34" charset="0"/>
+              </a:rPr>
+              <a:t>adding</a:t>
+            </a:r>
+            <a:r>
               <a:rPr lang="de-DE" dirty="0" smtClean="0">
                 <a:solidFill>
                   <a:schemeClr val="bg1"/>
                 </a:solidFill>
                 <a:latin typeface="Bahnschrift Light" panose="020B0502040204020203" pitchFamily="34" charset="0"/>
               </a:rPr>
-              <a:t>Hinzufügen von  newfile.py zum Index</a:t>
-            </a:r>
+              <a:t> newfile.py</a:t>
+            </a:r>
+            <a:endParaRPr lang="de-DE" dirty="0" smtClean="0">
+              <a:solidFill>
+                <a:schemeClr val="bg1"/>
+              </a:solidFill>
+              <a:latin typeface="Bahnschrift Light" panose="020B0502040204020203" pitchFamily="34" charset="0"/>
+            </a:endParaRPr>
           </a:p>
         </p:txBody>
       </p:sp>
@@ -6507,14 +6780,47 @@
           <a:p>
             <a:pPr algn="ctr"/>
             <a:r>
+              <a:rPr lang="de-DE" dirty="0" err="1" smtClean="0">
+                <a:solidFill>
+                  <a:schemeClr val="bg1"/>
+                </a:solidFill>
+                <a:latin typeface="Bahnschrift Light" panose="020B0502040204020203" pitchFamily="34" charset="0"/>
+              </a:rPr>
+              <a:t>new</a:t>
+            </a:r>
+            <a:r>
               <a:rPr lang="de-DE" dirty="0" smtClean="0">
                 <a:solidFill>
                   <a:schemeClr val="bg1"/>
                 </a:solidFill>
                 <a:latin typeface="Bahnschrift Light" panose="020B0502040204020203" pitchFamily="34" charset="0"/>
               </a:rPr>
-              <a:t>neue Datei newfile.py</a:t>
-            </a:r>
+              <a:t> </a:t>
+            </a:r>
+            <a:r>
+              <a:rPr lang="de-DE" dirty="0" err="1" smtClean="0">
+                <a:solidFill>
+                  <a:schemeClr val="bg1"/>
+                </a:solidFill>
+                <a:latin typeface="Bahnschrift Light" panose="020B0502040204020203" pitchFamily="34" charset="0"/>
+              </a:rPr>
+              <a:t>file</a:t>
+            </a:r>
+            <a:r>
+              <a:rPr lang="de-DE" dirty="0" smtClean="0">
+                <a:solidFill>
+                  <a:schemeClr val="bg1"/>
+                </a:solidFill>
+                <a:latin typeface="Bahnschrift Light" panose="020B0502040204020203" pitchFamily="34" charset="0"/>
+              </a:rPr>
+              <a:t> newfile.py</a:t>
+            </a:r>
+            <a:endParaRPr lang="de-DE" dirty="0" smtClean="0">
+              <a:solidFill>
+                <a:schemeClr val="bg1"/>
+              </a:solidFill>
+              <a:latin typeface="Bahnschrift Light" panose="020B0502040204020203" pitchFamily="34" charset="0"/>
+            </a:endParaRPr>
           </a:p>
         </p:txBody>
       </p:sp>
@@ -6581,14 +6887,20 @@
           <a:p>
             <a:pPr algn="ctr"/>
             <a:r>
-              <a:rPr lang="de-DE" dirty="0" smtClean="0">
+              <a:rPr lang="en-US" dirty="0" smtClean="0">
                 <a:solidFill>
                   <a:schemeClr val="bg1"/>
                 </a:solidFill>
                 <a:latin typeface="Bahnschrift Light" panose="020B0502040204020203" pitchFamily="34" charset="0"/>
               </a:rPr>
-              <a:t>bereits im Index vorhanden, aber modifiziert</a:t>
-            </a:r>
+              <a:t>already exists in the index, but was modified</a:t>
+            </a:r>
+            <a:endParaRPr lang="en-US" dirty="0" smtClean="0">
+              <a:solidFill>
+                <a:schemeClr val="bg1"/>
+              </a:solidFill>
+              <a:latin typeface="Bahnschrift Light" panose="020B0502040204020203" pitchFamily="34" charset="0"/>
+            </a:endParaRPr>
           </a:p>
         </p:txBody>
       </p:sp>
@@ -6714,14 +7026,14 @@
           <a:lstStyle/>
           <a:p>
             <a:r>
-              <a:rPr lang="de-DE" dirty="0" smtClean="0">
+              <a:rPr lang="en-US" dirty="0" smtClean="0">
                 <a:solidFill>
                   <a:srgbClr val="FFFF00"/>
                 </a:solidFill>
               </a:rPr>
-              <a:t>„Ein Commit beschreibt eine Menge von Änderungen an Ressourcen eines Repository.“</a:t>
-            </a:r>
-            <a:endParaRPr lang="de-DE" dirty="0">
+              <a:t>„A commit describes a set of changes on resources of a repository.“</a:t>
+            </a:r>
+            <a:endParaRPr lang="en-US" dirty="0">
               <a:solidFill>
                 <a:srgbClr val="FFFF00"/>
               </a:solidFill>
@@ -6789,6 +7101,111 @@
           <a:chExt cx="0" cy="0"/>
         </a:xfrm>
       </p:grpSpPr>
+      <p:cxnSp>
+        <p:nvCxnSpPr>
+          <p:cNvPr id="12" name="Gerade Verbindung 11"/>
+          <p:cNvCxnSpPr/>
+          <p:nvPr/>
+        </p:nvCxnSpPr>
+        <p:spPr>
+          <a:xfrm>
+            <a:off x="1051560" y="3257550"/>
+            <a:ext cx="0" cy="762000"/>
+          </a:xfrm>
+          <a:prstGeom prst="line">
+            <a:avLst/>
+          </a:prstGeom>
+          <a:ln w="12700">
+            <a:solidFill>
+              <a:srgbClr val="0277BD"/>
+            </a:solidFill>
+          </a:ln>
+        </p:spPr>
+        <p:style>
+          <a:lnRef idx="1">
+            <a:schemeClr val="accent1"/>
+          </a:lnRef>
+          <a:fillRef idx="0">
+            <a:schemeClr val="accent1"/>
+          </a:fillRef>
+          <a:effectRef idx="0">
+            <a:schemeClr val="accent1"/>
+          </a:effectRef>
+          <a:fontRef idx="minor">
+            <a:schemeClr val="tx1"/>
+          </a:fontRef>
+        </p:style>
+      </p:cxnSp>
+      <p:cxnSp>
+        <p:nvCxnSpPr>
+          <p:cNvPr id="9" name="Gerade Verbindung 8"/>
+          <p:cNvCxnSpPr/>
+          <p:nvPr/>
+        </p:nvCxnSpPr>
+        <p:spPr>
+          <a:xfrm>
+            <a:off x="603504" y="2876550"/>
+            <a:ext cx="463296" cy="381000"/>
+          </a:xfrm>
+          <a:prstGeom prst="line">
+            <a:avLst/>
+          </a:prstGeom>
+          <a:ln w="12700">
+            <a:solidFill>
+              <a:srgbClr val="0277BD"/>
+            </a:solidFill>
+          </a:ln>
+        </p:spPr>
+        <p:style>
+          <a:lnRef idx="1">
+            <a:schemeClr val="accent1"/>
+          </a:lnRef>
+          <a:fillRef idx="0">
+            <a:schemeClr val="accent1"/>
+          </a:fillRef>
+          <a:effectRef idx="0">
+            <a:schemeClr val="accent1"/>
+          </a:effectRef>
+          <a:fontRef idx="minor">
+            <a:schemeClr val="tx1"/>
+          </a:fontRef>
+        </p:style>
+      </p:cxnSp>
+      <p:cxnSp>
+        <p:nvCxnSpPr>
+          <p:cNvPr id="6" name="Gerade Verbindung 5"/>
+          <p:cNvCxnSpPr/>
+          <p:nvPr/>
+        </p:nvCxnSpPr>
+        <p:spPr>
+          <a:xfrm>
+            <a:off x="603504" y="1962150"/>
+            <a:ext cx="0" cy="914400"/>
+          </a:xfrm>
+          <a:prstGeom prst="line">
+            <a:avLst/>
+          </a:prstGeom>
+          <a:ln w="12700">
+            <a:solidFill>
+              <a:srgbClr val="0277BD"/>
+            </a:solidFill>
+          </a:ln>
+        </p:spPr>
+        <p:style>
+          <a:lnRef idx="1">
+            <a:schemeClr val="accent1"/>
+          </a:lnRef>
+          <a:fillRef idx="0">
+            <a:schemeClr val="accent1"/>
+          </a:fillRef>
+          <a:effectRef idx="0">
+            <a:schemeClr val="accent1"/>
+          </a:effectRef>
+          <a:fontRef idx="minor">
+            <a:schemeClr val="tx1"/>
+          </a:fontRef>
+        </p:style>
+      </p:cxnSp>
       <p:sp>
         <p:nvSpPr>
           <p:cNvPr id="2" name="Titel 1"/>
@@ -6852,7 +7269,9 @@
         </p:nvSpPr>
         <p:spPr/>
         <p:txBody>
-          <a:bodyPr/>
+          <a:bodyPr>
+            <a:normAutofit/>
+          </a:bodyPr>
           <a:lstStyle/>
           <a:p>
             <a:endParaRPr lang="en-US" dirty="0" smtClean="0"/>
@@ -6866,28 +7285,16 @@
               <a:buChar char="•"/>
             </a:pPr>
             <a:r>
-              <a:rPr lang="de-DE" sz="2400" dirty="0" smtClean="0"/>
-              <a:t>fasst Änderungen zu einem </a:t>
-            </a:r>
-            <a:r>
-              <a:rPr lang="de-DE" sz="2400" dirty="0" err="1" smtClean="0">
+              <a:rPr lang="en-US" sz="2400" dirty="0" smtClean="0"/>
+              <a:t>bundles changes to a </a:t>
+            </a:r>
+            <a:r>
+              <a:rPr lang="en-US" sz="2400" dirty="0" smtClean="0">
                 <a:solidFill>
                   <a:srgbClr val="81D4FA"/>
                 </a:solidFill>
               </a:rPr>
-              <a:t>commit</a:t>
-            </a:r>
-            <a:r>
-              <a:rPr lang="de-DE" sz="2400" dirty="0" smtClean="0">
-                <a:solidFill>
-                  <a:srgbClr val="81D4FA"/>
-                </a:solidFill>
-              </a:rPr>
-              <a:t> </a:t>
-            </a:r>
-            <a:r>
-              <a:rPr lang="de-DE" sz="2400" dirty="0" smtClean="0"/>
-              <a:t>zusammen</a:t>
+              <a:t>commit </a:t>
             </a:r>
           </a:p>
           <a:p>
@@ -6899,16 +7306,8 @@
               <a:buChar char="•"/>
             </a:pPr>
             <a:r>
-              <a:rPr lang="de-DE" sz="2400" dirty="0" smtClean="0"/>
-              <a:t>Änderungen werden </a:t>
-            </a:r>
-            <a:r>
-              <a:rPr lang="de-DE" sz="2400" dirty="0" smtClean="0"/>
-              <a:t>lokal ins </a:t>
-            </a:r>
-            <a:r>
-              <a:rPr lang="de-DE" sz="2400" dirty="0" smtClean="0"/>
-              <a:t>VCS eingepflegt</a:t>
+              <a:rPr lang="en-US" sz="2400" dirty="0" smtClean="0"/>
+              <a:t>changes are committed and saved locally</a:t>
             </a:r>
           </a:p>
           <a:p>
@@ -6920,36 +7319,12 @@
               <a:buChar char="•"/>
             </a:pPr>
             <a:r>
-              <a:rPr lang="de-DE" sz="2400" dirty="0" err="1" smtClean="0">
+              <a:rPr lang="en-US" sz="2400" dirty="0" smtClean="0">
                 <a:solidFill>
                   <a:srgbClr val="81D4FA"/>
                 </a:solidFill>
               </a:rPr>
-              <a:t>commit</a:t>
-            </a:r>
-            <a:r>
-              <a:rPr lang="de-DE" sz="2400" dirty="0" smtClean="0">
-                <a:solidFill>
-                  <a:srgbClr val="81D4FA"/>
-                </a:solidFill>
-              </a:rPr>
-              <a:t> </a:t>
-            </a:r>
-            <a:r>
-              <a:rPr lang="de-DE" sz="2400" dirty="0" err="1" smtClean="0">
-                <a:solidFill>
-                  <a:srgbClr val="81D4FA"/>
-                </a:solidFill>
-              </a:rPr>
-              <a:t>message</a:t>
-            </a:r>
-            <a:r>
-              <a:rPr lang="de-DE" sz="2400" dirty="0" smtClean="0">
-                <a:solidFill>
-                  <a:srgbClr val="81D4FA"/>
-                </a:solidFill>
-              </a:rPr>
-              <a:t> </a:t>
+              <a:t>commit message </a:t>
             </a:r>
           </a:p>
           <a:p>
@@ -6961,8 +7336,8 @@
               <a:buChar char="•"/>
             </a:pPr>
             <a:r>
-              <a:rPr lang="de-DE" sz="2000" dirty="0" smtClean="0"/>
-              <a:t>sollte sinnvoller Beschreibung der Änderungen entsprechen</a:t>
+              <a:rPr lang="af-ZA" sz="2000" dirty="0" smtClean="0"/>
+              <a:t>should be a senseful description of the changes made by the dev</a:t>
             </a:r>
           </a:p>
           <a:p>
@@ -6974,21 +7349,18 @@
               <a:buChar char="•"/>
             </a:pPr>
             <a:r>
-              <a:rPr lang="de-DE" sz="2000" dirty="0" smtClean="0"/>
-              <a:t>ist für </a:t>
-            </a:r>
-            <a:r>
-              <a:rPr lang="de-DE" sz="2000" dirty="0" smtClean="0">
+              <a:rPr lang="af-ZA" sz="2000" dirty="0" smtClean="0"/>
+              <a:t>is  visbible for </a:t>
+            </a:r>
+            <a:r>
+              <a:rPr lang="af-ZA" sz="2000" dirty="0" smtClean="0">
                 <a:solidFill>
                   <a:srgbClr val="81D4FA"/>
                 </a:solidFill>
               </a:rPr>
-              <a:t>andere Developer</a:t>
-            </a:r>
-            <a:r>
-              <a:rPr lang="de-DE" sz="2000" dirty="0" smtClean="0"/>
-              <a:t> im Team sichtbar</a:t>
-            </a:r>
+              <a:t>other developers</a:t>
+            </a:r>
+            <a:endParaRPr lang="af-ZA" sz="2000" dirty="0" smtClean="0"/>
           </a:p>
           <a:p>
             <a:pPr marL="800100" lvl="1" indent="-342900">
@@ -6999,105 +7371,29 @@
               <a:buChar char="•"/>
             </a:pPr>
             <a:r>
-              <a:rPr lang="de-DE" sz="2000" dirty="0" smtClean="0"/>
-              <a:t>“</a:t>
-            </a:r>
-            <a:r>
-              <a:rPr lang="de-DE" sz="2000" dirty="0" err="1" smtClean="0"/>
-              <a:t>changed</a:t>
-            </a:r>
-            <a:r>
-              <a:rPr lang="de-DE" sz="2000" dirty="0" smtClean="0"/>
-              <a:t> </a:t>
-            </a:r>
-            <a:r>
-              <a:rPr lang="de-DE" sz="2000" dirty="0" err="1" smtClean="0"/>
-              <a:t>stuff</a:t>
-            </a:r>
-            <a:r>
-              <a:rPr lang="de-DE" sz="2000" dirty="0" smtClean="0"/>
-              <a:t>”, “</a:t>
-            </a:r>
-            <a:r>
-              <a:rPr lang="de-DE" sz="2000" dirty="0" err="1" smtClean="0"/>
-              <a:t>bug</a:t>
-            </a:r>
-            <a:r>
-              <a:rPr lang="de-DE" sz="2000" dirty="0" smtClean="0"/>
-              <a:t> fix“, “</a:t>
-            </a:r>
-            <a:r>
-              <a:rPr lang="de-DE" sz="2000" dirty="0" err="1" smtClean="0"/>
-              <a:t>more</a:t>
-            </a:r>
-            <a:r>
-              <a:rPr lang="de-DE" sz="2000" dirty="0" smtClean="0"/>
-              <a:t> </a:t>
-            </a:r>
-            <a:r>
-              <a:rPr lang="de-DE" sz="2000" dirty="0" err="1" smtClean="0"/>
-              <a:t>work</a:t>
-            </a:r>
-            <a:r>
-              <a:rPr lang="de-DE" sz="2000" dirty="0" smtClean="0"/>
-              <a:t>“, “minor </a:t>
-            </a:r>
-            <a:r>
-              <a:rPr lang="de-DE" sz="2000" dirty="0" err="1" smtClean="0"/>
-              <a:t>changes</a:t>
-            </a:r>
-            <a:r>
-              <a:rPr lang="de-DE" sz="2000" dirty="0" smtClean="0"/>
-              <a:t>“ oder</a:t>
+              <a:rPr lang="af-ZA" sz="2000" dirty="0" smtClean="0"/>
+              <a:t>“changed stuff”, “bug fix“, “more work“, “minor changes“ or</a:t>
             </a:r>
             <a:br>
-              <a:rPr lang="de-DE" sz="2000" dirty="0" smtClean="0"/>
+              <a:rPr lang="af-ZA" sz="2000" dirty="0" smtClean="0"/>
             </a:br>
             <a:r>
-              <a:rPr lang="de-DE" sz="2000" dirty="0" smtClean="0"/>
-              <a:t>“</a:t>
-            </a:r>
-            <a:r>
-              <a:rPr lang="de-DE" sz="2000" dirty="0" err="1" smtClean="0"/>
-              <a:t>pls</a:t>
-            </a:r>
-            <a:r>
-              <a:rPr lang="de-DE" sz="2000" dirty="0" smtClean="0"/>
-              <a:t> kill </a:t>
-            </a:r>
-            <a:r>
-              <a:rPr lang="de-DE" sz="2000" dirty="0" err="1" smtClean="0"/>
-              <a:t>me</a:t>
-            </a:r>
-            <a:r>
-              <a:rPr lang="de-DE" sz="2000" dirty="0" smtClean="0"/>
-              <a:t>“ sind </a:t>
-            </a:r>
-            <a:r>
-              <a:rPr lang="de-DE" sz="2000" u="sng" dirty="0" smtClean="0">
+              <a:rPr lang="af-ZA" sz="2000" dirty="0" smtClean="0"/>
+              <a:t>“pls kill me“ are </a:t>
+            </a:r>
+            <a:r>
+              <a:rPr lang="af-ZA" sz="2000" u="sng" dirty="0" smtClean="0">
                 <a:solidFill>
                   <a:srgbClr val="FFC000"/>
                 </a:solidFill>
               </a:rPr>
-              <a:t>keine</a:t>
-            </a:r>
-            <a:r>
-              <a:rPr lang="de-DE" sz="2000" dirty="0" smtClean="0"/>
-              <a:t> </a:t>
-            </a:r>
-            <a:r>
-              <a:rPr lang="de-DE" sz="2000" dirty="0" smtClean="0"/>
-              <a:t>guten </a:t>
-            </a:r>
-            <a:r>
-              <a:rPr lang="de-DE" sz="2000" dirty="0" err="1" smtClean="0"/>
-              <a:t>messages</a:t>
-            </a:r>
-            <a:r>
-              <a:rPr lang="de-DE" sz="2000" dirty="0" smtClean="0"/>
-              <a:t>…</a:t>
-            </a:r>
-            <a:endParaRPr lang="de-DE" sz="2000" dirty="0"/>
+              <a:t>no good</a:t>
+            </a:r>
+            <a:r>
+              <a:rPr lang="af-ZA" sz="2000" dirty="0" smtClean="0"/>
+              <a:t> messages…</a:t>
+            </a:r>
+            <a:endParaRPr lang="af-ZA" sz="2000" dirty="0"/>
           </a:p>
         </p:txBody>
       </p:sp>
@@ -7124,7 +7420,7 @@
         </p:blipFill>
         <p:spPr bwMode="auto">
           <a:xfrm>
-            <a:off x="457200" y="1200150"/>
+            <a:off x="838200" y="1200150"/>
             <a:ext cx="3962400" cy="481013"/>
           </a:xfrm>
           <a:prstGeom prst="rect">
@@ -7306,6 +7602,41 @@
           <a:chExt cx="0" cy="0"/>
         </a:xfrm>
       </p:grpSpPr>
+      <p:cxnSp>
+        <p:nvCxnSpPr>
+          <p:cNvPr id="5" name="Gerade Verbindung 4"/>
+          <p:cNvCxnSpPr/>
+          <p:nvPr/>
+        </p:nvCxnSpPr>
+        <p:spPr>
+          <a:xfrm>
+            <a:off x="603504" y="1463040"/>
+            <a:ext cx="0" cy="1718310"/>
+          </a:xfrm>
+          <a:prstGeom prst="line">
+            <a:avLst/>
+          </a:prstGeom>
+          <a:ln w="12700">
+            <a:solidFill>
+              <a:srgbClr val="0277BD"/>
+            </a:solidFill>
+          </a:ln>
+        </p:spPr>
+        <p:style>
+          <a:lnRef idx="1">
+            <a:schemeClr val="accent1"/>
+          </a:lnRef>
+          <a:fillRef idx="0">
+            <a:schemeClr val="accent1"/>
+          </a:fillRef>
+          <a:effectRef idx="0">
+            <a:schemeClr val="accent1"/>
+          </a:effectRef>
+          <a:fontRef idx="minor">
+            <a:schemeClr val="tx1"/>
+          </a:fontRef>
+        </p:style>
+      </p:cxnSp>
       <p:sp>
         <p:nvSpPr>
           <p:cNvPr id="2" name="Titel 1"/>
@@ -7323,10 +7654,10 @@
           <a:p>
             <a:pPr algn="l"/>
             <a:r>
-              <a:rPr lang="de-DE" dirty="0" smtClean="0"/>
-              <a:t>Worüber Wir sprechen</a:t>
-            </a:r>
-            <a:endParaRPr lang="de-DE" dirty="0"/>
+              <a:rPr lang="en-US" sz="4000" dirty="0" smtClean="0"/>
+              <a:t>What we’ll talk about</a:t>
+            </a:r>
+            <a:endParaRPr lang="en-US" sz="4000" dirty="0"/>
           </a:p>
         </p:txBody>
       </p:sp>
@@ -7355,24 +7686,16 @@
               <a:buChar char="•"/>
             </a:pPr>
             <a:r>
-              <a:rPr lang="de-DE" sz="2400" dirty="0" err="1" smtClean="0">
+              <a:rPr lang="en-US" sz="2400" dirty="0" smtClean="0">
                 <a:solidFill>
                   <a:srgbClr val="81D4FA"/>
                 </a:solidFill>
               </a:rPr>
-              <a:t>Kollaborative</a:t>
-            </a:r>
-            <a:r>
-              <a:rPr lang="de-DE" sz="2400" dirty="0" smtClean="0">
-                <a:solidFill>
-                  <a:srgbClr val="81D4FA"/>
-                </a:solidFill>
-              </a:rPr>
-              <a:t> </a:t>
-            </a:r>
-            <a:r>
-              <a:rPr lang="de-DE" sz="2400" dirty="0" smtClean="0"/>
-              <a:t>Softwareentwicklung</a:t>
+              <a:t>collaborative </a:t>
+            </a:r>
+            <a:r>
+              <a:rPr lang="en-US" sz="2400" dirty="0" smtClean="0"/>
+              <a:t>software development</a:t>
             </a:r>
           </a:p>
           <a:p>
@@ -7384,8 +7707,8 @@
               <a:buChar char="•"/>
             </a:pPr>
             <a:r>
-              <a:rPr lang="de-DE" sz="2400" dirty="0" smtClean="0"/>
-              <a:t>Probleme</a:t>
+              <a:rPr lang="en-US" sz="2400" dirty="0" smtClean="0"/>
+              <a:t>struggles and problems</a:t>
             </a:r>
           </a:p>
           <a:p>
@@ -7397,16 +7720,20 @@
               <a:buChar char="•"/>
             </a:pPr>
             <a:r>
-              <a:rPr lang="de-DE" sz="2400" dirty="0" err="1"/>
-              <a:t>g</a:t>
-            </a:r>
-            <a:r>
-              <a:rPr lang="de-DE" sz="2400" dirty="0" err="1" smtClean="0"/>
-              <a:t>it</a:t>
-            </a:r>
-            <a:r>
-              <a:rPr lang="de-DE" sz="2400" dirty="0" smtClean="0"/>
-              <a:t> – Was und wieso?</a:t>
+              <a:rPr lang="en-US" sz="2400" dirty="0" err="1" smtClean="0"/>
+              <a:t>git</a:t>
+            </a:r>
+            <a:r>
+              <a:rPr lang="en-US" sz="2400" dirty="0" smtClean="0"/>
+              <a:t> – how does </a:t>
+            </a:r>
+            <a:r>
+              <a:rPr lang="en-US" sz="2400" dirty="0" err="1" smtClean="0"/>
+              <a:t>git</a:t>
+            </a:r>
+            <a:r>
+              <a:rPr lang="en-US" sz="2400" dirty="0" smtClean="0"/>
+              <a:t> work?</a:t>
             </a:r>
           </a:p>
           <a:p>
@@ -7419,25 +7746,49 @@
             </a:pPr>
             <a:r>
               <a:rPr lang="en-US" sz="2400" dirty="0" smtClean="0"/>
-              <a:t>Basic Workflow (to </a:t>
-            </a:r>
-            <a:r>
-              <a:rPr lang="en-US" sz="2400" dirty="0" err="1" smtClean="0"/>
+              <a:t>b</a:t>
+            </a:r>
+            <a:r>
+              <a:rPr lang="en-US" sz="2400" dirty="0" smtClean="0"/>
+              <a:t>asic </a:t>
+            </a:r>
+            <a:r>
+              <a:rPr lang="en-US" sz="2400" dirty="0" smtClean="0"/>
+              <a:t>w</a:t>
+            </a:r>
+            <a:r>
+              <a:rPr lang="en-US" sz="2400" dirty="0" smtClean="0"/>
+              <a:t>orkflow (to </a:t>
+            </a:r>
+            <a:r>
+              <a:rPr lang="en-US" sz="2400" i="1" dirty="0" err="1" smtClean="0"/>
               <a:t>git</a:t>
             </a:r>
             <a:r>
-              <a:rPr lang="en-US" sz="2400" dirty="0" smtClean="0"/>
+              <a:rPr lang="en-US" sz="2400" i="1" dirty="0" smtClean="0"/>
               <a:t> </a:t>
             </a:r>
             <a:r>
-              <a:rPr lang="en-US" sz="2400" dirty="0" err="1" smtClean="0"/>
+              <a:rPr lang="en-US" sz="2400" i="1" dirty="0" err="1" smtClean="0"/>
               <a:t>gud</a:t>
             </a:r>
             <a:r>
-              <a:rPr lang="en-US" sz="2400" dirty="0" smtClean="0"/>
+              <a:rPr lang="en-US" sz="2400" i="1" dirty="0"/>
+              <a:t> </a:t>
+            </a:r>
+            <a:r>
+              <a:rPr lang="de-DE" sz="1800" dirty="0"/>
+              <a:t>( ͡° ͜ʖ ͡° </a:t>
+            </a:r>
+            <a:r>
+              <a:rPr lang="de-DE" sz="1800" dirty="0" smtClean="0"/>
               <a:t>)</a:t>
             </a:r>
-            <a:endParaRPr lang="de-DE" sz="2400" dirty="0" smtClean="0"/>
+            <a:r>
+              <a:rPr lang="de-DE" sz="2400" dirty="0" smtClean="0"/>
+              <a:t>)</a:t>
+            </a:r>
+            <a:endParaRPr lang="en-US" sz="2400" dirty="0" smtClean="0"/>
           </a:p>
           <a:p>
             <a:pPr marL="457200" indent="-457200">
@@ -7448,21 +7799,18 @@
               <a:buChar char="•"/>
             </a:pPr>
             <a:r>
-              <a:rPr lang="de-DE" sz="2400" dirty="0" smtClean="0"/>
-              <a:t>Hinweise zu </a:t>
-            </a:r>
-            <a:r>
-              <a:rPr lang="de-DE" sz="2400" dirty="0" err="1"/>
-              <a:t>g</a:t>
-            </a:r>
-            <a:r>
-              <a:rPr lang="de-DE" sz="2400" dirty="0" err="1" smtClean="0"/>
-              <a:t>it</a:t>
-            </a:r>
-            <a:r>
-              <a:rPr lang="de-DE" sz="2400" dirty="0" smtClean="0"/>
-              <a:t> im Praktikum</a:t>
-            </a:r>
+              <a:rPr lang="en-US" sz="2400" dirty="0" smtClean="0"/>
+              <a:t>hints regarding </a:t>
+            </a:r>
+            <a:r>
+              <a:rPr lang="en-US" sz="2400" dirty="0" err="1" smtClean="0"/>
+              <a:t>Robolab</a:t>
+            </a:r>
+            <a:r>
+              <a:rPr lang="en-US" sz="2400" dirty="0" smtClean="0"/>
+              <a:t> 2018</a:t>
+            </a:r>
+            <a:endParaRPr lang="en-US" sz="2400" dirty="0" smtClean="0"/>
           </a:p>
         </p:txBody>
       </p:sp>
@@ -7526,6 +7874,41 @@
           <a:chExt cx="0" cy="0"/>
         </a:xfrm>
       </p:grpSpPr>
+      <p:cxnSp>
+        <p:nvCxnSpPr>
+          <p:cNvPr id="5" name="Gerade Verbindung 4"/>
+          <p:cNvCxnSpPr/>
+          <p:nvPr/>
+        </p:nvCxnSpPr>
+        <p:spPr>
+          <a:xfrm>
+            <a:off x="603504" y="1463040"/>
+            <a:ext cx="0" cy="1565910"/>
+          </a:xfrm>
+          <a:prstGeom prst="line">
+            <a:avLst/>
+          </a:prstGeom>
+          <a:ln w="12700">
+            <a:solidFill>
+              <a:srgbClr val="0277BD"/>
+            </a:solidFill>
+          </a:ln>
+        </p:spPr>
+        <p:style>
+          <a:lnRef idx="1">
+            <a:schemeClr val="accent1"/>
+          </a:lnRef>
+          <a:fillRef idx="0">
+            <a:schemeClr val="accent1"/>
+          </a:fillRef>
+          <a:effectRef idx="0">
+            <a:schemeClr val="accent1"/>
+          </a:effectRef>
+          <a:fontRef idx="minor">
+            <a:schemeClr val="tx1"/>
+          </a:fontRef>
+        </p:style>
+      </p:cxnSp>
       <p:sp>
         <p:nvSpPr>
           <p:cNvPr id="2" name="Titel 1"/>
@@ -7579,32 +7962,28 @@
               <a:buChar char="•"/>
             </a:pPr>
             <a:r>
-              <a:rPr lang="de-DE" sz="2400" dirty="0"/>
-              <a:t>J</a:t>
-            </a:r>
-            <a:r>
-              <a:rPr lang="de-DE" sz="2400" dirty="0" smtClean="0"/>
-              <a:t>eder </a:t>
-            </a:r>
-            <a:r>
-              <a:rPr lang="de-DE" sz="2400" dirty="0" err="1" smtClean="0"/>
-              <a:t>commit</a:t>
-            </a:r>
-            <a:r>
-              <a:rPr lang="de-DE" sz="2400" dirty="0" smtClean="0"/>
-              <a:t> wird durch einen </a:t>
-            </a:r>
-            <a:r>
-              <a:rPr lang="de-DE" sz="2400" dirty="0" smtClean="0">
+              <a:rPr lang="en-US" sz="2400" dirty="0" smtClean="0"/>
+              <a:t>every commit can be identified by a </a:t>
+            </a:r>
+            <a:r>
+              <a:rPr lang="en-US" sz="2400" dirty="0" smtClean="0">
                 <a:solidFill>
                   <a:srgbClr val="81D4FA"/>
                 </a:solidFill>
               </a:rPr>
-              <a:t>Hashwert</a:t>
-            </a:r>
-            <a:r>
-              <a:rPr lang="de-DE" sz="2400" dirty="0" smtClean="0"/>
-              <a:t> identifiziert</a:t>
+              <a:t>h</a:t>
+            </a:r>
+            <a:r>
+              <a:rPr lang="en-US" sz="2400" dirty="0" smtClean="0">
+                <a:solidFill>
+                  <a:srgbClr val="81D4FA"/>
+                </a:solidFill>
+              </a:rPr>
+              <a:t>ash value </a:t>
+            </a:r>
+            <a:r>
+              <a:rPr lang="en-US" sz="2400" dirty="0" smtClean="0"/>
+              <a:t>associated to it</a:t>
             </a:r>
           </a:p>
           <a:p>
@@ -7616,32 +7995,20 @@
               <a:buChar char="•"/>
             </a:pPr>
             <a:r>
-              <a:rPr lang="de-DE" sz="2400" dirty="0" err="1" smtClean="0"/>
-              <a:t>Repositories</a:t>
-            </a:r>
-            <a:r>
-              <a:rPr lang="de-DE" sz="2400" dirty="0" smtClean="0"/>
-              <a:t> können mit Hilfe der </a:t>
-            </a:r>
-            <a:r>
-              <a:rPr lang="de-DE" sz="2400" dirty="0" err="1" smtClean="0"/>
-              <a:t>Hashes</a:t>
-            </a:r>
-            <a:r>
-              <a:rPr lang="de-DE" sz="2400" dirty="0" smtClean="0"/>
-              <a:t> auf frühere Zustände </a:t>
-            </a:r>
-            <a:r>
-              <a:rPr lang="de-DE" sz="2400" dirty="0" smtClean="0">
+              <a:rPr lang="en-US" sz="2400" dirty="0" smtClean="0"/>
+              <a:t>repositories can </a:t>
+            </a:r>
+            <a:r>
+              <a:rPr lang="en-US" sz="2400" dirty="0" smtClean="0">
                 <a:solidFill>
                   <a:srgbClr val="81D4FA"/>
                 </a:solidFill>
               </a:rPr>
-              <a:t>zurückgesetzt</a:t>
-            </a:r>
-            <a:r>
-              <a:rPr lang="de-DE" sz="2400" dirty="0" smtClean="0"/>
-              <a:t> werden</a:t>
+              <a:t>be reset to a previous state </a:t>
+            </a:r>
+            <a:r>
+              <a:rPr lang="en-US" sz="2400" dirty="0" smtClean="0"/>
+              <a:t>with the hash values</a:t>
             </a:r>
           </a:p>
           <a:p>
@@ -7653,43 +8020,30 @@
               <a:buChar char="•"/>
             </a:pPr>
             <a:r>
-              <a:rPr lang="de-DE" sz="2400" dirty="0" err="1" smtClean="0"/>
-              <a:t>Commits</a:t>
-            </a:r>
-            <a:r>
-              <a:rPr lang="de-DE" sz="2400" dirty="0" smtClean="0"/>
-              <a:t> geschehen zunächst </a:t>
-            </a:r>
-            <a:r>
-              <a:rPr lang="de-DE" sz="2400" dirty="0" smtClean="0">
+              <a:rPr lang="en-US" sz="2400" dirty="0" smtClean="0"/>
+              <a:t>c</a:t>
+            </a:r>
+            <a:r>
+              <a:rPr lang="en-US" sz="2400" dirty="0" smtClean="0"/>
+              <a:t>ommits are </a:t>
+            </a:r>
+            <a:r>
+              <a:rPr lang="en-US" sz="2400" dirty="0" smtClean="0">
                 <a:solidFill>
                   <a:srgbClr val="81D4FA"/>
                 </a:solidFill>
               </a:rPr>
-              <a:t>lokal</a:t>
-            </a:r>
-            <a:r>
-              <a:rPr lang="de-DE" sz="2400" dirty="0" smtClean="0"/>
-              <a:t>, beeinflussen also nur das </a:t>
-            </a:r>
-            <a:r>
-              <a:rPr lang="de-DE" sz="2400" dirty="0" smtClean="0">
-                <a:solidFill>
-                  <a:srgbClr val="81D4FA"/>
-                </a:solidFill>
-              </a:rPr>
-              <a:t>eigene Arbeitsverzeichnis</a:t>
-            </a:r>
-          </a:p>
-          <a:p>
-            <a:pPr marL="457200" indent="-457200">
-              <a:buClr>
-                <a:srgbClr val="FFFF00"/>
-              </a:buClr>
-              <a:buFont typeface="Arial" panose="020B0604020202020204" pitchFamily="34" charset="0"/>
-              <a:buChar char="•"/>
-            </a:pPr>
-            <a:endParaRPr lang="de-DE" sz="2400" dirty="0"/>
+              <a:t>purely local </a:t>
+            </a:r>
+            <a:r>
+              <a:rPr lang="en-US" sz="2400" dirty="0" smtClean="0"/>
+              <a:t>and </a:t>
+            </a:r>
+            <a:r>
+              <a:rPr lang="en-US" sz="2400" dirty="0" smtClean="0"/>
+              <a:t>only influence your own working directory</a:t>
+            </a:r>
+            <a:endParaRPr lang="en-US" sz="2400" dirty="0"/>
           </a:p>
         </p:txBody>
       </p:sp>
@@ -7795,98 +8149,34 @@
           <a:lstStyle/>
           <a:p>
             <a:r>
-              <a:rPr lang="de-DE" sz="2400" dirty="0">
+              <a:rPr lang="en-US" sz="2400" dirty="0" smtClean="0">
                 <a:solidFill>
                   <a:srgbClr val="FFFF00"/>
                 </a:solidFill>
               </a:rPr>
-              <a:t>Wie </a:t>
-            </a:r>
-            <a:r>
-              <a:rPr lang="de-DE" sz="2400" dirty="0" smtClean="0">
+              <a:t>How is this process collaborative?</a:t>
+            </a:r>
+          </a:p>
+          <a:p>
+            <a:r>
+              <a:rPr lang="en-US" sz="2400" dirty="0" smtClean="0">
                 <a:solidFill>
                   <a:srgbClr val="FFFF00"/>
                 </a:solidFill>
               </a:rPr>
-              <a:t>wird das </a:t>
-            </a:r>
-            <a:r>
-              <a:rPr lang="de-DE" sz="2400" dirty="0" smtClean="0">
+              <a:t>How do you publish your changes? </a:t>
+            </a:r>
+          </a:p>
+          <a:p>
+            <a:r>
+              <a:rPr lang="en-US" sz="2400" dirty="0" smtClean="0">
                 <a:solidFill>
                   <a:srgbClr val="FFFF00"/>
                 </a:solidFill>
               </a:rPr>
-              <a:t>Ganze </a:t>
-            </a:r>
-            <a:r>
-              <a:rPr lang="de-DE" sz="2400" dirty="0" err="1" smtClean="0">
-                <a:solidFill>
-                  <a:srgbClr val="FFFF00"/>
-                </a:solidFill>
-              </a:rPr>
-              <a:t>kollaborativ</a:t>
-            </a:r>
-            <a:r>
-              <a:rPr lang="de-DE" sz="2400" dirty="0" smtClean="0">
-                <a:solidFill>
-                  <a:srgbClr val="FFFF00"/>
-                </a:solidFill>
-              </a:rPr>
-              <a:t>?</a:t>
-            </a:r>
-          </a:p>
-          <a:p>
-            <a:r>
-              <a:rPr lang="de-DE" sz="2400" dirty="0" smtClean="0">
-                <a:solidFill>
-                  <a:srgbClr val="FFFF00"/>
-                </a:solidFill>
-              </a:rPr>
-              <a:t>Wie publiziert man </a:t>
-            </a:r>
-            <a:r>
-              <a:rPr lang="de-DE" sz="2400" dirty="0" smtClean="0">
-                <a:solidFill>
-                  <a:srgbClr val="FFFF00"/>
-                </a:solidFill>
-              </a:rPr>
-              <a:t>seine </a:t>
-            </a:r>
-            <a:r>
-              <a:rPr lang="de-DE" sz="2400" dirty="0">
-                <a:solidFill>
-                  <a:srgbClr val="FFFF00"/>
-                </a:solidFill>
-              </a:rPr>
-              <a:t>Änderungen</a:t>
-            </a:r>
-            <a:r>
-              <a:rPr lang="en-US" sz="2400" dirty="0" smtClean="0">
-                <a:solidFill>
-                  <a:srgbClr val="FFFF00"/>
-                </a:solidFill>
-              </a:rPr>
-              <a:t>?</a:t>
-            </a:r>
-            <a:r>
-              <a:rPr lang="de-DE" sz="2400" dirty="0" smtClean="0">
-                <a:solidFill>
-                  <a:srgbClr val="FFFF00"/>
-                </a:solidFill>
-              </a:rPr>
-              <a:t> </a:t>
-            </a:r>
-          </a:p>
-          <a:p>
-            <a:r>
-              <a:rPr lang="de-DE" sz="2400" dirty="0" smtClean="0">
-                <a:solidFill>
-                  <a:srgbClr val="FFFF00"/>
-                </a:solidFill>
-              </a:rPr>
-              <a:t>Und vor allem: wohin?</a:t>
-            </a:r>
-            <a:endParaRPr lang="de-DE" sz="2400" dirty="0" smtClean="0"/>
+              <a:t>And most important: where do you publish your changes?</a:t>
+            </a:r>
+            <a:endParaRPr lang="en-US" sz="2400" dirty="0" smtClean="0"/>
           </a:p>
         </p:txBody>
       </p:sp>
@@ -7991,6 +8281,41 @@
           <a:chExt cx="0" cy="0"/>
         </a:xfrm>
       </p:grpSpPr>
+      <p:cxnSp>
+        <p:nvCxnSpPr>
+          <p:cNvPr id="8" name="Gerade Verbindung 7"/>
+          <p:cNvCxnSpPr/>
+          <p:nvPr/>
+        </p:nvCxnSpPr>
+        <p:spPr>
+          <a:xfrm>
+            <a:off x="603504" y="1962150"/>
+            <a:ext cx="0" cy="2209800"/>
+          </a:xfrm>
+          <a:prstGeom prst="line">
+            <a:avLst/>
+          </a:prstGeom>
+          <a:ln w="12700">
+            <a:solidFill>
+              <a:srgbClr val="0277BD"/>
+            </a:solidFill>
+          </a:ln>
+        </p:spPr>
+        <p:style>
+          <a:lnRef idx="1">
+            <a:schemeClr val="accent1"/>
+          </a:lnRef>
+          <a:fillRef idx="0">
+            <a:schemeClr val="accent1"/>
+          </a:fillRef>
+          <a:effectRef idx="0">
+            <a:schemeClr val="accent1"/>
+          </a:effectRef>
+          <a:fontRef idx="minor">
+            <a:schemeClr val="tx1"/>
+          </a:fontRef>
+        </p:style>
+      </p:cxnSp>
       <p:sp>
         <p:nvSpPr>
           <p:cNvPr id="2" name="Titel 1"/>
@@ -8063,7 +8388,9 @@
           </a:xfrm>
         </p:spPr>
         <p:txBody>
-          <a:bodyPr/>
+          <a:bodyPr>
+            <a:normAutofit/>
+          </a:bodyPr>
           <a:lstStyle/>
           <a:p>
             <a:endParaRPr lang="en-US" dirty="0" smtClean="0"/>
@@ -8077,30 +8404,9 @@
               <a:buChar char="•"/>
             </a:pPr>
             <a:r>
-              <a:rPr lang="de-DE" sz="2400" dirty="0" smtClean="0"/>
-              <a:t>verknüpft </a:t>
-            </a:r>
-            <a:r>
-              <a:rPr lang="de-DE" sz="2400" dirty="0" err="1" smtClean="0"/>
-              <a:t>local</a:t>
-            </a:r>
-            <a:r>
-              <a:rPr lang="de-DE" sz="2400" dirty="0" smtClean="0"/>
-              <a:t> </a:t>
-            </a:r>
-            <a:r>
-              <a:rPr lang="de-DE" sz="2400" dirty="0" err="1" smtClean="0"/>
-              <a:t>repository</a:t>
-            </a:r>
-            <a:r>
-              <a:rPr lang="de-DE" sz="2400" dirty="0" smtClean="0"/>
-              <a:t> mit einem remote </a:t>
-            </a:r>
-            <a:r>
-              <a:rPr lang="de-DE" sz="2400" dirty="0" err="1" smtClean="0"/>
-              <a:t>repository</a:t>
-            </a:r>
-            <a:endParaRPr lang="de-DE" sz="2400" dirty="0" smtClean="0"/>
+              <a:rPr lang="en-US" sz="2400" dirty="0" smtClean="0"/>
+              <a:t>connects local repository with a remote repository</a:t>
+            </a:r>
           </a:p>
           <a:p>
             <a:pPr marL="342900" indent="-342900">
@@ -8111,7 +8417,7 @@
               <a:buChar char="•"/>
             </a:pPr>
             <a:r>
-              <a:rPr lang="de-DE" sz="2400" dirty="0" smtClean="0">
+              <a:rPr lang="en-US" sz="2400" dirty="0" smtClean="0">
                 <a:solidFill>
                   <a:srgbClr val="81D4FA"/>
                 </a:solidFill>
@@ -8119,16 +8425,16 @@
               <a:t>&lt;alias&gt;</a:t>
             </a:r>
             <a:r>
-              <a:rPr lang="de-DE" sz="2400" dirty="0" smtClean="0"/>
-              <a:t>: Alias, unter dem der remote </a:t>
-            </a:r>
-            <a:r>
-              <a:rPr lang="de-DE" sz="2400" dirty="0" smtClean="0">
+              <a:rPr lang="en-US" sz="2400" dirty="0" smtClean="0"/>
+              <a:t>: alias, under which the remote is known </a:t>
+            </a:r>
+            <a:r>
+              <a:rPr lang="en-US" sz="2400" dirty="0" smtClean="0">
                 <a:solidFill>
                   <a:srgbClr val="81D4FA"/>
                 </a:solidFill>
               </a:rPr>
-              <a:t>lokal bekannt ist</a:t>
+              <a:t>locally</a:t>
             </a:r>
           </a:p>
           <a:p>
@@ -8140,7 +8446,7 @@
               <a:buChar char="•"/>
             </a:pPr>
             <a:r>
-              <a:rPr lang="de-DE" sz="2400" dirty="0" smtClean="0">
+              <a:rPr lang="en-US" sz="2400" dirty="0" smtClean="0">
                 <a:solidFill>
                   <a:srgbClr val="81D4FA"/>
                 </a:solidFill>
@@ -8148,7 +8454,7 @@
               <a:t>&lt;</a:t>
             </a:r>
             <a:r>
-              <a:rPr lang="de-DE" sz="2400" dirty="0" err="1" smtClean="0">
+              <a:rPr lang="en-US" sz="2400" dirty="0" err="1" smtClean="0">
                 <a:solidFill>
                   <a:srgbClr val="81D4FA"/>
                 </a:solidFill>
@@ -8156,7 +8462,7 @@
               <a:t>url</a:t>
             </a:r>
             <a:r>
-              <a:rPr lang="de-DE" sz="2400" dirty="0" smtClean="0">
+              <a:rPr lang="en-US" sz="2400" dirty="0" smtClean="0">
                 <a:solidFill>
                   <a:srgbClr val="81D4FA"/>
                 </a:solidFill>
@@ -8164,14 +8470,9 @@
               <a:t>&gt;</a:t>
             </a:r>
             <a:r>
-              <a:rPr lang="de-DE" sz="2400" dirty="0" smtClean="0"/>
-              <a:t>: URL des remote </a:t>
-            </a:r>
-            <a:r>
-              <a:rPr lang="de-DE" sz="2400" dirty="0" err="1" smtClean="0"/>
-              <a:t>repository</a:t>
-            </a:r>
-            <a:endParaRPr lang="de-DE" sz="2400" dirty="0" smtClean="0"/>
+              <a:rPr lang="en-US" sz="2400" dirty="0" smtClean="0"/>
+              <a:t>: location of the remote repository</a:t>
+            </a:r>
           </a:p>
           <a:p>
             <a:pPr marL="342900" indent="-342900">
@@ -8202,18 +8503,10 @@
               <a:buChar char="•"/>
             </a:pPr>
             <a:r>
-              <a:rPr lang="de-DE" sz="2400" dirty="0" smtClean="0"/>
-              <a:t>zeigt alle verfügbaren remote </a:t>
-            </a:r>
-            <a:r>
-              <a:rPr lang="de-DE" sz="2400" dirty="0" err="1" smtClean="0"/>
-              <a:t>repositories</a:t>
-            </a:r>
-            <a:r>
-              <a:rPr lang="de-DE" sz="2400" dirty="0" smtClean="0"/>
-              <a:t> an</a:t>
-            </a:r>
-            <a:endParaRPr lang="de-DE" sz="2400" dirty="0"/>
+              <a:rPr lang="en-US" sz="2400" dirty="0" smtClean="0"/>
+              <a:t>lists all available remote repositories </a:t>
+            </a:r>
+            <a:endParaRPr lang="en-US" sz="2400" dirty="0"/>
           </a:p>
         </p:txBody>
       </p:sp>
@@ -8240,7 +8533,7 @@
         </p:blipFill>
         <p:spPr bwMode="auto">
           <a:xfrm>
-            <a:off x="457200" y="1194141"/>
+            <a:off x="914659" y="1194141"/>
             <a:ext cx="3657341" cy="487021"/>
           </a:xfrm>
           <a:prstGeom prst="rect">
@@ -8294,7 +8587,7 @@
         </p:blipFill>
         <p:spPr bwMode="auto">
           <a:xfrm>
-            <a:off x="457200" y="3486150"/>
+            <a:off x="914659" y="3486150"/>
             <a:ext cx="1857374" cy="485775"/>
           </a:xfrm>
           <a:prstGeom prst="rect">
@@ -8487,7 +8780,7 @@
         <p:spPr>
           <a:xfrm>
             <a:off x="914400" y="3719214"/>
-            <a:ext cx="2036344" cy="646331"/>
+            <a:ext cx="2036344" cy="923330"/>
           </a:xfrm>
           <a:prstGeom prst="rect">
             <a:avLst/>
@@ -8502,7 +8795,7 @@
           <a:p>
             <a:pPr algn="ctr"/>
             <a:r>
-              <a:rPr lang="de-DE" dirty="0" smtClean="0">
+              <a:rPr lang="en-US" dirty="0" smtClean="0">
                 <a:solidFill>
                   <a:schemeClr val="bg1"/>
                 </a:solidFill>
@@ -8511,7 +8804,7 @@
               <a:t>alias </a:t>
             </a:r>
             <a:r>
-              <a:rPr lang="de-DE" dirty="0" err="1" smtClean="0">
+              <a:rPr lang="en-US" dirty="0" smtClean="0">
                 <a:solidFill>
                   <a:srgbClr val="81D4FA"/>
                 </a:solidFill>
@@ -8520,15 +8813,15 @@
               <a:t>origin</a:t>
             </a:r>
             <a:r>
-              <a:rPr lang="de-DE" dirty="0" smtClean="0">
+              <a:rPr lang="en-US" dirty="0" smtClean="0">
                 <a:solidFill>
                   <a:schemeClr val="bg1"/>
                 </a:solidFill>
                 <a:latin typeface="Bahnschrift Light" panose="020B0502040204020203" pitchFamily="34" charset="0"/>
               </a:rPr>
-              <a:t> für die lange URL</a:t>
-            </a:r>
-            <a:endParaRPr lang="de-DE" dirty="0" smtClean="0">
+              <a:t> represents a long URL</a:t>
+            </a:r>
+            <a:endParaRPr lang="en-US" dirty="0" smtClean="0">
               <a:solidFill>
                 <a:schemeClr val="bg1"/>
               </a:solidFill>
@@ -8617,11 +8910,20 @@
                 </a:solidFill>
                 <a:latin typeface="Bahnschrift Light" panose="020B0502040204020203" pitchFamily="34" charset="0"/>
               </a:rPr>
-              <a:t> und </a:t>
+              <a:t> </a:t>
             </a:r>
             <a:r>
               <a:rPr lang="en-US" dirty="0" smtClean="0">
                 <a:solidFill>
+                  <a:schemeClr val="bg1"/>
+                </a:solidFill>
+                <a:latin typeface="Bahnschrift Light" panose="020B0502040204020203" pitchFamily="34" charset="0"/>
+              </a:rPr>
+              <a:t>and </a:t>
+            </a:r>
+            <a:r>
+              <a:rPr lang="en-US" dirty="0" smtClean="0">
+                <a:solidFill>
                   <a:srgbClr val="81D4FA"/>
                 </a:solidFill>
                 <a:latin typeface="Bahnschrift Light" panose="020B0502040204020203" pitchFamily="34" charset="0"/>
@@ -8638,13 +8940,13 @@
               <a:t> </a:t>
             </a:r>
             <a:r>
-              <a:rPr lang="en-US" dirty="0" err="1" smtClean="0">
+              <a:rPr lang="en-US" dirty="0" smtClean="0">
                 <a:solidFill>
                   <a:schemeClr val="bg1"/>
                 </a:solidFill>
                 <a:latin typeface="Bahnschrift Light" panose="020B0502040204020203" pitchFamily="34" charset="0"/>
               </a:rPr>
-              <a:t>für</a:t>
+              <a:t>for </a:t>
             </a:r>
             <a:r>
               <a:rPr lang="en-US" dirty="0" smtClean="0">
@@ -8653,16 +8955,16 @@
                 </a:solidFill>
                 <a:latin typeface="Bahnschrift Light" panose="020B0502040204020203" pitchFamily="34" charset="0"/>
               </a:rPr>
-              <a:t> read und write </a:t>
-            </a:r>
-            <a:r>
-              <a:rPr lang="en-US" dirty="0" err="1" smtClean="0">
+              <a:t>read </a:t>
+            </a:r>
+            <a:r>
+              <a:rPr lang="en-US" dirty="0" smtClean="0">
                 <a:solidFill>
                   <a:schemeClr val="bg1"/>
                 </a:solidFill>
                 <a:latin typeface="Bahnschrift Light" panose="020B0502040204020203" pitchFamily="34" charset="0"/>
               </a:rPr>
-              <a:t>vom</a:t>
+              <a:t>and </a:t>
             </a:r>
             <a:r>
               <a:rPr lang="en-US" dirty="0" smtClean="0">
@@ -8671,7 +8973,16 @@
                 </a:solidFill>
                 <a:latin typeface="Bahnschrift Light" panose="020B0502040204020203" pitchFamily="34" charset="0"/>
               </a:rPr>
-              <a:t>/auf remote</a:t>
+              <a:t>write </a:t>
+            </a:r>
+            <a:r>
+              <a:rPr lang="en-US" dirty="0" smtClean="0">
+                <a:solidFill>
+                  <a:schemeClr val="bg1"/>
+                </a:solidFill>
+                <a:latin typeface="Bahnschrift Light" panose="020B0502040204020203" pitchFamily="34" charset="0"/>
+              </a:rPr>
+              <a:t>from / to remote </a:t>
             </a:r>
             <a:endParaRPr lang="de-DE" dirty="0" smtClean="0">
               <a:solidFill>
@@ -8692,6 +9003,13 @@
   <p:clrMapOvr>
     <a:masterClrMapping/>
   </p:clrMapOvr>
+  <p:timing>
+    <p:tnLst>
+      <p:par>
+        <p:cTn id="1" dur="indefinite" restart="never" nodeType="tmRoot"/>
+      </p:par>
+    </p:tnLst>
+  </p:timing>
 </p:sld>
 </file>
 
@@ -8712,6 +9030,41 @@
           <a:chExt cx="0" cy="0"/>
         </a:xfrm>
       </p:grpSpPr>
+      <p:cxnSp>
+        <p:nvCxnSpPr>
+          <p:cNvPr id="6" name="Gerade Verbindung 5"/>
+          <p:cNvCxnSpPr/>
+          <p:nvPr/>
+        </p:nvCxnSpPr>
+        <p:spPr>
+          <a:xfrm>
+            <a:off x="603504" y="2266950"/>
+            <a:ext cx="0" cy="1253490"/>
+          </a:xfrm>
+          <a:prstGeom prst="line">
+            <a:avLst/>
+          </a:prstGeom>
+          <a:ln w="12700">
+            <a:solidFill>
+              <a:srgbClr val="0277BD"/>
+            </a:solidFill>
+          </a:ln>
+        </p:spPr>
+        <p:style>
+          <a:lnRef idx="1">
+            <a:schemeClr val="accent1"/>
+          </a:lnRef>
+          <a:fillRef idx="0">
+            <a:schemeClr val="accent1"/>
+          </a:fillRef>
+          <a:effectRef idx="0">
+            <a:schemeClr val="accent1"/>
+          </a:effectRef>
+          <a:fontRef idx="minor">
+            <a:schemeClr val="tx1"/>
+          </a:fontRef>
+        </p:style>
+      </p:cxnSp>
       <p:sp>
         <p:nvSpPr>
           <p:cNvPr id="2" name="Titel 1"/>
@@ -8802,8 +9155,20 @@
               <a:buChar char="•"/>
             </a:pPr>
             <a:r>
+              <a:rPr lang="de-DE" sz="2400" dirty="0" err="1" smtClean="0"/>
+              <a:t>pushes</a:t>
+            </a:r>
+            <a:r>
               <a:rPr lang="de-DE" sz="2400" dirty="0" smtClean="0"/>
-              <a:t>pusht alle nicht veröffentlichten </a:t>
+              <a:t> all </a:t>
+            </a:r>
+            <a:r>
+              <a:rPr lang="de-DE" sz="2400" dirty="0" err="1" smtClean="0"/>
+              <a:t>unpublished</a:t>
+            </a:r>
+            <a:r>
+              <a:rPr lang="de-DE" sz="2400" dirty="0" smtClean="0"/>
+              <a:t> </a:t>
             </a:r>
             <a:r>
               <a:rPr lang="de-DE" sz="2400" dirty="0" err="1" smtClean="0"/>
@@ -8811,17 +9176,29 @@
             </a:r>
             <a:r>
               <a:rPr lang="de-DE" sz="2400" dirty="0" smtClean="0"/>
-              <a:t> auf den </a:t>
+              <a:t> on </a:t>
             </a:r>
             <a:r>
               <a:rPr lang="de-DE" sz="2400" dirty="0" err="1" smtClean="0"/>
-              <a:t>Branch</a:t>
+              <a:t>the</a:t>
             </a:r>
             <a:r>
               <a:rPr lang="de-DE" sz="2400" dirty="0" smtClean="0"/>
               <a:t> </a:t>
             </a:r>
             <a:r>
+              <a:rPr lang="de-DE" sz="2400" dirty="0" err="1"/>
+              <a:t>b</a:t>
+            </a:r>
+            <a:r>
+              <a:rPr lang="de-DE" sz="2400" dirty="0" err="1" smtClean="0"/>
+              <a:t>ranch</a:t>
+            </a:r>
+            <a:r>
+              <a:rPr lang="de-DE" sz="2400" dirty="0" smtClean="0"/>
+              <a:t> </a:t>
+            </a:r>
+            <a:r>
               <a:rPr lang="de-DE" sz="2400" dirty="0" smtClean="0">
                 <a:solidFill>
                   <a:srgbClr val="81D4FA"/>
@@ -8846,8 +9223,24 @@
               <a:t>&gt; </a:t>
             </a:r>
             <a:r>
+              <a:rPr lang="de-DE" sz="2400" dirty="0" err="1" smtClean="0"/>
+              <a:t>of</a:t>
+            </a:r>
+            <a:r>
               <a:rPr lang="de-DE" sz="2400" dirty="0" smtClean="0"/>
-              <a:t>des remote </a:t>
+              <a:t> </a:t>
+            </a:r>
+            <a:r>
+              <a:rPr lang="de-DE" sz="2400" dirty="0" err="1" smtClean="0"/>
+              <a:t>the</a:t>
+            </a:r>
+            <a:r>
+              <a:rPr lang="de-DE" sz="2400" dirty="0" smtClean="0"/>
+              <a:t> </a:t>
+            </a:r>
+            <a:r>
+              <a:rPr lang="de-DE" sz="2400" dirty="0" smtClean="0"/>
+              <a:t>remote </a:t>
             </a:r>
             <a:r>
               <a:rPr lang="de-DE" sz="2400" dirty="0" err="1" smtClean="0"/>
@@ -8855,7 +9248,15 @@
             </a:r>
             <a:r>
               <a:rPr lang="de-DE" sz="2400" dirty="0" smtClean="0"/>
-              <a:t> mit dem Alias </a:t>
+              <a:t> </a:t>
+            </a:r>
+            <a:r>
+              <a:rPr lang="de-DE" sz="2400" dirty="0" err="1" smtClean="0"/>
+              <a:t>called</a:t>
+            </a:r>
+            <a:r>
+              <a:rPr lang="de-DE" sz="2400" dirty="0" smtClean="0"/>
+              <a:t> </a:t>
             </a:r>
             <a:r>
               <a:rPr lang="de-DE" sz="2400" dirty="0" smtClean="0">
@@ -8887,34 +9288,13 @@
               <a:t> </a:t>
             </a:r>
             <a:r>
-              <a:rPr lang="en-US" sz="2400" dirty="0" err="1" smtClean="0"/>
-              <a:t>ist</a:t>
-            </a:r>
-            <a:r>
-              <a:rPr lang="en-US" sz="2400" dirty="0" smtClean="0"/>
-              <a:t> </a:t>
-            </a:r>
-            <a:r>
-              <a:rPr lang="en-US" sz="2400" dirty="0" err="1" smtClean="0"/>
-              <a:t>lokaler</a:t>
-            </a:r>
-            <a:r>
-              <a:rPr lang="en-US" sz="2400" dirty="0" smtClean="0"/>
-              <a:t> Standard-Alias </a:t>
-            </a:r>
-            <a:r>
-              <a:rPr lang="en-US" sz="2400" dirty="0" err="1" smtClean="0"/>
-              <a:t>für</a:t>
-            </a:r>
-            <a:r>
-              <a:rPr lang="en-US" sz="2400" dirty="0" smtClean="0"/>
-              <a:t> </a:t>
+              <a:rPr lang="en-US" sz="2400" dirty="0" smtClean="0"/>
+              <a:t>is default local alias for </a:t>
             </a:r>
             <a:r>
               <a:rPr lang="en-US" sz="2400" dirty="0" smtClean="0"/>
               <a:t>remote repository </a:t>
             </a:r>
-            <a:endParaRPr lang="en-US" sz="2400" dirty="0" smtClean="0"/>
           </a:p>
           <a:p>
             <a:pPr marL="457200" indent="-457200">
@@ -8929,69 +9309,18 @@
               <a:t>alias </a:t>
             </a:r>
             <a:r>
+              <a:rPr lang="en-US" sz="2400" dirty="0" smtClean="0"/>
+              <a:t>simplifies pushes, fully qualifyin</a:t>
+            </a:r>
+            <a:r>
+              <a:rPr lang="en-US" sz="2400" dirty="0" smtClean="0"/>
+              <a:t>g the URL is not </a:t>
+            </a:r>
+            <a:r>
               <a:rPr lang="en-US" sz="2400" dirty="0" err="1" smtClean="0"/>
-              <a:t>vereinfacht</a:t>
-            </a:r>
-            <a:r>
-              <a:rPr lang="en-US" sz="2400" dirty="0"/>
-              <a:t> </a:t>
-            </a:r>
-            <a:r>
-              <a:rPr lang="en-US" sz="2400" dirty="0" err="1" smtClean="0"/>
-              <a:t>pushen</a:t>
-            </a:r>
-            <a:r>
-              <a:rPr lang="en-US" sz="2400" dirty="0" smtClean="0"/>
-              <a:t>, da </a:t>
-            </a:r>
-            <a:r>
-              <a:rPr lang="en-US" sz="2400" dirty="0" err="1" smtClean="0"/>
-              <a:t>volle</a:t>
-            </a:r>
-            <a:r>
-              <a:rPr lang="en-US" sz="2400" dirty="0" smtClean="0"/>
-              <a:t> </a:t>
-            </a:r>
-            <a:r>
-              <a:rPr lang="en-US" sz="2400" dirty="0" smtClean="0"/>
-              <a:t>URL </a:t>
-            </a:r>
-            <a:r>
-              <a:rPr lang="en-US" sz="2400" dirty="0" err="1" smtClean="0"/>
-              <a:t>eines</a:t>
-            </a:r>
-            <a:r>
-              <a:rPr lang="en-US" sz="2400" dirty="0" smtClean="0"/>
-              <a:t> remote repository </a:t>
-            </a:r>
-            <a:r>
-              <a:rPr lang="en-US" sz="2400" dirty="0" err="1" smtClean="0"/>
-              <a:t>nicht</a:t>
-            </a:r>
-            <a:r>
-              <a:rPr lang="en-US" sz="2400" dirty="0" smtClean="0"/>
-              <a:t> </a:t>
-            </a:r>
-            <a:r>
-              <a:rPr lang="en-US" sz="2400" dirty="0" err="1" smtClean="0"/>
-              <a:t>angegeben</a:t>
-            </a:r>
-            <a:r>
-              <a:rPr lang="en-US" sz="2400" dirty="0" smtClean="0"/>
-              <a:t> </a:t>
-            </a:r>
-            <a:r>
-              <a:rPr lang="en-US" sz="2400" dirty="0" err="1" smtClean="0"/>
-              <a:t>werden</a:t>
-            </a:r>
-            <a:r>
-              <a:rPr lang="en-US" sz="2400" dirty="0" smtClean="0"/>
-              <a:t> </a:t>
-            </a:r>
-            <a:r>
-              <a:rPr lang="en-US" sz="2400" dirty="0" smtClean="0"/>
-              <a:t>muss</a:t>
-            </a:r>
+              <a:t>requiered</a:t>
+            </a:r>
+            <a:endParaRPr lang="en-US" sz="2400" dirty="0" smtClean="0"/>
           </a:p>
         </p:txBody>
       </p:sp>
@@ -9088,44 +9417,6 @@
       </p:grpSpPr>
       <p:sp>
         <p:nvSpPr>
-          <p:cNvPr id="2" name="Titel 1"/>
-          <p:cNvSpPr>
-            <a:spLocks noGrp="1"/>
-          </p:cNvSpPr>
-          <p:nvPr>
-            <p:ph type="title"/>
-          </p:nvPr>
-        </p:nvSpPr>
-        <p:spPr/>
-        <p:txBody>
-          <a:bodyPr/>
-          <a:lstStyle/>
-          <a:p>
-            <a:endParaRPr lang="de-DE"/>
-          </a:p>
-        </p:txBody>
-      </p:sp>
-      <p:sp>
-        <p:nvSpPr>
-          <p:cNvPr id="3" name="Inhaltsplatzhalter 2"/>
-          <p:cNvSpPr>
-            <a:spLocks noGrp="1"/>
-          </p:cNvSpPr>
-          <p:nvPr>
-            <p:ph idx="1"/>
-          </p:nvPr>
-        </p:nvSpPr>
-        <p:spPr/>
-        <p:txBody>
-          <a:bodyPr/>
-          <a:lstStyle/>
-          <a:p>
-            <a:endParaRPr lang="de-DE"/>
-          </a:p>
-        </p:txBody>
-      </p:sp>
-      <p:sp>
-        <p:nvSpPr>
           <p:cNvPr id="4" name="Fußzeilenplatzhalter 3"/>
           <p:cNvSpPr>
             <a:spLocks noGrp="1"/>
@@ -9147,6 +9438,60 @@
           </a:p>
         </p:txBody>
       </p:sp>
+      <p:pic>
+        <p:nvPicPr>
+          <p:cNvPr id="6" name="Picture 2"/>
+          <p:cNvPicPr>
+            <a:picLocks noChangeAspect="1" noChangeArrowheads="1"/>
+          </p:cNvPicPr>
+          <p:nvPr/>
+        </p:nvPicPr>
+        <p:blipFill>
+          <a:blip r:embed="rId2">
+            <a:extLst>
+              <a:ext uri="{28A0092B-C50C-407E-A947-70E740481C1C}">
+                <a14:useLocalDpi xmlns:a14="http://schemas.microsoft.com/office/drawing/2010/main" val="0"/>
+              </a:ext>
+            </a:extLst>
+          </a:blip>
+          <a:srcRect/>
+          <a:stretch>
+            <a:fillRect/>
+          </a:stretch>
+        </p:blipFill>
+        <p:spPr bwMode="auto">
+          <a:xfrm>
+            <a:off x="304800" y="568906"/>
+            <a:ext cx="6444064" cy="1926644"/>
+          </a:xfrm>
+          <a:prstGeom prst="rect">
+            <a:avLst/>
+          </a:prstGeom>
+          <a:noFill/>
+          <a:ln>
+            <a:noFill/>
+          </a:ln>
+          <a:extLst>
+            <a:ext uri="{909E8E84-426E-40DD-AFC4-6F175D3DCCD1}">
+              <a14:hiddenFill xmlns:a14="http://schemas.microsoft.com/office/drawing/2010/main">
+                <a:solidFill>
+                  <a:schemeClr val="accent1"/>
+                </a:solidFill>
+              </a14:hiddenFill>
+            </a:ext>
+            <a:ext uri="{91240B29-F687-4F45-9708-019B960494DF}">
+              <a14:hiddenLine xmlns:a14="http://schemas.microsoft.com/office/drawing/2010/main" w="9525">
+                <a:solidFill>
+                  <a:schemeClr val="tx1"/>
+                </a:solidFill>
+                <a:miter lim="800000"/>
+                <a:headEnd/>
+                <a:tailEnd/>
+              </a14:hiddenLine>
+            </a:ext>
+          </a:extLst>
+        </p:spPr>
+      </p:pic>
     </p:spTree>
     <p:extLst>
       <p:ext uri="{BB962C8B-B14F-4D97-AF65-F5344CB8AC3E}">
@@ -9157,6 +9502,13 @@
   <p:clrMapOvr>
     <a:masterClrMapping/>
   </p:clrMapOvr>
+  <p:timing>
+    <p:tnLst>
+      <p:par>
+        <p:cTn id="1" dur="indefinite" restart="never" nodeType="tmRoot"/>
+      </p:par>
+    </p:tnLst>
+  </p:timing>
 </p:sld>
 </file>
 
@@ -9274,6 +9626,846 @@
 </p:sld>
 </file>
 
+<file path=ppt/slides/slide27.xml><?xml version="1.0" encoding="utf-8"?>
+<p:sld xmlns:a="http://schemas.openxmlformats.org/drawingml/2006/main" xmlns:r="http://schemas.openxmlformats.org/officeDocument/2006/relationships" xmlns:p="http://schemas.openxmlformats.org/presentationml/2006/main">
+  <p:cSld>
+    <p:spTree>
+      <p:nvGrpSpPr>
+        <p:cNvPr id="1" name=""/>
+        <p:cNvGrpSpPr/>
+        <p:nvPr/>
+      </p:nvGrpSpPr>
+      <p:grpSpPr>
+        <a:xfrm>
+          <a:off x="0" y="0"/>
+          <a:ext cx="0" cy="0"/>
+          <a:chOff x="0" y="0"/>
+          <a:chExt cx="0" cy="0"/>
+        </a:xfrm>
+      </p:grpSpPr>
+      <p:sp>
+        <p:nvSpPr>
+          <p:cNvPr id="2" name="Titel 1"/>
+          <p:cNvSpPr>
+            <a:spLocks noGrp="1"/>
+          </p:cNvSpPr>
+          <p:nvPr>
+            <p:ph type="title"/>
+          </p:nvPr>
+        </p:nvSpPr>
+        <p:spPr/>
+        <p:txBody>
+          <a:bodyPr/>
+          <a:lstStyle/>
+          <a:p>
+            <a:pPr algn="l"/>
+            <a:r>
+              <a:rPr lang="en-US" sz="4000" dirty="0" smtClean="0"/>
+              <a:t>Staying up-to-date</a:t>
+            </a:r>
+            <a:endParaRPr lang="de-DE" sz="4000" dirty="0"/>
+          </a:p>
+        </p:txBody>
+      </p:sp>
+      <p:sp>
+        <p:nvSpPr>
+          <p:cNvPr id="3" name="Inhaltsplatzhalter 2"/>
+          <p:cNvSpPr>
+            <a:spLocks noGrp="1"/>
+          </p:cNvSpPr>
+          <p:nvPr>
+            <p:ph idx="1"/>
+          </p:nvPr>
+        </p:nvSpPr>
+        <p:spPr/>
+        <p:txBody>
+          <a:bodyPr>
+            <a:normAutofit/>
+          </a:bodyPr>
+          <a:lstStyle/>
+          <a:p>
+            <a:r>
+              <a:rPr lang="en-US" sz="2400" dirty="0" smtClean="0">
+                <a:solidFill>
+                  <a:srgbClr val="FFFF00"/>
+                </a:solidFill>
+              </a:rPr>
+              <a:t>How to integrate the new bugs my colleague just programmed?</a:t>
+            </a:r>
+            <a:endParaRPr lang="de-DE" sz="2400" dirty="0">
+              <a:solidFill>
+                <a:srgbClr val="FFFF00"/>
+              </a:solidFill>
+            </a:endParaRPr>
+          </a:p>
+        </p:txBody>
+      </p:sp>
+      <p:sp>
+        <p:nvSpPr>
+          <p:cNvPr id="4" name="Fußzeilenplatzhalter 3"/>
+          <p:cNvSpPr>
+            <a:spLocks noGrp="1"/>
+          </p:cNvSpPr>
+          <p:nvPr>
+            <p:ph type="ftr" sz="quarter" idx="11"/>
+          </p:nvPr>
+        </p:nvSpPr>
+        <p:spPr/>
+        <p:txBody>
+          <a:bodyPr/>
+          <a:lstStyle/>
+          <a:p>
+            <a:r>
+              <a:rPr lang="en-US" smtClean="0"/>
+              <a:t>TU Dresden – Robolab 2018</a:t>
+            </a:r>
+            <a:endParaRPr lang="en-US" dirty="0"/>
+          </a:p>
+        </p:txBody>
+      </p:sp>
+    </p:spTree>
+    <p:extLst>
+      <p:ext uri="{BB962C8B-B14F-4D97-AF65-F5344CB8AC3E}">
+        <p14:creationId xmlns:p14="http://schemas.microsoft.com/office/powerpoint/2010/main" val="1212574612"/>
+      </p:ext>
+    </p:extLst>
+  </p:cSld>
+  <p:clrMapOvr>
+    <a:masterClrMapping/>
+  </p:clrMapOvr>
+  <p:timing>
+    <p:tnLst>
+      <p:par>
+        <p:cTn id="1" dur="indefinite" restart="never" nodeType="tmRoot"/>
+      </p:par>
+    </p:tnLst>
+  </p:timing>
+</p:sld>
+</file>
+
+<file path=ppt/slides/slide28.xml><?xml version="1.0" encoding="utf-8"?>
+<p:sld xmlns:a="http://schemas.openxmlformats.org/drawingml/2006/main" xmlns:r="http://schemas.openxmlformats.org/officeDocument/2006/relationships" xmlns:p="http://schemas.openxmlformats.org/presentationml/2006/main">
+  <p:cSld>
+    <p:spTree>
+      <p:nvGrpSpPr>
+        <p:cNvPr id="1" name=""/>
+        <p:cNvGrpSpPr/>
+        <p:nvPr/>
+      </p:nvGrpSpPr>
+      <p:grpSpPr>
+        <a:xfrm>
+          <a:off x="0" y="0"/>
+          <a:ext cx="0" cy="0"/>
+          <a:chOff x="0" y="0"/>
+          <a:chExt cx="0" cy="0"/>
+        </a:xfrm>
+      </p:grpSpPr>
+      <p:cxnSp>
+        <p:nvCxnSpPr>
+          <p:cNvPr id="5" name="Gerade Verbindung 4"/>
+          <p:cNvCxnSpPr/>
+          <p:nvPr/>
+        </p:nvCxnSpPr>
+        <p:spPr>
+          <a:xfrm>
+            <a:off x="603504" y="1463040"/>
+            <a:ext cx="0" cy="1642110"/>
+          </a:xfrm>
+          <a:prstGeom prst="line">
+            <a:avLst/>
+          </a:prstGeom>
+          <a:ln w="12700">
+            <a:solidFill>
+              <a:srgbClr val="0277BD"/>
+            </a:solidFill>
+          </a:ln>
+        </p:spPr>
+        <p:style>
+          <a:lnRef idx="1">
+            <a:schemeClr val="accent1"/>
+          </a:lnRef>
+          <a:fillRef idx="0">
+            <a:schemeClr val="accent1"/>
+          </a:fillRef>
+          <a:effectRef idx="0">
+            <a:schemeClr val="accent1"/>
+          </a:effectRef>
+          <a:fontRef idx="minor">
+            <a:schemeClr val="tx1"/>
+          </a:fontRef>
+        </p:style>
+      </p:cxnSp>
+      <p:sp>
+        <p:nvSpPr>
+          <p:cNvPr id="2" name="Titel 1"/>
+          <p:cNvSpPr>
+            <a:spLocks noGrp="1"/>
+          </p:cNvSpPr>
+          <p:nvPr>
+            <p:ph type="title"/>
+          </p:nvPr>
+        </p:nvSpPr>
+        <p:spPr/>
+        <p:txBody>
+          <a:bodyPr/>
+          <a:lstStyle/>
+          <a:p>
+            <a:pPr algn="l"/>
+            <a:r>
+              <a:rPr lang="en-US" sz="4000" dirty="0" smtClean="0"/>
+              <a:t>Branches</a:t>
+            </a:r>
+            <a:endParaRPr lang="de-DE" sz="4000" dirty="0"/>
+          </a:p>
+        </p:txBody>
+      </p:sp>
+      <p:sp>
+        <p:nvSpPr>
+          <p:cNvPr id="3" name="Inhaltsplatzhalter 2"/>
+          <p:cNvSpPr>
+            <a:spLocks noGrp="1"/>
+          </p:cNvSpPr>
+          <p:nvPr>
+            <p:ph idx="1"/>
+          </p:nvPr>
+        </p:nvSpPr>
+        <p:spPr/>
+        <p:txBody>
+          <a:bodyPr>
+            <a:normAutofit/>
+          </a:bodyPr>
+          <a:lstStyle/>
+          <a:p>
+            <a:pPr marL="342900" indent="-342900">
+              <a:buClr>
+                <a:srgbClr val="FFFF00"/>
+              </a:buClr>
+              <a:buFont typeface="Arial" panose="020B0604020202020204" pitchFamily="34" charset="0"/>
+              <a:buChar char="•"/>
+            </a:pPr>
+            <a:r>
+              <a:rPr lang="en-US" sz="2400" dirty="0" smtClean="0"/>
+              <a:t>represent</a:t>
+            </a:r>
+            <a:r>
+              <a:rPr lang="en-US" sz="2400" dirty="0" smtClean="0"/>
+              <a:t> </a:t>
+            </a:r>
+            <a:r>
+              <a:rPr lang="en-US" sz="2400" dirty="0" smtClean="0">
+                <a:solidFill>
+                  <a:srgbClr val="81D4FA"/>
+                </a:solidFill>
+              </a:rPr>
+              <a:t>separate</a:t>
+            </a:r>
+            <a:r>
+              <a:rPr lang="en-US" sz="2400" dirty="0" smtClean="0"/>
+              <a:t> </a:t>
+            </a:r>
+            <a:r>
+              <a:rPr lang="en-US" sz="2400" dirty="0" smtClean="0">
+                <a:solidFill>
+                  <a:srgbClr val="81D4FA"/>
+                </a:solidFill>
+              </a:rPr>
+              <a:t>h</a:t>
+            </a:r>
+            <a:r>
+              <a:rPr lang="en-US" sz="2400" dirty="0" smtClean="0">
+                <a:solidFill>
+                  <a:srgbClr val="81D4FA"/>
+                </a:solidFill>
+              </a:rPr>
+              <a:t>istory </a:t>
+            </a:r>
+            <a:r>
+              <a:rPr lang="en-US" sz="2400" dirty="0" smtClean="0"/>
+              <a:t>of a state of the repository</a:t>
+            </a:r>
+          </a:p>
+          <a:p>
+            <a:pPr marL="342900" indent="-342900">
+              <a:buClr>
+                <a:srgbClr val="FFFF00"/>
+              </a:buClr>
+              <a:buFont typeface="Arial" panose="020B0604020202020204" pitchFamily="34" charset="0"/>
+              <a:buChar char="•"/>
+            </a:pPr>
+            <a:r>
+              <a:rPr lang="en-US" sz="2400" dirty="0" smtClean="0"/>
+              <a:t>separate </a:t>
+            </a:r>
+            <a:r>
+              <a:rPr lang="en-US" sz="2400" dirty="0" smtClean="0">
+                <a:solidFill>
+                  <a:srgbClr val="81D4FA"/>
+                </a:solidFill>
+              </a:rPr>
+              <a:t>views </a:t>
+            </a:r>
+            <a:r>
+              <a:rPr lang="en-US" sz="2400" dirty="0" smtClean="0"/>
+              <a:t>on the same</a:t>
+            </a:r>
+            <a:r>
+              <a:rPr lang="en-US" sz="2400" dirty="0" smtClean="0"/>
+              <a:t> repository</a:t>
+            </a:r>
+            <a:endParaRPr lang="de-DE" sz="2400" dirty="0" smtClean="0"/>
+          </a:p>
+          <a:p>
+            <a:pPr marL="342900" indent="-342900">
+              <a:buClr>
+                <a:srgbClr val="FFFF00"/>
+              </a:buClr>
+              <a:buFont typeface="Arial" panose="020B0604020202020204" pitchFamily="34" charset="0"/>
+              <a:buChar char="•"/>
+            </a:pPr>
+            <a:r>
+              <a:rPr lang="en-US" sz="2400" dirty="0" smtClean="0"/>
+              <a:t>used to develop features </a:t>
+            </a:r>
+            <a:r>
+              <a:rPr lang="en-US" sz="2400" dirty="0" smtClean="0">
+                <a:solidFill>
+                  <a:srgbClr val="81D4FA"/>
+                </a:solidFill>
+              </a:rPr>
+              <a:t>i</a:t>
+            </a:r>
+            <a:r>
+              <a:rPr lang="en-US" sz="2400" dirty="0" smtClean="0">
+                <a:solidFill>
+                  <a:srgbClr val="81D4FA"/>
+                </a:solidFill>
+              </a:rPr>
+              <a:t>ndependently</a:t>
+            </a:r>
+            <a:r>
+              <a:rPr lang="en-US" sz="2400" dirty="0" smtClean="0"/>
+              <a:t> </a:t>
+            </a:r>
+            <a:r>
+              <a:rPr lang="en-US" sz="2400" dirty="0" smtClean="0"/>
+              <a:t>from other</a:t>
+            </a:r>
+            <a:r>
+              <a:rPr lang="en-US" sz="2400" dirty="0" smtClean="0"/>
+              <a:t> </a:t>
+            </a:r>
+            <a:r>
+              <a:rPr lang="en-US" sz="2400" dirty="0" smtClean="0"/>
+              <a:t>b</a:t>
+            </a:r>
+            <a:r>
+              <a:rPr lang="en-US" sz="2400" dirty="0" smtClean="0"/>
+              <a:t>ranches </a:t>
+            </a:r>
+            <a:r>
+              <a:rPr lang="en-US" sz="2400" dirty="0" smtClean="0"/>
+              <a:t>a</a:t>
+            </a:r>
+            <a:r>
+              <a:rPr lang="en-US" sz="2400" dirty="0" smtClean="0"/>
+              <a:t>nd </a:t>
+            </a:r>
+            <a:r>
+              <a:rPr lang="en-US" sz="2400" dirty="0" smtClean="0"/>
+              <a:t>d</a:t>
+            </a:r>
+            <a:r>
+              <a:rPr lang="en-US" sz="2400" dirty="0" smtClean="0"/>
+              <a:t>evelopers</a:t>
+            </a:r>
+          </a:p>
+          <a:p>
+            <a:pPr marL="342900" indent="-342900">
+              <a:buClr>
+                <a:srgbClr val="FFFF00"/>
+              </a:buClr>
+              <a:buFont typeface="Arial" panose="020B0604020202020204" pitchFamily="34" charset="0"/>
+              <a:buChar char="•"/>
+            </a:pPr>
+            <a:r>
+              <a:rPr lang="en-US" sz="2400" dirty="0" smtClean="0">
+                <a:solidFill>
+                  <a:srgbClr val="81D4FA"/>
+                </a:solidFill>
+              </a:rPr>
+              <a:t>master</a:t>
+            </a:r>
+            <a:r>
+              <a:rPr lang="en-US" sz="2400" dirty="0" smtClean="0"/>
+              <a:t> is the default branch</a:t>
+            </a:r>
+            <a:endParaRPr lang="en-US" sz="2400" dirty="0"/>
+          </a:p>
+        </p:txBody>
+      </p:sp>
+      <p:sp>
+        <p:nvSpPr>
+          <p:cNvPr id="4" name="Fußzeilenplatzhalter 3"/>
+          <p:cNvSpPr>
+            <a:spLocks noGrp="1"/>
+          </p:cNvSpPr>
+          <p:nvPr>
+            <p:ph type="ftr" sz="quarter" idx="11"/>
+          </p:nvPr>
+        </p:nvSpPr>
+        <p:spPr/>
+        <p:txBody>
+          <a:bodyPr/>
+          <a:lstStyle/>
+          <a:p>
+            <a:r>
+              <a:rPr lang="en-US" smtClean="0"/>
+              <a:t>TU Dresden – Robolab 2018</a:t>
+            </a:r>
+            <a:endParaRPr lang="en-US" dirty="0"/>
+          </a:p>
+        </p:txBody>
+      </p:sp>
+    </p:spTree>
+    <p:extLst>
+      <p:ext uri="{BB962C8B-B14F-4D97-AF65-F5344CB8AC3E}">
+        <p14:creationId xmlns:p14="http://schemas.microsoft.com/office/powerpoint/2010/main" val="1880224312"/>
+      </p:ext>
+    </p:extLst>
+  </p:cSld>
+  <p:clrMapOvr>
+    <a:masterClrMapping/>
+  </p:clrMapOvr>
+  <p:timing>
+    <p:tnLst>
+      <p:par>
+        <p:cTn id="1" dur="indefinite" restart="never" nodeType="tmRoot"/>
+      </p:par>
+    </p:tnLst>
+  </p:timing>
+</p:sld>
+</file>
+
+<file path=ppt/slides/slide29.xml><?xml version="1.0" encoding="utf-8"?>
+<p:sld xmlns:a="http://schemas.openxmlformats.org/drawingml/2006/main" xmlns:r="http://schemas.openxmlformats.org/officeDocument/2006/relationships" xmlns:p="http://schemas.openxmlformats.org/presentationml/2006/main">
+  <p:cSld>
+    <p:spTree>
+      <p:nvGrpSpPr>
+        <p:cNvPr id="1" name=""/>
+        <p:cNvGrpSpPr/>
+        <p:nvPr/>
+      </p:nvGrpSpPr>
+      <p:grpSpPr>
+        <a:xfrm>
+          <a:off x="0" y="0"/>
+          <a:ext cx="0" cy="0"/>
+          <a:chOff x="0" y="0"/>
+          <a:chExt cx="0" cy="0"/>
+        </a:xfrm>
+      </p:grpSpPr>
+      <p:cxnSp>
+        <p:nvCxnSpPr>
+          <p:cNvPr id="7" name="Gerade Verbindung 6"/>
+          <p:cNvCxnSpPr/>
+          <p:nvPr/>
+        </p:nvCxnSpPr>
+        <p:spPr>
+          <a:xfrm>
+            <a:off x="603504" y="1885950"/>
+            <a:ext cx="0" cy="2133600"/>
+          </a:xfrm>
+          <a:prstGeom prst="line">
+            <a:avLst/>
+          </a:prstGeom>
+          <a:ln w="12700">
+            <a:solidFill>
+              <a:srgbClr val="0277BD"/>
+            </a:solidFill>
+          </a:ln>
+        </p:spPr>
+        <p:style>
+          <a:lnRef idx="1">
+            <a:schemeClr val="accent1"/>
+          </a:lnRef>
+          <a:fillRef idx="0">
+            <a:schemeClr val="accent1"/>
+          </a:fillRef>
+          <a:effectRef idx="0">
+            <a:schemeClr val="accent1"/>
+          </a:effectRef>
+          <a:fontRef idx="minor">
+            <a:schemeClr val="tx1"/>
+          </a:fontRef>
+        </p:style>
+      </p:cxnSp>
+      <p:sp>
+        <p:nvSpPr>
+          <p:cNvPr id="2" name="Titel 1"/>
+          <p:cNvSpPr>
+            <a:spLocks noGrp="1"/>
+          </p:cNvSpPr>
+          <p:nvPr>
+            <p:ph type="title"/>
+          </p:nvPr>
+        </p:nvSpPr>
+        <p:spPr/>
+        <p:txBody>
+          <a:bodyPr/>
+          <a:lstStyle/>
+          <a:p>
+            <a:pPr algn="l"/>
+            <a:r>
+              <a:rPr lang="en-US" sz="4000" dirty="0" err="1" smtClean="0"/>
+              <a:t>git</a:t>
+            </a:r>
+            <a:r>
+              <a:rPr lang="en-US" sz="4000" dirty="0" smtClean="0"/>
+              <a:t> branch</a:t>
+            </a:r>
+            <a:endParaRPr lang="de-DE" sz="4000" dirty="0"/>
+          </a:p>
+        </p:txBody>
+      </p:sp>
+      <p:sp>
+        <p:nvSpPr>
+          <p:cNvPr id="3" name="Inhaltsplatzhalter 2"/>
+          <p:cNvSpPr>
+            <a:spLocks noGrp="1"/>
+          </p:cNvSpPr>
+          <p:nvPr>
+            <p:ph idx="1"/>
+          </p:nvPr>
+        </p:nvSpPr>
+        <p:spPr/>
+        <p:txBody>
+          <a:bodyPr>
+            <a:normAutofit/>
+          </a:bodyPr>
+          <a:lstStyle/>
+          <a:p>
+            <a:endParaRPr lang="en-US" sz="2400" dirty="0"/>
+          </a:p>
+          <a:p>
+            <a:pPr marL="342900" indent="-342900">
+              <a:buClr>
+                <a:srgbClr val="FFFF00"/>
+              </a:buClr>
+              <a:buFont typeface="Arial" panose="020B0604020202020204" pitchFamily="34" charset="0"/>
+              <a:buChar char="•"/>
+            </a:pPr>
+            <a:r>
+              <a:rPr lang="en-US" sz="2400" dirty="0" smtClean="0"/>
+              <a:t>creates a new branch called </a:t>
+            </a:r>
+            <a:r>
+              <a:rPr lang="en-US" sz="2400" dirty="0" smtClean="0">
+                <a:solidFill>
+                  <a:srgbClr val="81D4FA"/>
+                </a:solidFill>
+              </a:rPr>
+              <a:t>&lt;name</a:t>
+            </a:r>
+            <a:r>
+              <a:rPr lang="en-US" sz="2400" dirty="0" smtClean="0">
+                <a:solidFill>
+                  <a:srgbClr val="81D4FA"/>
+                </a:solidFill>
+              </a:rPr>
+              <a:t>&gt;</a:t>
+            </a:r>
+            <a:endParaRPr lang="en-US" sz="2400" dirty="0">
+              <a:solidFill>
+                <a:srgbClr val="81D4FA"/>
+              </a:solidFill>
+            </a:endParaRPr>
+          </a:p>
+          <a:p>
+            <a:pPr marL="342900" indent="-342900">
+              <a:buClr>
+                <a:srgbClr val="FFFF00"/>
+              </a:buClr>
+              <a:buFont typeface="Arial" panose="020B0604020202020204" pitchFamily="34" charset="0"/>
+              <a:buChar char="•"/>
+            </a:pPr>
+            <a:r>
+              <a:rPr lang="en-US" sz="2400" dirty="0" smtClean="0"/>
+              <a:t>branch </a:t>
+            </a:r>
+            <a:r>
+              <a:rPr lang="en-US" sz="2400" dirty="0" smtClean="0"/>
+              <a:t>is an </a:t>
+            </a:r>
+            <a:r>
+              <a:rPr lang="en-US" sz="2400" dirty="0" smtClean="0">
+                <a:solidFill>
+                  <a:srgbClr val="81D4FA"/>
+                </a:solidFill>
+              </a:rPr>
+              <a:t>exact </a:t>
+            </a:r>
+            <a:r>
+              <a:rPr lang="en-US" sz="2400" dirty="0" smtClean="0">
+                <a:solidFill>
+                  <a:srgbClr val="81D4FA"/>
+                </a:solidFill>
+              </a:rPr>
+              <a:t>c</a:t>
+            </a:r>
+            <a:r>
+              <a:rPr lang="en-US" sz="2400" dirty="0" smtClean="0">
+                <a:solidFill>
+                  <a:srgbClr val="81D4FA"/>
+                </a:solidFill>
+              </a:rPr>
+              <a:t>opy </a:t>
+            </a:r>
+            <a:r>
+              <a:rPr lang="en-US" sz="2400" dirty="0" smtClean="0"/>
+              <a:t>of the</a:t>
+            </a:r>
+            <a:r>
+              <a:rPr lang="en-US" sz="2400" dirty="0" smtClean="0"/>
+              <a:t> </a:t>
+            </a:r>
+            <a:r>
+              <a:rPr lang="en-US" sz="2400" dirty="0" smtClean="0"/>
+              <a:t>current branch </a:t>
+            </a:r>
+            <a:r>
+              <a:rPr lang="en-US" sz="2400" dirty="0" smtClean="0"/>
+              <a:t>(both branches are </a:t>
+            </a:r>
+            <a:r>
+              <a:rPr lang="en-US" sz="2400" dirty="0" smtClean="0">
+                <a:solidFill>
+                  <a:srgbClr val="81D4FA"/>
+                </a:solidFill>
+              </a:rPr>
+              <a:t>even</a:t>
+            </a:r>
+            <a:r>
+              <a:rPr lang="en-US" sz="2400" dirty="0" smtClean="0"/>
+              <a:t>)</a:t>
+            </a:r>
+          </a:p>
+          <a:p>
+            <a:pPr marL="342900" indent="-342900">
+              <a:buClr>
+                <a:srgbClr val="FFFF00"/>
+              </a:buClr>
+              <a:buFont typeface="Arial" panose="020B0604020202020204" pitchFamily="34" charset="0"/>
+              <a:buChar char="•"/>
+            </a:pPr>
+            <a:endParaRPr lang="en-US" sz="2400" dirty="0" smtClean="0"/>
+          </a:p>
+          <a:p>
+            <a:pPr marL="342900" indent="-342900">
+              <a:buClr>
+                <a:srgbClr val="FFFF00"/>
+              </a:buClr>
+              <a:buFont typeface="Arial" panose="020B0604020202020204" pitchFamily="34" charset="0"/>
+              <a:buChar char="•"/>
+            </a:pPr>
+            <a:r>
+              <a:rPr lang="en-US" sz="2400" dirty="0" smtClean="0"/>
+              <a:t>changes the current branch to </a:t>
+            </a:r>
+            <a:r>
+              <a:rPr lang="en-US" sz="2400" dirty="0" smtClean="0">
+                <a:solidFill>
+                  <a:srgbClr val="81D4FA"/>
+                </a:solidFill>
+              </a:rPr>
+              <a:t>&lt;branch&gt;</a:t>
+            </a:r>
+          </a:p>
+          <a:p>
+            <a:pPr marL="342900" indent="-342900">
+              <a:buClr>
+                <a:srgbClr val="FFFF00"/>
+              </a:buClr>
+              <a:buFont typeface="Arial" panose="020B0604020202020204" pitchFamily="34" charset="0"/>
+              <a:buChar char="•"/>
+            </a:pPr>
+            <a:r>
+              <a:rPr lang="en-US" sz="2400" dirty="0" smtClean="0"/>
+              <a:t>future changes</a:t>
+            </a:r>
+            <a:r>
+              <a:rPr lang="en-US" sz="2400" dirty="0" smtClean="0"/>
+              <a:t> </a:t>
+            </a:r>
+            <a:r>
+              <a:rPr lang="en-US" sz="2400" dirty="0" smtClean="0"/>
+              <a:t>now only </a:t>
+            </a:r>
+            <a:r>
+              <a:rPr lang="en-US" sz="2400" dirty="0" smtClean="0">
+                <a:solidFill>
+                  <a:srgbClr val="81D4FA"/>
+                </a:solidFill>
+              </a:rPr>
+              <a:t>apply to new branch</a:t>
+            </a:r>
+            <a:endParaRPr lang="en-US" sz="2400" dirty="0" smtClean="0">
+              <a:solidFill>
+                <a:srgbClr val="81D4FA"/>
+              </a:solidFill>
+            </a:endParaRPr>
+          </a:p>
+        </p:txBody>
+      </p:sp>
+      <p:sp>
+        <p:nvSpPr>
+          <p:cNvPr id="4" name="Fußzeilenplatzhalter 3"/>
+          <p:cNvSpPr>
+            <a:spLocks noGrp="1"/>
+          </p:cNvSpPr>
+          <p:nvPr>
+            <p:ph type="ftr" sz="quarter" idx="11"/>
+          </p:nvPr>
+        </p:nvSpPr>
+        <p:spPr/>
+        <p:txBody>
+          <a:bodyPr/>
+          <a:lstStyle/>
+          <a:p>
+            <a:r>
+              <a:rPr lang="en-US" smtClean="0"/>
+              <a:t>TU Dresden – Robolab 2018</a:t>
+            </a:r>
+            <a:endParaRPr lang="en-US" dirty="0"/>
+          </a:p>
+        </p:txBody>
+      </p:sp>
+      <p:pic>
+        <p:nvPicPr>
+          <p:cNvPr id="5" name="Picture 2"/>
+          <p:cNvPicPr>
+            <a:picLocks noChangeAspect="1" noChangeArrowheads="1"/>
+          </p:cNvPicPr>
+          <p:nvPr/>
+        </p:nvPicPr>
+        <p:blipFill>
+          <a:blip r:embed="rId2">
+            <a:extLst>
+              <a:ext uri="{28A0092B-C50C-407E-A947-70E740481C1C}">
+                <a14:useLocalDpi xmlns:a14="http://schemas.microsoft.com/office/drawing/2010/main" val="0"/>
+              </a:ext>
+            </a:extLst>
+          </a:blip>
+          <a:srcRect/>
+          <a:stretch>
+            <a:fillRect/>
+          </a:stretch>
+        </p:blipFill>
+        <p:spPr bwMode="auto">
+          <a:xfrm>
+            <a:off x="838200" y="1200150"/>
+            <a:ext cx="2260287" cy="481011"/>
+          </a:xfrm>
+          <a:prstGeom prst="rect">
+            <a:avLst/>
+          </a:prstGeom>
+          <a:noFill/>
+          <a:ln>
+            <a:noFill/>
+          </a:ln>
+          <a:extLst>
+            <a:ext uri="{909E8E84-426E-40DD-AFC4-6F175D3DCCD1}">
+              <a14:hiddenFill xmlns:a14="http://schemas.microsoft.com/office/drawing/2010/main">
+                <a:solidFill>
+                  <a:schemeClr val="accent1"/>
+                </a:solidFill>
+              </a14:hiddenFill>
+            </a:ext>
+            <a:ext uri="{91240B29-F687-4F45-9708-019B960494DF}">
+              <a14:hiddenLine xmlns:a14="http://schemas.microsoft.com/office/drawing/2010/main" w="9525">
+                <a:solidFill>
+                  <a:schemeClr val="tx1"/>
+                </a:solidFill>
+                <a:miter lim="800000"/>
+                <a:headEnd/>
+                <a:tailEnd/>
+              </a14:hiddenLine>
+            </a:ext>
+          </a:extLst>
+        </p:spPr>
+      </p:pic>
+      <p:pic>
+        <p:nvPicPr>
+          <p:cNvPr id="6146" name="Picture 2"/>
+          <p:cNvPicPr>
+            <a:picLocks noChangeAspect="1" noChangeArrowheads="1"/>
+          </p:cNvPicPr>
+          <p:nvPr/>
+        </p:nvPicPr>
+        <p:blipFill>
+          <a:blip r:embed="rId3">
+            <a:extLst>
+              <a:ext uri="{28A0092B-C50C-407E-A947-70E740481C1C}">
+                <a14:useLocalDpi xmlns:a14="http://schemas.microsoft.com/office/drawing/2010/main" val="0"/>
+              </a:ext>
+            </a:extLst>
+          </a:blip>
+          <a:srcRect/>
+          <a:stretch>
+            <a:fillRect/>
+          </a:stretch>
+        </p:blipFill>
+        <p:spPr bwMode="auto">
+          <a:xfrm>
+            <a:off x="838200" y="2876549"/>
+            <a:ext cx="2738062" cy="481011"/>
+          </a:xfrm>
+          <a:prstGeom prst="rect">
+            <a:avLst/>
+          </a:prstGeom>
+          <a:noFill/>
+          <a:ln>
+            <a:noFill/>
+          </a:ln>
+          <a:extLst>
+            <a:ext uri="{909E8E84-426E-40DD-AFC4-6F175D3DCCD1}">
+              <a14:hiddenFill xmlns:a14="http://schemas.microsoft.com/office/drawing/2010/main">
+                <a:solidFill>
+                  <a:schemeClr val="accent1"/>
+                </a:solidFill>
+              </a14:hiddenFill>
+            </a:ext>
+            <a:ext uri="{91240B29-F687-4F45-9708-019B960494DF}">
+              <a14:hiddenLine xmlns:a14="http://schemas.microsoft.com/office/drawing/2010/main" w="9525">
+                <a:solidFill>
+                  <a:schemeClr val="tx1"/>
+                </a:solidFill>
+                <a:miter lim="800000"/>
+                <a:headEnd/>
+                <a:tailEnd/>
+              </a14:hiddenLine>
+            </a:ext>
+          </a:extLst>
+        </p:spPr>
+      </p:pic>
+    </p:spTree>
+    <p:extLst>
+      <p:ext uri="{BB962C8B-B14F-4D97-AF65-F5344CB8AC3E}">
+        <p14:creationId xmlns:p14="http://schemas.microsoft.com/office/powerpoint/2010/main" val="1349417934"/>
+      </p:ext>
+    </p:extLst>
+  </p:cSld>
+  <p:clrMapOvr>
+    <a:masterClrMapping/>
+  </p:clrMapOvr>
+  <p:timing>
+    <p:tnLst>
+      <p:par>
+        <p:cTn id="1" dur="indefinite" restart="never" nodeType="tmRoot"/>
+      </p:par>
+    </p:tnLst>
+  </p:timing>
+</p:sld>
+</file>
+
 <file path=ppt/slides/slide3.xml><?xml version="1.0" encoding="utf-8"?>
 <p:sld xmlns:a="http://schemas.openxmlformats.org/drawingml/2006/main" xmlns:r="http://schemas.openxmlformats.org/officeDocument/2006/relationships" xmlns:p="http://schemas.openxmlformats.org/presentationml/2006/main">
   <p:cSld>
@@ -9291,6 +10483,41 @@
           <a:chExt cx="0" cy="0"/>
         </a:xfrm>
       </p:grpSpPr>
+      <p:cxnSp>
+        <p:nvCxnSpPr>
+          <p:cNvPr id="5" name="Gerade Verbindung 4"/>
+          <p:cNvCxnSpPr/>
+          <p:nvPr/>
+        </p:nvCxnSpPr>
+        <p:spPr>
+          <a:xfrm>
+            <a:off x="603504" y="1463040"/>
+            <a:ext cx="0" cy="1261110"/>
+          </a:xfrm>
+          <a:prstGeom prst="line">
+            <a:avLst/>
+          </a:prstGeom>
+          <a:ln w="12700">
+            <a:solidFill>
+              <a:srgbClr val="0277BD"/>
+            </a:solidFill>
+          </a:ln>
+        </p:spPr>
+        <p:style>
+          <a:lnRef idx="1">
+            <a:schemeClr val="accent1"/>
+          </a:lnRef>
+          <a:fillRef idx="0">
+            <a:schemeClr val="accent1"/>
+          </a:fillRef>
+          <a:effectRef idx="0">
+            <a:schemeClr val="accent1"/>
+          </a:effectRef>
+          <a:fontRef idx="minor">
+            <a:schemeClr val="tx1"/>
+          </a:fontRef>
+        </p:style>
+      </p:cxnSp>
       <p:sp>
         <p:nvSpPr>
           <p:cNvPr id="2" name="Titel 1"/>
@@ -9308,26 +10535,30 @@
           <a:p>
             <a:pPr algn="l"/>
             <a:r>
-              <a:rPr lang="en-US" dirty="0" smtClean="0"/>
+              <a:rPr lang="en-US" sz="4000" dirty="0" smtClean="0"/>
               <a:t>Software Engineering </a:t>
             </a:r>
             <a:r>
-              <a:rPr lang="en-US" dirty="0" err="1" smtClean="0"/>
-              <a:t>im</a:t>
-            </a:r>
-            <a:r>
-              <a:rPr lang="en-US" dirty="0" smtClean="0"/>
-              <a:t> </a:t>
-            </a:r>
-            <a:r>
-              <a:rPr lang="en-US" dirty="0" smtClean="0">
+              <a:rPr lang="en-US" sz="4000" dirty="0" smtClean="0"/>
+              <a:t>in a </a:t>
+            </a:r>
+            <a:r>
+              <a:rPr lang="en-US" sz="4000" dirty="0">
                 <a:solidFill>
                   <a:srgbClr val="81D4FA"/>
                 </a:solidFill>
               </a:rPr>
-              <a:t>Team</a:t>
-            </a:r>
-            <a:endParaRPr lang="en-US" dirty="0">
+              <a:t>t</a:t>
+            </a:r>
+            <a:r>
+              <a:rPr lang="en-US" sz="4000" dirty="0" smtClean="0">
+                <a:solidFill>
+                  <a:srgbClr val="81D4FA"/>
+                </a:solidFill>
+              </a:rPr>
+              <a:t>eam</a:t>
+            </a:r>
+            <a:endParaRPr lang="en-US" sz="4000" dirty="0">
               <a:solidFill>
                 <a:srgbClr val="81D4FA"/>
               </a:solidFill>
@@ -9360,33 +10591,50 @@
               <a:buChar char="•"/>
             </a:pPr>
             <a:r>
-              <a:rPr lang="de-DE" sz="2400" dirty="0" smtClean="0"/>
-              <a:t>komplexe </a:t>
-            </a:r>
-            <a:r>
-              <a:rPr lang="de-DE" sz="2400" dirty="0" smtClean="0">
+              <a:rPr lang="en-US" sz="2400" dirty="0" smtClean="0"/>
+              <a:t>complex </a:t>
+            </a:r>
+            <a:r>
+              <a:rPr lang="en-US" sz="2400" dirty="0" smtClean="0">
                 <a:solidFill>
                   <a:srgbClr val="81D4FA"/>
                 </a:solidFill>
               </a:rPr>
-              <a:t>Projekte</a:t>
-            </a:r>
-            <a:r>
-              <a:rPr lang="de-DE" sz="2400" dirty="0" smtClean="0"/>
-              <a:t> setzen große </a:t>
-            </a:r>
-            <a:r>
-              <a:rPr lang="de-DE" sz="2400" dirty="0" smtClean="0">
+              <a:t>p</a:t>
+            </a:r>
+            <a:r>
+              <a:rPr lang="en-US" sz="2400" dirty="0" smtClean="0">
                 <a:solidFill>
                   <a:srgbClr val="81D4FA"/>
                 </a:solidFill>
               </a:rPr>
-              <a:t>Teams </a:t>
-            </a:r>
-            <a:r>
-              <a:rPr lang="de-DE" sz="2400" dirty="0" smtClean="0"/>
-              <a:t>voraus</a:t>
-            </a:r>
+              <a:t>rojects</a:t>
+            </a:r>
+            <a:r>
+              <a:rPr lang="en-US" sz="2400" dirty="0" smtClean="0"/>
+              <a:t> require </a:t>
+            </a:r>
+            <a:r>
+              <a:rPr lang="en-US" sz="2400" dirty="0" smtClean="0">
+                <a:solidFill>
+                  <a:srgbClr val="81D4FA"/>
+                </a:solidFill>
+              </a:rPr>
+              <a:t>t</a:t>
+            </a:r>
+            <a:r>
+              <a:rPr lang="en-US" sz="2400" dirty="0" smtClean="0">
+                <a:solidFill>
+                  <a:srgbClr val="81D4FA"/>
+                </a:solidFill>
+              </a:rPr>
+              <a:t>eams </a:t>
+            </a:r>
+            <a:r>
+              <a:rPr lang="en-US" sz="2400" dirty="0" smtClean="0"/>
+              <a:t>of developers</a:t>
+            </a:r>
+            <a:endParaRPr lang="en-US" sz="2400" dirty="0" smtClean="0"/>
           </a:p>
           <a:p>
             <a:pPr marL="457200" indent="-457200">
@@ -9397,45 +10645,46 @@
               <a:buChar char="•"/>
             </a:pPr>
             <a:r>
-              <a:rPr lang="en-US" sz="2400" dirty="0" err="1" smtClean="0"/>
-              <a:t>moderne</a:t>
-            </a:r>
-            <a:r>
-              <a:rPr lang="en-US" sz="2400" dirty="0" smtClean="0"/>
-              <a:t> SE </a:t>
-            </a:r>
-            <a:r>
-              <a:rPr lang="de-DE" sz="2400" dirty="0" smtClean="0"/>
-              <a:t>ist </a:t>
-            </a:r>
-            <a:r>
-              <a:rPr lang="de-DE" sz="2400" dirty="0" err="1" smtClean="0">
+              <a:rPr lang="en-US" sz="2400" dirty="0" smtClean="0"/>
+              <a:t>modern SE is </a:t>
+            </a:r>
+            <a:r>
+              <a:rPr lang="en-US" sz="2400" dirty="0" smtClean="0">
                 <a:solidFill>
                   <a:srgbClr val="81D4FA"/>
                 </a:solidFill>
               </a:rPr>
-              <a:t>kollaborativ</a:t>
-            </a:r>
-            <a:r>
-              <a:rPr lang="de-DE" sz="2400" dirty="0" smtClean="0">
+              <a:t>c</a:t>
+            </a:r>
+            <a:r>
+              <a:rPr lang="en-US" sz="2400" dirty="0" smtClean="0">
                 <a:solidFill>
                   <a:srgbClr val="81D4FA"/>
                 </a:solidFill>
               </a:rPr>
-              <a:t> </a:t>
-            </a:r>
-            <a:r>
-              <a:rPr lang="en-US" sz="2400" dirty="0" smtClean="0"/>
-              <a:t>und </a:t>
-            </a:r>
-            <a:r>
-              <a:rPr lang="de-DE" sz="2400" dirty="0" smtClean="0">
+              <a:t>ollaborative </a:t>
+            </a:r>
+            <a:r>
+              <a:rPr lang="en-US" sz="2400" dirty="0" smtClean="0"/>
+              <a:t>a</a:t>
+            </a:r>
+            <a:r>
+              <a:rPr lang="en-US" sz="2400" dirty="0" smtClean="0"/>
+              <a:t>nd </a:t>
+            </a:r>
+            <a:r>
+              <a:rPr lang="en-US" sz="2400" dirty="0" smtClean="0">
                 <a:solidFill>
                   <a:srgbClr val="81D4FA"/>
                 </a:solidFill>
               </a:rPr>
-              <a:t>verteilt</a:t>
-            </a:r>
+              <a:t>distributed</a:t>
+            </a:r>
+            <a:endParaRPr lang="en-US" sz="2400" dirty="0" smtClean="0">
+              <a:solidFill>
+                <a:srgbClr val="81D4FA"/>
+              </a:solidFill>
+            </a:endParaRPr>
           </a:p>
           <a:p>
             <a:pPr marL="457200" indent="-457200">
@@ -9446,14 +10695,17 @@
               <a:buChar char="•"/>
             </a:pPr>
             <a:r>
-              <a:rPr lang="de-DE" sz="2400" dirty="0" smtClean="0">
+              <a:rPr lang="en-US" sz="2400" dirty="0" smtClean="0">
                 <a:solidFill>
                   <a:srgbClr val="81D4FA"/>
                 </a:solidFill>
               </a:rPr>
-              <a:t>Arbeitsteilung</a:t>
-            </a:r>
-            <a:endParaRPr lang="de-DE" sz="2400" dirty="0" smtClean="0"/>
+              <a:t>division of labor </a:t>
+            </a:r>
+            <a:r>
+              <a:rPr lang="en-US" sz="2400" dirty="0" smtClean="0"/>
+              <a:t>as central aspect</a:t>
+            </a:r>
           </a:p>
           <a:p>
             <a:pPr marL="457200" indent="-457200">
@@ -9464,24 +10716,36 @@
               <a:buChar char="•"/>
             </a:pPr>
             <a:r>
-              <a:rPr lang="de-DE" sz="2400" dirty="0" smtClean="0">
+              <a:rPr lang="en-US" sz="2400" dirty="0" smtClean="0">
                 <a:solidFill>
                   <a:srgbClr val="81D4FA"/>
                 </a:solidFill>
               </a:rPr>
-              <a:t>Integration</a:t>
+              <a:t>i</a:t>
+            </a:r>
+            <a:r>
+              <a:rPr lang="en-US" sz="2400" dirty="0" smtClean="0">
+                <a:solidFill>
+                  <a:srgbClr val="81D4FA"/>
+                </a:solidFill>
+              </a:rPr>
+              <a:t>ntegration</a:t>
             </a:r>
             <a:r>
               <a:rPr lang="de-DE" sz="2400" dirty="0" smtClean="0"/>
-              <a:t> aller Einzelteile zu einem </a:t>
-            </a:r>
-            <a:r>
-              <a:rPr lang="de-DE" sz="2400" dirty="0" smtClean="0">
+              <a:t> </a:t>
+            </a:r>
+            <a:r>
+              <a:rPr lang="en-US" sz="2400" dirty="0" smtClean="0"/>
+              <a:t>of sub parts to one </a:t>
+            </a:r>
+            <a:r>
+              <a:rPr lang="en-US" sz="2400" dirty="0" smtClean="0">
                 <a:solidFill>
                   <a:srgbClr val="81D4FA"/>
                 </a:solidFill>
               </a:rPr>
-              <a:t>Ganzen</a:t>
+              <a:t>whole</a:t>
             </a:r>
           </a:p>
           <a:p>
@@ -9500,36 +10764,12 @@
               <a:t> </a:t>
             </a:r>
             <a:r>
-              <a:rPr lang="de-DE" sz="2400" dirty="0" smtClean="0">
+              <a:rPr lang="en-US" sz="2400" dirty="0" smtClean="0">
                 <a:solidFill>
                   <a:srgbClr val="FFFF00"/>
                 </a:solidFill>
               </a:rPr>
-              <a:t>Wie verwaltet </a:t>
-            </a:r>
-            <a:r>
-              <a:rPr lang="en-US" sz="2400" dirty="0" smtClean="0">
-                <a:solidFill>
-                  <a:srgbClr val="FFFF00"/>
-                </a:solidFill>
-              </a:rPr>
-              <a:t>man am </a:t>
-            </a:r>
-            <a:r>
-              <a:rPr lang="de-DE" sz="2400" dirty="0" smtClean="0">
-                <a:solidFill>
-                  <a:srgbClr val="FFFF00"/>
-                </a:solidFill>
-              </a:rPr>
-              <a:t>besten</a:t>
-            </a:r>
-            <a:r>
-              <a:rPr lang="en-US" sz="2400" dirty="0" smtClean="0">
-                <a:solidFill>
-                  <a:srgbClr val="FFFF00"/>
-                </a:solidFill>
-              </a:rPr>
-              <a:t> die Codebase?</a:t>
+              <a:t>How do you manage the code base?</a:t>
             </a:r>
             <a:endParaRPr lang="en-US" sz="2400" dirty="0">
               <a:solidFill>
@@ -9574,6 +10814,1466 @@
     <p:extLst>
       <p:ext uri="{BB962C8B-B14F-4D97-AF65-F5344CB8AC3E}">
         <p14:creationId xmlns:p14="http://schemas.microsoft.com/office/powerpoint/2010/main" val="3016867768"/>
+      </p:ext>
+    </p:extLst>
+  </p:cSld>
+  <p:clrMapOvr>
+    <a:masterClrMapping/>
+  </p:clrMapOvr>
+  <p:timing>
+    <p:tnLst>
+      <p:par>
+        <p:cTn id="1" dur="indefinite" restart="never" nodeType="tmRoot"/>
+      </p:par>
+    </p:tnLst>
+  </p:timing>
+</p:sld>
+</file>
+
+<file path=ppt/slides/slide30.xml><?xml version="1.0" encoding="utf-8"?>
+<p:sld xmlns:a="http://schemas.openxmlformats.org/drawingml/2006/main" xmlns:r="http://schemas.openxmlformats.org/officeDocument/2006/relationships" xmlns:p="http://schemas.openxmlformats.org/presentationml/2006/main">
+  <p:cSld>
+    <p:spTree>
+      <p:nvGrpSpPr>
+        <p:cNvPr id="1" name=""/>
+        <p:cNvGrpSpPr/>
+        <p:nvPr/>
+      </p:nvGrpSpPr>
+      <p:grpSpPr>
+        <a:xfrm>
+          <a:off x="0" y="0"/>
+          <a:ext cx="0" cy="0"/>
+          <a:chOff x="0" y="0"/>
+          <a:chExt cx="0" cy="0"/>
+        </a:xfrm>
+      </p:grpSpPr>
+      <p:cxnSp>
+        <p:nvCxnSpPr>
+          <p:cNvPr id="7" name="Gerade Verbindung 6"/>
+          <p:cNvCxnSpPr/>
+          <p:nvPr/>
+        </p:nvCxnSpPr>
+        <p:spPr>
+          <a:xfrm>
+            <a:off x="603504" y="1463040"/>
+            <a:ext cx="0" cy="2057400"/>
+          </a:xfrm>
+          <a:prstGeom prst="line">
+            <a:avLst/>
+          </a:prstGeom>
+          <a:ln w="12700">
+            <a:solidFill>
+              <a:srgbClr val="0277BD"/>
+            </a:solidFill>
+          </a:ln>
+        </p:spPr>
+        <p:style>
+          <a:lnRef idx="1">
+            <a:schemeClr val="accent1"/>
+          </a:lnRef>
+          <a:fillRef idx="0">
+            <a:schemeClr val="accent1"/>
+          </a:fillRef>
+          <a:effectRef idx="0">
+            <a:schemeClr val="accent1"/>
+          </a:effectRef>
+          <a:fontRef idx="minor">
+            <a:schemeClr val="tx1"/>
+          </a:fontRef>
+        </p:style>
+      </p:cxnSp>
+      <p:sp>
+        <p:nvSpPr>
+          <p:cNvPr id="2" name="Titel 1"/>
+          <p:cNvSpPr>
+            <a:spLocks noGrp="1"/>
+          </p:cNvSpPr>
+          <p:nvPr>
+            <p:ph type="title"/>
+          </p:nvPr>
+        </p:nvSpPr>
+        <p:spPr/>
+        <p:txBody>
+          <a:bodyPr/>
+          <a:lstStyle/>
+          <a:p>
+            <a:pPr algn="l"/>
+            <a:r>
+              <a:rPr lang="en-US" sz="4000" dirty="0" smtClean="0"/>
+              <a:t>Dude… check out </a:t>
+            </a:r>
+            <a:r>
+              <a:rPr lang="en-US" sz="4000" dirty="0" smtClean="0"/>
+              <a:t>‘</a:t>
+            </a:r>
+            <a:r>
+              <a:rPr lang="en-US" sz="4000" dirty="0" err="1" smtClean="0"/>
+              <a:t>git</a:t>
+            </a:r>
+            <a:r>
+              <a:rPr lang="en-US" sz="4000" dirty="0" smtClean="0"/>
+              <a:t> checkout</a:t>
+            </a:r>
+            <a:r>
+              <a:rPr lang="en-US" sz="4000" dirty="0" smtClean="0"/>
+              <a:t>’</a:t>
+            </a:r>
+            <a:endParaRPr lang="de-DE" sz="4000" dirty="0"/>
+          </a:p>
+        </p:txBody>
+      </p:sp>
+      <p:sp>
+        <p:nvSpPr>
+          <p:cNvPr id="3" name="Inhaltsplatzhalter 2"/>
+          <p:cNvSpPr>
+            <a:spLocks noGrp="1"/>
+          </p:cNvSpPr>
+          <p:nvPr>
+            <p:ph idx="1"/>
+          </p:nvPr>
+        </p:nvSpPr>
+        <p:spPr/>
+        <p:txBody>
+          <a:bodyPr>
+            <a:normAutofit/>
+          </a:bodyPr>
+          <a:lstStyle/>
+          <a:p>
+            <a:pPr marL="342900" indent="-342900">
+              <a:buClr>
+                <a:srgbClr val="FFFF00"/>
+              </a:buClr>
+              <a:buFont typeface="Arial" panose="020B0604020202020204" pitchFamily="34" charset="0"/>
+              <a:buChar char="•"/>
+            </a:pPr>
+            <a:r>
+              <a:rPr lang="en-US" sz="2400" dirty="0" smtClean="0"/>
+              <a:t>enables </a:t>
+            </a:r>
+            <a:r>
+              <a:rPr lang="en-US" sz="2400" dirty="0" smtClean="0">
+                <a:solidFill>
+                  <a:srgbClr val="81D4FA"/>
+                </a:solidFill>
+              </a:rPr>
+              <a:t>changing between views </a:t>
+            </a:r>
+            <a:r>
+              <a:rPr lang="en-US" sz="2400" dirty="0" smtClean="0"/>
+              <a:t>of different objects in the repository</a:t>
+            </a:r>
+          </a:p>
+          <a:p>
+            <a:pPr marL="342900" indent="-342900">
+              <a:buClr>
+                <a:srgbClr val="FFFF00"/>
+              </a:buClr>
+              <a:buFont typeface="Arial" panose="020B0604020202020204" pitchFamily="34" charset="0"/>
+              <a:buChar char="•"/>
+            </a:pPr>
+            <a:r>
+              <a:rPr lang="en-US" sz="2400" dirty="0" err="1" smtClean="0"/>
+              <a:t>git</a:t>
+            </a:r>
+            <a:r>
+              <a:rPr lang="en-US" sz="2400" dirty="0" smtClean="0"/>
+              <a:t> checkout </a:t>
+            </a:r>
+            <a:r>
+              <a:rPr lang="en-US" sz="2400" dirty="0" smtClean="0"/>
+              <a:t>works </a:t>
+            </a:r>
+            <a:r>
+              <a:rPr lang="en-US" sz="2400" dirty="0" smtClean="0"/>
+              <a:t>for </a:t>
+            </a:r>
+            <a:r>
+              <a:rPr lang="en-US" sz="2400" dirty="0" smtClean="0">
+                <a:solidFill>
+                  <a:srgbClr val="81D4FA"/>
+                </a:solidFill>
+              </a:rPr>
+              <a:t>s</a:t>
+            </a:r>
+            <a:r>
+              <a:rPr lang="en-US" sz="2400" dirty="0" smtClean="0">
+                <a:solidFill>
+                  <a:srgbClr val="81D4FA"/>
+                </a:solidFill>
+              </a:rPr>
+              <a:t>ingle</a:t>
+            </a:r>
+            <a:r>
+              <a:rPr lang="en-US" sz="2400" dirty="0" smtClean="0"/>
+              <a:t> </a:t>
+            </a:r>
+            <a:r>
+              <a:rPr lang="en-US" sz="2400" dirty="0" smtClean="0">
+                <a:solidFill>
+                  <a:srgbClr val="81D4FA"/>
+                </a:solidFill>
+              </a:rPr>
+              <a:t>files</a:t>
+            </a:r>
+            <a:r>
+              <a:rPr lang="en-US" sz="2400" dirty="0" smtClean="0"/>
+              <a:t>, </a:t>
+            </a:r>
+            <a:r>
+              <a:rPr lang="en-US" sz="2400" dirty="0" smtClean="0">
+                <a:solidFill>
+                  <a:srgbClr val="81D4FA"/>
+                </a:solidFill>
+              </a:rPr>
+              <a:t>commits</a:t>
+            </a:r>
+            <a:r>
+              <a:rPr lang="en-US" sz="2400" dirty="0" smtClean="0"/>
+              <a:t> and </a:t>
+            </a:r>
+            <a:r>
+              <a:rPr lang="en-US" sz="2400" dirty="0" smtClean="0">
+                <a:solidFill>
+                  <a:srgbClr val="81D4FA"/>
+                </a:solidFill>
+              </a:rPr>
+              <a:t>branches</a:t>
+            </a:r>
+            <a:r>
+              <a:rPr lang="en-US" sz="2400" dirty="0" smtClean="0"/>
+              <a:t> </a:t>
+            </a:r>
+            <a:r>
+              <a:rPr lang="en-US" sz="2400" dirty="0" smtClean="0"/>
+              <a:t>possible</a:t>
+            </a:r>
+            <a:endParaRPr lang="en-US" sz="2400" dirty="0" smtClean="0"/>
+          </a:p>
+          <a:p>
+            <a:pPr marL="342900" indent="-342900">
+              <a:buClr>
+                <a:srgbClr val="FFFF00"/>
+              </a:buClr>
+              <a:buFont typeface="Arial" panose="020B0604020202020204" pitchFamily="34" charset="0"/>
+              <a:buChar char="•"/>
+            </a:pPr>
+            <a:endParaRPr lang="en-US" sz="2400" dirty="0"/>
+          </a:p>
+          <a:p>
+            <a:pPr marL="342900" indent="-342900">
+              <a:buClr>
+                <a:srgbClr val="FFFF00"/>
+              </a:buClr>
+              <a:buFont typeface="Arial" panose="020B0604020202020204" pitchFamily="34" charset="0"/>
+              <a:buChar char="•"/>
+            </a:pPr>
+            <a:r>
+              <a:rPr lang="en-US" sz="2400" dirty="0" smtClean="0"/>
+              <a:t>short form for creating a</a:t>
+            </a:r>
+            <a:r>
+              <a:rPr lang="en-US" sz="2400" dirty="0" smtClean="0"/>
+              <a:t> </a:t>
+            </a:r>
+            <a:r>
+              <a:rPr lang="en-US" sz="2400" dirty="0" smtClean="0"/>
+              <a:t>branch </a:t>
+            </a:r>
+            <a:r>
+              <a:rPr lang="en-US" sz="2400" dirty="0" smtClean="0"/>
+              <a:t>and changing to it immediately</a:t>
+            </a:r>
+            <a:endParaRPr lang="de-DE" sz="2400" dirty="0" smtClean="0"/>
+          </a:p>
+          <a:p>
+            <a:pPr marL="342900" indent="-342900">
+              <a:buClr>
+                <a:srgbClr val="FFFF00"/>
+              </a:buClr>
+              <a:buFont typeface="Arial" panose="020B0604020202020204" pitchFamily="34" charset="0"/>
+              <a:buChar char="•"/>
+            </a:pPr>
+            <a:endParaRPr lang="de-DE" sz="2400" dirty="0" smtClean="0"/>
+          </a:p>
+          <a:p>
+            <a:pPr>
+              <a:buClr>
+                <a:srgbClr val="FFFF00"/>
+              </a:buClr>
+            </a:pPr>
+            <a:endParaRPr lang="de-DE" sz="2400" dirty="0"/>
+          </a:p>
+        </p:txBody>
+      </p:sp>
+      <p:sp>
+        <p:nvSpPr>
+          <p:cNvPr id="4" name="Fußzeilenplatzhalter 3"/>
+          <p:cNvSpPr>
+            <a:spLocks noGrp="1"/>
+          </p:cNvSpPr>
+          <p:nvPr>
+            <p:ph type="ftr" sz="quarter" idx="11"/>
+          </p:nvPr>
+        </p:nvSpPr>
+        <p:spPr/>
+        <p:txBody>
+          <a:bodyPr/>
+          <a:lstStyle/>
+          <a:p>
+            <a:r>
+              <a:rPr lang="en-US" smtClean="0"/>
+              <a:t>TU Dresden – Robolab 2018</a:t>
+            </a:r>
+            <a:endParaRPr lang="en-US" dirty="0"/>
+          </a:p>
+        </p:txBody>
+      </p:sp>
+      <p:pic>
+        <p:nvPicPr>
+          <p:cNvPr id="5" name="Picture 3"/>
+          <p:cNvPicPr>
+            <a:picLocks noChangeAspect="1" noChangeArrowheads="1"/>
+          </p:cNvPicPr>
+          <p:nvPr/>
+        </p:nvPicPr>
+        <p:blipFill>
+          <a:blip r:embed="rId2">
+            <a:extLst>
+              <a:ext uri="{28A0092B-C50C-407E-A947-70E740481C1C}">
+                <a14:useLocalDpi xmlns:a14="http://schemas.microsoft.com/office/drawing/2010/main" val="0"/>
+              </a:ext>
+            </a:extLst>
+          </a:blip>
+          <a:srcRect/>
+          <a:stretch>
+            <a:fillRect/>
+          </a:stretch>
+        </p:blipFill>
+        <p:spPr bwMode="auto">
+          <a:xfrm>
+            <a:off x="838200" y="2800350"/>
+            <a:ext cx="3205540" cy="481069"/>
+          </a:xfrm>
+          <a:prstGeom prst="rect">
+            <a:avLst/>
+          </a:prstGeom>
+          <a:noFill/>
+          <a:ln>
+            <a:noFill/>
+          </a:ln>
+          <a:extLst>
+            <a:ext uri="{909E8E84-426E-40DD-AFC4-6F175D3DCCD1}">
+              <a14:hiddenFill xmlns:a14="http://schemas.microsoft.com/office/drawing/2010/main">
+                <a:solidFill>
+                  <a:schemeClr val="accent1"/>
+                </a:solidFill>
+              </a14:hiddenFill>
+            </a:ext>
+            <a:ext uri="{91240B29-F687-4F45-9708-019B960494DF}">
+              <a14:hiddenLine xmlns:a14="http://schemas.microsoft.com/office/drawing/2010/main" w="9525">
+                <a:solidFill>
+                  <a:schemeClr val="tx1"/>
+                </a:solidFill>
+                <a:miter lim="800000"/>
+                <a:headEnd/>
+                <a:tailEnd/>
+              </a14:hiddenLine>
+            </a:ext>
+          </a:extLst>
+        </p:spPr>
+      </p:pic>
+    </p:spTree>
+    <p:extLst>
+      <p:ext uri="{BB962C8B-B14F-4D97-AF65-F5344CB8AC3E}">
+        <p14:creationId xmlns:p14="http://schemas.microsoft.com/office/powerpoint/2010/main" val="615567245"/>
+      </p:ext>
+    </p:extLst>
+  </p:cSld>
+  <p:clrMapOvr>
+    <a:masterClrMapping/>
+  </p:clrMapOvr>
+  <p:timing>
+    <p:tnLst>
+      <p:par>
+        <p:cTn id="1" dur="indefinite" restart="never" nodeType="tmRoot"/>
+      </p:par>
+    </p:tnLst>
+  </p:timing>
+</p:sld>
+</file>
+
+<file path=ppt/slides/slide31.xml><?xml version="1.0" encoding="utf-8"?>
+<p:sld xmlns:a="http://schemas.openxmlformats.org/drawingml/2006/main" xmlns:r="http://schemas.openxmlformats.org/officeDocument/2006/relationships" xmlns:p="http://schemas.openxmlformats.org/presentationml/2006/main">
+  <p:cSld>
+    <p:spTree>
+      <p:nvGrpSpPr>
+        <p:cNvPr id="1" name=""/>
+        <p:cNvGrpSpPr/>
+        <p:nvPr/>
+      </p:nvGrpSpPr>
+      <p:grpSpPr>
+        <a:xfrm>
+          <a:off x="0" y="0"/>
+          <a:ext cx="0" cy="0"/>
+          <a:chOff x="0" y="0"/>
+          <a:chExt cx="0" cy="0"/>
+        </a:xfrm>
+      </p:grpSpPr>
+      <p:sp>
+        <p:nvSpPr>
+          <p:cNvPr id="2" name="Titel 1"/>
+          <p:cNvSpPr>
+            <a:spLocks noGrp="1"/>
+          </p:cNvSpPr>
+          <p:nvPr>
+            <p:ph type="title"/>
+          </p:nvPr>
+        </p:nvSpPr>
+        <p:spPr/>
+        <p:txBody>
+          <a:bodyPr/>
+          <a:lstStyle/>
+          <a:p>
+            <a:pPr algn="l"/>
+            <a:r>
+              <a:rPr lang="en-US" sz="4000" dirty="0" smtClean="0"/>
+              <a:t>Branching </a:t>
+            </a:r>
+            <a:r>
+              <a:rPr lang="en-US" sz="4000" dirty="0" smtClean="0"/>
+              <a:t>visualized</a:t>
+            </a:r>
+            <a:endParaRPr lang="de-DE" sz="4000" dirty="0"/>
+          </a:p>
+        </p:txBody>
+      </p:sp>
+      <p:sp>
+        <p:nvSpPr>
+          <p:cNvPr id="4" name="Fußzeilenplatzhalter 3"/>
+          <p:cNvSpPr>
+            <a:spLocks noGrp="1"/>
+          </p:cNvSpPr>
+          <p:nvPr>
+            <p:ph type="ftr" sz="quarter" idx="11"/>
+          </p:nvPr>
+        </p:nvSpPr>
+        <p:spPr/>
+        <p:txBody>
+          <a:bodyPr/>
+          <a:lstStyle/>
+          <a:p>
+            <a:r>
+              <a:rPr lang="en-US" smtClean="0"/>
+              <a:t>TU Dresden – Robolab 2018</a:t>
+            </a:r>
+            <a:endParaRPr lang="en-US" dirty="0"/>
+          </a:p>
+        </p:txBody>
+      </p:sp>
+      <p:pic>
+        <p:nvPicPr>
+          <p:cNvPr id="5" name="Picture 14" descr="C:\Users\Sinthu\Desktop\branches.png"/>
+          <p:cNvPicPr>
+            <a:picLocks noChangeAspect="1" noChangeArrowheads="1"/>
+          </p:cNvPicPr>
+          <p:nvPr/>
+        </p:nvPicPr>
+        <p:blipFill>
+          <a:blip r:embed="rId2" cstate="print">
+            <a:extLst>
+              <a:ext uri="{28A0092B-C50C-407E-A947-70E740481C1C}">
+                <a14:useLocalDpi xmlns:a14="http://schemas.microsoft.com/office/drawing/2010/main" val="0"/>
+              </a:ext>
+            </a:extLst>
+          </a:blip>
+          <a:srcRect/>
+          <a:stretch>
+            <a:fillRect/>
+          </a:stretch>
+        </p:blipFill>
+        <p:spPr bwMode="auto">
+          <a:xfrm>
+            <a:off x="1468861" y="971550"/>
+            <a:ext cx="5922539" cy="3621587"/>
+          </a:xfrm>
+          <a:prstGeom prst="rect">
+            <a:avLst/>
+          </a:prstGeom>
+          <a:noFill/>
+          <a:extLst>
+            <a:ext uri="{909E8E84-426E-40DD-AFC4-6F175D3DCCD1}">
+              <a14:hiddenFill xmlns:a14="http://schemas.microsoft.com/office/drawing/2010/main">
+                <a:solidFill>
+                  <a:srgbClr val="FFFFFF"/>
+                </a:solidFill>
+              </a14:hiddenFill>
+            </a:ext>
+          </a:extLst>
+        </p:spPr>
+      </p:pic>
+      <p:sp>
+        <p:nvSpPr>
+          <p:cNvPr id="6" name="Ellipse 5"/>
+          <p:cNvSpPr/>
+          <p:nvPr/>
+        </p:nvSpPr>
+        <p:spPr>
+          <a:xfrm>
+            <a:off x="2898236" y="1935480"/>
+            <a:ext cx="381000" cy="381000"/>
+          </a:xfrm>
+          <a:prstGeom prst="ellipse">
+            <a:avLst/>
+          </a:prstGeom>
+          <a:solidFill>
+            <a:schemeClr val="accent3">
+              <a:lumMod val="60000"/>
+              <a:lumOff val="40000"/>
+            </a:schemeClr>
+          </a:solidFill>
+          <a:ln>
+            <a:noFill/>
+          </a:ln>
+        </p:spPr>
+        <p:style>
+          <a:lnRef idx="2">
+            <a:schemeClr val="accent1">
+              <a:shade val="50000"/>
+            </a:schemeClr>
+          </a:lnRef>
+          <a:fillRef idx="1">
+            <a:schemeClr val="accent1"/>
+          </a:fillRef>
+          <a:effectRef idx="0">
+            <a:schemeClr val="accent1"/>
+          </a:effectRef>
+          <a:fontRef idx="minor">
+            <a:schemeClr val="lt1"/>
+          </a:fontRef>
+        </p:style>
+        <p:txBody>
+          <a:bodyPr rtlCol="0" anchor="ctr"/>
+          <a:lstStyle/>
+          <a:p>
+            <a:pPr algn="ctr"/>
+            <a:r>
+              <a:rPr lang="en-US" sz="1400" dirty="0" smtClean="0">
+                <a:solidFill>
+                  <a:srgbClr val="03A9F4"/>
+                </a:solidFill>
+                <a:latin typeface="Bahnschrift Light" panose="020B0502040204020203" pitchFamily="34" charset="0"/>
+              </a:rPr>
+              <a:t>2</a:t>
+            </a:r>
+            <a:endParaRPr lang="de-DE" sz="1400" dirty="0">
+              <a:solidFill>
+                <a:srgbClr val="03A9F4"/>
+              </a:solidFill>
+              <a:latin typeface="Bahnschrift Light" panose="020B0502040204020203" pitchFamily="34" charset="0"/>
+            </a:endParaRPr>
+          </a:p>
+        </p:txBody>
+      </p:sp>
+      <p:sp>
+        <p:nvSpPr>
+          <p:cNvPr id="7" name="Ellipse 6"/>
+          <p:cNvSpPr/>
+          <p:nvPr/>
+        </p:nvSpPr>
+        <p:spPr>
+          <a:xfrm>
+            <a:off x="1478957" y="2591843"/>
+            <a:ext cx="381000" cy="381000"/>
+          </a:xfrm>
+          <a:prstGeom prst="ellipse">
+            <a:avLst/>
+          </a:prstGeom>
+          <a:solidFill>
+            <a:srgbClr val="FFFF00"/>
+          </a:solidFill>
+          <a:ln>
+            <a:noFill/>
+          </a:ln>
+        </p:spPr>
+        <p:style>
+          <a:lnRef idx="2">
+            <a:schemeClr val="accent1">
+              <a:shade val="50000"/>
+            </a:schemeClr>
+          </a:lnRef>
+          <a:fillRef idx="1">
+            <a:schemeClr val="accent1"/>
+          </a:fillRef>
+          <a:effectRef idx="0">
+            <a:schemeClr val="accent1"/>
+          </a:effectRef>
+          <a:fontRef idx="minor">
+            <a:schemeClr val="lt1"/>
+          </a:fontRef>
+        </p:style>
+        <p:txBody>
+          <a:bodyPr rtlCol="0" anchor="ctr"/>
+          <a:lstStyle/>
+          <a:p>
+            <a:pPr algn="ctr"/>
+            <a:r>
+              <a:rPr lang="en-US" sz="1400" dirty="0" smtClean="0">
+                <a:solidFill>
+                  <a:srgbClr val="03A9F4"/>
+                </a:solidFill>
+                <a:latin typeface="Bahnschrift Light" panose="020B0502040204020203" pitchFamily="34" charset="0"/>
+              </a:rPr>
+              <a:t>1</a:t>
+            </a:r>
+            <a:endParaRPr lang="de-DE" sz="1400" dirty="0">
+              <a:solidFill>
+                <a:srgbClr val="03A9F4"/>
+              </a:solidFill>
+              <a:latin typeface="Bahnschrift Light" panose="020B0502040204020203" pitchFamily="34" charset="0"/>
+            </a:endParaRPr>
+          </a:p>
+        </p:txBody>
+      </p:sp>
+      <p:sp>
+        <p:nvSpPr>
+          <p:cNvPr id="8" name="Ellipse 7"/>
+          <p:cNvSpPr/>
+          <p:nvPr/>
+        </p:nvSpPr>
+        <p:spPr>
+          <a:xfrm>
+            <a:off x="2898236" y="2591843"/>
+            <a:ext cx="381000" cy="381000"/>
+          </a:xfrm>
+          <a:prstGeom prst="ellipse">
+            <a:avLst/>
+          </a:prstGeom>
+          <a:solidFill>
+            <a:srgbClr val="FFFF00"/>
+          </a:solidFill>
+          <a:ln>
+            <a:noFill/>
+          </a:ln>
+        </p:spPr>
+        <p:style>
+          <a:lnRef idx="2">
+            <a:schemeClr val="accent1">
+              <a:shade val="50000"/>
+            </a:schemeClr>
+          </a:lnRef>
+          <a:fillRef idx="1">
+            <a:schemeClr val="accent1"/>
+          </a:fillRef>
+          <a:effectRef idx="0">
+            <a:schemeClr val="accent1"/>
+          </a:effectRef>
+          <a:fontRef idx="minor">
+            <a:schemeClr val="lt1"/>
+          </a:fontRef>
+        </p:style>
+        <p:txBody>
+          <a:bodyPr rtlCol="0" anchor="ctr"/>
+          <a:lstStyle/>
+          <a:p>
+            <a:pPr algn="ctr"/>
+            <a:r>
+              <a:rPr lang="en-US" sz="1400" dirty="0">
+                <a:solidFill>
+                  <a:srgbClr val="03A9F4"/>
+                </a:solidFill>
+                <a:latin typeface="Bahnschrift Light" panose="020B0502040204020203" pitchFamily="34" charset="0"/>
+              </a:rPr>
+              <a:t>3</a:t>
+            </a:r>
+            <a:endParaRPr lang="de-DE" sz="1400" dirty="0">
+              <a:solidFill>
+                <a:srgbClr val="03A9F4"/>
+              </a:solidFill>
+              <a:latin typeface="Bahnschrift Light" panose="020B0502040204020203" pitchFamily="34" charset="0"/>
+            </a:endParaRPr>
+          </a:p>
+        </p:txBody>
+      </p:sp>
+      <p:sp>
+        <p:nvSpPr>
+          <p:cNvPr id="9" name="Ellipse 8"/>
+          <p:cNvSpPr/>
+          <p:nvPr/>
+        </p:nvSpPr>
+        <p:spPr>
+          <a:xfrm>
+            <a:off x="3666332" y="2591843"/>
+            <a:ext cx="381000" cy="381000"/>
+          </a:xfrm>
+          <a:prstGeom prst="ellipse">
+            <a:avLst/>
+          </a:prstGeom>
+          <a:solidFill>
+            <a:srgbClr val="FFFF00"/>
+          </a:solidFill>
+          <a:ln>
+            <a:noFill/>
+          </a:ln>
+        </p:spPr>
+        <p:style>
+          <a:lnRef idx="2">
+            <a:schemeClr val="accent1">
+              <a:shade val="50000"/>
+            </a:schemeClr>
+          </a:lnRef>
+          <a:fillRef idx="1">
+            <a:schemeClr val="accent1"/>
+          </a:fillRef>
+          <a:effectRef idx="0">
+            <a:schemeClr val="accent1"/>
+          </a:effectRef>
+          <a:fontRef idx="minor">
+            <a:schemeClr val="lt1"/>
+          </a:fontRef>
+        </p:style>
+        <p:txBody>
+          <a:bodyPr rtlCol="0" anchor="ctr"/>
+          <a:lstStyle/>
+          <a:p>
+            <a:pPr algn="ctr"/>
+            <a:r>
+              <a:rPr lang="en-US" sz="1400" dirty="0">
+                <a:solidFill>
+                  <a:srgbClr val="03A9F4"/>
+                </a:solidFill>
+                <a:latin typeface="Bahnschrift Light" panose="020B0502040204020203" pitchFamily="34" charset="0"/>
+              </a:rPr>
+              <a:t>4</a:t>
+            </a:r>
+            <a:endParaRPr lang="de-DE" sz="1400" dirty="0">
+              <a:solidFill>
+                <a:srgbClr val="03A9F4"/>
+              </a:solidFill>
+              <a:latin typeface="Bahnschrift Light" panose="020B0502040204020203" pitchFamily="34" charset="0"/>
+            </a:endParaRPr>
+          </a:p>
+        </p:txBody>
+      </p:sp>
+      <p:sp>
+        <p:nvSpPr>
+          <p:cNvPr id="10" name="Ellipse 9"/>
+          <p:cNvSpPr/>
+          <p:nvPr/>
+        </p:nvSpPr>
+        <p:spPr>
+          <a:xfrm>
+            <a:off x="5159852" y="2591843"/>
+            <a:ext cx="381000" cy="381000"/>
+          </a:xfrm>
+          <a:prstGeom prst="ellipse">
+            <a:avLst/>
+          </a:prstGeom>
+          <a:solidFill>
+            <a:srgbClr val="FFFF00"/>
+          </a:solidFill>
+          <a:ln>
+            <a:noFill/>
+          </a:ln>
+        </p:spPr>
+        <p:style>
+          <a:lnRef idx="2">
+            <a:schemeClr val="accent1">
+              <a:shade val="50000"/>
+            </a:schemeClr>
+          </a:lnRef>
+          <a:fillRef idx="1">
+            <a:schemeClr val="accent1"/>
+          </a:fillRef>
+          <a:effectRef idx="0">
+            <a:schemeClr val="accent1"/>
+          </a:effectRef>
+          <a:fontRef idx="minor">
+            <a:schemeClr val="lt1"/>
+          </a:fontRef>
+        </p:style>
+        <p:txBody>
+          <a:bodyPr rtlCol="0" anchor="ctr"/>
+          <a:lstStyle/>
+          <a:p>
+            <a:pPr algn="ctr"/>
+            <a:r>
+              <a:rPr lang="en-US" sz="1400" dirty="0" smtClean="0">
+                <a:solidFill>
+                  <a:srgbClr val="03A9F4"/>
+                </a:solidFill>
+                <a:latin typeface="Bahnschrift Light" panose="020B0502040204020203" pitchFamily="34" charset="0"/>
+              </a:rPr>
+              <a:t>5</a:t>
+            </a:r>
+            <a:endParaRPr lang="de-DE" sz="1400" dirty="0">
+              <a:solidFill>
+                <a:srgbClr val="03A9F4"/>
+              </a:solidFill>
+              <a:latin typeface="Bahnschrift Light" panose="020B0502040204020203" pitchFamily="34" charset="0"/>
+            </a:endParaRPr>
+          </a:p>
+        </p:txBody>
+      </p:sp>
+      <p:sp>
+        <p:nvSpPr>
+          <p:cNvPr id="11" name="Ellipse 10"/>
+          <p:cNvSpPr/>
+          <p:nvPr/>
+        </p:nvSpPr>
+        <p:spPr>
+          <a:xfrm>
+            <a:off x="5133436" y="3257550"/>
+            <a:ext cx="381000" cy="381000"/>
+          </a:xfrm>
+          <a:prstGeom prst="ellipse">
+            <a:avLst/>
+          </a:prstGeom>
+          <a:solidFill>
+            <a:schemeClr val="accent5">
+              <a:lumMod val="60000"/>
+              <a:lumOff val="40000"/>
+            </a:schemeClr>
+          </a:solidFill>
+          <a:ln>
+            <a:noFill/>
+          </a:ln>
+        </p:spPr>
+        <p:style>
+          <a:lnRef idx="2">
+            <a:schemeClr val="accent1">
+              <a:shade val="50000"/>
+            </a:schemeClr>
+          </a:lnRef>
+          <a:fillRef idx="1">
+            <a:schemeClr val="accent1"/>
+          </a:fillRef>
+          <a:effectRef idx="0">
+            <a:schemeClr val="accent1"/>
+          </a:effectRef>
+          <a:fontRef idx="minor">
+            <a:schemeClr val="lt1"/>
+          </a:fontRef>
+        </p:style>
+        <p:txBody>
+          <a:bodyPr rtlCol="0" anchor="ctr"/>
+          <a:lstStyle/>
+          <a:p>
+            <a:pPr algn="ctr"/>
+            <a:r>
+              <a:rPr lang="en-US" sz="1400" dirty="0" smtClean="0">
+                <a:solidFill>
+                  <a:srgbClr val="03A9F4"/>
+                </a:solidFill>
+                <a:latin typeface="Bahnschrift Light" panose="020B0502040204020203" pitchFamily="34" charset="0"/>
+              </a:rPr>
+              <a:t>6</a:t>
+            </a:r>
+            <a:endParaRPr lang="de-DE" sz="1400" dirty="0">
+              <a:solidFill>
+                <a:srgbClr val="03A9F4"/>
+              </a:solidFill>
+              <a:latin typeface="Bahnschrift Light" panose="020B0502040204020203" pitchFamily="34" charset="0"/>
+            </a:endParaRPr>
+          </a:p>
+        </p:txBody>
+      </p:sp>
+      <p:sp>
+        <p:nvSpPr>
+          <p:cNvPr id="12" name="Ellipse 11"/>
+          <p:cNvSpPr/>
+          <p:nvPr/>
+        </p:nvSpPr>
+        <p:spPr>
+          <a:xfrm>
+            <a:off x="5921852" y="3256280"/>
+            <a:ext cx="381000" cy="381000"/>
+          </a:xfrm>
+          <a:prstGeom prst="ellipse">
+            <a:avLst/>
+          </a:prstGeom>
+          <a:solidFill>
+            <a:schemeClr val="accent5">
+              <a:lumMod val="60000"/>
+              <a:lumOff val="40000"/>
+            </a:schemeClr>
+          </a:solidFill>
+          <a:ln>
+            <a:noFill/>
+          </a:ln>
+        </p:spPr>
+        <p:style>
+          <a:lnRef idx="2">
+            <a:schemeClr val="accent1">
+              <a:shade val="50000"/>
+            </a:schemeClr>
+          </a:lnRef>
+          <a:fillRef idx="1">
+            <a:schemeClr val="accent1"/>
+          </a:fillRef>
+          <a:effectRef idx="0">
+            <a:schemeClr val="accent1"/>
+          </a:effectRef>
+          <a:fontRef idx="minor">
+            <a:schemeClr val="lt1"/>
+          </a:fontRef>
+        </p:style>
+        <p:txBody>
+          <a:bodyPr rtlCol="0" anchor="ctr"/>
+          <a:lstStyle/>
+          <a:p>
+            <a:pPr algn="ctr"/>
+            <a:r>
+              <a:rPr lang="en-US" sz="1400" dirty="0" smtClean="0">
+                <a:solidFill>
+                  <a:srgbClr val="03A9F4"/>
+                </a:solidFill>
+                <a:latin typeface="Bahnschrift Light" panose="020B0502040204020203" pitchFamily="34" charset="0"/>
+              </a:rPr>
+              <a:t>7</a:t>
+            </a:r>
+            <a:endParaRPr lang="de-DE" sz="1400" dirty="0">
+              <a:solidFill>
+                <a:srgbClr val="03A9F4"/>
+              </a:solidFill>
+              <a:latin typeface="Bahnschrift Light" panose="020B0502040204020203" pitchFamily="34" charset="0"/>
+            </a:endParaRPr>
+          </a:p>
+        </p:txBody>
+      </p:sp>
+      <p:sp>
+        <p:nvSpPr>
+          <p:cNvPr id="13" name="Ellipse 12"/>
+          <p:cNvSpPr/>
+          <p:nvPr/>
+        </p:nvSpPr>
+        <p:spPr>
+          <a:xfrm>
+            <a:off x="6683852" y="3248660"/>
+            <a:ext cx="381000" cy="381000"/>
+          </a:xfrm>
+          <a:prstGeom prst="ellipse">
+            <a:avLst/>
+          </a:prstGeom>
+          <a:solidFill>
+            <a:schemeClr val="accent5">
+              <a:lumMod val="60000"/>
+              <a:lumOff val="40000"/>
+            </a:schemeClr>
+          </a:solidFill>
+          <a:ln>
+            <a:noFill/>
+          </a:ln>
+        </p:spPr>
+        <p:style>
+          <a:lnRef idx="2">
+            <a:schemeClr val="accent1">
+              <a:shade val="50000"/>
+            </a:schemeClr>
+          </a:lnRef>
+          <a:fillRef idx="1">
+            <a:schemeClr val="accent1"/>
+          </a:fillRef>
+          <a:effectRef idx="0">
+            <a:schemeClr val="accent1"/>
+          </a:effectRef>
+          <a:fontRef idx="minor">
+            <a:schemeClr val="lt1"/>
+          </a:fontRef>
+        </p:style>
+        <p:txBody>
+          <a:bodyPr rtlCol="0" anchor="ctr"/>
+          <a:lstStyle/>
+          <a:p>
+            <a:pPr algn="ctr"/>
+            <a:r>
+              <a:rPr lang="en-US" sz="1400" dirty="0" smtClean="0">
+                <a:solidFill>
+                  <a:srgbClr val="03A9F4"/>
+                </a:solidFill>
+                <a:latin typeface="Bahnschrift Light" panose="020B0502040204020203" pitchFamily="34" charset="0"/>
+              </a:rPr>
+              <a:t>8</a:t>
+            </a:r>
+            <a:endParaRPr lang="de-DE" sz="1400" dirty="0">
+              <a:solidFill>
+                <a:srgbClr val="03A9F4"/>
+              </a:solidFill>
+              <a:latin typeface="Bahnschrift Light" panose="020B0502040204020203" pitchFamily="34" charset="0"/>
+            </a:endParaRPr>
+          </a:p>
+        </p:txBody>
+      </p:sp>
+      <p:sp>
+        <p:nvSpPr>
+          <p:cNvPr id="14" name="Textfeld 13"/>
+          <p:cNvSpPr txBox="1"/>
+          <p:nvPr/>
+        </p:nvSpPr>
+        <p:spPr>
+          <a:xfrm>
+            <a:off x="435452" y="2604554"/>
+            <a:ext cx="915635" cy="369332"/>
+          </a:xfrm>
+          <a:prstGeom prst="rect">
+            <a:avLst/>
+          </a:prstGeom>
+          <a:noFill/>
+        </p:spPr>
+        <p:txBody>
+          <a:bodyPr wrap="none" rtlCol="0">
+            <a:spAutoFit/>
+          </a:bodyPr>
+          <a:lstStyle/>
+          <a:p>
+            <a:r>
+              <a:rPr lang="en-US" dirty="0" smtClean="0">
+                <a:solidFill>
+                  <a:srgbClr val="FFFF00"/>
+                </a:solidFill>
+                <a:latin typeface="Bahnschrift Light" panose="020B0502040204020203" pitchFamily="34" charset="0"/>
+              </a:rPr>
+              <a:t>master</a:t>
+            </a:r>
+            <a:endParaRPr lang="de-DE" dirty="0">
+              <a:solidFill>
+                <a:srgbClr val="FFFF00"/>
+              </a:solidFill>
+              <a:latin typeface="Bahnschrift Light" panose="020B0502040204020203" pitchFamily="34" charset="0"/>
+            </a:endParaRPr>
+          </a:p>
+        </p:txBody>
+      </p:sp>
+      <p:sp>
+        <p:nvSpPr>
+          <p:cNvPr id="15" name="Textfeld 14"/>
+          <p:cNvSpPr txBox="1"/>
+          <p:nvPr/>
+        </p:nvSpPr>
+        <p:spPr>
+          <a:xfrm>
+            <a:off x="441802" y="1921532"/>
+            <a:ext cx="2020105" cy="369332"/>
+          </a:xfrm>
+          <a:prstGeom prst="rect">
+            <a:avLst/>
+          </a:prstGeom>
+          <a:noFill/>
+        </p:spPr>
+        <p:txBody>
+          <a:bodyPr wrap="none" rtlCol="0">
+            <a:spAutoFit/>
+          </a:bodyPr>
+          <a:lstStyle/>
+          <a:p>
+            <a:r>
+              <a:rPr lang="en-US" dirty="0" err="1" smtClean="0">
+                <a:solidFill>
+                  <a:schemeClr val="accent3">
+                    <a:lumMod val="60000"/>
+                    <a:lumOff val="40000"/>
+                  </a:schemeClr>
+                </a:solidFill>
+                <a:latin typeface="Bahnschrift Light" panose="020B0502040204020203" pitchFamily="34" charset="0"/>
+              </a:rPr>
+              <a:t>awesome_feature</a:t>
+            </a:r>
+            <a:endParaRPr lang="de-DE" dirty="0">
+              <a:solidFill>
+                <a:schemeClr val="accent3">
+                  <a:lumMod val="60000"/>
+                  <a:lumOff val="40000"/>
+                </a:schemeClr>
+              </a:solidFill>
+              <a:latin typeface="Bahnschrift Light" panose="020B0502040204020203" pitchFamily="34" charset="0"/>
+            </a:endParaRPr>
+          </a:p>
+        </p:txBody>
+      </p:sp>
+      <p:sp>
+        <p:nvSpPr>
+          <p:cNvPr id="16" name="Textfeld 15"/>
+          <p:cNvSpPr txBox="1"/>
+          <p:nvPr/>
+        </p:nvSpPr>
+        <p:spPr>
+          <a:xfrm>
+            <a:off x="441802" y="3248660"/>
+            <a:ext cx="1585690" cy="369332"/>
+          </a:xfrm>
+          <a:prstGeom prst="rect">
+            <a:avLst/>
+          </a:prstGeom>
+          <a:noFill/>
+        </p:spPr>
+        <p:txBody>
+          <a:bodyPr wrap="none" rtlCol="0">
+            <a:spAutoFit/>
+          </a:bodyPr>
+          <a:lstStyle/>
+          <a:p>
+            <a:r>
+              <a:rPr lang="en-US" dirty="0" err="1" smtClean="0">
+                <a:solidFill>
+                  <a:schemeClr val="accent5">
+                    <a:lumMod val="60000"/>
+                    <a:lumOff val="40000"/>
+                  </a:schemeClr>
+                </a:solidFill>
+                <a:latin typeface="Bahnschrift Light" panose="020B0502040204020203" pitchFamily="34" charset="0"/>
+              </a:rPr>
+              <a:t>other_feature</a:t>
+            </a:r>
+            <a:endParaRPr lang="de-DE" dirty="0">
+              <a:solidFill>
+                <a:schemeClr val="accent5">
+                  <a:lumMod val="60000"/>
+                  <a:lumOff val="40000"/>
+                </a:schemeClr>
+              </a:solidFill>
+              <a:latin typeface="Bahnschrift Light" panose="020B0502040204020203" pitchFamily="34" charset="0"/>
+            </a:endParaRPr>
+          </a:p>
+        </p:txBody>
+      </p:sp>
+      <p:sp>
+        <p:nvSpPr>
+          <p:cNvPr id="23" name="Textfeld 22"/>
+          <p:cNvSpPr txBox="1"/>
+          <p:nvPr/>
+        </p:nvSpPr>
+        <p:spPr>
+          <a:xfrm>
+            <a:off x="2865470" y="3630692"/>
+            <a:ext cx="1112805" cy="523220"/>
+          </a:xfrm>
+          <a:prstGeom prst="rect">
+            <a:avLst/>
+          </a:prstGeom>
+          <a:noFill/>
+        </p:spPr>
+        <p:txBody>
+          <a:bodyPr wrap="none" rtlCol="0">
+            <a:spAutoFit/>
+          </a:bodyPr>
+          <a:lstStyle/>
+          <a:p>
+            <a:r>
+              <a:rPr lang="en-US" sz="1400" dirty="0" smtClean="0">
+                <a:solidFill>
+                  <a:schemeClr val="bg1"/>
+                </a:solidFill>
+                <a:latin typeface="Bahnschrift Light" panose="020B0502040204020203" pitchFamily="34" charset="0"/>
+              </a:rPr>
+              <a:t>new branch</a:t>
+            </a:r>
+            <a:br>
+              <a:rPr lang="en-US" sz="1400" dirty="0" smtClean="0">
+                <a:solidFill>
+                  <a:schemeClr val="bg1"/>
+                </a:solidFill>
+                <a:latin typeface="Bahnschrift Light" panose="020B0502040204020203" pitchFamily="34" charset="0"/>
+              </a:rPr>
+            </a:br>
+            <a:r>
+              <a:rPr lang="en-US" sz="1400" dirty="0" smtClean="0">
+                <a:solidFill>
+                  <a:schemeClr val="bg1"/>
+                </a:solidFill>
+                <a:latin typeface="Bahnschrift Light" panose="020B0502040204020203" pitchFamily="34" charset="0"/>
+              </a:rPr>
+              <a:t>checkout</a:t>
+            </a:r>
+            <a:endParaRPr lang="de-DE" sz="1400" dirty="0">
+              <a:solidFill>
+                <a:schemeClr val="bg1"/>
+              </a:solidFill>
+              <a:latin typeface="Bahnschrift Light" panose="020B0502040204020203" pitchFamily="34" charset="0"/>
+            </a:endParaRPr>
+          </a:p>
+        </p:txBody>
+      </p:sp>
+      <p:cxnSp>
+        <p:nvCxnSpPr>
+          <p:cNvPr id="24" name="Gekrümmte Verbindung 23"/>
+          <p:cNvCxnSpPr>
+            <a:stCxn id="23" idx="1"/>
+          </p:cNvCxnSpPr>
+          <p:nvPr/>
+        </p:nvCxnSpPr>
+        <p:spPr>
+          <a:xfrm rot="10800000">
+            <a:off x="2264252" y="2876554"/>
+            <a:ext cx="601218" cy="1015749"/>
+          </a:xfrm>
+          <a:prstGeom prst="curvedConnector2">
+            <a:avLst/>
+          </a:prstGeom>
+          <a:ln w="38100">
+            <a:solidFill>
+              <a:schemeClr val="bg1"/>
+            </a:solidFill>
+            <a:prstDash val="dash"/>
+            <a:tailEnd type="triangle" w="lg" len="med"/>
+          </a:ln>
+        </p:spPr>
+        <p:style>
+          <a:lnRef idx="1">
+            <a:schemeClr val="accent1"/>
+          </a:lnRef>
+          <a:fillRef idx="0">
+            <a:schemeClr val="accent1"/>
+          </a:fillRef>
+          <a:effectRef idx="0">
+            <a:schemeClr val="accent1"/>
+          </a:effectRef>
+          <a:fontRef idx="minor">
+            <a:schemeClr val="tx1"/>
+          </a:fontRef>
+        </p:style>
+      </p:cxnSp>
+      <p:cxnSp>
+        <p:nvCxnSpPr>
+          <p:cNvPr id="31" name="Gekrümmte Verbindung 30"/>
+          <p:cNvCxnSpPr>
+            <a:stCxn id="23" idx="3"/>
+          </p:cNvCxnSpPr>
+          <p:nvPr/>
+        </p:nvCxnSpPr>
+        <p:spPr>
+          <a:xfrm flipV="1">
+            <a:off x="3978275" y="2876553"/>
+            <a:ext cx="451855" cy="1015749"/>
+          </a:xfrm>
+          <a:prstGeom prst="curvedConnector2">
+            <a:avLst/>
+          </a:prstGeom>
+          <a:ln w="38100">
+            <a:solidFill>
+              <a:schemeClr val="bg1"/>
+            </a:solidFill>
+            <a:prstDash val="dash"/>
+            <a:tailEnd type="triangle" w="lg" len="med"/>
+          </a:ln>
+        </p:spPr>
+        <p:style>
+          <a:lnRef idx="1">
+            <a:schemeClr val="accent1"/>
+          </a:lnRef>
+          <a:fillRef idx="0">
+            <a:schemeClr val="accent1"/>
+          </a:fillRef>
+          <a:effectRef idx="0">
+            <a:schemeClr val="accent1"/>
+          </a:effectRef>
+          <a:fontRef idx="minor">
+            <a:schemeClr val="tx1"/>
+          </a:fontRef>
+        </p:style>
+      </p:cxnSp>
+      <p:cxnSp>
+        <p:nvCxnSpPr>
+          <p:cNvPr id="37" name="Gekrümmte Verbindung 36"/>
+          <p:cNvCxnSpPr/>
+          <p:nvPr/>
+        </p:nvCxnSpPr>
+        <p:spPr>
+          <a:xfrm>
+            <a:off x="6531452" y="1200150"/>
+            <a:ext cx="685800" cy="656363"/>
+          </a:xfrm>
+          <a:prstGeom prst="curvedConnector3">
+            <a:avLst>
+              <a:gd name="adj1" fmla="val 50000"/>
+            </a:avLst>
+          </a:prstGeom>
+          <a:ln w="28575">
+            <a:solidFill>
+              <a:srgbClr val="0277BD"/>
+            </a:solidFill>
+          </a:ln>
+        </p:spPr>
+        <p:style>
+          <a:lnRef idx="1">
+            <a:schemeClr val="accent1"/>
+          </a:lnRef>
+          <a:fillRef idx="0">
+            <a:schemeClr val="accent1"/>
+          </a:fillRef>
+          <a:effectRef idx="0">
+            <a:schemeClr val="accent1"/>
+          </a:effectRef>
+          <a:fontRef idx="minor">
+            <a:schemeClr val="tx1"/>
+          </a:fontRef>
+        </p:style>
+      </p:cxnSp>
+      <p:sp>
+        <p:nvSpPr>
+          <p:cNvPr id="47" name="Textfeld 46"/>
+          <p:cNvSpPr txBox="1"/>
+          <p:nvPr/>
+        </p:nvSpPr>
+        <p:spPr>
+          <a:xfrm>
+            <a:off x="3474338" y="1276350"/>
+            <a:ext cx="867545" cy="307777"/>
+          </a:xfrm>
+          <a:prstGeom prst="rect">
+            <a:avLst/>
+          </a:prstGeom>
+          <a:noFill/>
+        </p:spPr>
+        <p:txBody>
+          <a:bodyPr wrap="none" rtlCol="0">
+            <a:spAutoFit/>
+          </a:bodyPr>
+          <a:lstStyle/>
+          <a:p>
+            <a:r>
+              <a:rPr lang="en-US" sz="1400" dirty="0" smtClean="0">
+                <a:solidFill>
+                  <a:schemeClr val="bg1"/>
+                </a:solidFill>
+                <a:latin typeface="Bahnschrift Light" panose="020B0502040204020203" pitchFamily="34" charset="0"/>
+              </a:rPr>
+              <a:t>commits</a:t>
+            </a:r>
+            <a:endParaRPr lang="de-DE" sz="1400" dirty="0">
+              <a:solidFill>
+                <a:schemeClr val="bg1"/>
+              </a:solidFill>
+              <a:latin typeface="Bahnschrift Light" panose="020B0502040204020203" pitchFamily="34" charset="0"/>
+            </a:endParaRPr>
+          </a:p>
+        </p:txBody>
+      </p:sp>
+      <p:cxnSp>
+        <p:nvCxnSpPr>
+          <p:cNvPr id="48" name="Gekrümmte Verbindung 47"/>
+          <p:cNvCxnSpPr>
+            <a:stCxn id="47" idx="2"/>
+          </p:cNvCxnSpPr>
+          <p:nvPr/>
+        </p:nvCxnSpPr>
+        <p:spPr>
+          <a:xfrm rot="5400000">
+            <a:off x="3322748" y="1540616"/>
+            <a:ext cx="541853" cy="628875"/>
+          </a:xfrm>
+          <a:prstGeom prst="curvedConnector2">
+            <a:avLst/>
+          </a:prstGeom>
+          <a:ln w="38100">
+            <a:solidFill>
+              <a:schemeClr val="bg1"/>
+            </a:solidFill>
+            <a:prstDash val="dash"/>
+            <a:tailEnd type="triangle" w="lg" len="med"/>
+          </a:ln>
+        </p:spPr>
+        <p:style>
+          <a:lnRef idx="1">
+            <a:schemeClr val="accent1"/>
+          </a:lnRef>
+          <a:fillRef idx="0">
+            <a:schemeClr val="accent1"/>
+          </a:fillRef>
+          <a:effectRef idx="0">
+            <a:schemeClr val="accent1"/>
+          </a:effectRef>
+          <a:fontRef idx="minor">
+            <a:schemeClr val="tx1"/>
+          </a:fontRef>
+        </p:style>
+      </p:cxnSp>
+      <p:cxnSp>
+        <p:nvCxnSpPr>
+          <p:cNvPr id="53" name="Gekrümmte Verbindung 52"/>
+          <p:cNvCxnSpPr>
+            <a:stCxn id="47" idx="2"/>
+            <a:endCxn id="9" idx="0"/>
+          </p:cNvCxnSpPr>
+          <p:nvPr/>
+        </p:nvCxnSpPr>
+        <p:spPr>
+          <a:xfrm rot="5400000">
+            <a:off x="3378614" y="2062346"/>
+            <a:ext cx="1007716" cy="51279"/>
+          </a:xfrm>
+          <a:prstGeom prst="curvedConnector3">
+            <a:avLst>
+              <a:gd name="adj1" fmla="val 50000"/>
+            </a:avLst>
+          </a:prstGeom>
+          <a:ln w="38100">
+            <a:solidFill>
+              <a:schemeClr val="bg1"/>
+            </a:solidFill>
+            <a:prstDash val="dash"/>
+            <a:tailEnd type="triangle" w="lg" len="med"/>
+          </a:ln>
+        </p:spPr>
+        <p:style>
+          <a:lnRef idx="1">
+            <a:schemeClr val="accent1"/>
+          </a:lnRef>
+          <a:fillRef idx="0">
+            <a:schemeClr val="accent1"/>
+          </a:fillRef>
+          <a:effectRef idx="0">
+            <a:schemeClr val="accent1"/>
+          </a:effectRef>
+          <a:fontRef idx="minor">
+            <a:schemeClr val="tx1"/>
+          </a:fontRef>
+        </p:style>
+      </p:cxnSp>
+      <p:cxnSp>
+        <p:nvCxnSpPr>
+          <p:cNvPr id="56" name="Gekrümmte Verbindung 55"/>
+          <p:cNvCxnSpPr>
+            <a:stCxn id="47" idx="2"/>
+            <a:endCxn id="12" idx="0"/>
+          </p:cNvCxnSpPr>
+          <p:nvPr/>
+        </p:nvCxnSpPr>
+        <p:spPr>
+          <a:xfrm rot="16200000" flipH="1">
+            <a:off x="4174155" y="1318082"/>
+            <a:ext cx="1672153" cy="2204241"/>
+          </a:xfrm>
+          <a:prstGeom prst="curvedConnector3">
+            <a:avLst>
+              <a:gd name="adj1" fmla="val 50000"/>
+            </a:avLst>
+          </a:prstGeom>
+          <a:ln w="38100">
+            <a:solidFill>
+              <a:schemeClr val="bg1"/>
+            </a:solidFill>
+            <a:prstDash val="dash"/>
+            <a:tailEnd type="triangle" w="lg" len="med"/>
+          </a:ln>
+        </p:spPr>
+        <p:style>
+          <a:lnRef idx="1">
+            <a:schemeClr val="accent1"/>
+          </a:lnRef>
+          <a:fillRef idx="0">
+            <a:schemeClr val="accent1"/>
+          </a:fillRef>
+          <a:effectRef idx="0">
+            <a:schemeClr val="accent1"/>
+          </a:effectRef>
+          <a:fontRef idx="minor">
+            <a:schemeClr val="tx1"/>
+          </a:fontRef>
+        </p:style>
+      </p:cxnSp>
+    </p:spTree>
+    <p:extLst>
+      <p:ext uri="{BB962C8B-B14F-4D97-AF65-F5344CB8AC3E}">
+        <p14:creationId xmlns:p14="http://schemas.microsoft.com/office/powerpoint/2010/main" val="3600424127"/>
       </p:ext>
     </p:extLst>
   </p:cSld>
@@ -9706,10 +12406,34 @@
           <a:lstStyle/>
           <a:p>
             <a:r>
-              <a:rPr lang="de-DE" dirty="0" smtClean="0"/>
-              <a:t>USB-Sticks! Einfach Projekt auf einem Stick speichern und dem Kollegen geben!</a:t>
-            </a:r>
-            <a:endParaRPr lang="de-DE" dirty="0"/>
+              <a:rPr lang="en-US" dirty="0" smtClean="0">
+                <a:solidFill>
+                  <a:srgbClr val="FFFF00"/>
+                </a:solidFill>
+              </a:rPr>
+              <a:t>USB drives! </a:t>
+            </a:r>
+            <a:r>
+              <a:rPr lang="en-US" dirty="0" smtClean="0">
+                <a:solidFill>
+                  <a:srgbClr val="FFFF00"/>
+                </a:solidFill>
+              </a:rPr>
+              <a:t>Just share source code between colleagues via flash drives</a:t>
+            </a:r>
+            <a:r>
+              <a:rPr lang="en-US" dirty="0" smtClean="0">
+                <a:solidFill>
+                  <a:srgbClr val="FFFF00"/>
+                </a:solidFill>
+              </a:rPr>
+              <a:t>!</a:t>
+            </a:r>
+            <a:endParaRPr lang="en-US" dirty="0">
+              <a:solidFill>
+                <a:srgbClr val="FFFF00"/>
+              </a:solidFill>
+            </a:endParaRPr>
           </a:p>
         </p:txBody>
       </p:sp>
@@ -9814,6 +12538,41 @@
           <a:chExt cx="0" cy="0"/>
         </a:xfrm>
       </p:grpSpPr>
+      <p:cxnSp>
+        <p:nvCxnSpPr>
+          <p:cNvPr id="5" name="Gerade Verbindung 4"/>
+          <p:cNvCxnSpPr/>
+          <p:nvPr/>
+        </p:nvCxnSpPr>
+        <p:spPr>
+          <a:xfrm>
+            <a:off x="603504" y="1463040"/>
+            <a:ext cx="0" cy="2175510"/>
+          </a:xfrm>
+          <a:prstGeom prst="line">
+            <a:avLst/>
+          </a:prstGeom>
+          <a:ln w="12700">
+            <a:solidFill>
+              <a:srgbClr val="0277BD"/>
+            </a:solidFill>
+          </a:ln>
+        </p:spPr>
+        <p:style>
+          <a:lnRef idx="1">
+            <a:schemeClr val="accent1"/>
+          </a:lnRef>
+          <a:fillRef idx="0">
+            <a:schemeClr val="accent1"/>
+          </a:fillRef>
+          <a:effectRef idx="0">
+            <a:schemeClr val="accent1"/>
+          </a:effectRef>
+          <a:fontRef idx="minor">
+            <a:schemeClr val="tx1"/>
+          </a:fontRef>
+        </p:style>
+      </p:cxnSp>
       <p:sp>
         <p:nvSpPr>
           <p:cNvPr id="2" name="Titel 1"/>
@@ -9832,17 +12591,21 @@
             <a:pPr algn="l"/>
             <a:r>
               <a:rPr lang="de-DE" sz="4000" dirty="0" smtClean="0"/>
-              <a:t>Probleme</a:t>
+              <a:t>Problems</a:t>
             </a:r>
             <a:r>
               <a:rPr lang="en-US" sz="4000" dirty="0" smtClean="0"/>
-              <a:t> der “</a:t>
+              <a:t> with the“</a:t>
             </a:r>
             <a:r>
               <a:rPr lang="de-DE" sz="4000" dirty="0" smtClean="0"/>
-              <a:t>einfachen” Lösung</a:t>
-            </a:r>
-            <a:endParaRPr lang="de-DE" sz="4000" dirty="0"/>
+              <a:t>easy” </a:t>
+            </a:r>
+            <a:r>
+              <a:rPr lang="en-US" sz="4000" dirty="0" smtClean="0"/>
+              <a:t>solution</a:t>
+            </a:r>
+            <a:endParaRPr lang="en-US" sz="4000" dirty="0"/>
           </a:p>
         </p:txBody>
       </p:sp>
@@ -9871,16 +12634,16 @@
               <a:buChar char="•"/>
             </a:pPr>
             <a:r>
-              <a:rPr lang="de-DE" sz="2400" dirty="0" smtClean="0">
+              <a:rPr lang="en-US" sz="2400" dirty="0" smtClean="0">
                 <a:solidFill>
                   <a:srgbClr val="81D4FA"/>
                 </a:solidFill>
               </a:rPr>
-              <a:t>Arbeitsteilung</a:t>
-            </a:r>
-            <a:r>
-              <a:rPr lang="de-DE" sz="2400" dirty="0" smtClean="0"/>
-              <a:t> im Team?</a:t>
+              <a:t>division of labor </a:t>
+            </a:r>
+            <a:r>
+              <a:rPr lang="en-US" sz="2400" dirty="0" smtClean="0"/>
+              <a:t>is difficult</a:t>
             </a:r>
           </a:p>
           <a:p>
@@ -9892,27 +12655,39 @@
               <a:buChar char="•"/>
             </a:pPr>
             <a:r>
-              <a:rPr lang="de-DE" sz="2400" dirty="0" smtClean="0">
+              <a:rPr lang="en-US" sz="2400" dirty="0" smtClean="0">
                 <a:solidFill>
                   <a:srgbClr val="81D4FA"/>
                 </a:solidFill>
               </a:rPr>
-              <a:t>Datenträgerfehler</a:t>
-            </a:r>
-            <a:r>
-              <a:rPr lang="de-DE" sz="2400" dirty="0" smtClean="0"/>
-              <a:t> und andere </a:t>
-            </a:r>
-            <a:r>
-              <a:rPr lang="de-DE" sz="2400" dirty="0" smtClean="0">
+              <a:t>file corruptions </a:t>
+            </a:r>
+            <a:r>
+              <a:rPr lang="en-US" sz="2400" dirty="0" smtClean="0"/>
+              <a:t>and other</a:t>
+            </a:r>
+            <a:r>
+              <a:rPr lang="en-US" sz="2400" dirty="0" smtClean="0"/>
+              <a:t> </a:t>
+            </a:r>
+            <a:r>
+              <a:rPr lang="en-US" sz="2400" dirty="0" smtClean="0">
                 <a:solidFill>
                   <a:srgbClr val="81D4FA"/>
                 </a:solidFill>
               </a:rPr>
-              <a:t>Katastrophen</a:t>
-            </a:r>
-            <a:r>
-              <a:rPr lang="de-DE" sz="2400" dirty="0" smtClean="0"/>
+              <a:t>c</a:t>
+            </a:r>
+            <a:r>
+              <a:rPr lang="en-US" sz="2400" dirty="0" smtClean="0">
+                <a:solidFill>
+                  <a:srgbClr val="81D4FA"/>
+                </a:solidFill>
+              </a:rPr>
+              <a:t>atastrophes</a:t>
+            </a:r>
+            <a:r>
+              <a:rPr lang="en-US" sz="2400" dirty="0" smtClean="0"/>
               <a:t>?</a:t>
             </a:r>
           </a:p>
@@ -9925,16 +12700,16 @@
               <a:buChar char="•"/>
             </a:pPr>
             <a:r>
-              <a:rPr lang="de-DE" sz="2400" dirty="0" smtClean="0">
+              <a:rPr lang="en-US" sz="2400" dirty="0" smtClean="0">
                 <a:solidFill>
                   <a:srgbClr val="81D4FA"/>
                 </a:solidFill>
               </a:rPr>
-              <a:t>Rückgängigmachen</a:t>
-            </a:r>
-            <a:r>
-              <a:rPr lang="de-DE" sz="2400" dirty="0" smtClean="0"/>
-              <a:t> von Änderungen?</a:t>
+              <a:t>undo</a:t>
+            </a:r>
+            <a:r>
+              <a:rPr lang="en-US" sz="2400" dirty="0" smtClean="0"/>
+              <a:t> changes?</a:t>
             </a:r>
           </a:p>
           <a:p>
@@ -9946,13 +12721,14 @@
               <a:buChar char="•"/>
             </a:pPr>
             <a:r>
-              <a:rPr lang="de-DE" sz="2400" dirty="0" err="1" smtClean="0"/>
-              <a:t>Versionierung</a:t>
-            </a:r>
-            <a:r>
-              <a:rPr lang="en-US" sz="2400" dirty="0" smtClean="0"/>
-              <a:t>?</a:t>
-            </a:r>
+              <a:rPr lang="en-US" sz="2400" dirty="0" smtClean="0"/>
+              <a:t>v</a:t>
+            </a:r>
+            <a:r>
+              <a:rPr lang="en-US" sz="2400" dirty="0" smtClean="0"/>
+              <a:t>ersioning?</a:t>
+            </a:r>
+            <a:endParaRPr lang="en-US" sz="2400" dirty="0" smtClean="0"/>
           </a:p>
           <a:p>
             <a:pPr marL="457200" indent="-457200">
@@ -9963,31 +12739,59 @@
               <a:buChar char="•"/>
             </a:pPr>
             <a:r>
-              <a:rPr lang="de-DE" sz="2400" dirty="0" smtClean="0"/>
-              <a:t>Rettung aus </a:t>
-            </a:r>
-            <a:r>
-              <a:rPr lang="de-DE" sz="2400" dirty="0" smtClean="0">
+              <a:rPr lang="en-US" sz="2400" dirty="0" smtClean="0"/>
+              <a:t>recover from </a:t>
+            </a:r>
+            <a:r>
+              <a:rPr lang="en-US" sz="2400" dirty="0" smtClean="0">
                 <a:solidFill>
                   <a:srgbClr val="81D4FA"/>
                 </a:solidFill>
               </a:rPr>
-              <a:t>Hass</a:t>
-            </a:r>
-            <a:r>
-              <a:rPr lang="de-DE" sz="2400" dirty="0" smtClean="0"/>
-              <a:t> und </a:t>
-            </a:r>
-            <a:r>
-              <a:rPr lang="de-DE" sz="2400" dirty="0" smtClean="0">
+              <a:t>chaos</a:t>
+            </a:r>
+            <a:r>
+              <a:rPr lang="en-US" sz="2400" dirty="0" smtClean="0"/>
+              <a:t>, </a:t>
+            </a:r>
+            <a:r>
+              <a:rPr lang="en-US" sz="2400" dirty="0" smtClean="0">
                 <a:solidFill>
                   <a:srgbClr val="81D4FA"/>
                 </a:solidFill>
               </a:rPr>
-              <a:t>Verzweiflung</a:t>
-            </a:r>
-            <a:r>
-              <a:rPr lang="de-DE" sz="2400" dirty="0" smtClean="0"/>
+              <a:t>h</a:t>
+            </a:r>
+            <a:r>
+              <a:rPr lang="en-US" sz="2400" dirty="0" smtClean="0">
+                <a:solidFill>
+                  <a:srgbClr val="81D4FA"/>
+                </a:solidFill>
+              </a:rPr>
+              <a:t>ate</a:t>
+            </a:r>
+            <a:r>
+              <a:rPr lang="en-US" sz="2400" dirty="0" smtClean="0"/>
+              <a:t> </a:t>
+            </a:r>
+            <a:r>
+              <a:rPr lang="en-US" sz="2400" dirty="0"/>
+              <a:t>a</a:t>
+            </a:r>
+            <a:r>
+              <a:rPr lang="en-US" sz="2400" dirty="0" smtClean="0"/>
+              <a:t>nd </a:t>
+            </a:r>
+            <a:r>
+              <a:rPr lang="en-US" sz="2400" dirty="0" smtClean="0">
+                <a:solidFill>
+                  <a:srgbClr val="81D4FA"/>
+                </a:solidFill>
+              </a:rPr>
+              <a:t>despair</a:t>
+            </a:r>
+            <a:r>
+              <a:rPr lang="en-US" sz="2400" dirty="0" smtClean="0"/>
               <a:t>?</a:t>
             </a:r>
           </a:p>
@@ -10000,34 +12804,19 @@
               <a:buChar char="•"/>
             </a:pPr>
             <a:r>
-              <a:rPr lang="de-DE" sz="2400" dirty="0" smtClean="0"/>
-              <a:t>Was ist gerade die </a:t>
-            </a:r>
-            <a:r>
-              <a:rPr lang="de-DE" sz="2400" dirty="0" smtClean="0">
+              <a:rPr lang="en-US" sz="2400" dirty="0" smtClean="0"/>
+              <a:t>What is the current </a:t>
+            </a:r>
+            <a:r>
+              <a:rPr lang="en-US" sz="2400" dirty="0" smtClean="0">
                 <a:solidFill>
                   <a:srgbClr val="81D4FA"/>
                 </a:solidFill>
               </a:rPr>
-              <a:t>gemeinsame</a:t>
-            </a:r>
-            <a:br>
-              <a:rPr lang="de-DE" sz="2400" dirty="0" smtClean="0">
-                <a:solidFill>
-                  <a:srgbClr val="81D4FA"/>
-                </a:solidFill>
-              </a:rPr>
-            </a:br>
-            <a:r>
-              <a:rPr lang="de-DE" sz="2400" dirty="0" smtClean="0">
-                <a:solidFill>
-                  <a:srgbClr val="81D4FA"/>
-                </a:solidFill>
-              </a:rPr>
-              <a:t>Arbeitsbasis</a:t>
-            </a:r>
-            <a:r>
-              <a:rPr lang="de-DE" sz="2400" dirty="0" smtClean="0"/>
+              <a:t>common work base</a:t>
+            </a:r>
+            <a:r>
+              <a:rPr lang="en-US" sz="2400" dirty="0" smtClean="0"/>
               <a:t>?</a:t>
             </a:r>
           </a:p>
@@ -10096,6 +12885,41 @@
           <a:chExt cx="0" cy="0"/>
         </a:xfrm>
       </p:grpSpPr>
+      <p:cxnSp>
+        <p:nvCxnSpPr>
+          <p:cNvPr id="5" name="Gerade Verbindung 4"/>
+          <p:cNvCxnSpPr/>
+          <p:nvPr/>
+        </p:nvCxnSpPr>
+        <p:spPr>
+          <a:xfrm>
+            <a:off x="603504" y="1463040"/>
+            <a:ext cx="0" cy="2057400"/>
+          </a:xfrm>
+          <a:prstGeom prst="line">
+            <a:avLst/>
+          </a:prstGeom>
+          <a:ln w="12700">
+            <a:solidFill>
+              <a:srgbClr val="0277BD"/>
+            </a:solidFill>
+          </a:ln>
+        </p:spPr>
+        <p:style>
+          <a:lnRef idx="1">
+            <a:schemeClr val="accent1"/>
+          </a:lnRef>
+          <a:fillRef idx="0">
+            <a:schemeClr val="accent1"/>
+          </a:fillRef>
+          <a:effectRef idx="0">
+            <a:schemeClr val="accent1"/>
+          </a:effectRef>
+          <a:fontRef idx="minor">
+            <a:schemeClr val="tx1"/>
+          </a:fontRef>
+        </p:style>
+      </p:cxnSp>
       <p:sp>
         <p:nvSpPr>
           <p:cNvPr id="2" name="Titel 1"/>
@@ -10154,23 +12978,59 @@
             </a:r>
             <a:r>
               <a:rPr lang="en-US" sz="2400" dirty="0" smtClean="0"/>
+              <a:t> of </a:t>
+            </a:r>
+            <a:r>
+              <a:rPr lang="en-US" sz="2400" dirty="0" smtClean="0">
+                <a:solidFill>
+                  <a:srgbClr val="81D4FA"/>
+                </a:solidFill>
+              </a:rPr>
+              <a:t>distributed</a:t>
+            </a:r>
+            <a:r>
+              <a:rPr lang="en-US" sz="2400" dirty="0" smtClean="0"/>
               <a:t> </a:t>
             </a:r>
             <a:r>
-              <a:rPr lang="de-DE" sz="2400" dirty="0" smtClean="0"/>
-              <a:t>von </a:t>
-            </a:r>
-            <a:r>
-              <a:rPr lang="de-DE" sz="2400" dirty="0" smtClean="0">
+              <a:rPr lang="en-US" sz="2400" dirty="0" smtClean="0">
                 <a:solidFill>
                   <a:srgbClr val="81D4FA"/>
                 </a:solidFill>
               </a:rPr>
-              <a:t>verteilten</a:t>
-            </a:r>
-            <a:r>
-              <a:rPr lang="de-DE" sz="2400" dirty="0" smtClean="0"/>
-              <a:t> Dokumenten und Änderungen</a:t>
+              <a:t>d</a:t>
+            </a:r>
+            <a:r>
+              <a:rPr lang="en-US" sz="2400" dirty="0" smtClean="0">
+                <a:solidFill>
+                  <a:srgbClr val="81D4FA"/>
+                </a:solidFill>
+              </a:rPr>
+              <a:t>ocuments</a:t>
+            </a:r>
+            <a:r>
+              <a:rPr lang="en-US" sz="2400" dirty="0" smtClean="0"/>
+              <a:t> </a:t>
+            </a:r>
+            <a:r>
+              <a:rPr lang="en-US" sz="2400" dirty="0" smtClean="0"/>
+              <a:t>a</a:t>
+            </a:r>
+            <a:r>
+              <a:rPr lang="en-US" sz="2400" dirty="0" smtClean="0"/>
+              <a:t>nd </a:t>
+            </a:r>
+            <a:r>
+              <a:rPr lang="en-US" sz="2400" dirty="0" smtClean="0">
+                <a:solidFill>
+                  <a:srgbClr val="81D4FA"/>
+                </a:solidFill>
+              </a:rPr>
+              <a:t>changes</a:t>
+            </a:r>
+            <a:r>
+              <a:rPr lang="en-US" sz="2400" dirty="0" smtClean="0"/>
+              <a:t> to them</a:t>
             </a:r>
           </a:p>
           <a:p>
@@ -10189,11 +13049,6 @@
               </a:rPr>
               <a:t>Source code management</a:t>
             </a:r>
-            <a:endParaRPr lang="de-DE" sz="2400" dirty="0" smtClean="0">
-              <a:solidFill>
-                <a:srgbClr val="FFFF00"/>
-              </a:solidFill>
-            </a:endParaRPr>
           </a:p>
           <a:p>
             <a:pPr marL="457200" indent="-457200">
@@ -10204,16 +13059,16 @@
               <a:buChar char="•"/>
             </a:pPr>
             <a:r>
-              <a:rPr lang="de-DE" sz="2400" dirty="0" smtClean="0">
+              <a:rPr lang="en-US" sz="2400" dirty="0" smtClean="0">
                 <a:solidFill>
                   <a:srgbClr val="81D4FA"/>
                 </a:solidFill>
               </a:rPr>
-              <a:t>Wiederherstellung</a:t>
-            </a:r>
-            <a:r>
-              <a:rPr lang="de-DE" sz="2400" dirty="0" smtClean="0"/>
-              <a:t> vorheriger Zustände</a:t>
+              <a:t>recover</a:t>
+            </a:r>
+            <a:r>
+              <a:rPr lang="en-US" sz="2400" dirty="0" smtClean="0"/>
+              <a:t> previous states</a:t>
             </a:r>
           </a:p>
           <a:p>
@@ -10225,12 +13080,20 @@
               <a:buChar char="•"/>
             </a:pPr>
             <a:r>
-              <a:rPr lang="de-DE" sz="2400" dirty="0" smtClean="0"/>
-              <a:t>Automatische Integration </a:t>
-            </a:r>
-            <a:r>
-              <a:rPr lang="en-US" sz="2400" dirty="0" smtClean="0"/>
-              <a:t>(</a:t>
+              <a:rPr lang="en-US" sz="2400" dirty="0" smtClean="0"/>
+              <a:t>a</a:t>
+            </a:r>
+            <a:r>
+              <a:rPr lang="en-US" sz="2400" dirty="0" smtClean="0"/>
+              <a:t>utomatic </a:t>
+            </a:r>
+            <a:r>
+              <a:rPr lang="en-US" sz="2400" dirty="0" smtClean="0"/>
+              <a:t>i</a:t>
+            </a:r>
+            <a:r>
+              <a:rPr lang="en-US" sz="2400" dirty="0" smtClean="0"/>
+              <a:t>ntegration (</a:t>
             </a:r>
             <a:r>
               <a:rPr lang="en-US" sz="2400" dirty="0" smtClean="0">
@@ -10245,18 +13108,10 @@
               <a:t>) </a:t>
             </a:r>
             <a:r>
-              <a:rPr lang="de-DE" sz="2400" dirty="0" smtClean="0"/>
-              <a:t>verschiedener</a:t>
-            </a:r>
-            <a:r>
-              <a:rPr lang="en-US" sz="2400" dirty="0" smtClean="0"/>
-              <a:t> </a:t>
-            </a:r>
-            <a:r>
-              <a:rPr lang="en-US" sz="2400" dirty="0" err="1" smtClean="0"/>
-              <a:t>Änderungen</a:t>
-            </a:r>
-            <a:endParaRPr lang="de-DE" sz="2400" dirty="0" smtClean="0"/>
+              <a:rPr lang="en-US" sz="2400" dirty="0" smtClean="0"/>
+              <a:t>of changes and revisions</a:t>
+            </a:r>
+            <a:endParaRPr lang="en-US" sz="2400" dirty="0" smtClean="0"/>
           </a:p>
           <a:p>
             <a:pPr marL="457200" indent="-457200">
@@ -10267,10 +13122,26 @@
               <a:buChar char="•"/>
             </a:pPr>
             <a:r>
-              <a:rPr lang="de-DE" sz="2400" dirty="0" smtClean="0"/>
-              <a:t>essentiell für die Organisation von Multi-Developer Projekten</a:t>
-            </a:r>
-            <a:endParaRPr lang="de-DE" sz="2400" dirty="0"/>
+              <a:rPr lang="en-US" sz="2400" dirty="0" smtClean="0"/>
+              <a:t>essential for organization of </a:t>
+            </a:r>
+            <a:r>
+              <a:rPr lang="en-US" sz="2400" dirty="0" smtClean="0"/>
+              <a:t>m</a:t>
+            </a:r>
+            <a:r>
+              <a:rPr lang="en-US" sz="2400" dirty="0" smtClean="0"/>
+              <a:t>ulti-developer</a:t>
+            </a:r>
+            <a:r>
+              <a:rPr lang="en-US" sz="2400" dirty="0" smtClean="0"/>
+              <a:t>-p</a:t>
+            </a:r>
+            <a:r>
+              <a:rPr lang="en-US" sz="2400" dirty="0" smtClean="0"/>
+              <a:t>rojects</a:t>
+            </a:r>
+            <a:endParaRPr lang="en-US" sz="2400" dirty="0"/>
           </a:p>
         </p:txBody>
       </p:sp>
@@ -10334,6 +13205,41 @@
           <a:chExt cx="0" cy="0"/>
         </a:xfrm>
       </p:grpSpPr>
+      <p:cxnSp>
+        <p:nvCxnSpPr>
+          <p:cNvPr id="7" name="Gerade Verbindung 6"/>
+          <p:cNvCxnSpPr/>
+          <p:nvPr/>
+        </p:nvCxnSpPr>
+        <p:spPr>
+          <a:xfrm>
+            <a:off x="603504" y="1463040"/>
+            <a:ext cx="0" cy="2057400"/>
+          </a:xfrm>
+          <a:prstGeom prst="line">
+            <a:avLst/>
+          </a:prstGeom>
+          <a:ln w="12700">
+            <a:solidFill>
+              <a:srgbClr val="0277BD"/>
+            </a:solidFill>
+          </a:ln>
+        </p:spPr>
+        <p:style>
+          <a:lnRef idx="1">
+            <a:schemeClr val="accent1"/>
+          </a:lnRef>
+          <a:fillRef idx="0">
+            <a:schemeClr val="accent1"/>
+          </a:fillRef>
+          <a:effectRef idx="0">
+            <a:schemeClr val="accent1"/>
+          </a:effectRef>
+          <a:fontRef idx="minor">
+            <a:schemeClr val="tx1"/>
+          </a:fontRef>
+        </p:style>
+      </p:cxnSp>
       <p:sp>
         <p:nvSpPr>
           <p:cNvPr id="2" name="Titel 1"/>
@@ -10387,15 +13293,15 @@
               <a:buChar char="•"/>
             </a:pPr>
             <a:r>
-              <a:rPr lang="de-DE" sz="2400" dirty="0" smtClean="0">
+              <a:rPr lang="en-US" sz="2400" dirty="0" smtClean="0">
                 <a:solidFill>
                   <a:srgbClr val="81D4FA"/>
                 </a:solidFill>
               </a:rPr>
-              <a:t>verteiltes </a:t>
-            </a:r>
-            <a:r>
-              <a:rPr lang="de-DE" sz="2400" dirty="0" smtClean="0"/>
+              <a:t>distributed </a:t>
+            </a:r>
+            <a:r>
+              <a:rPr lang="en-US" sz="2400" dirty="0" smtClean="0"/>
               <a:t>VCS</a:t>
             </a:r>
           </a:p>
@@ -10408,16 +13314,24 @@
               <a:buChar char="•"/>
             </a:pPr>
             <a:r>
-              <a:rPr lang="de-DE" sz="2400" dirty="0" smtClean="0">
+              <a:rPr lang="en-US" sz="2400" dirty="0" smtClean="0">
                 <a:solidFill>
                   <a:srgbClr val="81D4FA"/>
                 </a:solidFill>
               </a:rPr>
-              <a:t>kooperatives </a:t>
-            </a:r>
-            <a:r>
-              <a:rPr lang="de-DE" sz="2400" dirty="0" smtClean="0"/>
-              <a:t>Arbeiten an einem Projekt</a:t>
+              <a:t>c</a:t>
+            </a:r>
+            <a:r>
+              <a:rPr lang="en-US" sz="2400" dirty="0" smtClean="0">
+                <a:solidFill>
+                  <a:srgbClr val="81D4FA"/>
+                </a:solidFill>
+              </a:rPr>
+              <a:t>ooperative </a:t>
+            </a:r>
+            <a:r>
+              <a:rPr lang="en-US" sz="2400" dirty="0" smtClean="0"/>
+              <a:t>working on a project</a:t>
             </a:r>
           </a:p>
           <a:p>
@@ -10429,22 +13343,33 @@
               <a:buChar char="•"/>
             </a:pPr>
             <a:r>
-              <a:rPr lang="de-DE" sz="2400" dirty="0" smtClean="0"/>
-              <a:t>Verwaltung in Form von </a:t>
-            </a:r>
-            <a:r>
-              <a:rPr lang="de-DE" sz="2400" dirty="0" err="1" smtClean="0">
+              <a:rPr lang="en-US" sz="2400" dirty="0" smtClean="0"/>
+              <a:t>managing projects in </a:t>
+            </a:r>
+            <a:r>
+              <a:rPr lang="en-US" sz="2400" dirty="0" smtClean="0"/>
+              <a:t>f</a:t>
+            </a:r>
+            <a:r>
+              <a:rPr lang="en-US" sz="2400" dirty="0" smtClean="0"/>
+              <a:t>orm of </a:t>
+            </a:r>
+            <a:r>
+              <a:rPr lang="en-US" sz="2400" dirty="0" smtClean="0">
                 <a:solidFill>
                   <a:srgbClr val="81D4FA"/>
                 </a:solidFill>
               </a:rPr>
-              <a:t>Repositories</a:t>
-            </a:r>
-            <a:endParaRPr lang="de-DE" sz="2400" dirty="0" smtClean="0">
-              <a:solidFill>
-                <a:srgbClr val="81D4FA"/>
-              </a:solidFill>
-            </a:endParaRPr>
+              <a:t>r</a:t>
+            </a:r>
+            <a:r>
+              <a:rPr lang="en-US" sz="2400" dirty="0" smtClean="0">
+                <a:solidFill>
+                  <a:srgbClr val="81D4FA"/>
+                </a:solidFill>
+              </a:rPr>
+              <a:t>epositories</a:t>
+            </a:r>
           </a:p>
           <a:p>
             <a:pPr marL="457200" indent="-457200">
@@ -10455,38 +13380,46 @@
               <a:buChar char="•"/>
             </a:pPr>
             <a:r>
-              <a:rPr lang="de-DE" sz="2400" dirty="0"/>
-              <a:t>webbasierte Hosting Services wie </a:t>
-            </a:r>
-            <a:r>
-              <a:rPr lang="de-DE" sz="2400" dirty="0" err="1">
+              <a:rPr lang="en-US" sz="2400" dirty="0" smtClean="0"/>
+              <a:t>support by web-based </a:t>
+            </a:r>
+            <a:r>
+              <a:rPr lang="en-US" sz="2400" dirty="0" smtClean="0"/>
+              <a:t>h</a:t>
+            </a:r>
+            <a:r>
+              <a:rPr lang="en-US" sz="2400" dirty="0" smtClean="0"/>
+              <a:t>osting </a:t>
+            </a:r>
+            <a:r>
+              <a:rPr lang="en-US" sz="2400" dirty="0" smtClean="0"/>
+              <a:t>s</a:t>
+            </a:r>
+            <a:r>
+              <a:rPr lang="en-US" sz="2400" dirty="0" smtClean="0"/>
+              <a:t>ervices like </a:t>
+            </a:r>
+            <a:r>
+              <a:rPr lang="en-US" sz="2400" dirty="0" smtClean="0">
                 <a:solidFill>
                   <a:srgbClr val="81D4FA"/>
                 </a:solidFill>
               </a:rPr>
-              <a:t>GitHub</a:t>
-            </a:r>
-            <a:r>
-              <a:rPr lang="de-DE" sz="2400" dirty="0">
+              <a:t>GitHub </a:t>
+            </a:r>
+            <a:r>
+              <a:rPr lang="en-US" sz="2400" dirty="0" smtClean="0"/>
+              <a:t>or </a:t>
+            </a:r>
+            <a:r>
+              <a:rPr lang="en-US" sz="2400" dirty="0" err="1" smtClean="0">
                 <a:solidFill>
                   <a:srgbClr val="81D4FA"/>
                 </a:solidFill>
               </a:rPr>
-              <a:t> </a:t>
-            </a:r>
-            <a:r>
-              <a:rPr lang="de-DE" sz="2400" dirty="0"/>
-              <a:t>oder </a:t>
-            </a:r>
-            <a:r>
-              <a:rPr lang="de-DE" sz="2400" dirty="0" err="1" smtClean="0">
-                <a:solidFill>
-                  <a:srgbClr val="81D4FA"/>
-                </a:solidFill>
-              </a:rPr>
               <a:t>Bitbucket</a:t>
             </a:r>
-            <a:endParaRPr lang="de-DE" sz="2400" dirty="0">
+            <a:endParaRPr lang="en-US" sz="2400" dirty="0" smtClean="0">
               <a:solidFill>
                 <a:srgbClr val="81D4FA"/>
               </a:solidFill>
@@ -10501,11 +13434,11 @@
               <a:buChar char="•"/>
             </a:pPr>
             <a:r>
-              <a:rPr lang="de-DE" sz="2400" dirty="0" smtClean="0"/>
-              <a:t>für </a:t>
-            </a:r>
-            <a:r>
-              <a:rPr lang="de-DE" sz="2400" dirty="0" smtClean="0">
+              <a:rPr lang="en-US" sz="2400" dirty="0" smtClean="0"/>
+              <a:t>for </a:t>
+            </a:r>
+            <a:r>
+              <a:rPr lang="en-US" sz="2400" dirty="0" smtClean="0">
                 <a:solidFill>
                   <a:srgbClr val="81D4FA"/>
                 </a:solidFill>
@@ -10513,11 +13446,11 @@
               <a:t>Linux</a:t>
             </a:r>
             <a:r>
-              <a:rPr lang="de-DE" sz="2400" dirty="0" smtClean="0"/>
+              <a:rPr lang="en-US" sz="2400" dirty="0" smtClean="0"/>
               <a:t>, </a:t>
             </a:r>
             <a:r>
-              <a:rPr lang="de-DE" sz="2400" dirty="0" smtClean="0">
+              <a:rPr lang="en-US" sz="2400" dirty="0" smtClean="0">
                 <a:solidFill>
                   <a:srgbClr val="81D4FA"/>
                 </a:solidFill>
@@ -10525,11 +13458,15 @@
               <a:t>Windows </a:t>
             </a:r>
             <a:r>
-              <a:rPr lang="de-DE" sz="2400" dirty="0" smtClean="0"/>
-              <a:t>und </a:t>
-            </a:r>
-            <a:r>
-              <a:rPr lang="de-DE" sz="2400" dirty="0" err="1" smtClean="0">
+              <a:rPr lang="en-US" sz="2400" dirty="0" smtClean="0"/>
+              <a:t>a</a:t>
+            </a:r>
+            <a:r>
+              <a:rPr lang="en-US" sz="2400" dirty="0" smtClean="0"/>
+              <a:t>nd </a:t>
+            </a:r>
+            <a:r>
+              <a:rPr lang="en-US" sz="2400" dirty="0" err="1" smtClean="0">
                 <a:solidFill>
                   <a:srgbClr val="81D4FA"/>
                 </a:solidFill>
@@ -10537,24 +13474,18 @@
               <a:t>macOS</a:t>
             </a:r>
             <a:r>
-              <a:rPr lang="de-DE" sz="2400" dirty="0" smtClean="0">
+              <a:rPr lang="en-US" sz="2400" dirty="0" smtClean="0">
                 <a:solidFill>
                   <a:srgbClr val="81D4FA"/>
                 </a:solidFill>
               </a:rPr>
               <a:t> </a:t>
             </a:r>
-            <a:br>
-              <a:rPr lang="de-DE" sz="2400" dirty="0" smtClean="0">
-                <a:solidFill>
-                  <a:srgbClr val="81D4FA"/>
-                </a:solidFill>
-              </a:rPr>
-            </a:br>
-            <a:r>
-              <a:rPr lang="de-DE" sz="2400" dirty="0" smtClean="0"/>
-              <a:t>verfügbar</a:t>
-            </a:r>
+            <a:r>
+              <a:rPr lang="en-US" sz="2400" dirty="0" smtClean="0"/>
+              <a:t>available</a:t>
+            </a:r>
+            <a:endParaRPr lang="en-US" sz="2400" dirty="0" smtClean="0"/>
           </a:p>
         </p:txBody>
       </p:sp>
@@ -10581,6 +13512,88 @@
           </a:p>
         </p:txBody>
       </p:sp>
+      <p:pic>
+        <p:nvPicPr>
+          <p:cNvPr id="3074" name="Picture 2" descr="C:\Users\Sinthu\Desktop\bitbucket.png"/>
+          <p:cNvPicPr>
+            <a:picLocks noChangeAspect="1" noChangeArrowheads="1"/>
+          </p:cNvPicPr>
+          <p:nvPr/>
+        </p:nvPicPr>
+        <p:blipFill>
+          <a:blip r:embed="rId2" cstate="print">
+            <a:extLst>
+              <a:ext uri="{28A0092B-C50C-407E-A947-70E740481C1C}">
+                <a14:useLocalDpi xmlns:a14="http://schemas.microsoft.com/office/drawing/2010/main" val="0"/>
+              </a:ext>
+            </a:extLst>
+          </a:blip>
+          <a:srcRect/>
+          <a:stretch>
+            <a:fillRect/>
+          </a:stretch>
+        </p:blipFill>
+        <p:spPr bwMode="auto">
+          <a:xfrm>
+            <a:off x="6400800" y="209550"/>
+            <a:ext cx="1257300" cy="660083"/>
+          </a:xfrm>
+          <a:prstGeom prst="rect">
+            <a:avLst/>
+          </a:prstGeom>
+          <a:noFill/>
+          <a:extLst>
+            <a:ext uri="{909E8E84-426E-40DD-AFC4-6F175D3DCCD1}">
+              <a14:hiddenFill xmlns:a14="http://schemas.microsoft.com/office/drawing/2010/main">
+                <a:solidFill>
+                  <a:srgbClr val="FFFFFF"/>
+                </a:solidFill>
+              </a14:hiddenFill>
+            </a:ext>
+          </a:extLst>
+        </p:spPr>
+      </p:pic>
+      <p:pic>
+        <p:nvPicPr>
+          <p:cNvPr id="3075" name="Picture 3" descr="C:\Users\Sinthu\Desktop\github.png"/>
+          <p:cNvPicPr>
+            <a:picLocks noChangeAspect="1" noChangeArrowheads="1"/>
+          </p:cNvPicPr>
+          <p:nvPr/>
+        </p:nvPicPr>
+        <p:blipFill>
+          <a:blip r:embed="rId3" cstate="print">
+            <a:extLst>
+              <a:ext uri="{28A0092B-C50C-407E-A947-70E740481C1C}">
+                <a14:useLocalDpi xmlns:a14="http://schemas.microsoft.com/office/drawing/2010/main" val="0"/>
+              </a:ext>
+            </a:extLst>
+          </a:blip>
+          <a:srcRect/>
+          <a:stretch>
+            <a:fillRect/>
+          </a:stretch>
+        </p:blipFill>
+        <p:spPr bwMode="auto">
+          <a:xfrm>
+            <a:off x="7429500" y="-133350"/>
+            <a:ext cx="1409700" cy="1409700"/>
+          </a:xfrm>
+          <a:prstGeom prst="rect">
+            <a:avLst/>
+          </a:prstGeom>
+          <a:noFill/>
+          <a:extLst>
+            <a:ext uri="{909E8E84-426E-40DD-AFC4-6F175D3DCCD1}">
+              <a14:hiddenFill xmlns:a14="http://schemas.microsoft.com/office/drawing/2010/main">
+                <a:solidFill>
+                  <a:srgbClr val="FFFFFF"/>
+                </a:solidFill>
+              </a14:hiddenFill>
+            </a:ext>
+          </a:extLst>
+        </p:spPr>
+      </p:pic>
     </p:spTree>
     <p:extLst>
       <p:ext uri="{BB962C8B-B14F-4D97-AF65-F5344CB8AC3E}">
@@ -10618,6 +13631,41 @@
           <a:chExt cx="0" cy="0"/>
         </a:xfrm>
       </p:grpSpPr>
+      <p:cxnSp>
+        <p:nvCxnSpPr>
+          <p:cNvPr id="5" name="Gerade Verbindung 4"/>
+          <p:cNvCxnSpPr/>
+          <p:nvPr/>
+        </p:nvCxnSpPr>
+        <p:spPr>
+          <a:xfrm>
+            <a:off x="603504" y="1463040"/>
+            <a:ext cx="0" cy="1642110"/>
+          </a:xfrm>
+          <a:prstGeom prst="line">
+            <a:avLst/>
+          </a:prstGeom>
+          <a:ln w="12700">
+            <a:solidFill>
+              <a:srgbClr val="0277BD"/>
+            </a:solidFill>
+          </a:ln>
+        </p:spPr>
+        <p:style>
+          <a:lnRef idx="1">
+            <a:schemeClr val="accent1"/>
+          </a:lnRef>
+          <a:fillRef idx="0">
+            <a:schemeClr val="accent1"/>
+          </a:fillRef>
+          <a:effectRef idx="0">
+            <a:schemeClr val="accent1"/>
+          </a:effectRef>
+          <a:fontRef idx="minor">
+            <a:schemeClr val="tx1"/>
+          </a:fontRef>
+        </p:style>
+      </p:cxnSp>
       <p:sp>
         <p:nvSpPr>
           <p:cNvPr id="2" name="Titel 1"/>
@@ -10676,47 +13724,51 @@
               <a:buChar char="•"/>
             </a:pPr>
             <a:r>
-              <a:rPr lang="de-DE" sz="2400" dirty="0" smtClean="0"/>
-              <a:t>jeder Entwickler arbeitet an </a:t>
-            </a:r>
-            <a:r>
-              <a:rPr lang="de-DE" sz="2400" dirty="0" smtClean="0">
+              <a:rPr lang="en-US" sz="2400" dirty="0" smtClean="0"/>
+              <a:t>every developer works on a </a:t>
+            </a:r>
+            <a:r>
+              <a:rPr lang="en-US" sz="2400" dirty="0" smtClean="0">
                 <a:solidFill>
                   <a:srgbClr val="81D4FA"/>
                 </a:solidFill>
               </a:rPr>
-              <a:t>lokaler Kopie </a:t>
-            </a:r>
-            <a:r>
-              <a:rPr lang="de-DE" sz="2400" dirty="0" smtClean="0"/>
-              <a:t>des Projekts (</a:t>
-            </a:r>
-            <a:r>
-              <a:rPr lang="de-DE" sz="2400" dirty="0" err="1" smtClean="0">
+              <a:t>local </a:t>
+            </a:r>
+            <a:r>
+              <a:rPr lang="en-US" sz="2400" dirty="0" smtClean="0">
                 <a:solidFill>
                   <a:srgbClr val="81D4FA"/>
                 </a:solidFill>
               </a:rPr>
-              <a:t>local</a:t>
-            </a:r>
-            <a:r>
-              <a:rPr lang="de-DE" sz="2400" dirty="0" smtClean="0">
+              <a:t>c</a:t>
+            </a:r>
+            <a:r>
+              <a:rPr lang="en-US" sz="2400" dirty="0" smtClean="0">
                 <a:solidFill>
                   <a:srgbClr val="81D4FA"/>
                 </a:solidFill>
               </a:rPr>
-              <a:t> </a:t>
-            </a:r>
-            <a:r>
-              <a:rPr lang="de-DE" sz="2400" dirty="0" err="1" smtClean="0">
+              <a:t>opy </a:t>
+            </a:r>
+            <a:r>
+              <a:rPr lang="en-US" sz="2400" dirty="0" smtClean="0"/>
+              <a:t>of the project</a:t>
+            </a:r>
+            <a:r>
+              <a:rPr lang="en-US" sz="2400" dirty="0" smtClean="0"/>
+              <a:t> (</a:t>
+            </a:r>
+            <a:r>
+              <a:rPr lang="en-US" sz="2400" dirty="0" smtClean="0">
                 <a:solidFill>
                   <a:srgbClr val="81D4FA"/>
                 </a:solidFill>
               </a:rPr>
-              <a:t>repository</a:t>
-            </a:r>
-            <a:r>
-              <a:rPr lang="de-DE" sz="2400" dirty="0" smtClean="0"/>
+              <a:t>local repository</a:t>
+            </a:r>
+            <a:r>
+              <a:rPr lang="en-US" sz="2400" dirty="0" smtClean="0"/>
               <a:t>)</a:t>
             </a:r>
           </a:p>
@@ -10729,21 +13781,22 @@
               <a:buChar char="•"/>
             </a:pPr>
             <a:r>
-              <a:rPr lang="de-DE" sz="2400" dirty="0" smtClean="0"/>
-              <a:t>Änderungen werden zusammengefasst und verwaltet (</a:t>
-            </a:r>
-            <a:r>
-              <a:rPr lang="de-DE" sz="2400" dirty="0" err="1" smtClean="0">
+              <a:rPr lang="en-US" sz="2400" dirty="0" err="1" smtClean="0"/>
+              <a:t>git</a:t>
+            </a:r>
+            <a:r>
+              <a:rPr lang="en-US" sz="2400" dirty="0" smtClean="0"/>
+              <a:t> manages changes in form of </a:t>
+            </a:r>
+            <a:r>
+              <a:rPr lang="en-US" sz="2400" dirty="0" smtClean="0">
                 <a:solidFill>
                   <a:srgbClr val="81D4FA"/>
                 </a:solidFill>
               </a:rPr>
-              <a:t>commit</a:t>
-            </a:r>
-            <a:r>
-              <a:rPr lang="de-DE" sz="2400" dirty="0" smtClean="0"/>
-              <a:t>)</a:t>
-            </a:r>
+              <a:t>commits</a:t>
+            </a:r>
+            <a:endParaRPr lang="en-US" sz="2400" dirty="0" smtClean="0"/>
           </a:p>
           <a:p>
             <a:pPr marL="514350" indent="-514350">
@@ -10754,20 +13807,8 @@
               <a:buChar char="•"/>
             </a:pPr>
             <a:r>
-              <a:rPr lang="en-US" sz="2400" dirty="0"/>
-              <a:t>c</a:t>
-            </a:r>
-            <a:r>
-              <a:rPr lang="en-US" sz="2400" dirty="0" smtClean="0"/>
-              <a:t>ommits </a:t>
-            </a:r>
-            <a:r>
-              <a:rPr lang="en-US" sz="2400" dirty="0" err="1" smtClean="0"/>
-              <a:t>werden</a:t>
-            </a:r>
-            <a:r>
-              <a:rPr lang="en-US" sz="2400" dirty="0" smtClean="0"/>
-              <a:t> auf </a:t>
+              <a:rPr lang="en-US" sz="2400" dirty="0" smtClean="0"/>
+              <a:t>commits are published on </a:t>
             </a:r>
             <a:r>
               <a:rPr lang="en-US" sz="2400" dirty="0" smtClean="0">
@@ -10775,11 +13816,15 @@
                   <a:srgbClr val="81D4FA"/>
                 </a:solidFill>
               </a:rPr>
-              <a:t>remote repositories </a:t>
-            </a:r>
-            <a:r>
-              <a:rPr lang="en-US" sz="2400" dirty="0" err="1" smtClean="0"/>
-              <a:t>publiziert</a:t>
+              <a:t>remote </a:t>
+            </a:r>
+            <a:r>
+              <a:rPr lang="en-US" sz="2400" dirty="0" smtClean="0">
+                <a:solidFill>
+                  <a:srgbClr val="81D4FA"/>
+                </a:solidFill>
+              </a:rPr>
+              <a:t>repositories</a:t>
             </a:r>
             <a:endParaRPr lang="en-US" sz="2400" dirty="0" smtClean="0"/>
           </a:p>
@@ -10792,29 +13837,50 @@
               <a:buChar char="•"/>
             </a:pPr>
             <a:r>
-              <a:rPr lang="de-DE" sz="2400" dirty="0" smtClean="0"/>
-              <a:t>Entwickler können</a:t>
-            </a:r>
-            <a:r>
-              <a:rPr lang="de-DE" sz="2400" dirty="0" smtClean="0">
+              <a:rPr lang="en-US" sz="2400" dirty="0" smtClean="0"/>
+              <a:t>developers can integrate</a:t>
+            </a:r>
+            <a:r>
+              <a:rPr lang="en-US" sz="2400" dirty="0" smtClean="0">
                 <a:solidFill>
                   <a:srgbClr val="81D4FA"/>
                 </a:solidFill>
               </a:rPr>
-              <a:t> Änderungen anderer Entwickler </a:t>
-            </a:r>
-            <a:r>
-              <a:rPr lang="de-DE" sz="2400" dirty="0" smtClean="0"/>
-              <a:t>über das remote </a:t>
-            </a:r>
-            <a:r>
-              <a:rPr lang="de-DE" sz="2400" dirty="0" err="1" smtClean="0"/>
-              <a:t>repository</a:t>
-            </a:r>
-            <a:r>
-              <a:rPr lang="de-DE" sz="2400" dirty="0" smtClean="0"/>
-              <a:t> einpflegen</a:t>
-            </a:r>
+              <a:t> </a:t>
+            </a:r>
+            <a:r>
+              <a:rPr lang="en-US" sz="2400" dirty="0" smtClean="0">
+                <a:solidFill>
+                  <a:srgbClr val="81D4FA"/>
+                </a:solidFill>
+              </a:rPr>
+              <a:t>changes of other </a:t>
+            </a:r>
+            <a:r>
+              <a:rPr lang="en-US" sz="2400" dirty="0" err="1" smtClean="0">
+                <a:solidFill>
+                  <a:srgbClr val="81D4FA"/>
+                </a:solidFill>
+              </a:rPr>
+              <a:t>devs</a:t>
+            </a:r>
+            <a:r>
+              <a:rPr lang="en-US" sz="2400" dirty="0" smtClean="0">
+                <a:solidFill>
+                  <a:srgbClr val="81D4FA"/>
+                </a:solidFill>
+              </a:rPr>
+              <a:t> </a:t>
+            </a:r>
+            <a:r>
+              <a:rPr lang="en-US" sz="2400" dirty="0" smtClean="0"/>
+              <a:t>by usin</a:t>
+            </a:r>
+            <a:r>
+              <a:rPr lang="en-US" sz="2400" dirty="0" smtClean="0"/>
+              <a:t>g the remote repository</a:t>
+            </a:r>
+            <a:endParaRPr lang="en-US" sz="2400" dirty="0" smtClean="0"/>
           </a:p>
         </p:txBody>
       </p:sp>
@@ -10878,6 +13944,41 @@
           <a:chExt cx="0" cy="0"/>
         </a:xfrm>
       </p:grpSpPr>
+      <p:cxnSp>
+        <p:nvCxnSpPr>
+          <p:cNvPr id="6" name="Gerade Verbindung 5"/>
+          <p:cNvCxnSpPr/>
+          <p:nvPr/>
+        </p:nvCxnSpPr>
+        <p:spPr>
+          <a:xfrm>
+            <a:off x="603504" y="2876550"/>
+            <a:ext cx="0" cy="321945"/>
+          </a:xfrm>
+          <a:prstGeom prst="line">
+            <a:avLst/>
+          </a:prstGeom>
+          <a:ln w="12700">
+            <a:solidFill>
+              <a:srgbClr val="0277BD"/>
+            </a:solidFill>
+          </a:ln>
+        </p:spPr>
+        <p:style>
+          <a:lnRef idx="1">
+            <a:schemeClr val="accent1"/>
+          </a:lnRef>
+          <a:fillRef idx="0">
+            <a:schemeClr val="accent1"/>
+          </a:fillRef>
+          <a:effectRef idx="0">
+            <a:schemeClr val="accent1"/>
+          </a:effectRef>
+          <a:fontRef idx="minor">
+            <a:schemeClr val="tx1"/>
+          </a:fontRef>
+        </p:style>
+      </p:cxnSp>
       <p:sp>
         <p:nvSpPr>
           <p:cNvPr id="2" name="Titel 1"/>
@@ -10931,7 +14032,6 @@
               <a:rPr lang="en-US" dirty="0" smtClean="0"/>
               <a:t>/Ubuntu und WSL</a:t>
             </a:r>
-            <a:endParaRPr lang="en-US" dirty="0" smtClean="0"/>
           </a:p>
           <a:p>
             <a:endParaRPr lang="en-US" dirty="0"/>
@@ -11002,15 +14102,7 @@
                   <a:srgbClr val="FFFF00"/>
                 </a:solidFill>
               </a:rPr>
-              <a:t>WSL (Windows Subsyste</a:t>
-            </a:r>
-            <a:r>
-              <a:rPr lang="en-US" sz="2400" dirty="0" smtClean="0">
-                <a:solidFill>
-                  <a:srgbClr val="FFFF00"/>
-                </a:solidFill>
-              </a:rPr>
-              <a:t>m for Linux)</a:t>
+              <a:t>WSL (Windows Subsystem for Linux)</a:t>
             </a:r>
             <a:endParaRPr lang="en-US" sz="2400" dirty="0">
               <a:solidFill>

--- a/Git.pptx
+++ b/Git.pptx
@@ -242,7 +242,7 @@
           <a:p>
             <a:fld id="{33381547-05E0-4487-994A-7D9BB6110CE3}" type="datetimeFigureOut">
               <a:rPr lang="en-US" smtClean="0"/>
-              <a:t>2/23/2018</a:t>
+              <a:t>2/24/2018</a:t>
             </a:fld>
             <a:endParaRPr lang="en-US"/>
           </a:p>
@@ -859,7 +859,7 @@
           <a:p>
             <a:fld id="{9BCAFB3A-A201-4A81-9A62-D67F100AA58A}" type="datetime1">
               <a:rPr lang="en-US" smtClean="0"/>
-              <a:t>2/23/2018</a:t>
+              <a:t>2/24/2018</a:t>
             </a:fld>
             <a:endParaRPr lang="en-US"/>
           </a:p>
@@ -1060,7 +1060,7 @@
           <a:p>
             <a:fld id="{7DE11374-A2B7-41AE-8033-2A16C9C315BE}" type="datetime1">
               <a:rPr lang="en-US" smtClean="0"/>
-              <a:t>2/23/2018</a:t>
+              <a:t>2/24/2018</a:t>
             </a:fld>
             <a:endParaRPr lang="en-US"/>
           </a:p>
@@ -1244,7 +1244,7 @@
           <a:p>
             <a:fld id="{003CE860-CDE9-47FD-8961-B87204FCAED0}" type="datetime1">
               <a:rPr lang="en-US" smtClean="0"/>
-              <a:t>2/23/2018</a:t>
+              <a:t>2/24/2018</a:t>
             </a:fld>
             <a:endParaRPr lang="en-US"/>
           </a:p>
@@ -1418,7 +1418,7 @@
           <a:p>
             <a:fld id="{D8B373B7-2714-496B-AC7F-949877B4F04A}" type="datetime1">
               <a:rPr lang="en-US" smtClean="0"/>
-              <a:t>2/23/2018</a:t>
+              <a:t>2/24/2018</a:t>
             </a:fld>
             <a:endParaRPr lang="en-US"/>
           </a:p>
@@ -1685,7 +1685,7 @@
           <a:p>
             <a:fld id="{CE745D14-7FA3-4662-9503-1B536274C00A}" type="datetime1">
               <a:rPr lang="en-US" smtClean="0"/>
-              <a:t>2/23/2018</a:t>
+              <a:t>2/24/2018</a:t>
             </a:fld>
             <a:endParaRPr lang="en-US"/>
           </a:p>
@@ -1977,7 +1977,7 @@
           <a:p>
             <a:fld id="{5478B0EB-2A72-4F43-8CAF-C7440ACC774F}" type="datetime1">
               <a:rPr lang="en-US" smtClean="0"/>
-              <a:t>2/23/2018</a:t>
+              <a:t>2/24/2018</a:t>
             </a:fld>
             <a:endParaRPr lang="en-US"/>
           </a:p>
@@ -2403,7 +2403,7 @@
           <a:p>
             <a:fld id="{BDCE1369-2FAE-4E88-8050-2E85AAD4F3EE}" type="datetime1">
               <a:rPr lang="en-US" smtClean="0"/>
-              <a:t>2/23/2018</a:t>
+              <a:t>2/24/2018</a:t>
             </a:fld>
             <a:endParaRPr lang="en-US"/>
           </a:p>
@@ -2525,7 +2525,7 @@
           <a:p>
             <a:fld id="{D69F136B-23D8-48FB-9D2C-09343557A784}" type="datetime1">
               <a:rPr lang="en-US" smtClean="0"/>
-              <a:t>2/23/2018</a:t>
+              <a:t>2/24/2018</a:t>
             </a:fld>
             <a:endParaRPr lang="en-US"/>
           </a:p>
@@ -2624,7 +2624,7 @@
           <a:p>
             <a:fld id="{B483751E-F4AA-4B81-94CB-B8B399EAF121}" type="datetime1">
               <a:rPr lang="en-US" smtClean="0"/>
-              <a:t>2/23/2018</a:t>
+              <a:t>2/24/2018</a:t>
             </a:fld>
             <a:endParaRPr lang="en-US"/>
           </a:p>
@@ -2905,7 +2905,7 @@
           <a:p>
             <a:fld id="{BBEC857F-B6C9-4254-A48F-750DB237DE80}" type="datetime1">
               <a:rPr lang="en-US" smtClean="0"/>
-              <a:t>2/23/2018</a:t>
+              <a:t>2/24/2018</a:t>
             </a:fld>
             <a:endParaRPr lang="en-US"/>
           </a:p>
@@ -3162,7 +3162,7 @@
           <a:p>
             <a:fld id="{E80361DC-3236-4346-B2E8-A2F97BA13056}" type="datetime1">
               <a:rPr lang="en-US" smtClean="0"/>
-              <a:t>2/23/2018</a:t>
+              <a:t>2/24/2018</a:t>
             </a:fld>
             <a:endParaRPr lang="en-US"/>
           </a:p>
@@ -3429,7 +3429,7 @@
           <a:p>
             <a:fld id="{7499E6B1-3F41-4666-B376-B8EF3143577A}" type="datetime1">
               <a:rPr lang="en-US" smtClean="0"/>
-              <a:t>2/23/2018</a:t>
+              <a:t>2/24/2018</a:t>
             </a:fld>
             <a:endParaRPr lang="en-US"/>
           </a:p>
@@ -4317,7 +4317,6 @@
               <a:rPr lang="en-US" sz="2800" dirty="0" smtClean="0"/>
               <a:t>/Ubuntu/WSL</a:t>
             </a:r>
-            <a:endParaRPr lang="en-US" sz="2800" dirty="0" smtClean="0"/>
           </a:p>
           <a:p>
             <a:endParaRPr lang="en-US" dirty="0"/>
@@ -4442,7 +4441,6 @@
               <a:rPr lang="en-US" dirty="0"/>
               <a:t> 2018</a:t>
             </a:r>
-            <a:endParaRPr lang="en-US" dirty="0"/>
           </a:p>
         </p:txBody>
       </p:sp>
@@ -4739,11 +4737,7 @@
             </a:pPr>
             <a:r>
               <a:rPr lang="en-US" sz="2400" dirty="0" smtClean="0"/>
-              <a:t>initializes/copies </a:t>
-            </a:r>
-            <a:r>
-              <a:rPr lang="en-US" sz="2400" dirty="0" smtClean="0"/>
-              <a:t>a </a:t>
+              <a:t>initializes/copies a </a:t>
             </a:r>
             <a:r>
               <a:rPr lang="en-US" sz="2400" dirty="0" smtClean="0">
@@ -4841,7 +4835,6 @@
               <a:rPr lang="en-US" dirty="0"/>
               <a:t> 2018</a:t>
             </a:r>
-            <a:endParaRPr lang="en-US" dirty="0"/>
           </a:p>
         </p:txBody>
       </p:sp>
@@ -5029,12 +5022,6 @@
               </a:rPr>
               <a:t>or</a:t>
             </a:r>
-            <a:endParaRPr lang="en-US" sz="2400" dirty="0" smtClean="0">
-              <a:solidFill>
-                <a:schemeClr val="bg1"/>
-              </a:solidFill>
-              <a:latin typeface="Bahnschrift Light" panose="020B0502040204020203" pitchFamily="34" charset="0"/>
-            </a:endParaRPr>
           </a:p>
         </p:txBody>
       </p:sp>
@@ -5184,7 +5171,6 @@
               <a:rPr lang="en-US" dirty="0"/>
               <a:t> 2018</a:t>
             </a:r>
-            <a:endParaRPr lang="en-US" dirty="0"/>
           </a:p>
         </p:txBody>
       </p:sp>
@@ -5276,15 +5262,6 @@
               </a:rPr>
               <a:t>master branch (explained later)</a:t>
             </a:r>
-            <a:endParaRPr lang="en-US" dirty="0" smtClean="0">
-              <a:solidFill>
-                <a:schemeClr val="tx1">
-                  <a:lumMod val="65000"/>
-                  <a:lumOff val="35000"/>
-                </a:schemeClr>
-              </a:solidFill>
-              <a:latin typeface="Bahnschrift Light" panose="020B0502040204020203" pitchFamily="34" charset="0"/>
-            </a:endParaRPr>
           </a:p>
         </p:txBody>
       </p:sp>
@@ -5716,11 +5693,6 @@
               </a:rPr>
               <a:t>remote</a:t>
             </a:r>
-            <a:endParaRPr lang="en-US" sz="2400" dirty="0" smtClean="0">
-              <a:solidFill>
-                <a:srgbClr val="4FC3F7"/>
-              </a:solidFill>
-            </a:endParaRPr>
           </a:p>
         </p:txBody>
       </p:sp>
@@ -5751,7 +5723,6 @@
               <a:rPr lang="en-US" dirty="0"/>
               <a:t> 2018</a:t>
             </a:r>
-            <a:endParaRPr lang="en-US" dirty="0"/>
           </a:p>
         </p:txBody>
       </p:sp>
@@ -5992,21 +5963,8 @@
             </a:r>
             <a:r>
               <a:rPr lang="en-US" sz="2400" dirty="0" smtClean="0"/>
-              <a:t>, </a:t>
-            </a:r>
-            <a:r>
-              <a:rPr lang="en-US" sz="2400" dirty="0" smtClean="0"/>
-              <a:t>work can be done </a:t>
-            </a:r>
-            <a:r>
-              <a:rPr lang="en-US" sz="2400" dirty="0" smtClean="0"/>
-              <a:t>on</a:t>
-            </a:r>
-            <a:r>
-              <a:rPr lang="en-US" sz="2400" dirty="0" smtClean="0"/>
-              <a:t> files</a:t>
-            </a:r>
-            <a:endParaRPr lang="en-US" sz="2400" dirty="0" smtClean="0"/>
+              <a:t>, work can be done on files</a:t>
+            </a:r>
           </a:p>
           <a:p>
             <a:pPr marL="457200" indent="-457200">
@@ -6150,27 +6108,19 @@
             </a:r>
             <a:r>
               <a:rPr lang="en-US" sz="2400" dirty="0" smtClean="0"/>
-              <a:t> </a:t>
+              <a:t> and </a:t>
+            </a:r>
+            <a:r>
+              <a:rPr lang="en-US" sz="2400" dirty="0" smtClean="0">
+                <a:solidFill>
+                  <a:srgbClr val="81D4FA"/>
+                </a:solidFill>
+              </a:rPr>
+              <a:t>merge</a:t>
             </a:r>
             <a:r>
               <a:rPr lang="en-US" sz="2400" dirty="0" smtClean="0"/>
-              <a:t>and </a:t>
-            </a:r>
-            <a:r>
-              <a:rPr lang="en-US" sz="2400" dirty="0" smtClean="0">
-                <a:solidFill>
-                  <a:srgbClr val="81D4FA"/>
-                </a:solidFill>
-              </a:rPr>
-              <a:t>merge</a:t>
-            </a:r>
-            <a:r>
-              <a:rPr lang="en-US" sz="2400" dirty="0" smtClean="0"/>
-              <a:t> </a:t>
-            </a:r>
-            <a:r>
-              <a:rPr lang="en-US" sz="2400" dirty="0" smtClean="0"/>
-              <a:t>are elementary commands</a:t>
+              <a:t> are elementary commands</a:t>
             </a:r>
             <a:endParaRPr lang="de-DE" sz="2400" dirty="0" smtClean="0"/>
           </a:p>
@@ -6203,7 +6153,6 @@
               <a:rPr lang="en-US" dirty="0"/>
               <a:t> 2018</a:t>
             </a:r>
-            <a:endParaRPr lang="en-US" dirty="0"/>
           </a:p>
         </p:txBody>
       </p:sp>
@@ -6359,11 +6308,7 @@
             </a:r>
             <a:r>
               <a:rPr lang="en-US" sz="2400" dirty="0" smtClean="0"/>
-              <a:t>of </a:t>
-            </a:r>
-            <a:r>
-              <a:rPr lang="en-US" sz="2400" dirty="0" smtClean="0"/>
-              <a:t>changes since the last commit</a:t>
+              <a:t>of changes since the last commit</a:t>
             </a:r>
           </a:p>
           <a:p>
@@ -6414,7 +6359,6 @@
               <a:rPr lang="en-US" sz="2400" dirty="0" smtClean="0"/>
               <a:t> files</a:t>
             </a:r>
-            <a:endParaRPr lang="en-US" sz="2400" dirty="0" smtClean="0"/>
           </a:p>
           <a:p>
             <a:pPr marL="457200" indent="-457200">
@@ -6471,7 +6415,6 @@
               <a:rPr lang="en-US" dirty="0"/>
               <a:t> 2018</a:t>
             </a:r>
-            <a:endParaRPr lang="en-US" dirty="0"/>
           </a:p>
         </p:txBody>
       </p:sp>
@@ -6647,7 +6590,6 @@
               <a:rPr lang="en-US" dirty="0"/>
               <a:t> 2018</a:t>
             </a:r>
-            <a:endParaRPr lang="en-US" dirty="0"/>
           </a:p>
         </p:txBody>
       </p:sp>
@@ -6786,15 +6728,6 @@
               </a:rPr>
               <a:t>Not in the index yet</a:t>
             </a:r>
-            <a:endParaRPr lang="en-US" dirty="0" smtClean="0">
-              <a:solidFill>
-                <a:schemeClr val="tx1">
-                  <a:lumMod val="65000"/>
-                  <a:lumOff val="35000"/>
-                </a:schemeClr>
-              </a:solidFill>
-              <a:latin typeface="Bahnschrift Light" panose="020B0502040204020203" pitchFamily="34" charset="0"/>
-            </a:endParaRPr>
           </a:p>
         </p:txBody>
       </p:sp>
@@ -6871,11 +6804,7 @@
             </a:r>
             <a:r>
               <a:rPr lang="en-US" sz="4000" dirty="0" smtClean="0"/>
-              <a:t> </a:t>
-            </a:r>
-            <a:r>
-              <a:rPr lang="en-US" sz="4000" dirty="0" smtClean="0"/>
-              <a:t>status - result</a:t>
+              <a:t> status - result</a:t>
             </a:r>
             <a:endParaRPr lang="de-DE" sz="4000" dirty="0"/>
           </a:p>
@@ -7123,7 +7052,6 @@
               <a:rPr lang="en-US" dirty="0"/>
               <a:t> 2018</a:t>
             </a:r>
-            <a:endParaRPr lang="en-US" dirty="0"/>
           </a:p>
         </p:txBody>
       </p:sp>
@@ -7765,7 +7693,6 @@
               <a:rPr lang="en-US" dirty="0"/>
               <a:t> 2018</a:t>
             </a:r>
-            <a:endParaRPr lang="en-US" dirty="0"/>
           </a:p>
         </p:txBody>
       </p:sp>
@@ -7855,15 +7782,6 @@
               </a:rPr>
               <a:t>adding newfile.py</a:t>
             </a:r>
-            <a:endParaRPr lang="en-US" dirty="0" smtClean="0">
-              <a:solidFill>
-                <a:schemeClr val="tx1">
-                  <a:lumMod val="65000"/>
-                  <a:lumOff val="35000"/>
-                </a:schemeClr>
-              </a:solidFill>
-              <a:latin typeface="Bahnschrift Light" panose="020B0502040204020203" pitchFamily="34" charset="0"/>
-            </a:endParaRPr>
           </a:p>
         </p:txBody>
       </p:sp>
@@ -7946,15 +7864,6 @@
               </a:rPr>
               <a:t>A new file in the commit appeared!</a:t>
             </a:r>
-            <a:endParaRPr lang="en-US" dirty="0" smtClean="0">
-              <a:solidFill>
-                <a:schemeClr val="tx1">
-                  <a:lumMod val="65000"/>
-                  <a:lumOff val="35000"/>
-                </a:schemeClr>
-              </a:solidFill>
-              <a:latin typeface="Bahnschrift Light" panose="020B0502040204020203" pitchFamily="34" charset="0"/>
-            </a:endParaRPr>
           </a:p>
         </p:txBody>
       </p:sp>
@@ -8036,15 +7945,6 @@
               </a:rPr>
               <a:t>I’m not new, but different</a:t>
             </a:r>
-            <a:endParaRPr lang="en-US" dirty="0" smtClean="0">
-              <a:solidFill>
-                <a:schemeClr val="tx1">
-                  <a:lumMod val="65000"/>
-                  <a:lumOff val="35000"/>
-                </a:schemeClr>
-              </a:solidFill>
-              <a:latin typeface="Bahnschrift Light" panose="020B0502040204020203" pitchFamily="34" charset="0"/>
-            </a:endParaRPr>
           </a:p>
         </p:txBody>
       </p:sp>
@@ -8253,39 +8153,7 @@
                   <a:srgbClr val="FFFF00"/>
                 </a:solidFill>
               </a:rPr>
-              <a:t>„A commit describes </a:t>
-            </a:r>
-            <a:r>
-              <a:rPr lang="en-US" dirty="0" smtClean="0">
-                <a:solidFill>
-                  <a:srgbClr val="FFFF00"/>
-                </a:solidFill>
-              </a:rPr>
-              <a:t>and adds a </a:t>
-            </a:r>
-            <a:r>
-              <a:rPr lang="en-US" dirty="0" smtClean="0">
-                <a:solidFill>
-                  <a:srgbClr val="FFFF00"/>
-                </a:solidFill>
-              </a:rPr>
-              <a:t>set of changes on resources </a:t>
-            </a:r>
-            <a:r>
-              <a:rPr lang="en-US" dirty="0" smtClean="0">
-                <a:solidFill>
-                  <a:srgbClr val="FFFF00"/>
-                </a:solidFill>
-              </a:rPr>
-              <a:t>to </a:t>
-            </a:r>
-            <a:r>
-              <a:rPr lang="en-US" dirty="0" smtClean="0">
-                <a:solidFill>
-                  <a:srgbClr val="FFFF00"/>
-                </a:solidFill>
-              </a:rPr>
-              <a:t>a repository.“</a:t>
+              <a:t>„A commit describes and adds a set of changes on resources to a repository.“</a:t>
             </a:r>
             <a:endParaRPr lang="en-US" dirty="0">
               <a:solidFill>
@@ -8322,7 +8190,6 @@
               <a:rPr lang="en-US" dirty="0"/>
               <a:t> 2018</a:t>
             </a:r>
-            <a:endParaRPr lang="en-US" dirty="0"/>
           </a:p>
         </p:txBody>
       </p:sp>
@@ -8574,11 +8441,6 @@
               </a:rPr>
               <a:t>Feel free to raise your hand and ask questions.</a:t>
             </a:r>
-            <a:endParaRPr lang="en-US" sz="2400" dirty="0" smtClean="0">
-              <a:solidFill>
-                <a:srgbClr val="FFFF00"/>
-              </a:solidFill>
-            </a:endParaRPr>
           </a:p>
         </p:txBody>
       </p:sp>
@@ -8809,7 +8671,6 @@
               <a:rPr lang="en-US" dirty="0"/>
               <a:t> 2018</a:t>
             </a:r>
-            <a:endParaRPr lang="en-US" dirty="0"/>
           </a:p>
         </p:txBody>
       </p:sp>
@@ -8868,15 +8729,7 @@
             </a:pPr>
             <a:r>
               <a:rPr lang="en-US" sz="2400" dirty="0" smtClean="0"/>
-              <a:t>changes are committed </a:t>
-            </a:r>
-            <a:r>
-              <a:rPr lang="en-US" sz="2400" dirty="0" smtClean="0"/>
-              <a:t>to the VCS and </a:t>
-            </a:r>
-            <a:r>
-              <a:rPr lang="en-US" sz="2400" dirty="0" smtClean="0"/>
-              <a:t>saved locally</a:t>
+              <a:t>changes are committed to the VCS and saved locally</a:t>
             </a:r>
           </a:p>
           <a:p>
@@ -8918,11 +8771,7 @@
             </a:r>
             <a:r>
               <a:rPr lang="af-ZA" sz="2000" dirty="0" smtClean="0"/>
-              <a:t>description of changes </a:t>
-            </a:r>
-            <a:r>
-              <a:rPr lang="af-ZA" sz="2000" dirty="0" smtClean="0"/>
-              <a:t>made by the dev</a:t>
+              <a:t>description of changes made by the dev</a:t>
             </a:r>
           </a:p>
           <a:p>
@@ -8935,15 +8784,7 @@
             </a:pPr>
             <a:r>
               <a:rPr lang="af-ZA" sz="2000" dirty="0" smtClean="0"/>
-              <a:t>is  </a:t>
-            </a:r>
-            <a:r>
-              <a:rPr lang="af-ZA" sz="2000" dirty="0" smtClean="0"/>
-              <a:t>visbible information </a:t>
-            </a:r>
-            <a:r>
-              <a:rPr lang="af-ZA" sz="2000" dirty="0" smtClean="0"/>
-              <a:t>for </a:t>
+              <a:t>is  visbible information for </a:t>
             </a:r>
             <a:r>
               <a:rPr lang="af-ZA" sz="2000" dirty="0" smtClean="0">
@@ -9680,7 +9521,6 @@
               <a:rPr lang="en-US" dirty="0" smtClean="0"/>
               <a:t> and/or @work:</a:t>
             </a:r>
-            <a:endParaRPr lang="en-US" dirty="0" smtClean="0"/>
           </a:p>
         </p:txBody>
       </p:sp>
@@ -9794,7 +9634,6 @@
               <a:rPr lang="en-US" dirty="0"/>
               <a:t> 2018</a:t>
             </a:r>
-            <a:endParaRPr lang="en-US" dirty="0"/>
           </a:p>
         </p:txBody>
       </p:sp>
@@ -10152,7 +9991,6 @@
               <a:rPr lang="en-US" dirty="0"/>
               <a:t> 2018</a:t>
             </a:r>
-            <a:endParaRPr lang="en-US" dirty="0"/>
           </a:p>
         </p:txBody>
       </p:sp>
@@ -10260,31 +10098,7 @@
                   <a:srgbClr val="FFFF00"/>
                 </a:solidFill>
               </a:rPr>
-              <a:t>And most </a:t>
-            </a:r>
-            <a:r>
-              <a:rPr lang="en-US" sz="2400" dirty="0" smtClean="0">
-                <a:solidFill>
-                  <a:srgbClr val="FFFF00"/>
-                </a:solidFill>
-              </a:rPr>
-              <a:t>important: </a:t>
-            </a:r>
-            <a:r>
-              <a:rPr lang="en-US" sz="2400" dirty="0" smtClean="0">
-                <a:solidFill>
-                  <a:srgbClr val="FFFF00"/>
-                </a:solidFill>
-              </a:rPr>
-              <a:t>where do you publish your </a:t>
-            </a:r>
-            <a:r>
-              <a:rPr lang="en-US" sz="2400" dirty="0" smtClean="0">
-                <a:solidFill>
-                  <a:srgbClr val="FFFF00"/>
-                </a:solidFill>
-              </a:rPr>
-              <a:t>changes to?</a:t>
+              <a:t>And most important: where do you publish your changes to?</a:t>
             </a:r>
             <a:endParaRPr lang="en-US" sz="2400" dirty="0" smtClean="0"/>
           </a:p>
@@ -10317,7 +10131,6 @@
               <a:rPr lang="en-US" dirty="0"/>
               <a:t> 2018</a:t>
             </a:r>
-            <a:endParaRPr lang="en-US" dirty="0"/>
           </a:p>
         </p:txBody>
       </p:sp>
@@ -10493,7 +10306,6 @@
               <a:rPr lang="en-US" dirty="0"/>
               <a:t> 2018</a:t>
             </a:r>
-            <a:endParaRPr lang="en-US" dirty="0"/>
           </a:p>
         </p:txBody>
       </p:sp>
@@ -10924,7 +10736,6 @@
               <a:rPr lang="en-US" dirty="0"/>
               <a:t> 2018</a:t>
             </a:r>
-            <a:endParaRPr lang="en-US" dirty="0"/>
           </a:p>
         </p:txBody>
       </p:sp>
@@ -11136,12 +10947,6 @@
               </a:rPr>
               <a:t>Mapping of aliases and remote URLs</a:t>
             </a:r>
-            <a:endParaRPr lang="en-US" dirty="0" smtClean="0">
-              <a:solidFill>
-                <a:schemeClr val="bg1"/>
-              </a:solidFill>
-              <a:latin typeface="Bahnschrift Light" panose="020B0502040204020203" pitchFamily="34" charset="0"/>
-            </a:endParaRPr>
           </a:p>
         </p:txBody>
       </p:sp>
@@ -11515,8 +11320,8 @@
         </p:nvCxnSpPr>
         <p:spPr>
           <a:xfrm>
-            <a:off x="603504" y="2266950"/>
-            <a:ext cx="0" cy="1253490"/>
+            <a:off x="603504" y="1885950"/>
+            <a:ext cx="0" cy="2057400"/>
           </a:xfrm>
           <a:prstGeom prst="line">
             <a:avLst/>
@@ -11560,11 +11365,7 @@
             <a:pPr algn="l"/>
             <a:r>
               <a:rPr lang="en-US" sz="4000" dirty="0" smtClean="0"/>
-              <a:t>Share your bugs with the </a:t>
-            </a:r>
-            <a:r>
-              <a:rPr lang="en-US" sz="4000" dirty="0" smtClean="0"/>
-              <a:t>world!™</a:t>
+              <a:t>Share your bugs with the world!™</a:t>
             </a:r>
             <a:endParaRPr lang="de-DE" sz="4000" dirty="0"/>
           </a:p>
@@ -11597,7 +11398,6 @@
               <a:rPr lang="en-US" dirty="0"/>
               <a:t> 2018</a:t>
             </a:r>
-            <a:endParaRPr lang="en-US" dirty="0"/>
           </a:p>
         </p:txBody>
       </p:sp>
@@ -11611,12 +11411,25 @@
             <p:ph idx="1"/>
           </p:nvPr>
         </p:nvSpPr>
-        <p:spPr/>
+        <p:spPr>
+          <a:xfrm>
+            <a:off x="457200" y="1188720"/>
+            <a:ext cx="8229600" cy="3394472"/>
+          </a:xfrm>
+        </p:spPr>
         <p:txBody>
           <a:bodyPr>
             <a:normAutofit/>
           </a:bodyPr>
           <a:lstStyle/>
+          <a:p>
+            <a:pPr>
+              <a:buClr>
+                <a:srgbClr val="FFFF00"/>
+              </a:buClr>
+            </a:pPr>
+            <a:endParaRPr lang="en-US" sz="2400" dirty="0"/>
+          </a:p>
           <a:p>
             <a:pPr marL="457200" indent="-457200">
               <a:buClr>
@@ -11625,15 +11438,30 @@
               <a:buFont typeface="Arial" panose="020B0604020202020204" pitchFamily="34" charset="0"/>
               <a:buChar char="•"/>
             </a:pPr>
-            <a:endParaRPr lang="en-US" sz="2400" dirty="0" smtClean="0"/>
-          </a:p>
-          <a:p>
-            <a:pPr>
-              <a:buClr>
-                <a:srgbClr val="FFFF00"/>
-              </a:buClr>
-            </a:pPr>
-            <a:endParaRPr lang="en-US" sz="2400" dirty="0"/>
+            <a:r>
+              <a:rPr lang="en-US" sz="2400" dirty="0" smtClean="0"/>
+              <a:t>pushes all unpublished commits on the branch </a:t>
+            </a:r>
+            <a:r>
+              <a:rPr lang="en-US" sz="2400" dirty="0" smtClean="0">
+                <a:solidFill>
+                  <a:srgbClr val="81D4FA"/>
+                </a:solidFill>
+              </a:rPr>
+              <a:t>&lt;branch&gt; </a:t>
+            </a:r>
+            <a:r>
+              <a:rPr lang="en-US" sz="2400" dirty="0" smtClean="0"/>
+              <a:t>of the remote repository called </a:t>
+            </a:r>
+            <a:r>
+              <a:rPr lang="en-US" sz="2400" dirty="0" smtClean="0">
+                <a:solidFill>
+                  <a:srgbClr val="81D4FA"/>
+                </a:solidFill>
+              </a:rPr>
+              <a:t>&lt;alias&gt;</a:t>
+            </a:r>
           </a:p>
           <a:p>
             <a:pPr marL="457200" indent="-457200">
@@ -11644,28 +11472,16 @@
               <a:buChar char="•"/>
             </a:pPr>
             <a:r>
+              <a:rPr lang="en-US" sz="2400" dirty="0" smtClean="0">
+                <a:solidFill>
+                  <a:srgbClr val="81D4FA"/>
+                </a:solidFill>
+              </a:rPr>
+              <a:t>origin</a:t>
+            </a:r>
+            <a:r>
               <a:rPr lang="en-US" sz="2400" dirty="0" smtClean="0"/>
-              <a:t>pushes all unpublished commits on the branch </a:t>
-            </a:r>
-            <a:r>
-              <a:rPr lang="en-US" sz="2400" dirty="0" smtClean="0">
-                <a:solidFill>
-                  <a:srgbClr val="81D4FA"/>
-                </a:solidFill>
-              </a:rPr>
-              <a:t>&lt;branch&gt; </a:t>
-            </a:r>
-            <a:r>
-              <a:rPr lang="en-US" sz="2400" dirty="0" smtClean="0"/>
-              <a:t>of the remote repository called </a:t>
-            </a:r>
-            <a:r>
-              <a:rPr lang="en-US" sz="2400" dirty="0" smtClean="0">
-                <a:solidFill>
-                  <a:srgbClr val="81D4FA"/>
-                </a:solidFill>
-              </a:rPr>
-              <a:t>&lt;alias&gt;</a:t>
+              <a:t> is default local alias for remote repository </a:t>
             </a:r>
           </a:p>
           <a:p>
@@ -11677,20 +11493,12 @@
               <a:buChar char="•"/>
             </a:pPr>
             <a:r>
-              <a:rPr lang="en-US" sz="2400" dirty="0" smtClean="0">
-                <a:solidFill>
-                  <a:srgbClr val="81D4FA"/>
-                </a:solidFill>
-              </a:rPr>
-              <a:t>origin</a:t>
-            </a:r>
-            <a:r>
               <a:rPr lang="en-US" sz="2400" dirty="0" smtClean="0"/>
-              <a:t> </a:t>
+              <a:t>alias simplifies pushes, fully qualifying the URL is not </a:t>
             </a:r>
             <a:r>
               <a:rPr lang="en-US" sz="2400" dirty="0" smtClean="0"/>
-              <a:t>is default local alias for remote repository </a:t>
+              <a:t>required</a:t>
             </a:r>
           </a:p>
           <a:p>
@@ -11702,14 +11510,33 @@
               <a:buChar char="•"/>
             </a:pPr>
             <a:r>
+              <a:rPr lang="en-US" sz="2400" dirty="0" smtClean="0">
+                <a:solidFill>
+                  <a:srgbClr val="81D4FA"/>
+                </a:solidFill>
+              </a:rPr>
+              <a:t>authentication</a:t>
+            </a:r>
+            <a:r>
               <a:rPr lang="en-US" sz="2400" dirty="0" smtClean="0"/>
-              <a:t>alias simplifies pushes, fully qualifying the URL is not </a:t>
-            </a:r>
-            <a:r>
+              <a:t> is required every time when using </a:t>
+            </a:r>
+            <a:br>
               <a:rPr lang="en-US" sz="2400" dirty="0" smtClean="0"/>
-              <a:t>required</a:t>
-            </a:r>
-            <a:endParaRPr lang="en-US" sz="2400" dirty="0" smtClean="0"/>
+            </a:br>
+            <a:r>
+              <a:rPr lang="en-US" sz="2400" dirty="0" smtClean="0">
+                <a:solidFill>
+                  <a:srgbClr val="81D4FA"/>
+                </a:solidFill>
+              </a:rPr>
+              <a:t>https</a:t>
+            </a:r>
+            <a:endParaRPr lang="en-US" sz="2400" dirty="0" smtClean="0">
+              <a:solidFill>
+                <a:srgbClr val="81D4FA"/>
+              </a:solidFill>
+            </a:endParaRPr>
           </a:p>
         </p:txBody>
       </p:sp>
@@ -11721,7 +11548,7 @@
         </p:nvSpPr>
         <p:spPr>
           <a:xfrm>
-            <a:off x="533400" y="1276350"/>
+            <a:off x="533400" y="1123950"/>
             <a:ext cx="6553200" cy="510778"/>
           </a:xfrm>
           <a:prstGeom prst="roundRect">
@@ -11884,7 +11711,6 @@
               <a:rPr lang="en-US" dirty="0"/>
               <a:t> 2018</a:t>
             </a:r>
-            <a:endParaRPr lang="en-US" dirty="0"/>
           </a:p>
         </p:txBody>
       </p:sp>
@@ -12377,7 +12203,6 @@
               <a:rPr lang="en-US" dirty="0"/>
               <a:t> 2018</a:t>
             </a:r>
-            <a:endParaRPr lang="en-US" dirty="0"/>
           </a:p>
         </p:txBody>
       </p:sp>
@@ -12445,7 +12270,6 @@
               <a:rPr lang="en-US" dirty="0"/>
               <a:t> 2018</a:t>
             </a:r>
-            <a:endParaRPr lang="en-US" dirty="0"/>
           </a:p>
         </p:txBody>
       </p:sp>
@@ -12840,7 +12664,6 @@
               <a:rPr lang="en-US" dirty="0"/>
               <a:t> 2018</a:t>
             </a:r>
-            <a:endParaRPr lang="en-US" dirty="0"/>
           </a:p>
         </p:txBody>
       </p:sp>
@@ -13018,10 +12841,6 @@
               <a:rPr lang="en-US" sz="2400" dirty="0" smtClean="0"/>
               <a:t>of the current branch </a:t>
             </a:r>
-            <a:r>
-              <a:rPr lang="en-US" sz="2400" dirty="0" smtClean="0"/>
-              <a:t/>
-            </a:r>
             <a:br>
               <a:rPr lang="en-US" sz="2400" dirty="0" smtClean="0"/>
             </a:br>
@@ -13033,11 +12852,7 @@
             </a:r>
             <a:r>
               <a:rPr lang="en-US" sz="2400" dirty="0" smtClean="0"/>
-              <a:t>both </a:t>
-            </a:r>
-            <a:r>
-              <a:rPr lang="en-US" sz="2400" dirty="0" smtClean="0"/>
-              <a:t>branches are </a:t>
+              <a:t>both branches are </a:t>
             </a:r>
             <a:r>
               <a:rPr lang="en-US" sz="2400" dirty="0" smtClean="0">
@@ -13130,7 +12945,6 @@
               <a:rPr lang="en-US" dirty="0"/>
               <a:t> 2018</a:t>
             </a:r>
-            <a:endParaRPr lang="en-US" dirty="0"/>
           </a:p>
         </p:txBody>
       </p:sp>
@@ -13561,11 +13375,7 @@
             </a:pPr>
             <a:r>
               <a:rPr lang="en-US" sz="2400" dirty="0" smtClean="0"/>
-              <a:t>short </a:t>
-            </a:r>
-            <a:r>
-              <a:rPr lang="en-US" sz="2400" dirty="0" smtClean="0"/>
-              <a:t>form for </a:t>
+              <a:t>short form for </a:t>
             </a:r>
             <a:r>
               <a:rPr lang="en-US" sz="2400" dirty="0" smtClean="0">
@@ -13640,7 +13450,6 @@
               <a:rPr lang="en-US" dirty="0"/>
               <a:t> 2018</a:t>
             </a:r>
-            <a:endParaRPr lang="en-US" dirty="0"/>
           </a:p>
         </p:txBody>
       </p:sp>
@@ -13821,7 +13630,6 @@
               <a:rPr lang="en-US" dirty="0"/>
               <a:t> 2018</a:t>
             </a:r>
-            <a:endParaRPr lang="en-US" dirty="0"/>
           </a:p>
         </p:txBody>
       </p:sp>
@@ -14909,7 +14717,6 @@
               <a:rPr lang="en-US" dirty="0"/>
               <a:t> 2018</a:t>
             </a:r>
-            <a:endParaRPr lang="en-US" dirty="0"/>
           </a:p>
         </p:txBody>
       </p:sp>
@@ -16169,7 +15976,6 @@
               <a:rPr lang="en-US" dirty="0"/>
               <a:t> 2018</a:t>
             </a:r>
-            <a:endParaRPr lang="en-US" dirty="0"/>
           </a:p>
         </p:txBody>
       </p:sp>
@@ -16551,12 +16357,6 @@
               </a:rPr>
               <a:t>local version</a:t>
             </a:r>
-            <a:endParaRPr lang="en-US" dirty="0" smtClean="0">
-              <a:solidFill>
-                <a:srgbClr val="81D4FA"/>
-              </a:solidFill>
-              <a:latin typeface="Bahnschrift Light" panose="020B0502040204020203" pitchFamily="34" charset="0"/>
-            </a:endParaRPr>
           </a:p>
         </p:txBody>
       </p:sp>
@@ -16592,12 +16392,6 @@
               </a:rPr>
               <a:t>remote version</a:t>
             </a:r>
-            <a:endParaRPr lang="en-US" dirty="0" smtClean="0">
-              <a:solidFill>
-                <a:srgbClr val="81D4FA"/>
-              </a:solidFill>
-              <a:latin typeface="Bahnschrift Light" panose="020B0502040204020203" pitchFamily="34" charset="0"/>
-            </a:endParaRPr>
           </a:p>
         </p:txBody>
       </p:sp>
@@ -16642,12 +16436,6 @@
               </a:rPr>
               <a:t>	</a:t>
             </a:r>
-            <a:endParaRPr lang="en-US" dirty="0" smtClean="0">
-              <a:solidFill>
-                <a:schemeClr val="bg1"/>
-              </a:solidFill>
-              <a:latin typeface="Bahnschrift Light" panose="020B0502040204020203" pitchFamily="34" charset="0"/>
-            </a:endParaRPr>
           </a:p>
         </p:txBody>
       </p:sp>
@@ -17081,7 +16869,6 @@
               <a:rPr lang="en-US" sz="2400" dirty="0" smtClean="0"/>
               <a:t>add the resolved files, commit and push them</a:t>
             </a:r>
-            <a:endParaRPr lang="en-US" sz="2400" dirty="0" smtClean="0"/>
           </a:p>
         </p:txBody>
       </p:sp>
@@ -17450,12 +17237,6 @@
               </a:rPr>
               <a:t>local version</a:t>
             </a:r>
-            <a:endParaRPr lang="en-US" dirty="0" smtClean="0">
-              <a:solidFill>
-                <a:srgbClr val="81D4FA"/>
-              </a:solidFill>
-              <a:latin typeface="Bahnschrift Light" panose="020B0502040204020203" pitchFamily="34" charset="0"/>
-            </a:endParaRPr>
           </a:p>
         </p:txBody>
       </p:sp>
@@ -17537,12 +17318,6 @@
               </a:rPr>
               <a:t>remote version</a:t>
             </a:r>
-            <a:endParaRPr lang="en-US" dirty="0" smtClean="0">
-              <a:solidFill>
-                <a:srgbClr val="81D4FA"/>
-              </a:solidFill>
-              <a:latin typeface="Bahnschrift Light" panose="020B0502040204020203" pitchFamily="34" charset="0"/>
-            </a:endParaRPr>
           </a:p>
         </p:txBody>
       </p:sp>
@@ -17624,12 +17399,6 @@
               </a:rPr>
               <a:t>merged version</a:t>
             </a:r>
-            <a:endParaRPr lang="en-US" dirty="0" smtClean="0">
-              <a:solidFill>
-                <a:srgbClr val="FFFF00"/>
-              </a:solidFill>
-              <a:latin typeface="Bahnschrift Light" panose="020B0502040204020203" pitchFamily="34" charset="0"/>
-            </a:endParaRPr>
           </a:p>
         </p:txBody>
       </p:sp>
@@ -20435,7 +20204,6 @@
               <a:rPr lang="en-US" dirty="0"/>
               <a:t> 2018</a:t>
             </a:r>
-            <a:endParaRPr lang="en-US" dirty="0"/>
           </a:p>
         </p:txBody>
       </p:sp>
@@ -21141,7 +20909,6 @@
               <a:rPr lang="en-US" dirty="0"/>
               <a:t> 2018</a:t>
             </a:r>
-            <a:endParaRPr lang="en-US" dirty="0"/>
           </a:p>
         </p:txBody>
       </p:sp>
@@ -21538,7 +21305,6 @@
               <a:rPr lang="en-US" dirty="0"/>
               <a:t> 2018</a:t>
             </a:r>
-            <a:endParaRPr lang="en-US" dirty="0"/>
           </a:p>
         </p:txBody>
       </p:sp>
@@ -21796,15 +21562,7 @@
             </a:r>
             <a:r>
               <a:rPr lang="en-US" sz="2400" dirty="0" smtClean="0"/>
-              <a:t> manages changes in </a:t>
-            </a:r>
-            <a:r>
-              <a:rPr lang="en-US" sz="2400" dirty="0" smtClean="0"/>
-              <a:t>the form </a:t>
-            </a:r>
-            <a:r>
-              <a:rPr lang="en-US" sz="2400" dirty="0" smtClean="0"/>
-              <a:t>of </a:t>
+              <a:t> manages changes in the form of </a:t>
             </a:r>
             <a:r>
               <a:rPr lang="en-US" sz="2400" dirty="0" smtClean="0">
@@ -21908,7 +21666,6 @@
               <a:rPr lang="en-US" dirty="0"/>
               <a:t> 2018</a:t>
             </a:r>
-            <a:endParaRPr lang="en-US" dirty="0"/>
           </a:p>
         </p:txBody>
       </p:sp>

--- a/Git.pptx
+++ b/Git.pptx
@@ -242,7 +242,7 @@
           <a:p>
             <a:fld id="{33381547-05E0-4487-994A-7D9BB6110CE3}" type="datetimeFigureOut">
               <a:rPr lang="en-US" smtClean="0"/>
-              <a:t>2/24/2018</a:t>
+              <a:t>2/28/2018</a:t>
             </a:fld>
             <a:endParaRPr lang="en-US"/>
           </a:p>
@@ -859,7 +859,7 @@
           <a:p>
             <a:fld id="{9BCAFB3A-A201-4A81-9A62-D67F100AA58A}" type="datetime1">
               <a:rPr lang="en-US" smtClean="0"/>
-              <a:t>2/24/2018</a:t>
+              <a:t>2/28/2018</a:t>
             </a:fld>
             <a:endParaRPr lang="en-US"/>
           </a:p>
@@ -1060,7 +1060,7 @@
           <a:p>
             <a:fld id="{7DE11374-A2B7-41AE-8033-2A16C9C315BE}" type="datetime1">
               <a:rPr lang="en-US" smtClean="0"/>
-              <a:t>2/24/2018</a:t>
+              <a:t>2/28/2018</a:t>
             </a:fld>
             <a:endParaRPr lang="en-US"/>
           </a:p>
@@ -1244,7 +1244,7 @@
           <a:p>
             <a:fld id="{003CE860-CDE9-47FD-8961-B87204FCAED0}" type="datetime1">
               <a:rPr lang="en-US" smtClean="0"/>
-              <a:t>2/24/2018</a:t>
+              <a:t>2/28/2018</a:t>
             </a:fld>
             <a:endParaRPr lang="en-US"/>
           </a:p>
@@ -1418,7 +1418,7 @@
           <a:p>
             <a:fld id="{D8B373B7-2714-496B-AC7F-949877B4F04A}" type="datetime1">
               <a:rPr lang="en-US" smtClean="0"/>
-              <a:t>2/24/2018</a:t>
+              <a:t>2/28/2018</a:t>
             </a:fld>
             <a:endParaRPr lang="en-US"/>
           </a:p>
@@ -1685,7 +1685,7 @@
           <a:p>
             <a:fld id="{CE745D14-7FA3-4662-9503-1B536274C00A}" type="datetime1">
               <a:rPr lang="en-US" smtClean="0"/>
-              <a:t>2/24/2018</a:t>
+              <a:t>2/28/2018</a:t>
             </a:fld>
             <a:endParaRPr lang="en-US"/>
           </a:p>
@@ -1977,7 +1977,7 @@
           <a:p>
             <a:fld id="{5478B0EB-2A72-4F43-8CAF-C7440ACC774F}" type="datetime1">
               <a:rPr lang="en-US" smtClean="0"/>
-              <a:t>2/24/2018</a:t>
+              <a:t>2/28/2018</a:t>
             </a:fld>
             <a:endParaRPr lang="en-US"/>
           </a:p>
@@ -2403,7 +2403,7 @@
           <a:p>
             <a:fld id="{BDCE1369-2FAE-4E88-8050-2E85AAD4F3EE}" type="datetime1">
               <a:rPr lang="en-US" smtClean="0"/>
-              <a:t>2/24/2018</a:t>
+              <a:t>2/28/2018</a:t>
             </a:fld>
             <a:endParaRPr lang="en-US"/>
           </a:p>
@@ -2525,7 +2525,7 @@
           <a:p>
             <a:fld id="{D69F136B-23D8-48FB-9D2C-09343557A784}" type="datetime1">
               <a:rPr lang="en-US" smtClean="0"/>
-              <a:t>2/24/2018</a:t>
+              <a:t>2/28/2018</a:t>
             </a:fld>
             <a:endParaRPr lang="en-US"/>
           </a:p>
@@ -2624,7 +2624,7 @@
           <a:p>
             <a:fld id="{B483751E-F4AA-4B81-94CB-B8B399EAF121}" type="datetime1">
               <a:rPr lang="en-US" smtClean="0"/>
-              <a:t>2/24/2018</a:t>
+              <a:t>2/28/2018</a:t>
             </a:fld>
             <a:endParaRPr lang="en-US"/>
           </a:p>
@@ -2905,7 +2905,7 @@
           <a:p>
             <a:fld id="{BBEC857F-B6C9-4254-A48F-750DB237DE80}" type="datetime1">
               <a:rPr lang="en-US" smtClean="0"/>
-              <a:t>2/24/2018</a:t>
+              <a:t>2/28/2018</a:t>
             </a:fld>
             <a:endParaRPr lang="en-US"/>
           </a:p>
@@ -3162,7 +3162,7 @@
           <a:p>
             <a:fld id="{E80361DC-3236-4346-B2E8-A2F97BA13056}" type="datetime1">
               <a:rPr lang="en-US" smtClean="0"/>
-              <a:t>2/24/2018</a:t>
+              <a:t>2/28/2018</a:t>
             </a:fld>
             <a:endParaRPr lang="en-US"/>
           </a:p>
@@ -3256,7 +3256,7 @@
         <p:nvSpPr>
           <p:cNvPr id="7" name="Rechtwinkliges Dreieck 6"/>
           <p:cNvSpPr/>
-          <p:nvPr userDrawn="1"/>
+          <p:nvPr/>
         </p:nvSpPr>
         <p:spPr>
           <a:xfrm rot="16381612">
@@ -3429,7 +3429,7 @@
           <a:p>
             <a:fld id="{7499E6B1-3F41-4666-B376-B8EF3143577A}" type="datetime1">
               <a:rPr lang="en-US" smtClean="0"/>
-              <a:t>2/24/2018</a:t>
+              <a:t>2/28/2018</a:t>
             </a:fld>
             <a:endParaRPr lang="en-US"/>
           </a:p>
@@ -3521,7 +3521,7 @@
         <p:nvSpPr>
           <p:cNvPr id="9" name="Rechteck 8"/>
           <p:cNvSpPr/>
-          <p:nvPr userDrawn="1"/>
+          <p:nvPr/>
         </p:nvSpPr>
         <p:spPr>
           <a:xfrm>
@@ -3569,7 +3569,7 @@
           <p:cNvPicPr>
             <a:picLocks noChangeAspect="1" noChangeArrowheads="1"/>
           </p:cNvPicPr>
-          <p:nvPr userDrawn="1"/>
+          <p:nvPr/>
         </p:nvPicPr>
         <p:blipFill>
           <a:blip r:embed="rId13" cstate="print">
@@ -4737,7 +4737,11 @@
             </a:pPr>
             <a:r>
               <a:rPr lang="en-US" sz="2400" dirty="0" smtClean="0"/>
-              <a:t>initializes/copies a </a:t>
+              <a:t>Initializes/copies </a:t>
+            </a:r>
+            <a:r>
+              <a:rPr lang="en-US" sz="2400" dirty="0" smtClean="0"/>
+              <a:t>a </a:t>
             </a:r>
             <a:r>
               <a:rPr lang="en-US" sz="2400" dirty="0" smtClean="0">
@@ -4762,7 +4766,11 @@
             </a:pPr>
             <a:r>
               <a:rPr lang="en-US" sz="2400" dirty="0" smtClean="0"/>
-              <a:t>now files can be added to the </a:t>
+              <a:t>Now </a:t>
+            </a:r>
+            <a:r>
+              <a:rPr lang="en-US" sz="2400" dirty="0" smtClean="0"/>
+              <a:t>files can be added to the </a:t>
             </a:r>
             <a:r>
               <a:rPr lang="en-US" sz="2400" dirty="0" smtClean="0">
@@ -5658,7 +5666,11 @@
             </a:pPr>
             <a:r>
               <a:rPr lang="en-US" sz="2400" dirty="0" smtClean="0"/>
-              <a:t>copies an existing </a:t>
+              <a:t>Copies </a:t>
+            </a:r>
+            <a:r>
+              <a:rPr lang="en-US" sz="2400" dirty="0" smtClean="0"/>
+              <a:t>an existing </a:t>
             </a:r>
             <a:r>
               <a:rPr lang="en-US" sz="2400" dirty="0" smtClean="0">
@@ -5951,7 +5963,7 @@
             </a:pPr>
             <a:r>
               <a:rPr lang="en-US" sz="2400" dirty="0" smtClean="0"/>
-              <a:t>after </a:t>
+              <a:t>After </a:t>
             </a:r>
             <a:r>
               <a:rPr lang="en-US" sz="2400" dirty="0" smtClean="0">
@@ -5976,7 +5988,11 @@
             </a:pPr>
             <a:r>
               <a:rPr lang="en-US" sz="2400" dirty="0" smtClean="0"/>
-              <a:t>creating/updating/deleting files</a:t>
+              <a:t>Creating/updating/deleting </a:t>
+            </a:r>
+            <a:r>
+              <a:rPr lang="en-US" sz="2400" dirty="0" smtClean="0"/>
+              <a:t>files</a:t>
             </a:r>
           </a:p>
           <a:p>
@@ -6030,7 +6046,11 @@
             </a:pPr>
             <a:r>
               <a:rPr lang="en-US" sz="2400" dirty="0" smtClean="0"/>
-              <a:t>changes can then be  </a:t>
+              <a:t>Changes </a:t>
+            </a:r>
+            <a:r>
+              <a:rPr lang="en-US" sz="2400" dirty="0" smtClean="0"/>
+              <a:t>can then be  </a:t>
             </a:r>
             <a:r>
               <a:rPr lang="en-US" sz="2400" dirty="0" smtClean="0">
@@ -6304,7 +6324,7 @@
                   <a:srgbClr val="81D4FA"/>
                 </a:solidFill>
               </a:rPr>
-              <a:t>summary </a:t>
+              <a:t>Summary </a:t>
             </a:r>
             <a:r>
               <a:rPr lang="en-US" sz="2400" dirty="0" smtClean="0"/>
@@ -6321,7 +6341,7 @@
             </a:pPr>
             <a:r>
               <a:rPr lang="en-US" sz="2400" dirty="0" smtClean="0"/>
-              <a:t>lists </a:t>
+              <a:t>Lists </a:t>
             </a:r>
             <a:r>
               <a:rPr lang="en-US" sz="2400" dirty="0" smtClean="0">
@@ -6370,7 +6390,11 @@
             </a:pPr>
             <a:r>
               <a:rPr lang="en-US" sz="2400" dirty="0" smtClean="0"/>
-              <a:t>tool to decide which changes should be included in the next</a:t>
+              <a:t>Tool </a:t>
+            </a:r>
+            <a:r>
+              <a:rPr lang="en-US" sz="2400" dirty="0" smtClean="0"/>
+              <a:t>to decide which changes should be included in the next</a:t>
             </a:r>
             <a:r>
               <a:rPr lang="de-DE" sz="2400" dirty="0" smtClean="0"/>
@@ -8319,7 +8343,7 @@
                   <a:srgbClr val="81D4FA"/>
                 </a:solidFill>
               </a:rPr>
-              <a:t>collaborative </a:t>
+              <a:t>Collaborative </a:t>
             </a:r>
             <a:r>
               <a:rPr lang="en-US" sz="2400" dirty="0" smtClean="0"/>
@@ -8336,7 +8360,11 @@
             </a:pPr>
             <a:r>
               <a:rPr lang="en-US" sz="2400" dirty="0" smtClean="0"/>
-              <a:t>struggles and problems</a:t>
+              <a:t>Struggles </a:t>
+            </a:r>
+            <a:r>
+              <a:rPr lang="en-US" sz="2400" dirty="0" smtClean="0"/>
+              <a:t>and problems</a:t>
             </a:r>
           </a:p>
           <a:p>
@@ -8374,7 +8402,11 @@
             </a:pPr>
             <a:r>
               <a:rPr lang="en-US" sz="2400" dirty="0" smtClean="0"/>
-              <a:t>basic workflow (to </a:t>
+              <a:t>Basic </a:t>
+            </a:r>
+            <a:r>
+              <a:rPr lang="en-US" sz="2400" dirty="0" smtClean="0"/>
+              <a:t>workflow (to </a:t>
             </a:r>
             <a:r>
               <a:rPr lang="en-US" sz="2400" i="1" dirty="0" err="1" smtClean="0"/>
@@ -8416,7 +8448,11 @@
             </a:pPr>
             <a:r>
               <a:rPr lang="en-US" sz="2400" dirty="0" smtClean="0"/>
-              <a:t>hints regarding </a:t>
+              <a:t>Hints </a:t>
+            </a:r>
+            <a:r>
+              <a:rPr lang="en-US" sz="2400" dirty="0" smtClean="0"/>
+              <a:t>regarding </a:t>
             </a:r>
             <a:r>
               <a:rPr lang="en-US" sz="2400" dirty="0" err="1" smtClean="0"/>
@@ -8708,7 +8744,11 @@
             </a:pPr>
             <a:r>
               <a:rPr lang="en-US" sz="2400" dirty="0" smtClean="0"/>
-              <a:t>bundles changes to a </a:t>
+              <a:t>Bundles </a:t>
+            </a:r>
+            <a:r>
+              <a:rPr lang="en-US" sz="2400" dirty="0" smtClean="0"/>
+              <a:t>changes to a </a:t>
             </a:r>
             <a:r>
               <a:rPr lang="en-US" sz="2400" dirty="0" smtClean="0">
@@ -8729,7 +8769,11 @@
             </a:pPr>
             <a:r>
               <a:rPr lang="en-US" sz="2400" dirty="0" smtClean="0"/>
-              <a:t>changes are committed to the VCS and saved locally</a:t>
+              <a:t>Changes </a:t>
+            </a:r>
+            <a:r>
+              <a:rPr lang="en-US" sz="2400" dirty="0" smtClean="0"/>
+              <a:t>are committed to the VCS and saved locally</a:t>
             </a:r>
           </a:p>
           <a:p>
@@ -8759,7 +8803,11 @@
             </a:pPr>
             <a:r>
               <a:rPr lang="af-ZA" sz="2000" dirty="0" smtClean="0"/>
-              <a:t>should be a </a:t>
+              <a:t>Should </a:t>
+            </a:r>
+            <a:r>
+              <a:rPr lang="af-ZA" sz="2000" dirty="0" smtClean="0"/>
+              <a:t>be a </a:t>
             </a:r>
             <a:r>
               <a:rPr lang="af-ZA" sz="2000" dirty="0" smtClean="0">
@@ -8784,7 +8832,11 @@
             </a:pPr>
             <a:r>
               <a:rPr lang="af-ZA" sz="2000" dirty="0" smtClean="0"/>
-              <a:t>is  visbible information for </a:t>
+              <a:t>Is  </a:t>
+            </a:r>
+            <a:r>
+              <a:rPr lang="af-ZA" sz="2000" dirty="0" smtClean="0"/>
+              <a:t>visbible information for </a:t>
             </a:r>
             <a:r>
               <a:rPr lang="af-ZA" sz="2000" dirty="0" smtClean="0">
@@ -9507,11 +9559,15 @@
                   <a:srgbClr val="FFFF00"/>
                 </a:solidFill>
               </a:rPr>
-              <a:t>bad</a:t>
+              <a:t>Bad</a:t>
             </a:r>
             <a:r>
               <a:rPr lang="en-US" dirty="0" smtClean="0"/>
-              <a:t> commit messages I encountered @</a:t>
+              <a:t> </a:t>
+            </a:r>
+            <a:r>
+              <a:rPr lang="en-US" dirty="0" smtClean="0"/>
+              <a:t>commit messages I encountered @</a:t>
             </a:r>
             <a:r>
               <a:rPr lang="en-US" dirty="0" err="1" smtClean="0"/>
@@ -9896,7 +9952,11 @@
             </a:pPr>
             <a:r>
               <a:rPr lang="en-US" sz="2400" dirty="0" smtClean="0"/>
-              <a:t>every commit can be identified by a </a:t>
+              <a:t>Every </a:t>
+            </a:r>
+            <a:r>
+              <a:rPr lang="en-US" sz="2400" dirty="0" smtClean="0"/>
+              <a:t>commit can be identified by a </a:t>
             </a:r>
             <a:r>
               <a:rPr lang="en-US" sz="2400" dirty="0" smtClean="0">
@@ -9921,7 +9981,11 @@
             </a:pPr>
             <a:r>
               <a:rPr lang="en-US" sz="2400" dirty="0" smtClean="0"/>
-              <a:t>repositories can be</a:t>
+              <a:t>Repositories </a:t>
+            </a:r>
+            <a:r>
+              <a:rPr lang="en-US" sz="2400" dirty="0" smtClean="0"/>
+              <a:t>can be</a:t>
             </a:r>
             <a:r>
               <a:rPr lang="en-US" sz="2400" dirty="0" smtClean="0">
@@ -9946,7 +10010,11 @@
             </a:pPr>
             <a:r>
               <a:rPr lang="en-US" sz="2400" dirty="0" smtClean="0"/>
-              <a:t>commits are </a:t>
+              <a:t>Commits </a:t>
+            </a:r>
+            <a:r>
+              <a:rPr lang="en-US" sz="2400" dirty="0" smtClean="0"/>
+              <a:t>are </a:t>
             </a:r>
             <a:r>
               <a:rPr lang="en-US" sz="2400" dirty="0" smtClean="0">
@@ -10343,7 +10411,11 @@
             </a:pPr>
             <a:r>
               <a:rPr lang="en-US" sz="2400" dirty="0" smtClean="0"/>
-              <a:t>connects local repository with a remote repository</a:t>
+              <a:t>Connects </a:t>
+            </a:r>
+            <a:r>
+              <a:rPr lang="en-US" sz="2400" dirty="0" smtClean="0"/>
+              <a:t>local repository with a remote repository</a:t>
             </a:r>
           </a:p>
           <a:p>
@@ -10442,7 +10514,11 @@
             </a:pPr>
             <a:r>
               <a:rPr lang="en-US" sz="2400" dirty="0" smtClean="0"/>
-              <a:t>lists all available remote repositories </a:t>
+              <a:t>Lists </a:t>
+            </a:r>
+            <a:r>
+              <a:rPr lang="en-US" sz="2400" dirty="0" smtClean="0"/>
+              <a:t>all available remote repositories </a:t>
             </a:r>
             <a:endParaRPr lang="en-US" sz="2400" dirty="0"/>
           </a:p>
@@ -11096,7 +11172,11 @@
             </a:pPr>
             <a:r>
               <a:rPr lang="en-US" sz="2400" dirty="0" smtClean="0"/>
-              <a:t>updates the remote URL of a given alias</a:t>
+              <a:t>Updates </a:t>
+            </a:r>
+            <a:r>
+              <a:rPr lang="en-US" sz="2400" dirty="0" smtClean="0"/>
+              <a:t>the remote URL of a given alias</a:t>
             </a:r>
           </a:p>
           <a:p>
@@ -11109,7 +11189,15 @@
             </a:pPr>
             <a:r>
               <a:rPr lang="en-US" sz="2400" dirty="0" smtClean="0"/>
-              <a:t>you need this instruction later when starting to work with the </a:t>
+              <a:t>Y</a:t>
+            </a:r>
+            <a:r>
+              <a:rPr lang="en-US" sz="2400" dirty="0" smtClean="0"/>
+              <a:t>ou </a:t>
+            </a:r>
+            <a:r>
+              <a:rPr lang="en-US" sz="2400" dirty="0" smtClean="0"/>
+              <a:t>need this instruction later when starting to work with the </a:t>
             </a:r>
             <a:r>
               <a:rPr lang="en-US" sz="2400" dirty="0" smtClean="0">
@@ -11440,7 +11528,11 @@
             </a:pPr>
             <a:r>
               <a:rPr lang="en-US" sz="2400" dirty="0" smtClean="0"/>
-              <a:t>pushes all unpublished commits on the branch </a:t>
+              <a:t>Pushes </a:t>
+            </a:r>
+            <a:r>
+              <a:rPr lang="en-US" sz="2400" dirty="0" smtClean="0"/>
+              <a:t>all unpublished commits on the branch </a:t>
             </a:r>
             <a:r>
               <a:rPr lang="en-US" sz="2400" dirty="0" smtClean="0">
@@ -11494,11 +11586,11 @@
             </a:pPr>
             <a:r>
               <a:rPr lang="en-US" sz="2400" dirty="0" smtClean="0"/>
-              <a:t>alias simplifies pushes, fully qualifying the URL is not </a:t>
-            </a:r>
-            <a:r>
-              <a:rPr lang="en-US" sz="2400" dirty="0" smtClean="0"/>
-              <a:t>required</a:t>
+              <a:t>Alias </a:t>
+            </a:r>
+            <a:r>
+              <a:rPr lang="en-US" sz="2400" dirty="0" smtClean="0"/>
+              <a:t>simplifies pushes, fully qualifying the URL is not required</a:t>
             </a:r>
           </a:p>
           <a:p>
@@ -11510,16 +11602,28 @@
               <a:buChar char="•"/>
             </a:pPr>
             <a:r>
+              <a:rPr lang="en-US" sz="2400" dirty="0">
+                <a:solidFill>
+                  <a:srgbClr val="81D4FA"/>
+                </a:solidFill>
+              </a:rPr>
+              <a:t>A</a:t>
+            </a:r>
+            <a:r>
               <a:rPr lang="en-US" sz="2400" dirty="0" smtClean="0">
                 <a:solidFill>
                   <a:srgbClr val="81D4FA"/>
                 </a:solidFill>
               </a:rPr>
-              <a:t>authentication</a:t>
-            </a:r>
-            <a:r>
-              <a:rPr lang="en-US" sz="2400" dirty="0" smtClean="0"/>
-              <a:t> is required every time when using </a:t>
+              <a:t>uthentication</a:t>
+            </a:r>
+            <a:r>
+              <a:rPr lang="en-US" sz="2400" dirty="0" smtClean="0"/>
+              <a:t> </a:t>
+            </a:r>
+            <a:r>
+              <a:rPr lang="en-US" sz="2400" dirty="0" smtClean="0"/>
+              <a:t>is required every time when using </a:t>
             </a:r>
             <a:br>
               <a:rPr lang="en-US" sz="2400" dirty="0" smtClean="0"/>
@@ -11532,11 +11636,6 @@
               </a:rPr>
               <a:t>https</a:t>
             </a:r>
-            <a:endParaRPr lang="en-US" sz="2400" dirty="0" smtClean="0">
-              <a:solidFill>
-                <a:srgbClr val="81D4FA"/>
-              </a:solidFill>
-            </a:endParaRPr>
           </a:p>
         </p:txBody>
       </p:sp>
@@ -12031,7 +12130,7 @@
             </a:pPr>
             <a:r>
               <a:rPr lang="en-US" sz="2400" dirty="0" smtClean="0"/>
-              <a:t>complex </a:t>
+              <a:t>Complex </a:t>
             </a:r>
             <a:r>
               <a:rPr lang="en-US" sz="2400" dirty="0" smtClean="0">
@@ -12068,7 +12167,11 @@
             </a:pPr>
             <a:r>
               <a:rPr lang="en-US" sz="2400" dirty="0" smtClean="0"/>
-              <a:t>modern SE is </a:t>
+              <a:t>Modern </a:t>
+            </a:r>
+            <a:r>
+              <a:rPr lang="en-US" sz="2400" dirty="0" smtClean="0"/>
+              <a:t>SE is </a:t>
             </a:r>
             <a:r>
               <a:rPr lang="en-US" sz="2400" dirty="0" smtClean="0">
@@ -12105,7 +12208,15 @@
                   <a:srgbClr val="81D4FA"/>
                 </a:solidFill>
               </a:rPr>
-              <a:t>division of labor </a:t>
+              <a:t>Division </a:t>
+            </a:r>
+            <a:r>
+              <a:rPr lang="en-US" sz="2400" dirty="0" smtClean="0">
+                <a:solidFill>
+                  <a:srgbClr val="81D4FA"/>
+                </a:solidFill>
+              </a:rPr>
+              <a:t>of labor </a:t>
             </a:r>
             <a:r>
               <a:rPr lang="en-US" sz="2400" dirty="0" smtClean="0"/>
@@ -12126,7 +12237,7 @@
                   <a:srgbClr val="81D4FA"/>
                 </a:solidFill>
               </a:rPr>
-              <a:t>integration</a:t>
+              <a:t>Integration</a:t>
             </a:r>
             <a:r>
               <a:rPr lang="de-DE" sz="2400" dirty="0" smtClean="0"/>
@@ -12535,7 +12646,7 @@
             </a:pPr>
             <a:r>
               <a:rPr lang="en-US" sz="2400" dirty="0" smtClean="0"/>
-              <a:t>represent </a:t>
+              <a:t>Represent </a:t>
             </a:r>
             <a:r>
               <a:rPr lang="en-US" sz="2400" dirty="0" smtClean="0">
@@ -12572,7 +12683,7 @@
             </a:pPr>
             <a:r>
               <a:rPr lang="en-US" sz="2000" dirty="0" smtClean="0"/>
-              <a:t>separate </a:t>
+              <a:t>Separate </a:t>
             </a:r>
             <a:r>
               <a:rPr lang="en-US" sz="2000" dirty="0" smtClean="0">
@@ -12598,7 +12709,11 @@
             </a:pPr>
             <a:r>
               <a:rPr lang="en-US" sz="2400" dirty="0" smtClean="0"/>
-              <a:t>used to develop features </a:t>
+              <a:t>Used </a:t>
+            </a:r>
+            <a:r>
+              <a:rPr lang="en-US" sz="2400" dirty="0" smtClean="0"/>
+              <a:t>to develop features </a:t>
             </a:r>
             <a:r>
               <a:rPr lang="en-US" sz="2400" dirty="0" smtClean="0">
@@ -12712,7 +12827,7 @@
         </p:nvCxnSpPr>
         <p:spPr>
           <a:xfrm>
-            <a:off x="603504" y="1885950"/>
+            <a:off x="609600" y="1885950"/>
             <a:ext cx="0" cy="2133600"/>
           </a:xfrm>
           <a:prstGeom prst="line">
@@ -12801,7 +12916,11 @@
             </a:pPr>
             <a:r>
               <a:rPr lang="en-US" sz="2400" dirty="0" smtClean="0"/>
-              <a:t>creates a new branch called </a:t>
+              <a:t>Creates </a:t>
+            </a:r>
+            <a:r>
+              <a:rPr lang="en-US" sz="2400" dirty="0" smtClean="0"/>
+              <a:t>a new branch called </a:t>
             </a:r>
             <a:r>
               <a:rPr lang="en-US" sz="2400" dirty="0" smtClean="0">
@@ -12827,7 +12946,11 @@
             </a:pPr>
             <a:r>
               <a:rPr lang="en-US" sz="2400" dirty="0" smtClean="0"/>
-              <a:t>branch is an </a:t>
+              <a:t>Branch </a:t>
+            </a:r>
+            <a:r>
+              <a:rPr lang="en-US" sz="2400" dirty="0" smtClean="0"/>
+              <a:t>is an </a:t>
             </a:r>
             <a:r>
               <a:rPr lang="en-US" sz="2400" dirty="0" smtClean="0">
@@ -12884,7 +13007,11 @@
             </a:pPr>
             <a:r>
               <a:rPr lang="en-US" sz="2400" dirty="0" smtClean="0"/>
-              <a:t>changes the current branch to </a:t>
+              <a:t>Changes </a:t>
+            </a:r>
+            <a:r>
+              <a:rPr lang="en-US" sz="2400" dirty="0" smtClean="0"/>
+              <a:t>the current branch to </a:t>
             </a:r>
             <a:r>
               <a:rPr lang="en-US" sz="2400" dirty="0" smtClean="0">
@@ -12905,7 +13032,11 @@
             </a:pPr>
             <a:r>
               <a:rPr lang="en-US" sz="2400" dirty="0" smtClean="0"/>
-              <a:t>future changes now only </a:t>
+              <a:t>Future </a:t>
+            </a:r>
+            <a:r>
+              <a:rPr lang="en-US" sz="2400" dirty="0" smtClean="0"/>
+              <a:t>changes now only </a:t>
             </a:r>
             <a:r>
               <a:rPr lang="en-US" sz="2400" dirty="0" smtClean="0">
@@ -13256,7 +13387,7 @@
             </a:pPr>
             <a:r>
               <a:rPr lang="en-US" sz="2400" dirty="0" smtClean="0"/>
-              <a:t>enables </a:t>
+              <a:t>Enables </a:t>
             </a:r>
             <a:r>
               <a:rPr lang="en-US" sz="2400" dirty="0" smtClean="0">
@@ -13375,7 +13506,11 @@
             </a:pPr>
             <a:r>
               <a:rPr lang="en-US" sz="2400" dirty="0" smtClean="0"/>
-              <a:t>short form for </a:t>
+              <a:t>Short </a:t>
+            </a:r>
+            <a:r>
+              <a:rPr lang="en-US" sz="2400" dirty="0" smtClean="0"/>
+              <a:t>form for </a:t>
             </a:r>
             <a:r>
               <a:rPr lang="en-US" sz="2400" dirty="0" smtClean="0">
@@ -14870,11 +15005,15 @@
                   <a:srgbClr val="81D4FA"/>
                 </a:solidFill>
               </a:rPr>
-              <a:t>fetches</a:t>
-            </a:r>
-            <a:r>
-              <a:rPr lang="en-US" sz="2400" dirty="0" smtClean="0"/>
-              <a:t> the </a:t>
+              <a:t>Fetches</a:t>
+            </a:r>
+            <a:r>
+              <a:rPr lang="en-US" sz="2400" dirty="0" smtClean="0"/>
+              <a:t> </a:t>
+            </a:r>
+            <a:r>
+              <a:rPr lang="en-US" sz="2400" dirty="0" smtClean="0"/>
+              <a:t>the </a:t>
             </a:r>
             <a:r>
               <a:rPr lang="en-US" sz="2400" dirty="0" smtClean="0">
@@ -14899,7 +15038,11 @@
             </a:pPr>
             <a:r>
               <a:rPr lang="en-US" sz="2400" dirty="0" smtClean="0"/>
-              <a:t>local view of the repository gets updated</a:t>
+              <a:t>Local </a:t>
+            </a:r>
+            <a:r>
+              <a:rPr lang="en-US" sz="2400" dirty="0" smtClean="0"/>
+              <a:t>view of the repository gets updated</a:t>
             </a:r>
           </a:p>
           <a:p>
@@ -14912,7 +15055,11 @@
             </a:pPr>
             <a:r>
               <a:rPr lang="en-US" sz="2400" dirty="0" smtClean="0"/>
-              <a:t>short hand for </a:t>
+              <a:t>Short </a:t>
+            </a:r>
+            <a:r>
+              <a:rPr lang="en-US" sz="2400" dirty="0" smtClean="0"/>
+              <a:t>hand for </a:t>
             </a:r>
             <a:r>
               <a:rPr lang="en-US" sz="2400" dirty="0" smtClean="0">
@@ -15576,7 +15723,11 @@
             </a:pPr>
             <a:r>
               <a:rPr lang="en-US" sz="2400" dirty="0" smtClean="0"/>
-              <a:t>integrates state of </a:t>
+              <a:t>Integrates </a:t>
+            </a:r>
+            <a:r>
+              <a:rPr lang="en-US" sz="2400" dirty="0" smtClean="0"/>
+              <a:t>state of </a:t>
             </a:r>
             <a:r>
               <a:rPr lang="en-US" sz="2400" dirty="0" smtClean="0">
@@ -15617,7 +15768,11 @@
             </a:pPr>
             <a:r>
               <a:rPr lang="en-US" sz="2400" dirty="0"/>
-              <a:t>is </a:t>
+              <a:t>I</a:t>
+            </a:r>
+            <a:r>
+              <a:rPr lang="en-US" sz="2400" dirty="0" smtClean="0"/>
+              <a:t>s </a:t>
             </a:r>
             <a:r>
               <a:rPr lang="en-US" sz="2400" dirty="0">
@@ -15645,8 +15800,16 @@
               <a:buChar char="•"/>
             </a:pPr>
             <a:r>
-              <a:rPr lang="en-US" sz="2400" dirty="0" smtClean="0"/>
-              <a:t>if merge fails (and boy they do), you are presented with </a:t>
+              <a:rPr lang="en-US" sz="2400" dirty="0"/>
+              <a:t>I</a:t>
+            </a:r>
+            <a:r>
+              <a:rPr lang="en-US" sz="2400" dirty="0" smtClean="0"/>
+              <a:t>f </a:t>
+            </a:r>
+            <a:r>
+              <a:rPr lang="en-US" sz="2400" dirty="0" smtClean="0"/>
+              <a:t>merge fails (and boy they do), you are presented with </a:t>
             </a:r>
             <a:r>
               <a:rPr lang="en-US" sz="2400" dirty="0" smtClean="0">
@@ -16804,11 +16967,15 @@
                   <a:srgbClr val="81D4FA"/>
                 </a:solidFill>
               </a:rPr>
-              <a:t>remove</a:t>
-            </a:r>
-            <a:r>
-              <a:rPr lang="en-US" sz="2400" dirty="0" smtClean="0"/>
-              <a:t> the conflict resolution markers</a:t>
+              <a:t>Remove</a:t>
+            </a:r>
+            <a:r>
+              <a:rPr lang="en-US" sz="2400" dirty="0" smtClean="0"/>
+              <a:t> </a:t>
+            </a:r>
+            <a:r>
+              <a:rPr lang="en-US" sz="2400" dirty="0" smtClean="0"/>
+              <a:t>the conflict resolution markers</a:t>
             </a:r>
           </a:p>
           <a:p>
@@ -16821,7 +16988,11 @@
             </a:pPr>
             <a:r>
               <a:rPr lang="en-US" sz="2400" dirty="0" smtClean="0"/>
-              <a:t>craft a solution of the code </a:t>
+              <a:t>Craft </a:t>
+            </a:r>
+            <a:r>
+              <a:rPr lang="en-US" sz="2400" dirty="0" smtClean="0"/>
+              <a:t>a solution of the code </a:t>
             </a:r>
             <a:r>
               <a:rPr lang="en-US" sz="2400" dirty="0" smtClean="0">
@@ -16842,7 +17013,11 @@
             </a:pPr>
             <a:r>
               <a:rPr lang="en-US" sz="2400" dirty="0" smtClean="0"/>
-              <a:t>solution can be a </a:t>
+              <a:t>Solution </a:t>
+            </a:r>
+            <a:r>
+              <a:rPr lang="en-US" sz="2400" dirty="0" smtClean="0"/>
+              <a:t>can be a </a:t>
             </a:r>
             <a:r>
               <a:rPr lang="en-US" sz="2400" dirty="0" smtClean="0">
@@ -16867,7 +17042,11 @@
             </a:pPr>
             <a:r>
               <a:rPr lang="en-US" sz="2400" dirty="0" smtClean="0"/>
-              <a:t>add the resolved files, commit and push them</a:t>
+              <a:t>Add </a:t>
+            </a:r>
+            <a:r>
+              <a:rPr lang="en-US" sz="2400" dirty="0" smtClean="0"/>
+              <a:t>the resolved files, commit and push them</a:t>
             </a:r>
           </a:p>
         </p:txBody>
@@ -17722,12 +17901,12 @@
               <a:buChar char="•"/>
             </a:pPr>
             <a:r>
-              <a:rPr lang="en-US" sz="2400" dirty="0">
+              <a:rPr lang="en-US" sz="2400" dirty="0" smtClean="0">
                 <a:solidFill>
                   <a:srgbClr val="81D4FA"/>
                 </a:solidFill>
               </a:rPr>
-              <a:t>conflicts </a:t>
+              <a:t>Conflicts </a:t>
             </a:r>
             <a:r>
               <a:rPr lang="en-US" sz="2400" dirty="0" smtClean="0"/>
@@ -17744,7 +17923,7 @@
             </a:pPr>
             <a:r>
               <a:rPr lang="en-US" sz="2000" dirty="0" smtClean="0"/>
-              <a:t>remote </a:t>
+              <a:t>Remote </a:t>
             </a:r>
             <a:r>
               <a:rPr lang="en-US" sz="2000" dirty="0"/>
@@ -17766,7 +17945,7 @@
             </a:pPr>
             <a:r>
               <a:rPr lang="en-US" sz="2000" dirty="0" smtClean="0"/>
-              <a:t>remote </a:t>
+              <a:t>Remote </a:t>
             </a:r>
             <a:r>
               <a:rPr lang="en-US" sz="2000" dirty="0"/>
@@ -17807,8 +17986,17 @@
             </a:pPr>
             <a:r>
               <a:rPr lang="en-US" sz="2400" dirty="0" smtClean="0"/>
-              <a:t>so please… </a:t>
-            </a:r>
+              <a:t>So </a:t>
+            </a:r>
+            <a:r>
+              <a:rPr lang="en-US" sz="2400" dirty="0" smtClean="0"/>
+              <a:t>please</a:t>
+            </a:r>
+            <a:r>
+              <a:rPr lang="en-US" sz="2400" dirty="0" smtClean="0"/>
+              <a:t>… </a:t>
+            </a:r>
+            <a:endParaRPr lang="en-US" sz="2400" dirty="0" smtClean="0"/>
           </a:p>
           <a:p>
             <a:pPr marL="800100" lvl="1" indent="-342900">
@@ -17820,7 +18008,7 @@
             </a:pPr>
             <a:r>
               <a:rPr lang="en-US" sz="2000" dirty="0" smtClean="0"/>
-              <a:t>always </a:t>
+              <a:t>Always </a:t>
             </a:r>
             <a:r>
               <a:rPr lang="en-US" sz="2000" dirty="0" smtClean="0">
@@ -17864,16 +18052,28 @@
               <a:buChar char="•"/>
             </a:pPr>
             <a:r>
+              <a:rPr lang="en-US" sz="2000" dirty="0">
+                <a:solidFill>
+                  <a:srgbClr val="4FC3F7"/>
+                </a:solidFill>
+              </a:rPr>
+              <a:t>C</a:t>
+            </a:r>
+            <a:r>
               <a:rPr lang="en-US" sz="2000" dirty="0" smtClean="0">
                 <a:solidFill>
                   <a:srgbClr val="4FC3F7"/>
                 </a:solidFill>
               </a:rPr>
-              <a:t>communicate</a:t>
+              <a:t>ommunicate</a:t>
             </a:r>
             <a:r>
               <a:rPr lang="en-US" sz="2000" dirty="0" smtClean="0"/>
-              <a:t> in your team to avoid merge conflicts</a:t>
+              <a:t> </a:t>
+            </a:r>
+            <a:r>
+              <a:rPr lang="en-US" sz="2000" dirty="0" smtClean="0"/>
+              <a:t>in your team to avoid merge conflicts</a:t>
             </a:r>
           </a:p>
           <a:p>
@@ -17885,8 +18085,12 @@
               <a:buChar char="•"/>
             </a:pPr>
             <a:r>
+              <a:rPr lang="en-US" sz="2000" dirty="0"/>
+              <a:t>U</a:t>
+            </a:r>
+            <a:r>
               <a:rPr lang="en-US" sz="2000" dirty="0" smtClean="0"/>
-              <a:t>use </a:t>
+              <a:t>se </a:t>
             </a:r>
             <a:r>
               <a:rPr lang="en-US" sz="2000" dirty="0" smtClean="0">
@@ -17898,8 +18102,13 @@
             </a:r>
             <a:r>
               <a:rPr lang="en-US" sz="2000" dirty="0" smtClean="0"/>
-              <a:t> to divide the work</a:t>
-            </a:r>
+              <a:t> to divide </a:t>
+            </a:r>
+            <a:r>
+              <a:rPr lang="en-US" sz="2000" dirty="0" smtClean="0"/>
+              <a:t>work</a:t>
+            </a:r>
+            <a:endParaRPr lang="en-US" sz="2000" dirty="0" smtClean="0"/>
           </a:p>
           <a:p>
             <a:pPr marL="800100" lvl="1" indent="-342900">
@@ -17910,8 +18119,16 @@
               <a:buChar char="•"/>
             </a:pPr>
             <a:r>
+              <a:rPr lang="en-US" sz="2000" dirty="0"/>
+              <a:t>A</a:t>
+            </a:r>
+            <a:r>
               <a:rPr lang="en-US" sz="2000" dirty="0" smtClean="0"/>
-              <a:t>avoid multiple people working on the </a:t>
+              <a:t>void </a:t>
+            </a:r>
+            <a:r>
+              <a:rPr lang="en-US" sz="2000" dirty="0" smtClean="0"/>
+              <a:t>multiple people working on the </a:t>
             </a:r>
             <a:r>
               <a:rPr lang="en-US" sz="2000" dirty="0" smtClean="0">
@@ -18055,11 +18272,23 @@
             </a:pPr>
             <a:r>
               <a:rPr lang="en-US" sz="2400" dirty="0" err="1" smtClean="0"/>
-              <a:t>unstages</a:t>
-            </a:r>
-            <a:r>
-              <a:rPr lang="en-US" sz="2400" dirty="0" smtClean="0"/>
-              <a:t> a commit in progress but your local changes stay</a:t>
+              <a:t>Unstages</a:t>
+            </a:r>
+            <a:r>
+              <a:rPr lang="en-US" sz="2400" dirty="0" smtClean="0"/>
+              <a:t> </a:t>
+            </a:r>
+            <a:r>
+              <a:rPr lang="en-US" sz="2400" dirty="0" smtClean="0"/>
+              <a:t>a commit in progress but your local changes </a:t>
+            </a:r>
+            <a:r>
+              <a:rPr lang="en-US" sz="2400" dirty="0" smtClean="0">
+                <a:solidFill>
+                  <a:srgbClr val="81D4FA"/>
+                </a:solidFill>
+              </a:rPr>
+              <a:t>stay</a:t>
             </a:r>
           </a:p>
           <a:p>
@@ -18092,11 +18321,15 @@
             </a:pPr>
             <a:r>
               <a:rPr lang="en-US" sz="2400" dirty="0" err="1" smtClean="0"/>
-              <a:t>unstages</a:t>
-            </a:r>
-            <a:r>
-              <a:rPr lang="en-US" sz="2400" dirty="0" smtClean="0"/>
-              <a:t> all files and </a:t>
+              <a:t>Unstages</a:t>
+            </a:r>
+            <a:r>
+              <a:rPr lang="en-US" sz="2400" dirty="0" smtClean="0"/>
+              <a:t> </a:t>
+            </a:r>
+            <a:r>
+              <a:rPr lang="en-US" sz="2400" dirty="0" smtClean="0"/>
+              <a:t>all files and </a:t>
             </a:r>
             <a:r>
               <a:rPr lang="en-US" sz="2400" dirty="0" smtClean="0">
@@ -18121,7 +18354,11 @@
             </a:pPr>
             <a:r>
               <a:rPr lang="en-US" sz="2400" dirty="0" smtClean="0"/>
-              <a:t>do not do this if there is work you want to keep!</a:t>
+              <a:t>Do </a:t>
+            </a:r>
+            <a:r>
+              <a:rPr lang="en-US" sz="2400" dirty="0" smtClean="0"/>
+              <a:t>not do this if there is work you want to keep!</a:t>
             </a:r>
           </a:p>
         </p:txBody>
@@ -18544,7 +18781,11 @@
             </a:pPr>
             <a:r>
               <a:rPr lang="en-US" sz="2400" dirty="0" smtClean="0"/>
-              <a:t>the use of </a:t>
+              <a:t>The </a:t>
+            </a:r>
+            <a:r>
+              <a:rPr lang="en-US" sz="2400" dirty="0" smtClean="0"/>
+              <a:t>use of </a:t>
             </a:r>
             <a:r>
               <a:rPr lang="en-US" sz="2400" dirty="0" err="1" smtClean="0"/>
@@ -18573,7 +18814,11 @@
             </a:pPr>
             <a:r>
               <a:rPr lang="en-US" sz="2400" dirty="0" smtClean="0"/>
-              <a:t>commit on a </a:t>
+              <a:t>Commit </a:t>
+            </a:r>
+            <a:r>
+              <a:rPr lang="en-US" sz="2400" dirty="0" smtClean="0"/>
+              <a:t>on a </a:t>
             </a:r>
             <a:r>
               <a:rPr lang="en-US" sz="2400" dirty="0" smtClean="0">
@@ -18598,7 +18843,7 @@
             </a:pPr>
             <a:r>
               <a:rPr lang="en-US" sz="2400" dirty="0" smtClean="0"/>
-              <a:t>commit </a:t>
+              <a:t>Commit </a:t>
             </a:r>
             <a:r>
               <a:rPr lang="en-US" sz="2400" dirty="0" smtClean="0">
@@ -18643,7 +18888,11 @@
             </a:pPr>
             <a:r>
               <a:rPr lang="en-US" sz="2400" dirty="0" smtClean="0"/>
-              <a:t>commits should be </a:t>
+              <a:t>Commits </a:t>
+            </a:r>
+            <a:r>
+              <a:rPr lang="en-US" sz="2400" dirty="0" smtClean="0"/>
+              <a:t>should be </a:t>
             </a:r>
             <a:r>
               <a:rPr lang="en-US" sz="2400" dirty="0" smtClean="0">
@@ -18668,7 +18917,11 @@
             </a:pPr>
             <a:r>
               <a:rPr lang="en-US" sz="2400" dirty="0" smtClean="0"/>
-              <a:t>on exam day, the last state of the </a:t>
+              <a:t>On </a:t>
+            </a:r>
+            <a:r>
+              <a:rPr lang="en-US" sz="2400" dirty="0" smtClean="0"/>
+              <a:t>exam day, the last state of the </a:t>
             </a:r>
             <a:r>
               <a:rPr lang="en-US" sz="2400" dirty="0" smtClean="0">
@@ -20016,7 +20269,15 @@
                   <a:srgbClr val="81D4FA"/>
                 </a:solidFill>
               </a:rPr>
-              <a:t>division of labor </a:t>
+              <a:t>Division </a:t>
+            </a:r>
+            <a:r>
+              <a:rPr lang="en-US" sz="2400" dirty="0" smtClean="0">
+                <a:solidFill>
+                  <a:srgbClr val="81D4FA"/>
+                </a:solidFill>
+              </a:rPr>
+              <a:t>of labor </a:t>
             </a:r>
             <a:r>
               <a:rPr lang="en-US" sz="2400" dirty="0" smtClean="0"/>
@@ -20037,7 +20298,15 @@
                   <a:srgbClr val="81D4FA"/>
                 </a:solidFill>
               </a:rPr>
-              <a:t>file corruptions </a:t>
+              <a:t>File </a:t>
+            </a:r>
+            <a:r>
+              <a:rPr lang="en-US" sz="2400" dirty="0" smtClean="0">
+                <a:solidFill>
+                  <a:srgbClr val="81D4FA"/>
+                </a:solidFill>
+              </a:rPr>
+              <a:t>corruptions </a:t>
             </a:r>
             <a:r>
               <a:rPr lang="en-US" sz="2400" dirty="0" smtClean="0"/>
@@ -20070,11 +20339,15 @@
                   <a:srgbClr val="81D4FA"/>
                 </a:solidFill>
               </a:rPr>
-              <a:t>undo</a:t>
-            </a:r>
-            <a:r>
-              <a:rPr lang="en-US" sz="2400" dirty="0" smtClean="0"/>
-              <a:t> changes?</a:t>
+              <a:t>Undo</a:t>
+            </a:r>
+            <a:r>
+              <a:rPr lang="en-US" sz="2400" dirty="0" smtClean="0"/>
+              <a:t> </a:t>
+            </a:r>
+            <a:r>
+              <a:rPr lang="en-US" sz="2400" dirty="0" smtClean="0"/>
+              <a:t>changes?</a:t>
             </a:r>
           </a:p>
           <a:p>
@@ -20087,7 +20360,11 @@
             </a:pPr>
             <a:r>
               <a:rPr lang="en-US" sz="2400" dirty="0" smtClean="0"/>
-              <a:t>versioning?</a:t>
+              <a:t>Versioning</a:t>
+            </a:r>
+            <a:r>
+              <a:rPr lang="en-US" sz="2400" dirty="0" smtClean="0"/>
+              <a:t>?</a:t>
             </a:r>
           </a:p>
           <a:p>
@@ -20100,7 +20377,11 @@
             </a:pPr>
             <a:r>
               <a:rPr lang="en-US" sz="2400" dirty="0" smtClean="0"/>
-              <a:t>recover from </a:t>
+              <a:t>Recover </a:t>
+            </a:r>
+            <a:r>
+              <a:rPr lang="en-US" sz="2400" dirty="0" smtClean="0"/>
+              <a:t>from </a:t>
             </a:r>
             <a:r>
               <a:rPr lang="en-US" sz="2400" dirty="0" smtClean="0">
@@ -20156,20 +20437,12 @@
               <a:buChar char="•"/>
             </a:pPr>
             <a:r>
-              <a:rPr lang="en-US" sz="2400" dirty="0" smtClean="0"/>
-              <a:t>What is the current </a:t>
-            </a:r>
-            <a:r>
               <a:rPr lang="en-US" sz="2400" dirty="0" smtClean="0">
                 <a:solidFill>
-                  <a:srgbClr val="81D4FA"/>
-                </a:solidFill>
-              </a:rPr>
-              <a:t>common work base</a:t>
-            </a:r>
-            <a:r>
-              <a:rPr lang="en-US" sz="2400" dirty="0" smtClean="0"/>
-              <a:t>?</a:t>
+                  <a:srgbClr val="FFFF00"/>
+                </a:solidFill>
+              </a:rPr>
+              <a:t>What is the current common work base?</a:t>
             </a:r>
           </a:p>
           <a:p>
@@ -20333,8 +20606,9 @@
             </a:pPr>
             <a:r>
               <a:rPr lang="en-US" sz="2400" dirty="0" smtClean="0"/>
-              <a:t>be careful</a:t>
-            </a:r>
+              <a:t>Be careful!</a:t>
+            </a:r>
+            <a:endParaRPr lang="en-US" sz="2400" dirty="0" smtClean="0"/>
           </a:p>
           <a:p>
             <a:pPr marL="342900" indent="-342900">
@@ -20346,7 +20620,11 @@
             </a:pPr>
             <a:r>
               <a:rPr lang="en-US" sz="2400" dirty="0" smtClean="0"/>
-              <a:t>read the </a:t>
+              <a:t>Read </a:t>
+            </a:r>
+            <a:r>
+              <a:rPr lang="en-US" sz="2400" dirty="0" smtClean="0"/>
+              <a:t>the </a:t>
             </a:r>
             <a:r>
               <a:rPr lang="en-US" sz="2400" dirty="0" smtClean="0">
@@ -20356,6 +20634,11 @@
               </a:rPr>
               <a:t>documentation</a:t>
             </a:r>
+            <a:r>
+              <a:rPr lang="en-US" sz="2400" dirty="0" smtClean="0"/>
+              <a:t>!</a:t>
+            </a:r>
+            <a:endParaRPr lang="en-US" sz="2400" dirty="0" smtClean="0"/>
           </a:p>
           <a:p>
             <a:pPr marL="342900" indent="-342900">
@@ -20367,7 +20650,11 @@
             </a:pPr>
             <a:r>
               <a:rPr lang="en-US" sz="2400" dirty="0" smtClean="0"/>
-              <a:t>do not blame the software, blame </a:t>
+              <a:t>Do </a:t>
+            </a:r>
+            <a:r>
+              <a:rPr lang="en-US" sz="2400" dirty="0" smtClean="0"/>
+              <a:t>not blame the software, blame </a:t>
             </a:r>
             <a:r>
               <a:rPr lang="en-US" sz="2400" dirty="0" smtClean="0">
@@ -20377,6 +20664,11 @@
               </a:rPr>
               <a:t>yourself</a:t>
             </a:r>
+            <a:r>
+              <a:rPr lang="en-US" sz="2400" dirty="0" smtClean="0"/>
+              <a:t>!</a:t>
+            </a:r>
+            <a:endParaRPr lang="en-US" sz="2400" dirty="0" smtClean="0"/>
           </a:p>
           <a:p>
             <a:pPr marL="342900" indent="-342900">
@@ -20388,7 +20680,11 @@
             </a:pPr>
             <a:r>
               <a:rPr lang="en-US" sz="2400" dirty="0" smtClean="0"/>
-              <a:t>talk to each other to </a:t>
+              <a:t>Talk </a:t>
+            </a:r>
+            <a:r>
+              <a:rPr lang="en-US" sz="2400" dirty="0" smtClean="0"/>
+              <a:t>to each other to </a:t>
             </a:r>
             <a:r>
               <a:rPr lang="en-US" sz="2400" dirty="0" smtClean="0">
@@ -20396,8 +20692,21 @@
                   <a:srgbClr val="81D4FA"/>
                 </a:solidFill>
               </a:rPr>
-              <a:t>avoid conflicts</a:t>
-            </a:r>
+              <a:t>avoid </a:t>
+            </a:r>
+            <a:r>
+              <a:rPr lang="en-US" sz="2400" dirty="0" smtClean="0">
+                <a:solidFill>
+                  <a:srgbClr val="81D4FA"/>
+                </a:solidFill>
+              </a:rPr>
+              <a:t>conflicts</a:t>
+            </a:r>
+            <a:r>
+              <a:rPr lang="en-US" sz="2400" dirty="0" smtClean="0"/>
+              <a:t>!</a:t>
+            </a:r>
+            <a:endParaRPr lang="en-US" sz="2400" dirty="0" smtClean="0"/>
           </a:p>
           <a:p>
             <a:pPr>
@@ -20531,9 +20840,25 @@
           <a:bodyPr/>
           <a:lstStyle/>
           <a:p>
+            <a:pPr algn="ctr"/>
             <a:r>
               <a:rPr lang="en-US" dirty="0" smtClean="0"/>
-              <a:t>Questions remaining?</a:t>
+              <a:t>Any questions </a:t>
+            </a:r>
+            <a:r>
+              <a:rPr lang="en-US" dirty="0" smtClean="0"/>
+              <a:t>remaining</a:t>
+            </a:r>
+            <a:r>
+              <a:rPr lang="en-US" dirty="0" smtClean="0"/>
+              <a:t>?</a:t>
+            </a:r>
+          </a:p>
+          <a:p>
+            <a:pPr algn="ctr"/>
+            <a:r>
+              <a:rPr lang="en-US" dirty="0" smtClean="0"/>
+              <a:t>Please ask!</a:t>
             </a:r>
             <a:endParaRPr lang="de-DE" dirty="0"/>
           </a:p>
@@ -20822,11 +21147,15 @@
                   <a:srgbClr val="81D4FA"/>
                 </a:solidFill>
               </a:rPr>
-              <a:t>recover</a:t>
-            </a:r>
-            <a:r>
-              <a:rPr lang="en-US" sz="2400" dirty="0" smtClean="0"/>
-              <a:t> previous states</a:t>
+              <a:t>Recover</a:t>
+            </a:r>
+            <a:r>
+              <a:rPr lang="en-US" sz="2400" dirty="0" smtClean="0"/>
+              <a:t> </a:t>
+            </a:r>
+            <a:r>
+              <a:rPr lang="en-US" sz="2400" dirty="0" smtClean="0"/>
+              <a:t>previous states</a:t>
             </a:r>
           </a:p>
           <a:p>
@@ -20839,7 +21168,11 @@
             </a:pPr>
             <a:r>
               <a:rPr lang="en-US" sz="2400" dirty="0" smtClean="0"/>
-              <a:t>automatic integration (</a:t>
+              <a:t>Automatic </a:t>
+            </a:r>
+            <a:r>
+              <a:rPr lang="en-US" sz="2400" dirty="0" smtClean="0"/>
+              <a:t>integration (</a:t>
             </a:r>
             <a:r>
               <a:rPr lang="en-US" sz="2400" dirty="0" smtClean="0">
@@ -20864,7 +21197,11 @@
             </a:pPr>
             <a:r>
               <a:rPr lang="en-US" sz="2400" dirty="0" smtClean="0"/>
-              <a:t>essential for organization of </a:t>
+              <a:t>Essential </a:t>
+            </a:r>
+            <a:r>
+              <a:rPr lang="en-US" sz="2400" dirty="0" smtClean="0"/>
+              <a:t>for organization of </a:t>
             </a:r>
             <a:r>
               <a:rPr lang="en-US" sz="2400" dirty="0" smtClean="0">
@@ -21143,7 +21480,7 @@
                   <a:srgbClr val="81D4FA"/>
                 </a:solidFill>
               </a:rPr>
-              <a:t>distributed </a:t>
+              <a:t>Distributed </a:t>
             </a:r>
             <a:r>
               <a:rPr lang="en-US" sz="2400" dirty="0" smtClean="0"/>
@@ -21164,7 +21501,7 @@
                   <a:srgbClr val="81D4FA"/>
                 </a:solidFill>
               </a:rPr>
-              <a:t>cooperative </a:t>
+              <a:t>Cooperative </a:t>
             </a:r>
             <a:r>
               <a:rPr lang="en-US" sz="2400" dirty="0" smtClean="0"/>
@@ -21181,7 +21518,11 @@
             </a:pPr>
             <a:r>
               <a:rPr lang="en-US" sz="2400" dirty="0" smtClean="0"/>
-              <a:t>managing projects in form of </a:t>
+              <a:t>Managing </a:t>
+            </a:r>
+            <a:r>
+              <a:rPr lang="en-US" sz="2400" dirty="0" smtClean="0"/>
+              <a:t>projects in form of </a:t>
             </a:r>
             <a:r>
               <a:rPr lang="en-US" sz="2400" dirty="0" smtClean="0">
@@ -21202,7 +21543,11 @@
             </a:pPr>
             <a:r>
               <a:rPr lang="en-US" sz="2400" dirty="0" smtClean="0"/>
-              <a:t>support by web-based hosting services like </a:t>
+              <a:t>Support </a:t>
+            </a:r>
+            <a:r>
+              <a:rPr lang="en-US" sz="2400" dirty="0" smtClean="0"/>
+              <a:t>by web-based hosting services like </a:t>
             </a:r>
             <a:r>
               <a:rPr lang="en-US" sz="2400" dirty="0" smtClean="0">
@@ -21240,7 +21585,11 @@
             </a:pPr>
             <a:r>
               <a:rPr lang="en-US" sz="2400" dirty="0" smtClean="0"/>
-              <a:t>available for </a:t>
+              <a:t>Available </a:t>
+            </a:r>
+            <a:r>
+              <a:rPr lang="en-US" sz="2400" dirty="0" smtClean="0"/>
+              <a:t>for </a:t>
             </a:r>
             <a:r>
               <a:rPr lang="en-US" sz="2400" dirty="0" smtClean="0">
@@ -21521,7 +21870,11 @@
             </a:pPr>
             <a:r>
               <a:rPr lang="en-US" sz="2400" dirty="0" smtClean="0"/>
-              <a:t>every developer works on a </a:t>
+              <a:t>Every </a:t>
+            </a:r>
+            <a:r>
+              <a:rPr lang="en-US" sz="2400" dirty="0" smtClean="0"/>
+              <a:t>developer works on a </a:t>
             </a:r>
             <a:r>
               <a:rPr lang="en-US" sz="2400" dirty="0" smtClean="0">
@@ -21584,7 +21937,11 @@
             </a:pPr>
             <a:r>
               <a:rPr lang="en-US" sz="2400" dirty="0" smtClean="0"/>
-              <a:t>commits are published on </a:t>
+              <a:t>Commits </a:t>
+            </a:r>
+            <a:r>
+              <a:rPr lang="en-US" sz="2400" dirty="0" smtClean="0"/>
+              <a:t>are published on </a:t>
             </a:r>
             <a:r>
               <a:rPr lang="en-US" sz="2400" dirty="0" smtClean="0">
@@ -21606,7 +21963,11 @@
             </a:pPr>
             <a:r>
               <a:rPr lang="en-US" sz="2400" dirty="0" smtClean="0"/>
-              <a:t>developers can integrate</a:t>
+              <a:t>Developers </a:t>
+            </a:r>
+            <a:r>
+              <a:rPr lang="en-US" sz="2400" dirty="0" smtClean="0"/>
+              <a:t>can integrate</a:t>
             </a:r>
             <a:r>
               <a:rPr lang="en-US" sz="2400" dirty="0" smtClean="0">
